--- a/Docs/Presentations/Slides/#5 design and subsystems.pptx
+++ b/Docs/Presentations/Slides/#5 design and subsystems.pptx
@@ -205,7 +205,7 @@
           <a:p>
             <a:fld id="{44E562D0-84FD-411E-8C3F-A36A948BC859}" type="datetimeFigureOut">
               <a:rPr lang="en-US" smtClean="0"/>
-              <a:t>6/5/2017</a:t>
+              <a:t>6/6/2017</a:t>
             </a:fld>
             <a:endParaRPr lang="en-US"/>
           </a:p>
@@ -370,7 +370,7 @@
           <a:p>
             <a:fld id="{66175D2C-1B39-43F9-A837-A8832EDEE424}" type="datetimeFigureOut">
               <a:rPr lang="en-US" smtClean="0"/>
-              <a:t>6/5/2017</a:t>
+              <a:t>6/6/2017</a:t>
             </a:fld>
             <a:endParaRPr lang="en-US"/>
           </a:p>
@@ -1105,7 +1105,7 @@
           <a:p>
             <a:fld id="{A3262095-DDFB-454B-A6DA-90DBA20ABDC0}" type="datetime1">
               <a:rPr lang="en-US" smtClean="0"/>
-              <a:t>6/5/2017</a:t>
+              <a:t>6/6/2017</a:t>
             </a:fld>
             <a:endParaRPr lang="en-US"/>
           </a:p>
@@ -1275,7 +1275,7 @@
           <a:p>
             <a:fld id="{B5E7B701-CC3D-4513-A491-644406E6E0F3}" type="datetime1">
               <a:rPr lang="en-US" smtClean="0"/>
-              <a:t>6/5/2017</a:t>
+              <a:t>6/6/2017</a:t>
             </a:fld>
             <a:endParaRPr lang="en-US"/>
           </a:p>
@@ -1455,7 +1455,7 @@
           <a:p>
             <a:fld id="{06394014-7AF7-469C-99A4-D8404E64CDA7}" type="datetime1">
               <a:rPr lang="en-US" smtClean="0"/>
-              <a:t>6/5/2017</a:t>
+              <a:t>6/6/2017</a:t>
             </a:fld>
             <a:endParaRPr lang="en-US"/>
           </a:p>
@@ -1625,7 +1625,7 @@
           <a:p>
             <a:fld id="{F0E725F3-5DDC-43C9-9B04-B0DA72289B5F}" type="datetime1">
               <a:rPr lang="en-US" smtClean="0"/>
-              <a:t>6/5/2017</a:t>
+              <a:t>6/6/2017</a:t>
             </a:fld>
             <a:endParaRPr lang="en-US"/>
           </a:p>
@@ -1871,7 +1871,7 @@
           <a:p>
             <a:fld id="{EC13F56B-DA0B-4D08-9588-D2C5E58A8A05}" type="datetime1">
               <a:rPr lang="en-US" smtClean="0"/>
-              <a:t>6/5/2017</a:t>
+              <a:t>6/6/2017</a:t>
             </a:fld>
             <a:endParaRPr lang="en-US"/>
           </a:p>
@@ -2103,7 +2103,7 @@
           <a:p>
             <a:fld id="{299C329F-D0C2-462C-B78C-73BED02F6B3A}" type="datetime1">
               <a:rPr lang="en-US" smtClean="0"/>
-              <a:t>6/5/2017</a:t>
+              <a:t>6/6/2017</a:t>
             </a:fld>
             <a:endParaRPr lang="en-US"/>
           </a:p>
@@ -2470,7 +2470,7 @@
           <a:p>
             <a:fld id="{D9794D81-9A86-4611-8F90-73F29CC9E4B5}" type="datetime1">
               <a:rPr lang="en-US" smtClean="0"/>
-              <a:t>6/5/2017</a:t>
+              <a:t>6/6/2017</a:t>
             </a:fld>
             <a:endParaRPr lang="en-US"/>
           </a:p>
@@ -2588,7 +2588,7 @@
           <a:p>
             <a:fld id="{D68F34C9-1C3C-47F7-B45B-284099DAC214}" type="datetime1">
               <a:rPr lang="en-US" smtClean="0"/>
-              <a:t>6/5/2017</a:t>
+              <a:t>6/6/2017</a:t>
             </a:fld>
             <a:endParaRPr lang="en-US"/>
           </a:p>
@@ -2683,7 +2683,7 @@
           <a:p>
             <a:fld id="{1967B72D-8EFB-4381-8B1D-B7106AB7E466}" type="datetime1">
               <a:rPr lang="en-US" smtClean="0"/>
-              <a:t>6/5/2017</a:t>
+              <a:t>6/6/2017</a:t>
             </a:fld>
             <a:endParaRPr lang="en-US"/>
           </a:p>
@@ -2960,7 +2960,7 @@
           <a:p>
             <a:fld id="{5EDFAFED-D5AA-4784-B428-C75142A947D6}" type="datetime1">
               <a:rPr lang="en-US" smtClean="0"/>
-              <a:t>6/5/2017</a:t>
+              <a:t>6/6/2017</a:t>
             </a:fld>
             <a:endParaRPr lang="en-US"/>
           </a:p>
@@ -3213,7 +3213,7 @@
           <a:p>
             <a:fld id="{43BCD765-5746-4CF0-A4A3-8D605663D487}" type="datetime1">
               <a:rPr lang="en-US" smtClean="0"/>
-              <a:t>6/5/2017</a:t>
+              <a:t>6/6/2017</a:t>
             </a:fld>
             <a:endParaRPr lang="en-US"/>
           </a:p>
@@ -3426,7 +3426,7 @@
           <a:p>
             <a:fld id="{9CCE6136-CE43-4DBF-98E4-9D97BE59DE46}" type="datetime1">
               <a:rPr lang="en-US" smtClean="0"/>
-              <a:t>6/5/2017</a:t>
+              <a:t>6/6/2017</a:t>
             </a:fld>
             <a:endParaRPr lang="en-US"/>
           </a:p>
@@ -4416,7 +4416,6 @@
               <a:rPr lang="en-US" dirty="0" smtClean="0"/>
               <a:t>To insert: </a:t>
             </a:r>
-            <a:endParaRPr lang="en-US" dirty="0" smtClean="0"/>
           </a:p>
           <a:p>
             <a:r>
@@ -4429,7 +4428,6 @@
               <a:rPr lang="en-US" dirty="0" smtClean="0"/>
               <a:t>Actual Testing Assembly – High res photo</a:t>
             </a:r>
-            <a:endParaRPr lang="en-US" dirty="0" smtClean="0"/>
           </a:p>
         </p:txBody>
       </p:sp>
@@ -4463,9 +4461,12 @@
           <a:p>
             <a:r>
               <a:rPr lang="en-US" dirty="0" smtClean="0"/>
-              <a:t>High level look at the thing we created: a testing and development platform for an electric feed system </a:t>
-            </a:r>
-            <a:endParaRPr lang="en-US" dirty="0" smtClean="0"/>
+              <a:t>look </a:t>
+            </a:r>
+            <a:r>
+              <a:rPr lang="en-US" dirty="0" smtClean="0"/>
+              <a:t>at the thing we created: a testing and development platform for an electric feed system </a:t>
+            </a:r>
           </a:p>
         </p:txBody>
       </p:sp>
@@ -4666,7 +4667,6 @@
               <a:rPr lang="en-US" dirty="0" smtClean="0"/>
               <a:t>To insert: </a:t>
             </a:r>
-            <a:endParaRPr lang="en-US" dirty="0" smtClean="0"/>
           </a:p>
           <a:p>
             <a:r>
@@ -4706,11 +4706,7 @@
           <a:p>
             <a:r>
               <a:rPr lang="en-US" dirty="0" smtClean="0"/>
-              <a:t>Notes</a:t>
-            </a:r>
-            <a:r>
-              <a:rPr lang="en-US" dirty="0" smtClean="0"/>
-              <a:t>:</a:t>
+              <a:t>Notes:</a:t>
             </a:r>
           </a:p>
           <a:p>
@@ -4752,7 +4748,6 @@
               <a:rPr lang="en-US" dirty="0" smtClean="0"/>
               <a:t>Shaft </a:t>
             </a:r>
-            <a:endParaRPr lang="en-US" dirty="0" smtClean="0"/>
           </a:p>
         </p:txBody>
       </p:sp>
@@ -4953,7 +4948,6 @@
               <a:rPr lang="en-US" dirty="0" smtClean="0"/>
               <a:t>To insert: </a:t>
             </a:r>
-            <a:endParaRPr lang="en-US" dirty="0" smtClean="0"/>
           </a:p>
           <a:p>
             <a:r>
@@ -4996,11 +4990,7 @@
           <a:p>
             <a:r>
               <a:rPr lang="en-US" dirty="0" smtClean="0"/>
-              <a:t>Notes</a:t>
-            </a:r>
-            <a:r>
-              <a:rPr lang="en-US" dirty="0" smtClean="0"/>
-              <a:t>:</a:t>
+              <a:t>Notes:</a:t>
             </a:r>
           </a:p>
           <a:p>
@@ -5021,7 +5011,6 @@
               <a:rPr lang="en-US" dirty="0" smtClean="0"/>
               <a:t>Motor / esc / battery / control</a:t>
             </a:r>
-            <a:endParaRPr lang="en-US" dirty="0" smtClean="0"/>
           </a:p>
           <a:p>
             <a:pPr lvl="1"/>
@@ -5036,7 +5025,6 @@
               <a:rPr lang="en-US" dirty="0" smtClean="0"/>
               <a:t>Motor coupling – Alignment and verifying runout  (angular / offset)</a:t>
             </a:r>
-            <a:endParaRPr lang="en-US" dirty="0" smtClean="0"/>
           </a:p>
         </p:txBody>
       </p:sp>
@@ -5237,7 +5225,6 @@
               <a:rPr lang="en-US" dirty="0" smtClean="0"/>
               <a:t>To insert: </a:t>
             </a:r>
-            <a:endParaRPr lang="en-US" dirty="0" smtClean="0"/>
           </a:p>
           <a:p>
             <a:r>
@@ -5256,7 +5243,6 @@
               <a:rPr lang="en-US" dirty="0" smtClean="0"/>
               <a:t>Photo of DAQ / measurement / harness</a:t>
             </a:r>
-            <a:endParaRPr lang="en-US" dirty="0" smtClean="0"/>
           </a:p>
         </p:txBody>
       </p:sp>
@@ -5284,11 +5270,7 @@
           <a:p>
             <a:r>
               <a:rPr lang="en-US" dirty="0" smtClean="0"/>
-              <a:t>Notes</a:t>
-            </a:r>
-            <a:r>
-              <a:rPr lang="en-US" dirty="0" smtClean="0"/>
-              <a:t>:</a:t>
+              <a:t>Notes:</a:t>
             </a:r>
           </a:p>
           <a:p>
@@ -5309,7 +5291,6 @@
               <a:rPr lang="en-US" dirty="0" smtClean="0"/>
               <a:t>Tank, suction line, discharge, experimental procedure, cooling </a:t>
             </a:r>
-            <a:endParaRPr lang="en-US" dirty="0" smtClean="0"/>
           </a:p>
           <a:p>
             <a:pPr lvl="1"/>
@@ -5328,7 +5309,6 @@
               <a:rPr lang="en-US" dirty="0" smtClean="0"/>
               <a:t>Pressure, flow, RPM, Torque</a:t>
             </a:r>
-            <a:endParaRPr lang="en-US" dirty="0" smtClean="0"/>
           </a:p>
           <a:p>
             <a:pPr lvl="1"/>

--- a/Docs/Presentations/Slides/#5 design and subsystems.pptx
+++ b/Docs/Presentations/Slides/#5 design and subsystems.pptx
@@ -5,18 +5,19 @@
     <p:sldMasterId id="2147483660" r:id="rId1"/>
   </p:sldMasterIdLst>
   <p:notesMasterIdLst>
-    <p:notesMasterId r:id="rId8"/>
+    <p:notesMasterId r:id="rId9"/>
   </p:notesMasterIdLst>
   <p:handoutMasterIdLst>
-    <p:handoutMasterId r:id="rId9"/>
+    <p:handoutMasterId r:id="rId10"/>
   </p:handoutMasterIdLst>
   <p:sldIdLst>
     <p:sldId id="257" r:id="rId2"/>
     <p:sldId id="258" r:id="rId3"/>
     <p:sldId id="256" r:id="rId4"/>
-    <p:sldId id="261" r:id="rId5"/>
-    <p:sldId id="262" r:id="rId6"/>
-    <p:sldId id="263" r:id="rId7"/>
+    <p:sldId id="264" r:id="rId5"/>
+    <p:sldId id="261" r:id="rId6"/>
+    <p:sldId id="262" r:id="rId7"/>
+    <p:sldId id="263" r:id="rId8"/>
   </p:sldIdLst>
   <p:sldSz cx="12192000" cy="6858000"/>
   <p:notesSz cx="6858000" cy="9144000"/>
@@ -796,7 +797,7 @@
     </p:spTree>
     <p:extLst>
       <p:ext uri="{BB962C8B-B14F-4D97-AF65-F5344CB8AC3E}">
-        <p14:creationId xmlns:p14="http://schemas.microsoft.com/office/powerpoint/2010/main" val="2024971173"/>
+        <p14:creationId xmlns:p14="http://schemas.microsoft.com/office/powerpoint/2010/main" val="2165485284"/>
       </p:ext>
     </p:extLst>
   </p:cSld>
@@ -880,7 +881,7 @@
     </p:spTree>
     <p:extLst>
       <p:ext uri="{BB962C8B-B14F-4D97-AF65-F5344CB8AC3E}">
-        <p14:creationId xmlns:p14="http://schemas.microsoft.com/office/powerpoint/2010/main" val="3608499839"/>
+        <p14:creationId xmlns:p14="http://schemas.microsoft.com/office/powerpoint/2010/main" val="2024971173"/>
       </p:ext>
     </p:extLst>
   </p:cSld>
@@ -956,6 +957,90 @@
             <a:fld id="{41270EAE-2722-4055-9DC6-0148D79BD176}" type="slidenum">
               <a:rPr lang="en-US" smtClean="0"/>
               <a:t>6</a:t>
+            </a:fld>
+            <a:endParaRPr lang="en-US"/>
+          </a:p>
+        </p:txBody>
+      </p:sp>
+    </p:spTree>
+    <p:extLst>
+      <p:ext uri="{BB962C8B-B14F-4D97-AF65-F5344CB8AC3E}">
+        <p14:creationId xmlns:p14="http://schemas.microsoft.com/office/powerpoint/2010/main" val="3608499839"/>
+      </p:ext>
+    </p:extLst>
+  </p:cSld>
+  <p:clrMapOvr>
+    <a:masterClrMapping/>
+  </p:clrMapOvr>
+</p:notes>
+</file>
+
+<file path=ppt/notesSlides/notesSlide5.xml><?xml version="1.0" encoding="utf-8"?>
+<p:notes xmlns:a="http://schemas.openxmlformats.org/drawingml/2006/main" xmlns:r="http://schemas.openxmlformats.org/officeDocument/2006/relationships" xmlns:p="http://schemas.openxmlformats.org/presentationml/2006/main">
+  <p:cSld>
+    <p:spTree>
+      <p:nvGrpSpPr>
+        <p:cNvPr id="1" name=""/>
+        <p:cNvGrpSpPr/>
+        <p:nvPr/>
+      </p:nvGrpSpPr>
+      <p:grpSpPr>
+        <a:xfrm>
+          <a:off x="0" y="0"/>
+          <a:ext cx="0" cy="0"/>
+          <a:chOff x="0" y="0"/>
+          <a:chExt cx="0" cy="0"/>
+        </a:xfrm>
+      </p:grpSpPr>
+      <p:sp>
+        <p:nvSpPr>
+          <p:cNvPr id="2" name="Slide Image Placeholder 1"/>
+          <p:cNvSpPr>
+            <a:spLocks noGrp="1" noRot="1" noChangeAspect="1"/>
+          </p:cNvSpPr>
+          <p:nvPr>
+            <p:ph type="sldImg"/>
+          </p:nvPr>
+        </p:nvSpPr>
+        <p:spPr/>
+      </p:sp>
+      <p:sp>
+        <p:nvSpPr>
+          <p:cNvPr id="3" name="Notes Placeholder 2"/>
+          <p:cNvSpPr>
+            <a:spLocks noGrp="1"/>
+          </p:cNvSpPr>
+          <p:nvPr>
+            <p:ph type="body" idx="1"/>
+          </p:nvPr>
+        </p:nvSpPr>
+        <p:spPr/>
+        <p:txBody>
+          <a:bodyPr/>
+          <a:lstStyle/>
+          <a:p>
+            <a:endParaRPr lang="en-US"/>
+          </a:p>
+        </p:txBody>
+      </p:sp>
+      <p:sp>
+        <p:nvSpPr>
+          <p:cNvPr id="4" name="Slide Number Placeholder 3"/>
+          <p:cNvSpPr>
+            <a:spLocks noGrp="1"/>
+          </p:cNvSpPr>
+          <p:nvPr>
+            <p:ph type="sldNum" sz="quarter" idx="10"/>
+          </p:nvPr>
+        </p:nvSpPr>
+        <p:spPr/>
+        <p:txBody>
+          <a:bodyPr/>
+          <a:lstStyle/>
+          <a:p>
+            <a:fld id="{41270EAE-2722-4055-9DC6-0148D79BD176}" type="slidenum">
+              <a:rPr lang="en-US" smtClean="0"/>
+              <a:t>7</a:t>
             </a:fld>
             <a:endParaRPr lang="en-US"/>
           </a:p>
@@ -4461,11 +4546,7 @@
           <a:p>
             <a:r>
               <a:rPr lang="en-US" dirty="0" smtClean="0"/>
-              <a:t>look </a:t>
-            </a:r>
-            <a:r>
-              <a:rPr lang="en-US" dirty="0" smtClean="0"/>
-              <a:t>at the thing we created: a testing and development platform for an electric feed system </a:t>
+              <a:t>look at the thing we created: a testing and development platform for an electric feed system </a:t>
             </a:r>
           </a:p>
         </p:txBody>
@@ -4500,6 +4581,110 @@
           </a:fontRef>
         </p:style>
       </p:cxnSp>
+      <p:pic>
+        <p:nvPicPr>
+          <p:cNvPr id="2" name="Picture 1"/>
+          <p:cNvPicPr>
+            <a:picLocks noChangeAspect="1"/>
+          </p:cNvPicPr>
+          <p:nvPr/>
+        </p:nvPicPr>
+        <p:blipFill>
+          <a:blip r:embed="rId3"/>
+          <a:stretch>
+            <a:fillRect/>
+          </a:stretch>
+        </p:blipFill>
+        <p:spPr>
+          <a:xfrm>
+            <a:off x="4637598" y="2160268"/>
+            <a:ext cx="4668461" cy="2808371"/>
+          </a:xfrm>
+          <a:prstGeom prst="rect">
+            <a:avLst/>
+          </a:prstGeom>
+        </p:spPr>
+      </p:pic>
+      <p:sp>
+        <p:nvSpPr>
+          <p:cNvPr id="3" name="Right Arrow 2"/>
+          <p:cNvSpPr/>
+          <p:nvPr/>
+        </p:nvSpPr>
+        <p:spPr>
+          <a:xfrm rot="19594044">
+            <a:off x="4358212" y="4380271"/>
+            <a:ext cx="486697" cy="302342"/>
+          </a:xfrm>
+          <a:prstGeom prst="rightArrow">
+            <a:avLst/>
+          </a:prstGeom>
+        </p:spPr>
+        <p:style>
+          <a:lnRef idx="2">
+            <a:schemeClr val="accent1">
+              <a:shade val="50000"/>
+            </a:schemeClr>
+          </a:lnRef>
+          <a:fillRef idx="1">
+            <a:schemeClr val="accent1"/>
+          </a:fillRef>
+          <a:effectRef idx="0">
+            <a:schemeClr val="accent1"/>
+          </a:effectRef>
+          <a:fontRef idx="minor">
+            <a:schemeClr val="lt1"/>
+          </a:fontRef>
+        </p:style>
+        <p:txBody>
+          <a:bodyPr rtlCol="0" anchor="ctr"/>
+          <a:lstStyle/>
+          <a:p>
+            <a:pPr algn="ctr"/>
+            <a:endParaRPr lang="en-US"/>
+          </a:p>
+        </p:txBody>
+      </p:sp>
+      <p:sp>
+        <p:nvSpPr>
+          <p:cNvPr id="10" name="Right Arrow 9"/>
+          <p:cNvSpPr/>
+          <p:nvPr/>
+        </p:nvSpPr>
+        <p:spPr>
+          <a:xfrm rot="1731662">
+            <a:off x="7584640" y="4486580"/>
+            <a:ext cx="486697" cy="302342"/>
+          </a:xfrm>
+          <a:prstGeom prst="rightArrow">
+            <a:avLst/>
+          </a:prstGeom>
+        </p:spPr>
+        <p:style>
+          <a:lnRef idx="2">
+            <a:schemeClr val="accent1">
+              <a:shade val="50000"/>
+            </a:schemeClr>
+          </a:lnRef>
+          <a:fillRef idx="1">
+            <a:schemeClr val="accent1"/>
+          </a:fillRef>
+          <a:effectRef idx="0">
+            <a:schemeClr val="accent1"/>
+          </a:effectRef>
+          <a:fontRef idx="minor">
+            <a:schemeClr val="lt1"/>
+          </a:fontRef>
+        </p:style>
+        <p:txBody>
+          <a:bodyPr rtlCol="0" anchor="ctr"/>
+          <a:lstStyle/>
+          <a:p>
+            <a:pPr algn="ctr"/>
+            <a:endParaRPr lang="en-US"/>
+          </a:p>
+        </p:txBody>
+      </p:sp>
     </p:spTree>
     <p:extLst>
       <p:ext uri="{BB962C8B-B14F-4D97-AF65-F5344CB8AC3E}">
@@ -4614,7 +4799,7 @@
         <p:spPr>
           <a:xfrm>
             <a:off x="128788" y="0"/>
-            <a:ext cx="1685077" cy="276999"/>
+            <a:ext cx="1445589" cy="276999"/>
           </a:xfrm>
           <a:prstGeom prst="rect">
             <a:avLst/>
@@ -4632,7 +4817,7 @@
                 <a:latin typeface="Garamond" panose="02020404030301010803" pitchFamily="18" charset="0"/>
                 <a:cs typeface="Times New Roman" panose="02020603050405020304" pitchFamily="18" charset="0"/>
               </a:rPr>
-              <a:t>Final Design: Subsystem </a:t>
+              <a:t>Final Design: Review</a:t>
             </a:r>
             <a:endParaRPr lang="en-US" sz="1200" dirty="0">
               <a:latin typeface="Garamond" panose="02020404030301010803" pitchFamily="18" charset="0"/>
@@ -4649,8 +4834,8 @@
         </p:nvSpPr>
         <p:spPr>
           <a:xfrm>
-            <a:off x="7127762" y="276999"/>
-            <a:ext cx="6490448" cy="923330"/>
+            <a:off x="7121987" y="-1079475"/>
+            <a:ext cx="6490448" cy="1200329"/>
           </a:xfrm>
           <a:prstGeom prst="rect">
             <a:avLst/>
@@ -4671,14 +4856,17 @@
           <a:p>
             <a:r>
               <a:rPr lang="en-US" dirty="0" smtClean="0"/>
-              <a:t>Quarter section – CAD </a:t>
+              <a:t>WIT	 </a:t>
             </a:r>
           </a:p>
           <a:p>
             <a:r>
               <a:rPr lang="en-US" dirty="0" smtClean="0"/>
-              <a:t>Photo of the pump w/ casing – High Res</a:t>
-            </a:r>
+              <a:t>SECTION VIEW</a:t>
+            </a:r>
+          </a:p>
+          <a:p>
+            <a:endParaRPr lang="en-US" dirty="0" smtClean="0"/>
           </a:p>
         </p:txBody>
       </p:sp>
@@ -4690,8 +4878,8 @@
         </p:nvSpPr>
         <p:spPr>
           <a:xfrm>
-            <a:off x="0" y="553998"/>
-            <a:ext cx="7339263" cy="2031325"/>
+            <a:off x="0" y="-1264141"/>
+            <a:ext cx="7339263" cy="646331"/>
           </a:xfrm>
           <a:prstGeom prst="rect">
             <a:avLst/>
@@ -4712,42 +4900,9 @@
           <a:p>
             <a:r>
               <a:rPr lang="en-US" dirty="0" smtClean="0"/>
-              <a:t>Subsystem breakdown:</a:t>
-            </a:r>
-          </a:p>
-          <a:p>
-            <a:r>
-              <a:rPr lang="en-US" dirty="0" smtClean="0"/>
-              <a:t>Pump:</a:t>
-            </a:r>
-          </a:p>
-          <a:p>
-            <a:pPr lvl="1"/>
-            <a:r>
-              <a:rPr lang="en-US" dirty="0" smtClean="0"/>
-              <a:t>Bearing system</a:t>
-            </a:r>
-          </a:p>
-          <a:p>
-            <a:pPr lvl="1"/>
-            <a:r>
-              <a:rPr lang="en-US" dirty="0" smtClean="0"/>
-              <a:t>Seal system </a:t>
-            </a:r>
-          </a:p>
-          <a:p>
-            <a:pPr lvl="1"/>
-            <a:r>
-              <a:rPr lang="en-US" dirty="0" smtClean="0"/>
-              <a:t>Hydraulic system ( volute, impeller, diffuser) – highlight modular design</a:t>
-            </a:r>
-          </a:p>
-          <a:p>
-            <a:pPr lvl="1"/>
-            <a:r>
-              <a:rPr lang="en-US" dirty="0" smtClean="0"/>
-              <a:t>Shaft </a:t>
-            </a:r>
+              <a:t>Hydraulic design</a:t>
+            </a:r>
+            <a:endParaRPr lang="en-US" dirty="0" smtClean="0"/>
           </a:p>
         </p:txBody>
       </p:sp>
@@ -4781,10 +4936,3125 @@
           </a:fontRef>
         </p:style>
       </p:cxnSp>
+      <p:graphicFrame>
+        <p:nvGraphicFramePr>
+          <p:cNvPr id="7" name="Table 6"/>
+          <p:cNvGraphicFramePr>
+            <a:graphicFrameLocks noGrp="1"/>
+          </p:cNvGraphicFramePr>
+          <p:nvPr>
+            <p:extLst>
+              <p:ext uri="{D42A27DB-BD31-4B8C-83A1-F6EECF244321}">
+                <p14:modId xmlns:p14="http://schemas.microsoft.com/office/powerpoint/2010/main" val="564932479"/>
+              </p:ext>
+            </p:extLst>
+          </p:nvPr>
+        </p:nvGraphicFramePr>
+        <p:xfrm>
+          <a:off x="242198" y="2817959"/>
+          <a:ext cx="3975100" cy="3088005"/>
+        </p:xfrm>
+        <a:graphic>
+          <a:graphicData uri="http://schemas.openxmlformats.org/drawingml/2006/table">
+            <a:tbl>
+              <a:tblPr/>
+              <a:tblGrid>
+                <a:gridCol w="974664">
+                  <a:extLst>
+                    <a:ext uri="{9D8B030D-6E8A-4147-A177-3AD203B41FA5}">
+                      <a16:colId xmlns:a16="http://schemas.microsoft.com/office/drawing/2014/main" val="1647850059"/>
+                    </a:ext>
+                  </a:extLst>
+                </a:gridCol>
+                <a:gridCol w="974664">
+                  <a:extLst>
+                    <a:ext uri="{9D8B030D-6E8A-4147-A177-3AD203B41FA5}">
+                      <a16:colId xmlns:a16="http://schemas.microsoft.com/office/drawing/2014/main" val="3265084093"/>
+                    </a:ext>
+                  </a:extLst>
+                </a:gridCol>
+                <a:gridCol w="974664">
+                  <a:extLst>
+                    <a:ext uri="{9D8B030D-6E8A-4147-A177-3AD203B41FA5}">
+                      <a16:colId xmlns:a16="http://schemas.microsoft.com/office/drawing/2014/main" val="51091536"/>
+                    </a:ext>
+                  </a:extLst>
+                </a:gridCol>
+                <a:gridCol w="525554">
+                  <a:extLst>
+                    <a:ext uri="{9D8B030D-6E8A-4147-A177-3AD203B41FA5}">
+                      <a16:colId xmlns:a16="http://schemas.microsoft.com/office/drawing/2014/main" val="1702757298"/>
+                    </a:ext>
+                  </a:extLst>
+                </a:gridCol>
+                <a:gridCol w="525554">
+                  <a:extLst>
+                    <a:ext uri="{9D8B030D-6E8A-4147-A177-3AD203B41FA5}">
+                      <a16:colId xmlns:a16="http://schemas.microsoft.com/office/drawing/2014/main" val="253780003"/>
+                    </a:ext>
+                  </a:extLst>
+                </a:gridCol>
+              </a:tblGrid>
+              <a:tr h="219075">
+                <a:tc gridSpan="5">
+                  <a:txBody>
+                    <a:bodyPr/>
+                    <a:lstStyle/>
+                    <a:p>
+                      <a:pPr algn="ctr" fontAlgn="ctr"/>
+                      <a:r>
+                        <a:rPr lang="en-US" sz="1200" b="1" i="0" u="none" strike="noStrike">
+                          <a:solidFill>
+                            <a:srgbClr val="000000"/>
+                          </a:solidFill>
+                          <a:effectLst/>
+                          <a:latin typeface="Times New Roman" panose="02020603050405020304" pitchFamily="18" charset="0"/>
+                        </a:rPr>
+                        <a:t>Structure parameters of EFS partial emission pump</a:t>
+                      </a:r>
+                    </a:p>
+                  </a:txBody>
+                  <a:tcPr marL="9525" marR="9525" marT="9525" marB="0" anchor="ctr">
+                    <a:lnL>
+                      <a:noFill/>
+                    </a:lnL>
+                    <a:lnR>
+                      <a:noFill/>
+                    </a:lnR>
+                    <a:lnT>
+                      <a:noFill/>
+                    </a:lnT>
+                    <a:lnB>
+                      <a:noFill/>
+                    </a:lnB>
+                  </a:tcPr>
+                </a:tc>
+                <a:tc hMerge="1">
+                  <a:txBody>
+                    <a:bodyPr/>
+                    <a:lstStyle/>
+                    <a:p>
+                      <a:endParaRPr lang="en-US"/>
+                    </a:p>
+                  </a:txBody>
+                  <a:tcPr/>
+                </a:tc>
+                <a:tc hMerge="1">
+                  <a:txBody>
+                    <a:bodyPr/>
+                    <a:lstStyle/>
+                    <a:p>
+                      <a:endParaRPr lang="en-US"/>
+                    </a:p>
+                  </a:txBody>
+                  <a:tcPr/>
+                </a:tc>
+                <a:tc hMerge="1">
+                  <a:txBody>
+                    <a:bodyPr/>
+                    <a:lstStyle/>
+                    <a:p>
+                      <a:endParaRPr lang="en-US"/>
+                    </a:p>
+                  </a:txBody>
+                  <a:tcPr/>
+                </a:tc>
+                <a:tc hMerge="1">
+                  <a:txBody>
+                    <a:bodyPr/>
+                    <a:lstStyle/>
+                    <a:p>
+                      <a:endParaRPr lang="en-US"/>
+                    </a:p>
+                  </a:txBody>
+                  <a:tcPr/>
+                </a:tc>
+                <a:extLst>
+                  <a:ext uri="{0D108BD9-81ED-4DB2-BD59-A6C34878D82A}">
+                    <a16:rowId xmlns:a16="http://schemas.microsoft.com/office/drawing/2014/main" val="1681879689"/>
+                  </a:ext>
+                </a:extLst>
+              </a:tr>
+              <a:tr h="38100">
+                <a:tc>
+                  <a:txBody>
+                    <a:bodyPr/>
+                    <a:lstStyle/>
+                    <a:p>
+                      <a:pPr algn="l" fontAlgn="b"/>
+                      <a:r>
+                        <a:rPr lang="en-US" sz="1100" b="0" i="0" u="none" strike="noStrike">
+                          <a:solidFill>
+                            <a:srgbClr val="000000"/>
+                          </a:solidFill>
+                          <a:effectLst/>
+                          <a:latin typeface="Times New Roman" panose="02020603050405020304" pitchFamily="18" charset="0"/>
+                        </a:rPr>
+                        <a:t> </a:t>
+                      </a:r>
+                    </a:p>
+                  </a:txBody>
+                  <a:tcPr marL="9525" marR="9525" marT="9525" marB="0" anchor="b">
+                    <a:lnL>
+                      <a:noFill/>
+                    </a:lnL>
+                    <a:lnR>
+                      <a:noFill/>
+                    </a:lnR>
+                    <a:lnT>
+                      <a:noFill/>
+                    </a:lnT>
+                    <a:lnB w="19050" cap="flat" cmpd="sng" algn="ctr">
+                      <a:solidFill>
+                        <a:srgbClr val="000000"/>
+                      </a:solidFill>
+                      <a:prstDash val="solid"/>
+                      <a:round/>
+                      <a:headEnd type="none" w="med" len="med"/>
+                      <a:tailEnd type="none" w="med" len="med"/>
+                    </a:lnB>
+                  </a:tcPr>
+                </a:tc>
+                <a:tc>
+                  <a:txBody>
+                    <a:bodyPr/>
+                    <a:lstStyle/>
+                    <a:p>
+                      <a:pPr algn="l" fontAlgn="b"/>
+                      <a:r>
+                        <a:rPr lang="en-US" sz="1100" b="0" i="0" u="none" strike="noStrike">
+                          <a:solidFill>
+                            <a:srgbClr val="000000"/>
+                          </a:solidFill>
+                          <a:effectLst/>
+                          <a:latin typeface="Times New Roman" panose="02020603050405020304" pitchFamily="18" charset="0"/>
+                        </a:rPr>
+                        <a:t> </a:t>
+                      </a:r>
+                    </a:p>
+                  </a:txBody>
+                  <a:tcPr marL="9525" marR="9525" marT="9525" marB="0" anchor="b">
+                    <a:lnL>
+                      <a:noFill/>
+                    </a:lnL>
+                    <a:lnR>
+                      <a:noFill/>
+                    </a:lnR>
+                    <a:lnT>
+                      <a:noFill/>
+                    </a:lnT>
+                    <a:lnB w="19050" cap="flat" cmpd="sng" algn="ctr">
+                      <a:solidFill>
+                        <a:srgbClr val="000000"/>
+                      </a:solidFill>
+                      <a:prstDash val="solid"/>
+                      <a:round/>
+                      <a:headEnd type="none" w="med" len="med"/>
+                      <a:tailEnd type="none" w="med" len="med"/>
+                    </a:lnB>
+                  </a:tcPr>
+                </a:tc>
+                <a:tc>
+                  <a:txBody>
+                    <a:bodyPr/>
+                    <a:lstStyle/>
+                    <a:p>
+                      <a:pPr algn="l" fontAlgn="b"/>
+                      <a:r>
+                        <a:rPr lang="en-US" sz="1100" b="0" i="0" u="none" strike="noStrike">
+                          <a:solidFill>
+                            <a:srgbClr val="000000"/>
+                          </a:solidFill>
+                          <a:effectLst/>
+                          <a:latin typeface="Times New Roman" panose="02020603050405020304" pitchFamily="18" charset="0"/>
+                        </a:rPr>
+                        <a:t> </a:t>
+                      </a:r>
+                    </a:p>
+                  </a:txBody>
+                  <a:tcPr marL="9525" marR="9525" marT="9525" marB="0" anchor="b">
+                    <a:lnL>
+                      <a:noFill/>
+                    </a:lnL>
+                    <a:lnR>
+                      <a:noFill/>
+                    </a:lnR>
+                    <a:lnT>
+                      <a:noFill/>
+                    </a:lnT>
+                    <a:lnB w="19050" cap="flat" cmpd="sng" algn="ctr">
+                      <a:solidFill>
+                        <a:srgbClr val="000000"/>
+                      </a:solidFill>
+                      <a:prstDash val="solid"/>
+                      <a:round/>
+                      <a:headEnd type="none" w="med" len="med"/>
+                      <a:tailEnd type="none" w="med" len="med"/>
+                    </a:lnB>
+                  </a:tcPr>
+                </a:tc>
+                <a:tc>
+                  <a:txBody>
+                    <a:bodyPr/>
+                    <a:lstStyle/>
+                    <a:p>
+                      <a:pPr algn="l" fontAlgn="b"/>
+                      <a:r>
+                        <a:rPr lang="en-US" sz="1100" b="0" i="0" u="none" strike="noStrike">
+                          <a:solidFill>
+                            <a:srgbClr val="000000"/>
+                          </a:solidFill>
+                          <a:effectLst/>
+                          <a:latin typeface="Times New Roman" panose="02020603050405020304" pitchFamily="18" charset="0"/>
+                        </a:rPr>
+                        <a:t> </a:t>
+                      </a:r>
+                    </a:p>
+                  </a:txBody>
+                  <a:tcPr marL="9525" marR="9525" marT="9525" marB="0" anchor="b">
+                    <a:lnL>
+                      <a:noFill/>
+                    </a:lnL>
+                    <a:lnR>
+                      <a:noFill/>
+                    </a:lnR>
+                    <a:lnT>
+                      <a:noFill/>
+                    </a:lnT>
+                    <a:lnB w="19050" cap="flat" cmpd="sng" algn="ctr">
+                      <a:solidFill>
+                        <a:srgbClr val="000000"/>
+                      </a:solidFill>
+                      <a:prstDash val="solid"/>
+                      <a:round/>
+                      <a:headEnd type="none" w="med" len="med"/>
+                      <a:tailEnd type="none" w="med" len="med"/>
+                    </a:lnB>
+                  </a:tcPr>
+                </a:tc>
+                <a:tc>
+                  <a:txBody>
+                    <a:bodyPr/>
+                    <a:lstStyle/>
+                    <a:p>
+                      <a:pPr algn="l" fontAlgn="b"/>
+                      <a:r>
+                        <a:rPr lang="en-US" sz="1100" b="0" i="0" u="none" strike="noStrike">
+                          <a:solidFill>
+                            <a:srgbClr val="000000"/>
+                          </a:solidFill>
+                          <a:effectLst/>
+                          <a:latin typeface="Times New Roman" panose="02020603050405020304" pitchFamily="18" charset="0"/>
+                        </a:rPr>
+                        <a:t> </a:t>
+                      </a:r>
+                    </a:p>
+                  </a:txBody>
+                  <a:tcPr marL="9525" marR="9525" marT="9525" marB="0" anchor="b">
+                    <a:lnL>
+                      <a:noFill/>
+                    </a:lnL>
+                    <a:lnR>
+                      <a:noFill/>
+                    </a:lnR>
+                    <a:lnT>
+                      <a:noFill/>
+                    </a:lnT>
+                    <a:lnB w="19050" cap="flat" cmpd="sng" algn="ctr">
+                      <a:solidFill>
+                        <a:srgbClr val="000000"/>
+                      </a:solidFill>
+                      <a:prstDash val="solid"/>
+                      <a:round/>
+                      <a:headEnd type="none" w="med" len="med"/>
+                      <a:tailEnd type="none" w="med" len="med"/>
+                    </a:lnB>
+                  </a:tcPr>
+                </a:tc>
+                <a:extLst>
+                  <a:ext uri="{0D108BD9-81ED-4DB2-BD59-A6C34878D82A}">
+                    <a16:rowId xmlns:a16="http://schemas.microsoft.com/office/drawing/2014/main" val="1865151319"/>
+                  </a:ext>
+                </a:extLst>
+              </a:tr>
+              <a:tr h="257175">
+                <a:tc gridSpan="3">
+                  <a:txBody>
+                    <a:bodyPr/>
+                    <a:lstStyle/>
+                    <a:p>
+                      <a:pPr algn="ctr" fontAlgn="b"/>
+                      <a:r>
+                        <a:rPr lang="en-US" sz="1400" b="1" i="0" u="none" strike="noStrike">
+                          <a:solidFill>
+                            <a:srgbClr val="000000"/>
+                          </a:solidFill>
+                          <a:effectLst/>
+                          <a:latin typeface="Times New Roman" panose="02020603050405020304" pitchFamily="18" charset="0"/>
+                        </a:rPr>
+                        <a:t>Discription</a:t>
+                      </a:r>
+                    </a:p>
+                  </a:txBody>
+                  <a:tcPr marL="9525" marR="9525" marT="9525" marB="0" anchor="b">
+                    <a:lnL>
+                      <a:noFill/>
+                    </a:lnL>
+                    <a:lnR>
+                      <a:noFill/>
+                    </a:lnR>
+                    <a:lnT w="19050" cap="flat" cmpd="sng" algn="ctr">
+                      <a:solidFill>
+                        <a:srgbClr val="000000"/>
+                      </a:solidFill>
+                      <a:prstDash val="solid"/>
+                      <a:round/>
+                      <a:headEnd type="none" w="med" len="med"/>
+                      <a:tailEnd type="none" w="med" len="med"/>
+                    </a:lnT>
+                    <a:lnB w="19050" cap="flat" cmpd="sng" algn="ctr">
+                      <a:solidFill>
+                        <a:srgbClr val="000000"/>
+                      </a:solidFill>
+                      <a:prstDash val="solid"/>
+                      <a:round/>
+                      <a:headEnd type="none" w="med" len="med"/>
+                      <a:tailEnd type="none" w="med" len="med"/>
+                    </a:lnB>
+                  </a:tcPr>
+                </a:tc>
+                <a:tc hMerge="1">
+                  <a:txBody>
+                    <a:bodyPr/>
+                    <a:lstStyle/>
+                    <a:p>
+                      <a:endParaRPr lang="en-US"/>
+                    </a:p>
+                  </a:txBody>
+                  <a:tcPr/>
+                </a:tc>
+                <a:tc hMerge="1">
+                  <a:txBody>
+                    <a:bodyPr/>
+                    <a:lstStyle/>
+                    <a:p>
+                      <a:endParaRPr lang="en-US"/>
+                    </a:p>
+                  </a:txBody>
+                  <a:tcPr/>
+                </a:tc>
+                <a:tc gridSpan="2">
+                  <a:txBody>
+                    <a:bodyPr/>
+                    <a:lstStyle/>
+                    <a:p>
+                      <a:pPr algn="ctr" fontAlgn="b"/>
+                      <a:r>
+                        <a:rPr lang="en-US" sz="1400" b="1" i="0" u="none" strike="noStrike">
+                          <a:solidFill>
+                            <a:srgbClr val="000000"/>
+                          </a:solidFill>
+                          <a:effectLst/>
+                          <a:latin typeface="Times New Roman" panose="02020603050405020304" pitchFamily="18" charset="0"/>
+                        </a:rPr>
+                        <a:t>Value</a:t>
+                      </a:r>
+                    </a:p>
+                  </a:txBody>
+                  <a:tcPr marL="9525" marR="9525" marT="9525" marB="0" anchor="b">
+                    <a:lnL>
+                      <a:noFill/>
+                    </a:lnL>
+                    <a:lnR>
+                      <a:noFill/>
+                    </a:lnR>
+                    <a:lnT w="19050" cap="flat" cmpd="sng" algn="ctr">
+                      <a:solidFill>
+                        <a:srgbClr val="000000"/>
+                      </a:solidFill>
+                      <a:prstDash val="solid"/>
+                      <a:round/>
+                      <a:headEnd type="none" w="med" len="med"/>
+                      <a:tailEnd type="none" w="med" len="med"/>
+                    </a:lnT>
+                    <a:lnB w="19050" cap="flat" cmpd="sng" algn="ctr">
+                      <a:solidFill>
+                        <a:srgbClr val="000000"/>
+                      </a:solidFill>
+                      <a:prstDash val="solid"/>
+                      <a:round/>
+                      <a:headEnd type="none" w="med" len="med"/>
+                      <a:tailEnd type="none" w="med" len="med"/>
+                    </a:lnB>
+                  </a:tcPr>
+                </a:tc>
+                <a:tc hMerge="1">
+                  <a:txBody>
+                    <a:bodyPr/>
+                    <a:lstStyle/>
+                    <a:p>
+                      <a:endParaRPr lang="en-US"/>
+                    </a:p>
+                  </a:txBody>
+                  <a:tcPr/>
+                </a:tc>
+                <a:extLst>
+                  <a:ext uri="{0D108BD9-81ED-4DB2-BD59-A6C34878D82A}">
+                    <a16:rowId xmlns:a16="http://schemas.microsoft.com/office/drawing/2014/main" val="3559394498"/>
+                  </a:ext>
+                </a:extLst>
+              </a:tr>
+              <a:tr h="57150">
+                <a:tc gridSpan="3">
+                  <a:txBody>
+                    <a:bodyPr/>
+                    <a:lstStyle/>
+                    <a:p>
+                      <a:pPr algn="ctr" fontAlgn="b"/>
+                      <a:endParaRPr lang="en-US" sz="1100" b="0" i="0" u="none" strike="noStrike">
+                        <a:solidFill>
+                          <a:srgbClr val="000000"/>
+                        </a:solidFill>
+                        <a:effectLst/>
+                        <a:latin typeface="Times New Roman" panose="02020603050405020304" pitchFamily="18" charset="0"/>
+                      </a:endParaRPr>
+                    </a:p>
+                  </a:txBody>
+                  <a:tcPr marL="9525" marR="9525" marT="9525" marB="0" anchor="b">
+                    <a:lnL>
+                      <a:noFill/>
+                    </a:lnL>
+                    <a:lnR>
+                      <a:noFill/>
+                    </a:lnR>
+                    <a:lnT w="19050" cap="flat" cmpd="sng" algn="ctr">
+                      <a:solidFill>
+                        <a:srgbClr val="000000"/>
+                      </a:solidFill>
+                      <a:prstDash val="solid"/>
+                      <a:round/>
+                      <a:headEnd type="none" w="med" len="med"/>
+                      <a:tailEnd type="none" w="med" len="med"/>
+                    </a:lnT>
+                    <a:lnB>
+                      <a:noFill/>
+                    </a:lnB>
+                  </a:tcPr>
+                </a:tc>
+                <a:tc hMerge="1">
+                  <a:txBody>
+                    <a:bodyPr/>
+                    <a:lstStyle/>
+                    <a:p>
+                      <a:endParaRPr lang="en-US"/>
+                    </a:p>
+                  </a:txBody>
+                  <a:tcPr/>
+                </a:tc>
+                <a:tc hMerge="1">
+                  <a:txBody>
+                    <a:bodyPr/>
+                    <a:lstStyle/>
+                    <a:p>
+                      <a:endParaRPr lang="en-US"/>
+                    </a:p>
+                  </a:txBody>
+                  <a:tcPr/>
+                </a:tc>
+                <a:tc>
+                  <a:txBody>
+                    <a:bodyPr/>
+                    <a:lstStyle/>
+                    <a:p>
+                      <a:pPr algn="l" fontAlgn="b"/>
+                      <a:endParaRPr lang="en-US" sz="1100" b="0" i="0" u="none" strike="noStrike">
+                        <a:solidFill>
+                          <a:srgbClr val="000000"/>
+                        </a:solidFill>
+                        <a:effectLst/>
+                        <a:latin typeface="Times New Roman" panose="02020603050405020304" pitchFamily="18" charset="0"/>
+                      </a:endParaRPr>
+                    </a:p>
+                  </a:txBody>
+                  <a:tcPr marL="9525" marR="9525" marT="9525" marB="0" anchor="b">
+                    <a:lnL>
+                      <a:noFill/>
+                    </a:lnL>
+                    <a:lnR>
+                      <a:noFill/>
+                    </a:lnR>
+                    <a:lnT w="19050" cap="flat" cmpd="sng" algn="ctr">
+                      <a:solidFill>
+                        <a:srgbClr val="000000"/>
+                      </a:solidFill>
+                      <a:prstDash val="solid"/>
+                      <a:round/>
+                      <a:headEnd type="none" w="med" len="med"/>
+                      <a:tailEnd type="none" w="med" len="med"/>
+                    </a:lnT>
+                    <a:lnB>
+                      <a:noFill/>
+                    </a:lnB>
+                  </a:tcPr>
+                </a:tc>
+                <a:tc>
+                  <a:txBody>
+                    <a:bodyPr/>
+                    <a:lstStyle/>
+                    <a:p>
+                      <a:pPr algn="l" fontAlgn="b"/>
+                      <a:endParaRPr lang="en-US" sz="1100" b="0" i="0" u="none" strike="noStrike">
+                        <a:solidFill>
+                          <a:srgbClr val="000000"/>
+                        </a:solidFill>
+                        <a:effectLst/>
+                        <a:latin typeface="Times New Roman" panose="02020603050405020304" pitchFamily="18" charset="0"/>
+                      </a:endParaRPr>
+                    </a:p>
+                  </a:txBody>
+                  <a:tcPr marL="9525" marR="9525" marT="9525" marB="0" anchor="b">
+                    <a:lnL>
+                      <a:noFill/>
+                    </a:lnL>
+                    <a:lnR>
+                      <a:noFill/>
+                    </a:lnR>
+                    <a:lnT w="19050" cap="flat" cmpd="sng" algn="ctr">
+                      <a:solidFill>
+                        <a:srgbClr val="000000"/>
+                      </a:solidFill>
+                      <a:prstDash val="solid"/>
+                      <a:round/>
+                      <a:headEnd type="none" w="med" len="med"/>
+                      <a:tailEnd type="none" w="med" len="med"/>
+                    </a:lnT>
+                    <a:lnB>
+                      <a:noFill/>
+                    </a:lnB>
+                  </a:tcPr>
+                </a:tc>
+                <a:extLst>
+                  <a:ext uri="{0D108BD9-81ED-4DB2-BD59-A6C34878D82A}">
+                    <a16:rowId xmlns:a16="http://schemas.microsoft.com/office/drawing/2014/main" val="305494558"/>
+                  </a:ext>
+                </a:extLst>
+              </a:tr>
+              <a:tr h="228600">
+                <a:tc gridSpan="3">
+                  <a:txBody>
+                    <a:bodyPr/>
+                    <a:lstStyle/>
+                    <a:p>
+                      <a:pPr algn="ctr" fontAlgn="ctr"/>
+                      <a:r>
+                        <a:rPr lang="en-US" sz="1100" b="0" i="0" u="none" strike="noStrike">
+                          <a:solidFill>
+                            <a:srgbClr val="000000"/>
+                          </a:solidFill>
+                          <a:effectLst/>
+                          <a:latin typeface="Times New Roman" panose="02020603050405020304" pitchFamily="18" charset="0"/>
+                        </a:rPr>
+                        <a:t>Impeller Outlet Diameter D</a:t>
+                      </a:r>
+                      <a:r>
+                        <a:rPr lang="en-US" sz="1100" b="0" i="0" u="none" strike="noStrike" baseline="-25000">
+                          <a:solidFill>
+                            <a:srgbClr val="000000"/>
+                          </a:solidFill>
+                          <a:effectLst/>
+                          <a:latin typeface="Times New Roman" panose="02020603050405020304" pitchFamily="18" charset="0"/>
+                        </a:rPr>
+                        <a:t>2</a:t>
+                      </a:r>
+                      <a:r>
+                        <a:rPr lang="en-US" sz="1100" b="0" i="0" u="none" strike="noStrike">
+                          <a:solidFill>
+                            <a:srgbClr val="000000"/>
+                          </a:solidFill>
+                          <a:effectLst/>
+                          <a:latin typeface="Times New Roman" panose="02020603050405020304" pitchFamily="18" charset="0"/>
+                        </a:rPr>
+                        <a:t>(in)</a:t>
+                      </a:r>
+                    </a:p>
+                  </a:txBody>
+                  <a:tcPr marL="9525" marR="9525" marT="9525" marB="0" anchor="ctr">
+                    <a:lnL>
+                      <a:noFill/>
+                    </a:lnL>
+                    <a:lnR>
+                      <a:noFill/>
+                    </a:lnR>
+                    <a:lnT>
+                      <a:noFill/>
+                    </a:lnT>
+                    <a:lnB>
+                      <a:noFill/>
+                    </a:lnB>
+                  </a:tcPr>
+                </a:tc>
+                <a:tc hMerge="1">
+                  <a:txBody>
+                    <a:bodyPr/>
+                    <a:lstStyle/>
+                    <a:p>
+                      <a:endParaRPr lang="en-US"/>
+                    </a:p>
+                  </a:txBody>
+                  <a:tcPr/>
+                </a:tc>
+                <a:tc hMerge="1">
+                  <a:txBody>
+                    <a:bodyPr/>
+                    <a:lstStyle/>
+                    <a:p>
+                      <a:endParaRPr lang="en-US"/>
+                    </a:p>
+                  </a:txBody>
+                  <a:tcPr/>
+                </a:tc>
+                <a:tc gridSpan="2">
+                  <a:txBody>
+                    <a:bodyPr/>
+                    <a:lstStyle/>
+                    <a:p>
+                      <a:pPr algn="ctr" fontAlgn="ctr"/>
+                      <a:r>
+                        <a:rPr lang="en-US" sz="1100" b="0" i="0" u="none" strike="noStrike">
+                          <a:solidFill>
+                            <a:srgbClr val="000000"/>
+                          </a:solidFill>
+                          <a:effectLst/>
+                          <a:latin typeface="Times New Roman" panose="02020603050405020304" pitchFamily="18" charset="0"/>
+                        </a:rPr>
+                        <a:t>2.1</a:t>
+                      </a:r>
+                    </a:p>
+                  </a:txBody>
+                  <a:tcPr marL="9525" marR="9525" marT="9525" marB="0" anchor="ctr">
+                    <a:lnL>
+                      <a:noFill/>
+                    </a:lnL>
+                    <a:lnR>
+                      <a:noFill/>
+                    </a:lnR>
+                    <a:lnT>
+                      <a:noFill/>
+                    </a:lnT>
+                    <a:lnB>
+                      <a:noFill/>
+                    </a:lnB>
+                  </a:tcPr>
+                </a:tc>
+                <a:tc hMerge="1">
+                  <a:txBody>
+                    <a:bodyPr/>
+                    <a:lstStyle/>
+                    <a:p>
+                      <a:endParaRPr lang="en-US"/>
+                    </a:p>
+                  </a:txBody>
+                  <a:tcPr/>
+                </a:tc>
+                <a:extLst>
+                  <a:ext uri="{0D108BD9-81ED-4DB2-BD59-A6C34878D82A}">
+                    <a16:rowId xmlns:a16="http://schemas.microsoft.com/office/drawing/2014/main" val="3368603486"/>
+                  </a:ext>
+                </a:extLst>
+              </a:tr>
+              <a:tr h="228600">
+                <a:tc gridSpan="3">
+                  <a:txBody>
+                    <a:bodyPr/>
+                    <a:lstStyle/>
+                    <a:p>
+                      <a:pPr algn="ctr" fontAlgn="ctr"/>
+                      <a:r>
+                        <a:rPr lang="en-US" sz="1100" b="0" i="0" u="none" strike="noStrike">
+                          <a:solidFill>
+                            <a:srgbClr val="000000"/>
+                          </a:solidFill>
+                          <a:effectLst/>
+                          <a:latin typeface="Times New Roman" panose="02020603050405020304" pitchFamily="18" charset="0"/>
+                        </a:rPr>
+                        <a:t>Impeller Blade width b</a:t>
+                      </a:r>
+                      <a:r>
+                        <a:rPr lang="en-US" sz="1100" b="0" i="0" u="none" strike="noStrike" baseline="-25000">
+                          <a:solidFill>
+                            <a:srgbClr val="000000"/>
+                          </a:solidFill>
+                          <a:effectLst/>
+                          <a:latin typeface="Times New Roman" panose="02020603050405020304" pitchFamily="18" charset="0"/>
+                        </a:rPr>
+                        <a:t>2</a:t>
+                      </a:r>
+                      <a:r>
+                        <a:rPr lang="en-US" sz="1100" b="0" i="0" u="none" strike="noStrike">
+                          <a:solidFill>
+                            <a:srgbClr val="000000"/>
+                          </a:solidFill>
+                          <a:effectLst/>
+                          <a:latin typeface="Times New Roman" panose="02020603050405020304" pitchFamily="18" charset="0"/>
+                        </a:rPr>
+                        <a:t>(in)</a:t>
+                      </a:r>
+                    </a:p>
+                  </a:txBody>
+                  <a:tcPr marL="9525" marR="9525" marT="9525" marB="0" anchor="ctr">
+                    <a:lnL>
+                      <a:noFill/>
+                    </a:lnL>
+                    <a:lnR>
+                      <a:noFill/>
+                    </a:lnR>
+                    <a:lnT>
+                      <a:noFill/>
+                    </a:lnT>
+                    <a:lnB>
+                      <a:noFill/>
+                    </a:lnB>
+                  </a:tcPr>
+                </a:tc>
+                <a:tc hMerge="1">
+                  <a:txBody>
+                    <a:bodyPr/>
+                    <a:lstStyle/>
+                    <a:p>
+                      <a:endParaRPr lang="en-US"/>
+                    </a:p>
+                  </a:txBody>
+                  <a:tcPr/>
+                </a:tc>
+                <a:tc hMerge="1">
+                  <a:txBody>
+                    <a:bodyPr/>
+                    <a:lstStyle/>
+                    <a:p>
+                      <a:endParaRPr lang="en-US"/>
+                    </a:p>
+                  </a:txBody>
+                  <a:tcPr/>
+                </a:tc>
+                <a:tc gridSpan="2">
+                  <a:txBody>
+                    <a:bodyPr/>
+                    <a:lstStyle/>
+                    <a:p>
+                      <a:pPr algn="ctr" fontAlgn="ctr"/>
+                      <a:r>
+                        <a:rPr lang="en-US" sz="1100" b="0" i="0" u="none" strike="noStrike">
+                          <a:solidFill>
+                            <a:srgbClr val="000000"/>
+                          </a:solidFill>
+                          <a:effectLst/>
+                          <a:latin typeface="Times New Roman" panose="02020603050405020304" pitchFamily="18" charset="0"/>
+                        </a:rPr>
+                        <a:t>0.2</a:t>
+                      </a:r>
+                    </a:p>
+                  </a:txBody>
+                  <a:tcPr marL="9525" marR="9525" marT="9525" marB="0" anchor="ctr">
+                    <a:lnL>
+                      <a:noFill/>
+                    </a:lnL>
+                    <a:lnR>
+                      <a:noFill/>
+                    </a:lnR>
+                    <a:lnT>
+                      <a:noFill/>
+                    </a:lnT>
+                    <a:lnB>
+                      <a:noFill/>
+                    </a:lnB>
+                  </a:tcPr>
+                </a:tc>
+                <a:tc hMerge="1">
+                  <a:txBody>
+                    <a:bodyPr/>
+                    <a:lstStyle/>
+                    <a:p>
+                      <a:endParaRPr lang="en-US"/>
+                    </a:p>
+                  </a:txBody>
+                  <a:tcPr/>
+                </a:tc>
+                <a:extLst>
+                  <a:ext uri="{0D108BD9-81ED-4DB2-BD59-A6C34878D82A}">
+                    <a16:rowId xmlns:a16="http://schemas.microsoft.com/office/drawing/2014/main" val="762103072"/>
+                  </a:ext>
+                </a:extLst>
+              </a:tr>
+              <a:tr h="228600">
+                <a:tc gridSpan="3">
+                  <a:txBody>
+                    <a:bodyPr/>
+                    <a:lstStyle/>
+                    <a:p>
+                      <a:pPr algn="ctr" fontAlgn="ctr"/>
+                      <a:r>
+                        <a:rPr lang="en-US" sz="1100" b="0" i="0" u="none" strike="noStrike" dirty="0">
+                          <a:solidFill>
+                            <a:srgbClr val="000000"/>
+                          </a:solidFill>
+                          <a:effectLst/>
+                          <a:latin typeface="Times New Roman" panose="02020603050405020304" pitchFamily="18" charset="0"/>
+                        </a:rPr>
+                        <a:t>Discharge Throat Diameter </a:t>
+                      </a:r>
+                      <a:r>
+                        <a:rPr lang="en-US" sz="1100" b="0" i="0" u="none" strike="noStrike" dirty="0" smtClean="0">
+                          <a:solidFill>
+                            <a:srgbClr val="000000"/>
+                          </a:solidFill>
+                          <a:effectLst/>
+                          <a:latin typeface="Times New Roman" panose="02020603050405020304" pitchFamily="18" charset="0"/>
+                        </a:rPr>
+                        <a:t>D</a:t>
+                      </a:r>
+                      <a:r>
+                        <a:rPr lang="en-US" sz="1100" b="0" i="0" u="none" strike="noStrike" baseline="-25000" dirty="0" smtClean="0">
+                          <a:solidFill>
+                            <a:srgbClr val="000000"/>
+                          </a:solidFill>
+                          <a:effectLst/>
+                          <a:latin typeface="Times New Roman" panose="02020603050405020304" pitchFamily="18" charset="0"/>
+                        </a:rPr>
+                        <a:t>1</a:t>
+                      </a:r>
+                      <a:r>
+                        <a:rPr lang="en-US" sz="1100" b="0" i="0" u="none" strike="noStrike" dirty="0" smtClean="0">
+                          <a:solidFill>
+                            <a:srgbClr val="000000"/>
+                          </a:solidFill>
+                          <a:effectLst/>
+                          <a:latin typeface="Times New Roman" panose="02020603050405020304" pitchFamily="18" charset="0"/>
+                        </a:rPr>
+                        <a:t>(in</a:t>
+                      </a:r>
+                      <a:r>
+                        <a:rPr lang="en-US" sz="1100" b="0" i="0" u="none" strike="noStrike" dirty="0">
+                          <a:solidFill>
+                            <a:srgbClr val="000000"/>
+                          </a:solidFill>
+                          <a:effectLst/>
+                          <a:latin typeface="Times New Roman" panose="02020603050405020304" pitchFamily="18" charset="0"/>
+                        </a:rPr>
+                        <a:t>)</a:t>
+                      </a:r>
+                    </a:p>
+                  </a:txBody>
+                  <a:tcPr marL="9525" marR="9525" marT="9525" marB="0" anchor="ctr">
+                    <a:lnL>
+                      <a:noFill/>
+                    </a:lnL>
+                    <a:lnR>
+                      <a:noFill/>
+                    </a:lnR>
+                    <a:lnT>
+                      <a:noFill/>
+                    </a:lnT>
+                    <a:lnB>
+                      <a:noFill/>
+                    </a:lnB>
+                  </a:tcPr>
+                </a:tc>
+                <a:tc hMerge="1">
+                  <a:txBody>
+                    <a:bodyPr/>
+                    <a:lstStyle/>
+                    <a:p>
+                      <a:endParaRPr lang="en-US"/>
+                    </a:p>
+                  </a:txBody>
+                  <a:tcPr/>
+                </a:tc>
+                <a:tc hMerge="1">
+                  <a:txBody>
+                    <a:bodyPr/>
+                    <a:lstStyle/>
+                    <a:p>
+                      <a:endParaRPr lang="en-US"/>
+                    </a:p>
+                  </a:txBody>
+                  <a:tcPr/>
+                </a:tc>
+                <a:tc gridSpan="2">
+                  <a:txBody>
+                    <a:bodyPr/>
+                    <a:lstStyle/>
+                    <a:p>
+                      <a:pPr algn="ctr" fontAlgn="ctr"/>
+                      <a:r>
+                        <a:rPr lang="en-US" sz="1100" b="0" i="0" u="none" strike="noStrike">
+                          <a:solidFill>
+                            <a:srgbClr val="000000"/>
+                          </a:solidFill>
+                          <a:effectLst/>
+                          <a:latin typeface="Times New Roman" panose="02020603050405020304" pitchFamily="18" charset="0"/>
+                        </a:rPr>
+                        <a:t>0.18</a:t>
+                      </a:r>
+                    </a:p>
+                  </a:txBody>
+                  <a:tcPr marL="9525" marR="9525" marT="9525" marB="0" anchor="ctr">
+                    <a:lnL>
+                      <a:noFill/>
+                    </a:lnL>
+                    <a:lnR>
+                      <a:noFill/>
+                    </a:lnR>
+                    <a:lnT>
+                      <a:noFill/>
+                    </a:lnT>
+                    <a:lnB>
+                      <a:noFill/>
+                    </a:lnB>
+                  </a:tcPr>
+                </a:tc>
+                <a:tc hMerge="1">
+                  <a:txBody>
+                    <a:bodyPr/>
+                    <a:lstStyle/>
+                    <a:p>
+                      <a:endParaRPr lang="en-US"/>
+                    </a:p>
+                  </a:txBody>
+                  <a:tcPr/>
+                </a:tc>
+                <a:extLst>
+                  <a:ext uri="{0D108BD9-81ED-4DB2-BD59-A6C34878D82A}">
+                    <a16:rowId xmlns:a16="http://schemas.microsoft.com/office/drawing/2014/main" val="3171054884"/>
+                  </a:ext>
+                </a:extLst>
+              </a:tr>
+              <a:tr h="228600">
+                <a:tc gridSpan="3">
+                  <a:txBody>
+                    <a:bodyPr/>
+                    <a:lstStyle/>
+                    <a:p>
+                      <a:pPr algn="ctr" fontAlgn="ctr"/>
+                      <a:r>
+                        <a:rPr lang="en-US" sz="1100" b="0" i="0" u="none" strike="noStrike">
+                          <a:solidFill>
+                            <a:srgbClr val="000000"/>
+                          </a:solidFill>
+                          <a:effectLst/>
+                          <a:latin typeface="Times New Roman" panose="02020603050405020304" pitchFamily="18" charset="0"/>
+                        </a:rPr>
+                        <a:t>Impeller eye Diameter D</a:t>
+                      </a:r>
+                      <a:r>
+                        <a:rPr lang="en-US" sz="1100" b="0" i="0" u="none" strike="noStrike" baseline="-25000">
+                          <a:solidFill>
+                            <a:srgbClr val="000000"/>
+                          </a:solidFill>
+                          <a:effectLst/>
+                          <a:latin typeface="Times New Roman" panose="02020603050405020304" pitchFamily="18" charset="0"/>
+                        </a:rPr>
+                        <a:t>e</a:t>
+                      </a:r>
+                      <a:r>
+                        <a:rPr lang="en-US" sz="1100" b="0" i="0" u="none" strike="noStrike">
+                          <a:solidFill>
+                            <a:srgbClr val="000000"/>
+                          </a:solidFill>
+                          <a:effectLst/>
+                          <a:latin typeface="Times New Roman" panose="02020603050405020304" pitchFamily="18" charset="0"/>
+                        </a:rPr>
+                        <a:t>(in)</a:t>
+                      </a:r>
+                    </a:p>
+                  </a:txBody>
+                  <a:tcPr marL="9525" marR="9525" marT="9525" marB="0" anchor="ctr">
+                    <a:lnL>
+                      <a:noFill/>
+                    </a:lnL>
+                    <a:lnR>
+                      <a:noFill/>
+                    </a:lnR>
+                    <a:lnT>
+                      <a:noFill/>
+                    </a:lnT>
+                    <a:lnB>
+                      <a:noFill/>
+                    </a:lnB>
+                  </a:tcPr>
+                </a:tc>
+                <a:tc hMerge="1">
+                  <a:txBody>
+                    <a:bodyPr/>
+                    <a:lstStyle/>
+                    <a:p>
+                      <a:endParaRPr lang="en-US"/>
+                    </a:p>
+                  </a:txBody>
+                  <a:tcPr/>
+                </a:tc>
+                <a:tc hMerge="1">
+                  <a:txBody>
+                    <a:bodyPr/>
+                    <a:lstStyle/>
+                    <a:p>
+                      <a:endParaRPr lang="en-US"/>
+                    </a:p>
+                  </a:txBody>
+                  <a:tcPr/>
+                </a:tc>
+                <a:tc gridSpan="2">
+                  <a:txBody>
+                    <a:bodyPr/>
+                    <a:lstStyle/>
+                    <a:p>
+                      <a:pPr algn="ctr" fontAlgn="ctr"/>
+                      <a:r>
+                        <a:rPr lang="en-US" sz="1100" b="0" i="0" u="none" strike="noStrike">
+                          <a:solidFill>
+                            <a:srgbClr val="000000"/>
+                          </a:solidFill>
+                          <a:effectLst/>
+                          <a:latin typeface="Times New Roman" panose="02020603050405020304" pitchFamily="18" charset="0"/>
+                        </a:rPr>
+                        <a:t>0.43</a:t>
+                      </a:r>
+                    </a:p>
+                  </a:txBody>
+                  <a:tcPr marL="9525" marR="9525" marT="9525" marB="0" anchor="ctr">
+                    <a:lnL>
+                      <a:noFill/>
+                    </a:lnL>
+                    <a:lnR>
+                      <a:noFill/>
+                    </a:lnR>
+                    <a:lnT>
+                      <a:noFill/>
+                    </a:lnT>
+                    <a:lnB>
+                      <a:noFill/>
+                    </a:lnB>
+                  </a:tcPr>
+                </a:tc>
+                <a:tc hMerge="1">
+                  <a:txBody>
+                    <a:bodyPr/>
+                    <a:lstStyle/>
+                    <a:p>
+                      <a:endParaRPr lang="en-US"/>
+                    </a:p>
+                  </a:txBody>
+                  <a:tcPr/>
+                </a:tc>
+                <a:extLst>
+                  <a:ext uri="{0D108BD9-81ED-4DB2-BD59-A6C34878D82A}">
+                    <a16:rowId xmlns:a16="http://schemas.microsoft.com/office/drawing/2014/main" val="1786370024"/>
+                  </a:ext>
+                </a:extLst>
+              </a:tr>
+              <a:tr h="228600">
+                <a:tc gridSpan="3">
+                  <a:txBody>
+                    <a:bodyPr/>
+                    <a:lstStyle/>
+                    <a:p>
+                      <a:pPr algn="ctr" fontAlgn="ctr"/>
+                      <a:r>
+                        <a:rPr lang="en-US" sz="1100" b="0" i="0" u="none" strike="noStrike" dirty="0">
+                          <a:solidFill>
+                            <a:srgbClr val="000000"/>
+                          </a:solidFill>
+                          <a:effectLst/>
+                          <a:latin typeface="Times New Roman" panose="02020603050405020304" pitchFamily="18" charset="0"/>
+                        </a:rPr>
+                        <a:t>No. of Blades </a:t>
+                      </a:r>
+                    </a:p>
+                  </a:txBody>
+                  <a:tcPr marL="9525" marR="9525" marT="9525" marB="0" anchor="ctr">
+                    <a:lnL>
+                      <a:noFill/>
+                    </a:lnL>
+                    <a:lnR>
+                      <a:noFill/>
+                    </a:lnR>
+                    <a:lnT>
+                      <a:noFill/>
+                    </a:lnT>
+                    <a:lnB>
+                      <a:noFill/>
+                    </a:lnB>
+                  </a:tcPr>
+                </a:tc>
+                <a:tc hMerge="1">
+                  <a:txBody>
+                    <a:bodyPr/>
+                    <a:lstStyle/>
+                    <a:p>
+                      <a:endParaRPr lang="en-US"/>
+                    </a:p>
+                  </a:txBody>
+                  <a:tcPr/>
+                </a:tc>
+                <a:tc hMerge="1">
+                  <a:txBody>
+                    <a:bodyPr/>
+                    <a:lstStyle/>
+                    <a:p>
+                      <a:endParaRPr lang="en-US"/>
+                    </a:p>
+                  </a:txBody>
+                  <a:tcPr/>
+                </a:tc>
+                <a:tc gridSpan="2">
+                  <a:txBody>
+                    <a:bodyPr/>
+                    <a:lstStyle/>
+                    <a:p>
+                      <a:pPr algn="ctr" fontAlgn="ctr"/>
+                      <a:r>
+                        <a:rPr lang="en-US" sz="1100" b="0" i="0" u="none" strike="noStrike">
+                          <a:solidFill>
+                            <a:srgbClr val="000000"/>
+                          </a:solidFill>
+                          <a:effectLst/>
+                          <a:latin typeface="Times New Roman" panose="02020603050405020304" pitchFamily="18" charset="0"/>
+                        </a:rPr>
+                        <a:t>10</a:t>
+                      </a:r>
+                    </a:p>
+                  </a:txBody>
+                  <a:tcPr marL="9525" marR="9525" marT="9525" marB="0" anchor="ctr">
+                    <a:lnL>
+                      <a:noFill/>
+                    </a:lnL>
+                    <a:lnR>
+                      <a:noFill/>
+                    </a:lnR>
+                    <a:lnT>
+                      <a:noFill/>
+                    </a:lnT>
+                    <a:lnB>
+                      <a:noFill/>
+                    </a:lnB>
+                  </a:tcPr>
+                </a:tc>
+                <a:tc hMerge="1">
+                  <a:txBody>
+                    <a:bodyPr/>
+                    <a:lstStyle/>
+                    <a:p>
+                      <a:endParaRPr lang="en-US"/>
+                    </a:p>
+                  </a:txBody>
+                  <a:tcPr/>
+                </a:tc>
+                <a:extLst>
+                  <a:ext uri="{0D108BD9-81ED-4DB2-BD59-A6C34878D82A}">
+                    <a16:rowId xmlns:a16="http://schemas.microsoft.com/office/drawing/2014/main" val="2001472409"/>
+                  </a:ext>
+                </a:extLst>
+              </a:tr>
+              <a:tr h="228600">
+                <a:tc gridSpan="3">
+                  <a:txBody>
+                    <a:bodyPr/>
+                    <a:lstStyle/>
+                    <a:p>
+                      <a:pPr algn="ctr" fontAlgn="ctr"/>
+                      <a:r>
+                        <a:rPr lang="en-US" sz="1100" b="0" i="0" u="none" strike="noStrike">
+                          <a:solidFill>
+                            <a:srgbClr val="000000"/>
+                          </a:solidFill>
+                          <a:effectLst/>
+                          <a:latin typeface="Times New Roman" panose="02020603050405020304" pitchFamily="18" charset="0"/>
+                        </a:rPr>
+                        <a:t>Impeller Discharge Angle </a:t>
+                      </a:r>
+                      <a:r>
+                        <a:rPr lang="el-GR" sz="1100" b="0" i="0" u="none" strike="noStrike">
+                          <a:solidFill>
+                            <a:srgbClr val="000000"/>
+                          </a:solidFill>
+                          <a:effectLst/>
+                          <a:latin typeface="Times New Roman" panose="02020603050405020304" pitchFamily="18" charset="0"/>
+                        </a:rPr>
+                        <a:t>β(̊)</a:t>
+                      </a:r>
+                    </a:p>
+                  </a:txBody>
+                  <a:tcPr marL="9525" marR="9525" marT="9525" marB="0" anchor="ctr">
+                    <a:lnL>
+                      <a:noFill/>
+                    </a:lnL>
+                    <a:lnR>
+                      <a:noFill/>
+                    </a:lnR>
+                    <a:lnT>
+                      <a:noFill/>
+                    </a:lnT>
+                    <a:lnB>
+                      <a:noFill/>
+                    </a:lnB>
+                  </a:tcPr>
+                </a:tc>
+                <a:tc hMerge="1">
+                  <a:txBody>
+                    <a:bodyPr/>
+                    <a:lstStyle/>
+                    <a:p>
+                      <a:endParaRPr lang="en-US"/>
+                    </a:p>
+                  </a:txBody>
+                  <a:tcPr/>
+                </a:tc>
+                <a:tc hMerge="1">
+                  <a:txBody>
+                    <a:bodyPr/>
+                    <a:lstStyle/>
+                    <a:p>
+                      <a:endParaRPr lang="en-US"/>
+                    </a:p>
+                  </a:txBody>
+                  <a:tcPr/>
+                </a:tc>
+                <a:tc gridSpan="2">
+                  <a:txBody>
+                    <a:bodyPr/>
+                    <a:lstStyle/>
+                    <a:p>
+                      <a:pPr algn="ctr" fontAlgn="ctr"/>
+                      <a:r>
+                        <a:rPr lang="en-US" sz="1100" b="0" i="0" u="none" strike="noStrike">
+                          <a:solidFill>
+                            <a:srgbClr val="000000"/>
+                          </a:solidFill>
+                          <a:effectLst/>
+                          <a:latin typeface="Times New Roman" panose="02020603050405020304" pitchFamily="18" charset="0"/>
+                        </a:rPr>
+                        <a:t>36</a:t>
+                      </a:r>
+                    </a:p>
+                  </a:txBody>
+                  <a:tcPr marL="9525" marR="9525" marT="9525" marB="0" anchor="ctr">
+                    <a:lnL>
+                      <a:noFill/>
+                    </a:lnL>
+                    <a:lnR>
+                      <a:noFill/>
+                    </a:lnR>
+                    <a:lnT>
+                      <a:noFill/>
+                    </a:lnT>
+                    <a:lnB>
+                      <a:noFill/>
+                    </a:lnB>
+                  </a:tcPr>
+                </a:tc>
+                <a:tc hMerge="1">
+                  <a:txBody>
+                    <a:bodyPr/>
+                    <a:lstStyle/>
+                    <a:p>
+                      <a:endParaRPr lang="en-US"/>
+                    </a:p>
+                  </a:txBody>
+                  <a:tcPr/>
+                </a:tc>
+                <a:extLst>
+                  <a:ext uri="{0D108BD9-81ED-4DB2-BD59-A6C34878D82A}">
+                    <a16:rowId xmlns:a16="http://schemas.microsoft.com/office/drawing/2014/main" val="1305008458"/>
+                  </a:ext>
+                </a:extLst>
+              </a:tr>
+              <a:tr h="228600">
+                <a:tc gridSpan="3">
+                  <a:txBody>
+                    <a:bodyPr/>
+                    <a:lstStyle/>
+                    <a:p>
+                      <a:pPr algn="ctr" fontAlgn="ctr"/>
+                      <a:r>
+                        <a:rPr lang="en-US" sz="1100" b="0" i="0" u="none" strike="noStrike">
+                          <a:solidFill>
+                            <a:srgbClr val="000000"/>
+                          </a:solidFill>
+                          <a:effectLst/>
+                          <a:latin typeface="Times New Roman" panose="02020603050405020304" pitchFamily="18" charset="0"/>
+                        </a:rPr>
+                        <a:t>Base Diameter of Volute Caseing D</a:t>
+                      </a:r>
+                      <a:r>
+                        <a:rPr lang="en-US" sz="1100" b="0" i="0" u="none" strike="noStrike" baseline="-25000">
+                          <a:solidFill>
+                            <a:srgbClr val="000000"/>
+                          </a:solidFill>
+                          <a:effectLst/>
+                          <a:latin typeface="Times New Roman" panose="02020603050405020304" pitchFamily="18" charset="0"/>
+                        </a:rPr>
+                        <a:t>3</a:t>
+                      </a:r>
+                      <a:r>
+                        <a:rPr lang="en-US" sz="1100" b="0" i="0" u="none" strike="noStrike">
+                          <a:solidFill>
+                            <a:srgbClr val="000000"/>
+                          </a:solidFill>
+                          <a:effectLst/>
+                          <a:latin typeface="Times New Roman" panose="02020603050405020304" pitchFamily="18" charset="0"/>
+                        </a:rPr>
+                        <a:t>(in)</a:t>
+                      </a:r>
+                    </a:p>
+                  </a:txBody>
+                  <a:tcPr marL="9525" marR="9525" marT="9525" marB="0" anchor="ctr">
+                    <a:lnL>
+                      <a:noFill/>
+                    </a:lnL>
+                    <a:lnR>
+                      <a:noFill/>
+                    </a:lnR>
+                    <a:lnT>
+                      <a:noFill/>
+                    </a:lnT>
+                    <a:lnB>
+                      <a:noFill/>
+                    </a:lnB>
+                  </a:tcPr>
+                </a:tc>
+                <a:tc hMerge="1">
+                  <a:txBody>
+                    <a:bodyPr/>
+                    <a:lstStyle/>
+                    <a:p>
+                      <a:endParaRPr lang="en-US"/>
+                    </a:p>
+                  </a:txBody>
+                  <a:tcPr/>
+                </a:tc>
+                <a:tc hMerge="1">
+                  <a:txBody>
+                    <a:bodyPr/>
+                    <a:lstStyle/>
+                    <a:p>
+                      <a:endParaRPr lang="en-US"/>
+                    </a:p>
+                  </a:txBody>
+                  <a:tcPr/>
+                </a:tc>
+                <a:tc gridSpan="2">
+                  <a:txBody>
+                    <a:bodyPr/>
+                    <a:lstStyle/>
+                    <a:p>
+                      <a:pPr algn="ctr" fontAlgn="ctr"/>
+                      <a:r>
+                        <a:rPr lang="en-US" sz="1100" b="0" i="0" u="none" strike="noStrike">
+                          <a:solidFill>
+                            <a:srgbClr val="000000"/>
+                          </a:solidFill>
+                          <a:effectLst/>
+                          <a:latin typeface="Times New Roman" panose="02020603050405020304" pitchFamily="18" charset="0"/>
+                        </a:rPr>
+                        <a:t>2.42</a:t>
+                      </a:r>
+                    </a:p>
+                  </a:txBody>
+                  <a:tcPr marL="9525" marR="9525" marT="9525" marB="0" anchor="ctr">
+                    <a:lnL>
+                      <a:noFill/>
+                    </a:lnL>
+                    <a:lnR>
+                      <a:noFill/>
+                    </a:lnR>
+                    <a:lnT>
+                      <a:noFill/>
+                    </a:lnT>
+                    <a:lnB>
+                      <a:noFill/>
+                    </a:lnB>
+                  </a:tcPr>
+                </a:tc>
+                <a:tc hMerge="1">
+                  <a:txBody>
+                    <a:bodyPr/>
+                    <a:lstStyle/>
+                    <a:p>
+                      <a:endParaRPr lang="en-US"/>
+                    </a:p>
+                  </a:txBody>
+                  <a:tcPr/>
+                </a:tc>
+                <a:extLst>
+                  <a:ext uri="{0D108BD9-81ED-4DB2-BD59-A6C34878D82A}">
+                    <a16:rowId xmlns:a16="http://schemas.microsoft.com/office/drawing/2014/main" val="2538286305"/>
+                  </a:ext>
+                </a:extLst>
+              </a:tr>
+              <a:tr h="228600">
+                <a:tc gridSpan="3">
+                  <a:txBody>
+                    <a:bodyPr/>
+                    <a:lstStyle/>
+                    <a:p>
+                      <a:pPr algn="ctr" fontAlgn="ctr"/>
+                      <a:r>
+                        <a:rPr lang="en-US" sz="1100" b="0" i="0" u="none" strike="noStrike">
+                          <a:solidFill>
+                            <a:srgbClr val="000000"/>
+                          </a:solidFill>
+                          <a:effectLst/>
+                          <a:latin typeface="Times New Roman" panose="02020603050405020304" pitchFamily="18" charset="0"/>
+                        </a:rPr>
+                        <a:t>Length of Diffuser section L</a:t>
+                      </a:r>
+                      <a:r>
+                        <a:rPr lang="en-US" sz="1100" b="0" i="0" u="none" strike="noStrike" baseline="-25000">
+                          <a:solidFill>
+                            <a:srgbClr val="000000"/>
+                          </a:solidFill>
+                          <a:effectLst/>
+                          <a:latin typeface="Times New Roman" panose="02020603050405020304" pitchFamily="18" charset="0"/>
+                        </a:rPr>
+                        <a:t>D</a:t>
+                      </a:r>
+                      <a:r>
+                        <a:rPr lang="en-US" sz="1100" b="0" i="0" u="none" strike="noStrike">
+                          <a:solidFill>
+                            <a:srgbClr val="000000"/>
+                          </a:solidFill>
+                          <a:effectLst/>
+                          <a:latin typeface="Times New Roman" panose="02020603050405020304" pitchFamily="18" charset="0"/>
+                        </a:rPr>
+                        <a:t>(in)</a:t>
+                      </a:r>
+                    </a:p>
+                  </a:txBody>
+                  <a:tcPr marL="9525" marR="9525" marT="9525" marB="0" anchor="ctr">
+                    <a:lnL>
+                      <a:noFill/>
+                    </a:lnL>
+                    <a:lnR>
+                      <a:noFill/>
+                    </a:lnR>
+                    <a:lnT>
+                      <a:noFill/>
+                    </a:lnT>
+                    <a:lnB>
+                      <a:noFill/>
+                    </a:lnB>
+                  </a:tcPr>
+                </a:tc>
+                <a:tc hMerge="1">
+                  <a:txBody>
+                    <a:bodyPr/>
+                    <a:lstStyle/>
+                    <a:p>
+                      <a:endParaRPr lang="en-US"/>
+                    </a:p>
+                  </a:txBody>
+                  <a:tcPr/>
+                </a:tc>
+                <a:tc hMerge="1">
+                  <a:txBody>
+                    <a:bodyPr/>
+                    <a:lstStyle/>
+                    <a:p>
+                      <a:endParaRPr lang="en-US"/>
+                    </a:p>
+                  </a:txBody>
+                  <a:tcPr/>
+                </a:tc>
+                <a:tc gridSpan="2">
+                  <a:txBody>
+                    <a:bodyPr/>
+                    <a:lstStyle/>
+                    <a:p>
+                      <a:pPr algn="ctr" fontAlgn="ctr"/>
+                      <a:r>
+                        <a:rPr lang="en-US" sz="1100" b="0" i="0" u="none" strike="noStrike">
+                          <a:solidFill>
+                            <a:srgbClr val="000000"/>
+                          </a:solidFill>
+                          <a:effectLst/>
+                          <a:latin typeface="Times New Roman" panose="02020603050405020304" pitchFamily="18" charset="0"/>
+                        </a:rPr>
+                        <a:t>1.2</a:t>
+                      </a:r>
+                    </a:p>
+                  </a:txBody>
+                  <a:tcPr marL="9525" marR="9525" marT="9525" marB="0" anchor="ctr">
+                    <a:lnL>
+                      <a:noFill/>
+                    </a:lnL>
+                    <a:lnR>
+                      <a:noFill/>
+                    </a:lnR>
+                    <a:lnT>
+                      <a:noFill/>
+                    </a:lnT>
+                    <a:lnB>
+                      <a:noFill/>
+                    </a:lnB>
+                  </a:tcPr>
+                </a:tc>
+                <a:tc hMerge="1">
+                  <a:txBody>
+                    <a:bodyPr/>
+                    <a:lstStyle/>
+                    <a:p>
+                      <a:endParaRPr lang="en-US"/>
+                    </a:p>
+                  </a:txBody>
+                  <a:tcPr/>
+                </a:tc>
+                <a:extLst>
+                  <a:ext uri="{0D108BD9-81ED-4DB2-BD59-A6C34878D82A}">
+                    <a16:rowId xmlns:a16="http://schemas.microsoft.com/office/drawing/2014/main" val="1377891566"/>
+                  </a:ext>
+                </a:extLst>
+              </a:tr>
+              <a:tr h="228600">
+                <a:tc gridSpan="3">
+                  <a:txBody>
+                    <a:bodyPr/>
+                    <a:lstStyle/>
+                    <a:p>
+                      <a:pPr algn="ctr" fontAlgn="ctr"/>
+                      <a:r>
+                        <a:rPr lang="en-US" sz="1100" b="0" i="0" u="none" strike="noStrike">
+                          <a:solidFill>
+                            <a:srgbClr val="000000"/>
+                          </a:solidFill>
+                          <a:effectLst/>
+                          <a:latin typeface="Times New Roman" panose="02020603050405020304" pitchFamily="18" charset="0"/>
+                        </a:rPr>
+                        <a:t>Diffusion Angle </a:t>
+                      </a:r>
+                      <a:r>
+                        <a:rPr lang="el-GR" sz="1100" b="0" i="0" u="none" strike="noStrike">
+                          <a:solidFill>
+                            <a:srgbClr val="000000"/>
+                          </a:solidFill>
+                          <a:effectLst/>
+                          <a:latin typeface="Times New Roman" panose="02020603050405020304" pitchFamily="18" charset="0"/>
+                        </a:rPr>
+                        <a:t>α(̊)</a:t>
+                      </a:r>
+                    </a:p>
+                  </a:txBody>
+                  <a:tcPr marL="9525" marR="9525" marT="9525" marB="0" anchor="ctr">
+                    <a:lnL>
+                      <a:noFill/>
+                    </a:lnL>
+                    <a:lnR>
+                      <a:noFill/>
+                    </a:lnR>
+                    <a:lnT>
+                      <a:noFill/>
+                    </a:lnT>
+                    <a:lnB w="19050" cap="flat" cmpd="sng" algn="ctr">
+                      <a:solidFill>
+                        <a:srgbClr val="000000"/>
+                      </a:solidFill>
+                      <a:prstDash val="solid"/>
+                      <a:round/>
+                      <a:headEnd type="none" w="med" len="med"/>
+                      <a:tailEnd type="none" w="med" len="med"/>
+                    </a:lnB>
+                  </a:tcPr>
+                </a:tc>
+                <a:tc hMerge="1">
+                  <a:txBody>
+                    <a:bodyPr/>
+                    <a:lstStyle/>
+                    <a:p>
+                      <a:endParaRPr lang="en-US"/>
+                    </a:p>
+                  </a:txBody>
+                  <a:tcPr/>
+                </a:tc>
+                <a:tc hMerge="1">
+                  <a:txBody>
+                    <a:bodyPr/>
+                    <a:lstStyle/>
+                    <a:p>
+                      <a:endParaRPr lang="en-US"/>
+                    </a:p>
+                  </a:txBody>
+                  <a:tcPr/>
+                </a:tc>
+                <a:tc gridSpan="2">
+                  <a:txBody>
+                    <a:bodyPr/>
+                    <a:lstStyle/>
+                    <a:p>
+                      <a:pPr algn="ctr" fontAlgn="ctr"/>
+                      <a:r>
+                        <a:rPr lang="en-US" sz="1100" b="0" i="0" u="none" strike="noStrike">
+                          <a:solidFill>
+                            <a:srgbClr val="000000"/>
+                          </a:solidFill>
+                          <a:effectLst/>
+                          <a:latin typeface="Times New Roman" panose="02020603050405020304" pitchFamily="18" charset="0"/>
+                        </a:rPr>
+                        <a:t>8</a:t>
+                      </a:r>
+                    </a:p>
+                  </a:txBody>
+                  <a:tcPr marL="9525" marR="9525" marT="9525" marB="0" anchor="ctr">
+                    <a:lnL>
+                      <a:noFill/>
+                    </a:lnL>
+                    <a:lnR>
+                      <a:noFill/>
+                    </a:lnR>
+                    <a:lnT>
+                      <a:noFill/>
+                    </a:lnT>
+                    <a:lnB w="19050" cap="flat" cmpd="sng" algn="ctr">
+                      <a:solidFill>
+                        <a:srgbClr val="000000"/>
+                      </a:solidFill>
+                      <a:prstDash val="solid"/>
+                      <a:round/>
+                      <a:headEnd type="none" w="med" len="med"/>
+                      <a:tailEnd type="none" w="med" len="med"/>
+                    </a:lnB>
+                  </a:tcPr>
+                </a:tc>
+                <a:tc hMerge="1">
+                  <a:txBody>
+                    <a:bodyPr/>
+                    <a:lstStyle/>
+                    <a:p>
+                      <a:endParaRPr lang="en-US"/>
+                    </a:p>
+                  </a:txBody>
+                  <a:tcPr/>
+                </a:tc>
+                <a:extLst>
+                  <a:ext uri="{0D108BD9-81ED-4DB2-BD59-A6C34878D82A}">
+                    <a16:rowId xmlns:a16="http://schemas.microsoft.com/office/drawing/2014/main" val="4286305181"/>
+                  </a:ext>
+                </a:extLst>
+              </a:tr>
+              <a:tr h="200025">
+                <a:tc gridSpan="3">
+                  <a:txBody>
+                    <a:bodyPr/>
+                    <a:lstStyle/>
+                    <a:p>
+                      <a:pPr algn="ctr" fontAlgn="b"/>
+                      <a:endParaRPr lang="en-US" sz="1100" b="0" i="0" u="none" strike="noStrike">
+                        <a:solidFill>
+                          <a:srgbClr val="000000"/>
+                        </a:solidFill>
+                        <a:effectLst/>
+                        <a:latin typeface="Times New Roman" panose="02020603050405020304" pitchFamily="18" charset="0"/>
+                      </a:endParaRPr>
+                    </a:p>
+                  </a:txBody>
+                  <a:tcPr marL="9525" marR="9525" marT="9525" marB="0" anchor="b">
+                    <a:lnL>
+                      <a:noFill/>
+                    </a:lnL>
+                    <a:lnR>
+                      <a:noFill/>
+                    </a:lnR>
+                    <a:lnT w="19050" cap="flat" cmpd="sng" algn="ctr">
+                      <a:solidFill>
+                        <a:srgbClr val="000000"/>
+                      </a:solidFill>
+                      <a:prstDash val="solid"/>
+                      <a:round/>
+                      <a:headEnd type="none" w="med" len="med"/>
+                      <a:tailEnd type="none" w="med" len="med"/>
+                    </a:lnT>
+                    <a:lnB>
+                      <a:noFill/>
+                    </a:lnB>
+                  </a:tcPr>
+                </a:tc>
+                <a:tc hMerge="1">
+                  <a:txBody>
+                    <a:bodyPr/>
+                    <a:lstStyle/>
+                    <a:p>
+                      <a:endParaRPr lang="en-US"/>
+                    </a:p>
+                  </a:txBody>
+                  <a:tcPr/>
+                </a:tc>
+                <a:tc hMerge="1">
+                  <a:txBody>
+                    <a:bodyPr/>
+                    <a:lstStyle/>
+                    <a:p>
+                      <a:endParaRPr lang="en-US"/>
+                    </a:p>
+                  </a:txBody>
+                  <a:tcPr/>
+                </a:tc>
+                <a:tc>
+                  <a:txBody>
+                    <a:bodyPr/>
+                    <a:lstStyle/>
+                    <a:p>
+                      <a:pPr algn="l" fontAlgn="b"/>
+                      <a:endParaRPr lang="en-US" sz="1100" b="0" i="0" u="none" strike="noStrike">
+                        <a:solidFill>
+                          <a:srgbClr val="000000"/>
+                        </a:solidFill>
+                        <a:effectLst/>
+                        <a:latin typeface="Times New Roman" panose="02020603050405020304" pitchFamily="18" charset="0"/>
+                      </a:endParaRPr>
+                    </a:p>
+                  </a:txBody>
+                  <a:tcPr marL="9525" marR="9525" marT="9525" marB="0" anchor="b">
+                    <a:lnL>
+                      <a:noFill/>
+                    </a:lnL>
+                    <a:lnR>
+                      <a:noFill/>
+                    </a:lnR>
+                    <a:lnT w="19050" cap="flat" cmpd="sng" algn="ctr">
+                      <a:solidFill>
+                        <a:srgbClr val="000000"/>
+                      </a:solidFill>
+                      <a:prstDash val="solid"/>
+                      <a:round/>
+                      <a:headEnd type="none" w="med" len="med"/>
+                      <a:tailEnd type="none" w="med" len="med"/>
+                    </a:lnT>
+                    <a:lnB>
+                      <a:noFill/>
+                    </a:lnB>
+                  </a:tcPr>
+                </a:tc>
+                <a:tc>
+                  <a:txBody>
+                    <a:bodyPr/>
+                    <a:lstStyle/>
+                    <a:p>
+                      <a:pPr algn="l" fontAlgn="b"/>
+                      <a:endParaRPr lang="en-US" sz="1100" b="0" i="0" u="none" strike="noStrike" dirty="0">
+                        <a:solidFill>
+                          <a:srgbClr val="000000"/>
+                        </a:solidFill>
+                        <a:effectLst/>
+                        <a:latin typeface="Times New Roman" panose="02020603050405020304" pitchFamily="18" charset="0"/>
+                      </a:endParaRPr>
+                    </a:p>
+                  </a:txBody>
+                  <a:tcPr marL="9525" marR="9525" marT="9525" marB="0" anchor="b">
+                    <a:lnL>
+                      <a:noFill/>
+                    </a:lnL>
+                    <a:lnR>
+                      <a:noFill/>
+                    </a:lnR>
+                    <a:lnT w="19050" cap="flat" cmpd="sng" algn="ctr">
+                      <a:solidFill>
+                        <a:srgbClr val="000000"/>
+                      </a:solidFill>
+                      <a:prstDash val="solid"/>
+                      <a:round/>
+                      <a:headEnd type="none" w="med" len="med"/>
+                      <a:tailEnd type="none" w="med" len="med"/>
+                    </a:lnT>
+                    <a:lnB>
+                      <a:noFill/>
+                    </a:lnB>
+                  </a:tcPr>
+                </a:tc>
+                <a:extLst>
+                  <a:ext uri="{0D108BD9-81ED-4DB2-BD59-A6C34878D82A}">
+                    <a16:rowId xmlns:a16="http://schemas.microsoft.com/office/drawing/2014/main" val="381487408"/>
+                  </a:ext>
+                </a:extLst>
+              </a:tr>
+            </a:tbl>
+          </a:graphicData>
+        </a:graphic>
+      </p:graphicFrame>
+      <p:graphicFrame>
+        <p:nvGraphicFramePr>
+          <p:cNvPr id="9" name="Table 8"/>
+          <p:cNvGraphicFramePr>
+            <a:graphicFrameLocks noGrp="1"/>
+          </p:cNvGraphicFramePr>
+          <p:nvPr>
+            <p:extLst>
+              <p:ext uri="{D42A27DB-BD31-4B8C-83A1-F6EECF244321}">
+                <p14:modId xmlns:p14="http://schemas.microsoft.com/office/powerpoint/2010/main" val="2364682651"/>
+              </p:ext>
+            </p:extLst>
+          </p:nvPr>
+        </p:nvGraphicFramePr>
+        <p:xfrm>
+          <a:off x="235677" y="471601"/>
+          <a:ext cx="3975100" cy="1769745"/>
+        </p:xfrm>
+        <a:graphic>
+          <a:graphicData uri="http://schemas.openxmlformats.org/drawingml/2006/table">
+            <a:tbl>
+              <a:tblPr/>
+              <a:tblGrid>
+                <a:gridCol w="974664">
+                  <a:extLst>
+                    <a:ext uri="{9D8B030D-6E8A-4147-A177-3AD203B41FA5}">
+                      <a16:colId xmlns:a16="http://schemas.microsoft.com/office/drawing/2014/main" val="4285048342"/>
+                    </a:ext>
+                  </a:extLst>
+                </a:gridCol>
+                <a:gridCol w="974664">
+                  <a:extLst>
+                    <a:ext uri="{9D8B030D-6E8A-4147-A177-3AD203B41FA5}">
+                      <a16:colId xmlns:a16="http://schemas.microsoft.com/office/drawing/2014/main" val="3221057212"/>
+                    </a:ext>
+                  </a:extLst>
+                </a:gridCol>
+                <a:gridCol w="974664">
+                  <a:extLst>
+                    <a:ext uri="{9D8B030D-6E8A-4147-A177-3AD203B41FA5}">
+                      <a16:colId xmlns:a16="http://schemas.microsoft.com/office/drawing/2014/main" val="1131762335"/>
+                    </a:ext>
+                  </a:extLst>
+                </a:gridCol>
+                <a:gridCol w="525554">
+                  <a:extLst>
+                    <a:ext uri="{9D8B030D-6E8A-4147-A177-3AD203B41FA5}">
+                      <a16:colId xmlns:a16="http://schemas.microsoft.com/office/drawing/2014/main" val="432424579"/>
+                    </a:ext>
+                  </a:extLst>
+                </a:gridCol>
+                <a:gridCol w="525554">
+                  <a:extLst>
+                    <a:ext uri="{9D8B030D-6E8A-4147-A177-3AD203B41FA5}">
+                      <a16:colId xmlns:a16="http://schemas.microsoft.com/office/drawing/2014/main" val="319170750"/>
+                    </a:ext>
+                  </a:extLst>
+                </a:gridCol>
+              </a:tblGrid>
+              <a:tr h="200025">
+                <a:tc gridSpan="5">
+                  <a:txBody>
+                    <a:bodyPr/>
+                    <a:lstStyle/>
+                    <a:p>
+                      <a:pPr algn="ctr" fontAlgn="ctr"/>
+                      <a:r>
+                        <a:rPr lang="en-US" sz="1200" b="1" i="0" u="none" strike="noStrike">
+                          <a:solidFill>
+                            <a:srgbClr val="000000"/>
+                          </a:solidFill>
+                          <a:effectLst/>
+                          <a:latin typeface="Times New Roman" panose="02020603050405020304" pitchFamily="18" charset="0"/>
+                        </a:rPr>
+                        <a:t>Performance parameters of EFS partial emission pump</a:t>
+                      </a:r>
+                    </a:p>
+                  </a:txBody>
+                  <a:tcPr marL="9525" marR="9525" marT="9525" marB="0" anchor="ctr">
+                    <a:lnL>
+                      <a:noFill/>
+                    </a:lnL>
+                    <a:lnR>
+                      <a:noFill/>
+                    </a:lnR>
+                    <a:lnT>
+                      <a:noFill/>
+                    </a:lnT>
+                    <a:lnB>
+                      <a:noFill/>
+                    </a:lnB>
+                  </a:tcPr>
+                </a:tc>
+                <a:tc hMerge="1">
+                  <a:txBody>
+                    <a:bodyPr/>
+                    <a:lstStyle/>
+                    <a:p>
+                      <a:endParaRPr lang="en-US"/>
+                    </a:p>
+                  </a:txBody>
+                  <a:tcPr/>
+                </a:tc>
+                <a:tc hMerge="1">
+                  <a:txBody>
+                    <a:bodyPr/>
+                    <a:lstStyle/>
+                    <a:p>
+                      <a:endParaRPr lang="en-US"/>
+                    </a:p>
+                  </a:txBody>
+                  <a:tcPr/>
+                </a:tc>
+                <a:tc hMerge="1">
+                  <a:txBody>
+                    <a:bodyPr/>
+                    <a:lstStyle/>
+                    <a:p>
+                      <a:endParaRPr lang="en-US"/>
+                    </a:p>
+                  </a:txBody>
+                  <a:tcPr/>
+                </a:tc>
+                <a:tc hMerge="1">
+                  <a:txBody>
+                    <a:bodyPr/>
+                    <a:lstStyle/>
+                    <a:p>
+                      <a:endParaRPr lang="en-US"/>
+                    </a:p>
+                  </a:txBody>
+                  <a:tcPr/>
+                </a:tc>
+                <a:extLst>
+                  <a:ext uri="{0D108BD9-81ED-4DB2-BD59-A6C34878D82A}">
+                    <a16:rowId xmlns:a16="http://schemas.microsoft.com/office/drawing/2014/main" val="535581319"/>
+                  </a:ext>
+                </a:extLst>
+              </a:tr>
+              <a:tr h="47625">
+                <a:tc>
+                  <a:txBody>
+                    <a:bodyPr/>
+                    <a:lstStyle/>
+                    <a:p>
+                      <a:pPr algn="l" fontAlgn="b"/>
+                      <a:endParaRPr lang="en-US" sz="1100" b="0" i="0" u="none" strike="noStrike">
+                        <a:solidFill>
+                          <a:srgbClr val="000000"/>
+                        </a:solidFill>
+                        <a:effectLst/>
+                        <a:latin typeface="Times New Roman" panose="02020603050405020304" pitchFamily="18" charset="0"/>
+                      </a:endParaRPr>
+                    </a:p>
+                  </a:txBody>
+                  <a:tcPr marL="9525" marR="9525" marT="9525" marB="0" anchor="b">
+                    <a:lnL>
+                      <a:noFill/>
+                    </a:lnL>
+                    <a:lnR>
+                      <a:noFill/>
+                    </a:lnR>
+                    <a:lnT>
+                      <a:noFill/>
+                    </a:lnT>
+                    <a:lnB w="19050" cap="flat" cmpd="sng" algn="ctr">
+                      <a:solidFill>
+                        <a:srgbClr val="000000"/>
+                      </a:solidFill>
+                      <a:prstDash val="solid"/>
+                      <a:round/>
+                      <a:headEnd type="none" w="med" len="med"/>
+                      <a:tailEnd type="none" w="med" len="med"/>
+                    </a:lnB>
+                  </a:tcPr>
+                </a:tc>
+                <a:tc>
+                  <a:txBody>
+                    <a:bodyPr/>
+                    <a:lstStyle/>
+                    <a:p>
+                      <a:pPr algn="l" fontAlgn="b"/>
+                      <a:endParaRPr lang="en-US" sz="1100" b="0" i="0" u="none" strike="noStrike">
+                        <a:solidFill>
+                          <a:srgbClr val="000000"/>
+                        </a:solidFill>
+                        <a:effectLst/>
+                        <a:latin typeface="Times New Roman" panose="02020603050405020304" pitchFamily="18" charset="0"/>
+                      </a:endParaRPr>
+                    </a:p>
+                  </a:txBody>
+                  <a:tcPr marL="9525" marR="9525" marT="9525" marB="0" anchor="b">
+                    <a:lnL>
+                      <a:noFill/>
+                    </a:lnL>
+                    <a:lnR>
+                      <a:noFill/>
+                    </a:lnR>
+                    <a:lnT>
+                      <a:noFill/>
+                    </a:lnT>
+                    <a:lnB w="19050" cap="flat" cmpd="sng" algn="ctr">
+                      <a:solidFill>
+                        <a:srgbClr val="000000"/>
+                      </a:solidFill>
+                      <a:prstDash val="solid"/>
+                      <a:round/>
+                      <a:headEnd type="none" w="med" len="med"/>
+                      <a:tailEnd type="none" w="med" len="med"/>
+                    </a:lnB>
+                  </a:tcPr>
+                </a:tc>
+                <a:tc>
+                  <a:txBody>
+                    <a:bodyPr/>
+                    <a:lstStyle/>
+                    <a:p>
+                      <a:pPr algn="l" fontAlgn="b"/>
+                      <a:endParaRPr lang="en-US" sz="1100" b="0" i="0" u="none" strike="noStrike">
+                        <a:solidFill>
+                          <a:srgbClr val="000000"/>
+                        </a:solidFill>
+                        <a:effectLst/>
+                        <a:latin typeface="Times New Roman" panose="02020603050405020304" pitchFamily="18" charset="0"/>
+                      </a:endParaRPr>
+                    </a:p>
+                  </a:txBody>
+                  <a:tcPr marL="9525" marR="9525" marT="9525" marB="0" anchor="b">
+                    <a:lnL>
+                      <a:noFill/>
+                    </a:lnL>
+                    <a:lnR>
+                      <a:noFill/>
+                    </a:lnR>
+                    <a:lnT>
+                      <a:noFill/>
+                    </a:lnT>
+                    <a:lnB w="19050" cap="flat" cmpd="sng" algn="ctr">
+                      <a:solidFill>
+                        <a:srgbClr val="000000"/>
+                      </a:solidFill>
+                      <a:prstDash val="solid"/>
+                      <a:round/>
+                      <a:headEnd type="none" w="med" len="med"/>
+                      <a:tailEnd type="none" w="med" len="med"/>
+                    </a:lnB>
+                  </a:tcPr>
+                </a:tc>
+                <a:tc>
+                  <a:txBody>
+                    <a:bodyPr/>
+                    <a:lstStyle/>
+                    <a:p>
+                      <a:pPr algn="l" fontAlgn="b"/>
+                      <a:endParaRPr lang="en-US" sz="1100" b="0" i="0" u="none" strike="noStrike">
+                        <a:solidFill>
+                          <a:srgbClr val="000000"/>
+                        </a:solidFill>
+                        <a:effectLst/>
+                        <a:latin typeface="Times New Roman" panose="02020603050405020304" pitchFamily="18" charset="0"/>
+                      </a:endParaRPr>
+                    </a:p>
+                  </a:txBody>
+                  <a:tcPr marL="9525" marR="9525" marT="9525" marB="0" anchor="b">
+                    <a:lnL>
+                      <a:noFill/>
+                    </a:lnL>
+                    <a:lnR>
+                      <a:noFill/>
+                    </a:lnR>
+                    <a:lnT>
+                      <a:noFill/>
+                    </a:lnT>
+                    <a:lnB w="19050" cap="flat" cmpd="sng" algn="ctr">
+                      <a:solidFill>
+                        <a:srgbClr val="000000"/>
+                      </a:solidFill>
+                      <a:prstDash val="solid"/>
+                      <a:round/>
+                      <a:headEnd type="none" w="med" len="med"/>
+                      <a:tailEnd type="none" w="med" len="med"/>
+                    </a:lnB>
+                  </a:tcPr>
+                </a:tc>
+                <a:tc>
+                  <a:txBody>
+                    <a:bodyPr/>
+                    <a:lstStyle/>
+                    <a:p>
+                      <a:pPr algn="l" fontAlgn="b"/>
+                      <a:endParaRPr lang="en-US" sz="1100" b="0" i="0" u="none" strike="noStrike">
+                        <a:solidFill>
+                          <a:srgbClr val="000000"/>
+                        </a:solidFill>
+                        <a:effectLst/>
+                        <a:latin typeface="Times New Roman" panose="02020603050405020304" pitchFamily="18" charset="0"/>
+                      </a:endParaRPr>
+                    </a:p>
+                  </a:txBody>
+                  <a:tcPr marL="9525" marR="9525" marT="9525" marB="0" anchor="b">
+                    <a:lnL>
+                      <a:noFill/>
+                    </a:lnL>
+                    <a:lnR>
+                      <a:noFill/>
+                    </a:lnR>
+                    <a:lnT>
+                      <a:noFill/>
+                    </a:lnT>
+                    <a:lnB w="19050" cap="flat" cmpd="sng" algn="ctr">
+                      <a:solidFill>
+                        <a:srgbClr val="000000"/>
+                      </a:solidFill>
+                      <a:prstDash val="solid"/>
+                      <a:round/>
+                      <a:headEnd type="none" w="med" len="med"/>
+                      <a:tailEnd type="none" w="med" len="med"/>
+                    </a:lnB>
+                  </a:tcPr>
+                </a:tc>
+                <a:extLst>
+                  <a:ext uri="{0D108BD9-81ED-4DB2-BD59-A6C34878D82A}">
+                    <a16:rowId xmlns:a16="http://schemas.microsoft.com/office/drawing/2014/main" val="4112872455"/>
+                  </a:ext>
+                </a:extLst>
+              </a:tr>
+              <a:tr h="257175">
+                <a:tc gridSpan="3">
+                  <a:txBody>
+                    <a:bodyPr/>
+                    <a:lstStyle/>
+                    <a:p>
+                      <a:pPr algn="ctr" fontAlgn="b"/>
+                      <a:r>
+                        <a:rPr lang="en-US" sz="1400" b="1" i="0" u="none" strike="noStrike">
+                          <a:solidFill>
+                            <a:srgbClr val="000000"/>
+                          </a:solidFill>
+                          <a:effectLst/>
+                          <a:latin typeface="Times New Roman" panose="02020603050405020304" pitchFamily="18" charset="0"/>
+                        </a:rPr>
+                        <a:t>Discription</a:t>
+                      </a:r>
+                    </a:p>
+                  </a:txBody>
+                  <a:tcPr marL="9525" marR="9525" marT="9525" marB="0" anchor="b">
+                    <a:lnL>
+                      <a:noFill/>
+                    </a:lnL>
+                    <a:lnR>
+                      <a:noFill/>
+                    </a:lnR>
+                    <a:lnT w="19050" cap="flat" cmpd="sng" algn="ctr">
+                      <a:solidFill>
+                        <a:srgbClr val="000000"/>
+                      </a:solidFill>
+                      <a:prstDash val="solid"/>
+                      <a:round/>
+                      <a:headEnd type="none" w="med" len="med"/>
+                      <a:tailEnd type="none" w="med" len="med"/>
+                    </a:lnT>
+                    <a:lnB w="19050" cap="flat" cmpd="sng" algn="ctr">
+                      <a:solidFill>
+                        <a:srgbClr val="000000"/>
+                      </a:solidFill>
+                      <a:prstDash val="solid"/>
+                      <a:round/>
+                      <a:headEnd type="none" w="med" len="med"/>
+                      <a:tailEnd type="none" w="med" len="med"/>
+                    </a:lnB>
+                  </a:tcPr>
+                </a:tc>
+                <a:tc hMerge="1">
+                  <a:txBody>
+                    <a:bodyPr/>
+                    <a:lstStyle/>
+                    <a:p>
+                      <a:endParaRPr lang="en-US"/>
+                    </a:p>
+                  </a:txBody>
+                  <a:tcPr/>
+                </a:tc>
+                <a:tc hMerge="1">
+                  <a:txBody>
+                    <a:bodyPr/>
+                    <a:lstStyle/>
+                    <a:p>
+                      <a:endParaRPr lang="en-US"/>
+                    </a:p>
+                  </a:txBody>
+                  <a:tcPr/>
+                </a:tc>
+                <a:tc gridSpan="2">
+                  <a:txBody>
+                    <a:bodyPr/>
+                    <a:lstStyle/>
+                    <a:p>
+                      <a:pPr algn="ctr" fontAlgn="b"/>
+                      <a:r>
+                        <a:rPr lang="en-US" sz="1400" b="1" i="0" u="none" strike="noStrike">
+                          <a:solidFill>
+                            <a:srgbClr val="000000"/>
+                          </a:solidFill>
+                          <a:effectLst/>
+                          <a:latin typeface="Times New Roman" panose="02020603050405020304" pitchFamily="18" charset="0"/>
+                        </a:rPr>
+                        <a:t>Value</a:t>
+                      </a:r>
+                    </a:p>
+                  </a:txBody>
+                  <a:tcPr marL="9525" marR="9525" marT="9525" marB="0" anchor="b">
+                    <a:lnL>
+                      <a:noFill/>
+                    </a:lnL>
+                    <a:lnR>
+                      <a:noFill/>
+                    </a:lnR>
+                    <a:lnT w="19050" cap="flat" cmpd="sng" algn="ctr">
+                      <a:solidFill>
+                        <a:srgbClr val="000000"/>
+                      </a:solidFill>
+                      <a:prstDash val="solid"/>
+                      <a:round/>
+                      <a:headEnd type="none" w="med" len="med"/>
+                      <a:tailEnd type="none" w="med" len="med"/>
+                    </a:lnT>
+                    <a:lnB w="19050" cap="flat" cmpd="sng" algn="ctr">
+                      <a:solidFill>
+                        <a:srgbClr val="000000"/>
+                      </a:solidFill>
+                      <a:prstDash val="solid"/>
+                      <a:round/>
+                      <a:headEnd type="none" w="med" len="med"/>
+                      <a:tailEnd type="none" w="med" len="med"/>
+                    </a:lnB>
+                  </a:tcPr>
+                </a:tc>
+                <a:tc hMerge="1">
+                  <a:txBody>
+                    <a:bodyPr/>
+                    <a:lstStyle/>
+                    <a:p>
+                      <a:endParaRPr lang="en-US"/>
+                    </a:p>
+                  </a:txBody>
+                  <a:tcPr/>
+                </a:tc>
+                <a:extLst>
+                  <a:ext uri="{0D108BD9-81ED-4DB2-BD59-A6C34878D82A}">
+                    <a16:rowId xmlns:a16="http://schemas.microsoft.com/office/drawing/2014/main" val="3752443373"/>
+                  </a:ext>
+                </a:extLst>
+              </a:tr>
+              <a:tr h="57150">
+                <a:tc gridSpan="3">
+                  <a:txBody>
+                    <a:bodyPr/>
+                    <a:lstStyle/>
+                    <a:p>
+                      <a:pPr algn="ctr" fontAlgn="b"/>
+                      <a:endParaRPr lang="en-US" sz="1100" b="0" i="0" u="none" strike="noStrike">
+                        <a:solidFill>
+                          <a:srgbClr val="000000"/>
+                        </a:solidFill>
+                        <a:effectLst/>
+                        <a:latin typeface="Times New Roman" panose="02020603050405020304" pitchFamily="18" charset="0"/>
+                      </a:endParaRPr>
+                    </a:p>
+                  </a:txBody>
+                  <a:tcPr marL="9525" marR="9525" marT="9525" marB="0" anchor="b">
+                    <a:lnL>
+                      <a:noFill/>
+                    </a:lnL>
+                    <a:lnR>
+                      <a:noFill/>
+                    </a:lnR>
+                    <a:lnT w="19050" cap="flat" cmpd="sng" algn="ctr">
+                      <a:solidFill>
+                        <a:srgbClr val="000000"/>
+                      </a:solidFill>
+                      <a:prstDash val="solid"/>
+                      <a:round/>
+                      <a:headEnd type="none" w="med" len="med"/>
+                      <a:tailEnd type="none" w="med" len="med"/>
+                    </a:lnT>
+                    <a:lnB>
+                      <a:noFill/>
+                    </a:lnB>
+                  </a:tcPr>
+                </a:tc>
+                <a:tc hMerge="1">
+                  <a:txBody>
+                    <a:bodyPr/>
+                    <a:lstStyle/>
+                    <a:p>
+                      <a:endParaRPr lang="en-US"/>
+                    </a:p>
+                  </a:txBody>
+                  <a:tcPr/>
+                </a:tc>
+                <a:tc hMerge="1">
+                  <a:txBody>
+                    <a:bodyPr/>
+                    <a:lstStyle/>
+                    <a:p>
+                      <a:endParaRPr lang="en-US"/>
+                    </a:p>
+                  </a:txBody>
+                  <a:tcPr/>
+                </a:tc>
+                <a:tc>
+                  <a:txBody>
+                    <a:bodyPr/>
+                    <a:lstStyle/>
+                    <a:p>
+                      <a:pPr algn="l" fontAlgn="b"/>
+                      <a:endParaRPr lang="en-US" sz="1100" b="0" i="0" u="none" strike="noStrike">
+                        <a:solidFill>
+                          <a:srgbClr val="000000"/>
+                        </a:solidFill>
+                        <a:effectLst/>
+                        <a:latin typeface="Times New Roman" panose="02020603050405020304" pitchFamily="18" charset="0"/>
+                      </a:endParaRPr>
+                    </a:p>
+                  </a:txBody>
+                  <a:tcPr marL="9525" marR="9525" marT="9525" marB="0" anchor="b">
+                    <a:lnL>
+                      <a:noFill/>
+                    </a:lnL>
+                    <a:lnR>
+                      <a:noFill/>
+                    </a:lnR>
+                    <a:lnT w="19050" cap="flat" cmpd="sng" algn="ctr">
+                      <a:solidFill>
+                        <a:srgbClr val="000000"/>
+                      </a:solidFill>
+                      <a:prstDash val="solid"/>
+                      <a:round/>
+                      <a:headEnd type="none" w="med" len="med"/>
+                      <a:tailEnd type="none" w="med" len="med"/>
+                    </a:lnT>
+                    <a:lnB>
+                      <a:noFill/>
+                    </a:lnB>
+                  </a:tcPr>
+                </a:tc>
+                <a:tc>
+                  <a:txBody>
+                    <a:bodyPr/>
+                    <a:lstStyle/>
+                    <a:p>
+                      <a:pPr algn="l" fontAlgn="b"/>
+                      <a:endParaRPr lang="en-US" sz="1100" b="0" i="0" u="none" strike="noStrike">
+                        <a:solidFill>
+                          <a:srgbClr val="000000"/>
+                        </a:solidFill>
+                        <a:effectLst/>
+                        <a:latin typeface="Times New Roman" panose="02020603050405020304" pitchFamily="18" charset="0"/>
+                      </a:endParaRPr>
+                    </a:p>
+                  </a:txBody>
+                  <a:tcPr marL="9525" marR="9525" marT="9525" marB="0" anchor="b">
+                    <a:lnL>
+                      <a:noFill/>
+                    </a:lnL>
+                    <a:lnR>
+                      <a:noFill/>
+                    </a:lnR>
+                    <a:lnT w="19050" cap="flat" cmpd="sng" algn="ctr">
+                      <a:solidFill>
+                        <a:srgbClr val="000000"/>
+                      </a:solidFill>
+                      <a:prstDash val="solid"/>
+                      <a:round/>
+                      <a:headEnd type="none" w="med" len="med"/>
+                      <a:tailEnd type="none" w="med" len="med"/>
+                    </a:lnT>
+                    <a:lnB>
+                      <a:noFill/>
+                    </a:lnB>
+                  </a:tcPr>
+                </a:tc>
+                <a:extLst>
+                  <a:ext uri="{0D108BD9-81ED-4DB2-BD59-A6C34878D82A}">
+                    <a16:rowId xmlns:a16="http://schemas.microsoft.com/office/drawing/2014/main" val="1663005048"/>
+                  </a:ext>
+                </a:extLst>
+              </a:tr>
+              <a:tr h="190500">
+                <a:tc gridSpan="3">
+                  <a:txBody>
+                    <a:bodyPr/>
+                    <a:lstStyle/>
+                    <a:p>
+                      <a:pPr algn="ctr" fontAlgn="ctr"/>
+                      <a:r>
+                        <a:rPr lang="en-US" sz="1100" b="0" i="0" u="none" strike="noStrike">
+                          <a:solidFill>
+                            <a:srgbClr val="000000"/>
+                          </a:solidFill>
+                          <a:effectLst/>
+                          <a:latin typeface="Times New Roman" panose="02020603050405020304" pitchFamily="18" charset="0"/>
+                        </a:rPr>
+                        <a:t>Q (G.P.M)</a:t>
+                      </a:r>
+                    </a:p>
+                  </a:txBody>
+                  <a:tcPr marL="9525" marR="9525" marT="9525" marB="0" anchor="ctr">
+                    <a:lnL>
+                      <a:noFill/>
+                    </a:lnL>
+                    <a:lnR>
+                      <a:noFill/>
+                    </a:lnR>
+                    <a:lnT>
+                      <a:noFill/>
+                    </a:lnT>
+                    <a:lnB>
+                      <a:noFill/>
+                    </a:lnB>
+                  </a:tcPr>
+                </a:tc>
+                <a:tc hMerge="1">
+                  <a:txBody>
+                    <a:bodyPr/>
+                    <a:lstStyle/>
+                    <a:p>
+                      <a:endParaRPr lang="en-US"/>
+                    </a:p>
+                  </a:txBody>
+                  <a:tcPr/>
+                </a:tc>
+                <a:tc hMerge="1">
+                  <a:txBody>
+                    <a:bodyPr/>
+                    <a:lstStyle/>
+                    <a:p>
+                      <a:endParaRPr lang="en-US"/>
+                    </a:p>
+                  </a:txBody>
+                  <a:tcPr/>
+                </a:tc>
+                <a:tc gridSpan="2">
+                  <a:txBody>
+                    <a:bodyPr/>
+                    <a:lstStyle/>
+                    <a:p>
+                      <a:pPr algn="ctr" fontAlgn="ctr"/>
+                      <a:r>
+                        <a:rPr lang="en-US" sz="1100" b="0" i="0" u="none" strike="noStrike">
+                          <a:solidFill>
+                            <a:srgbClr val="000000"/>
+                          </a:solidFill>
+                          <a:effectLst/>
+                          <a:latin typeface="Times New Roman" panose="02020603050405020304" pitchFamily="18" charset="0"/>
+                        </a:rPr>
+                        <a:t>12</a:t>
+                      </a:r>
+                    </a:p>
+                  </a:txBody>
+                  <a:tcPr marL="9525" marR="9525" marT="9525" marB="0" anchor="ctr">
+                    <a:lnL>
+                      <a:noFill/>
+                    </a:lnL>
+                    <a:lnR>
+                      <a:noFill/>
+                    </a:lnR>
+                    <a:lnT>
+                      <a:noFill/>
+                    </a:lnT>
+                    <a:lnB>
+                      <a:noFill/>
+                    </a:lnB>
+                  </a:tcPr>
+                </a:tc>
+                <a:tc hMerge="1">
+                  <a:txBody>
+                    <a:bodyPr/>
+                    <a:lstStyle/>
+                    <a:p>
+                      <a:endParaRPr lang="en-US"/>
+                    </a:p>
+                  </a:txBody>
+                  <a:tcPr/>
+                </a:tc>
+                <a:extLst>
+                  <a:ext uri="{0D108BD9-81ED-4DB2-BD59-A6C34878D82A}">
+                    <a16:rowId xmlns:a16="http://schemas.microsoft.com/office/drawing/2014/main" val="39662704"/>
+                  </a:ext>
+                </a:extLst>
+              </a:tr>
+              <a:tr h="190500">
+                <a:tc gridSpan="3">
+                  <a:txBody>
+                    <a:bodyPr/>
+                    <a:lstStyle/>
+                    <a:p>
+                      <a:pPr algn="ctr" fontAlgn="ctr"/>
+                      <a:r>
+                        <a:rPr lang="en-US" sz="1100" b="0" i="0" u="none" strike="noStrike">
+                          <a:solidFill>
+                            <a:srgbClr val="000000"/>
+                          </a:solidFill>
+                          <a:effectLst/>
+                          <a:latin typeface="Times New Roman" panose="02020603050405020304" pitchFamily="18" charset="0"/>
+                        </a:rPr>
+                        <a:t>H (ft)</a:t>
+                      </a:r>
+                    </a:p>
+                  </a:txBody>
+                  <a:tcPr marL="9525" marR="9525" marT="9525" marB="0" anchor="ctr">
+                    <a:lnL>
+                      <a:noFill/>
+                    </a:lnL>
+                    <a:lnR>
+                      <a:noFill/>
+                    </a:lnR>
+                    <a:lnT>
+                      <a:noFill/>
+                    </a:lnT>
+                    <a:lnB>
+                      <a:noFill/>
+                    </a:lnB>
+                  </a:tcPr>
+                </a:tc>
+                <a:tc hMerge="1">
+                  <a:txBody>
+                    <a:bodyPr/>
+                    <a:lstStyle/>
+                    <a:p>
+                      <a:endParaRPr lang="en-US"/>
+                    </a:p>
+                  </a:txBody>
+                  <a:tcPr/>
+                </a:tc>
+                <a:tc hMerge="1">
+                  <a:txBody>
+                    <a:bodyPr/>
+                    <a:lstStyle/>
+                    <a:p>
+                      <a:endParaRPr lang="en-US"/>
+                    </a:p>
+                  </a:txBody>
+                  <a:tcPr/>
+                </a:tc>
+                <a:tc gridSpan="2">
+                  <a:txBody>
+                    <a:bodyPr/>
+                    <a:lstStyle/>
+                    <a:p>
+                      <a:pPr algn="ctr" fontAlgn="ctr"/>
+                      <a:r>
+                        <a:rPr lang="en-US" sz="1100" b="0" i="0" u="none" strike="noStrike">
+                          <a:solidFill>
+                            <a:srgbClr val="000000"/>
+                          </a:solidFill>
+                          <a:effectLst/>
+                          <a:latin typeface="Times New Roman" panose="02020603050405020304" pitchFamily="18" charset="0"/>
+                        </a:rPr>
+                        <a:t>754</a:t>
+                      </a:r>
+                    </a:p>
+                  </a:txBody>
+                  <a:tcPr marL="9525" marR="9525" marT="9525" marB="0" anchor="ctr">
+                    <a:lnL>
+                      <a:noFill/>
+                    </a:lnL>
+                    <a:lnR>
+                      <a:noFill/>
+                    </a:lnR>
+                    <a:lnT>
+                      <a:noFill/>
+                    </a:lnT>
+                    <a:lnB>
+                      <a:noFill/>
+                    </a:lnB>
+                  </a:tcPr>
+                </a:tc>
+                <a:tc hMerge="1">
+                  <a:txBody>
+                    <a:bodyPr/>
+                    <a:lstStyle/>
+                    <a:p>
+                      <a:endParaRPr lang="en-US"/>
+                    </a:p>
+                  </a:txBody>
+                  <a:tcPr/>
+                </a:tc>
+                <a:extLst>
+                  <a:ext uri="{0D108BD9-81ED-4DB2-BD59-A6C34878D82A}">
+                    <a16:rowId xmlns:a16="http://schemas.microsoft.com/office/drawing/2014/main" val="3912437462"/>
+                  </a:ext>
+                </a:extLst>
+              </a:tr>
+              <a:tr h="209550">
+                <a:tc gridSpan="3">
+                  <a:txBody>
+                    <a:bodyPr/>
+                    <a:lstStyle/>
+                    <a:p>
+                      <a:pPr algn="ctr" fontAlgn="ctr"/>
+                      <a:r>
+                        <a:rPr lang="en-US" sz="1100" b="0" i="0" u="none" strike="noStrike">
+                          <a:solidFill>
+                            <a:srgbClr val="000000"/>
+                          </a:solidFill>
+                          <a:effectLst/>
+                          <a:latin typeface="Times New Roman" panose="02020603050405020304" pitchFamily="18" charset="0"/>
+                        </a:rPr>
+                        <a:t>N</a:t>
+                      </a:r>
+                      <a:r>
+                        <a:rPr lang="en-US" sz="1100" b="0" i="0" u="none" strike="noStrike" baseline="-25000">
+                          <a:solidFill>
+                            <a:srgbClr val="000000"/>
+                          </a:solidFill>
+                          <a:effectLst/>
+                          <a:latin typeface="Times New Roman" panose="02020603050405020304" pitchFamily="18" charset="0"/>
+                        </a:rPr>
+                        <a:t>r</a:t>
+                      </a:r>
+                      <a:r>
+                        <a:rPr lang="en-US" sz="1100" b="0" i="0" u="none" strike="noStrike">
+                          <a:solidFill>
+                            <a:srgbClr val="000000"/>
+                          </a:solidFill>
+                          <a:effectLst/>
+                          <a:latin typeface="Times New Roman" panose="02020603050405020304" pitchFamily="18" charset="0"/>
+                        </a:rPr>
+                        <a:t> (r/min)</a:t>
+                      </a:r>
+                    </a:p>
+                  </a:txBody>
+                  <a:tcPr marL="9525" marR="9525" marT="9525" marB="0" anchor="ctr">
+                    <a:lnL>
+                      <a:noFill/>
+                    </a:lnL>
+                    <a:lnR>
+                      <a:noFill/>
+                    </a:lnR>
+                    <a:lnT>
+                      <a:noFill/>
+                    </a:lnT>
+                    <a:lnB>
+                      <a:noFill/>
+                    </a:lnB>
+                  </a:tcPr>
+                </a:tc>
+                <a:tc hMerge="1">
+                  <a:txBody>
+                    <a:bodyPr/>
+                    <a:lstStyle/>
+                    <a:p>
+                      <a:endParaRPr lang="en-US"/>
+                    </a:p>
+                  </a:txBody>
+                  <a:tcPr/>
+                </a:tc>
+                <a:tc hMerge="1">
+                  <a:txBody>
+                    <a:bodyPr/>
+                    <a:lstStyle/>
+                    <a:p>
+                      <a:endParaRPr lang="en-US"/>
+                    </a:p>
+                  </a:txBody>
+                  <a:tcPr/>
+                </a:tc>
+                <a:tc gridSpan="2">
+                  <a:txBody>
+                    <a:bodyPr/>
+                    <a:lstStyle/>
+                    <a:p>
+                      <a:pPr algn="ctr" fontAlgn="ctr"/>
+                      <a:r>
+                        <a:rPr lang="en-US" sz="1100" b="0" i="0" u="none" strike="noStrike">
+                          <a:solidFill>
+                            <a:srgbClr val="000000"/>
+                          </a:solidFill>
+                          <a:effectLst/>
+                          <a:latin typeface="Times New Roman" panose="02020603050405020304" pitchFamily="18" charset="0"/>
+                        </a:rPr>
+                        <a:t>20500</a:t>
+                      </a:r>
+                    </a:p>
+                  </a:txBody>
+                  <a:tcPr marL="9525" marR="9525" marT="9525" marB="0" anchor="ctr">
+                    <a:lnL>
+                      <a:noFill/>
+                    </a:lnL>
+                    <a:lnR>
+                      <a:noFill/>
+                    </a:lnR>
+                    <a:lnT>
+                      <a:noFill/>
+                    </a:lnT>
+                    <a:lnB>
+                      <a:noFill/>
+                    </a:lnB>
+                  </a:tcPr>
+                </a:tc>
+                <a:tc hMerge="1">
+                  <a:txBody>
+                    <a:bodyPr/>
+                    <a:lstStyle/>
+                    <a:p>
+                      <a:endParaRPr lang="en-US"/>
+                    </a:p>
+                  </a:txBody>
+                  <a:tcPr/>
+                </a:tc>
+                <a:extLst>
+                  <a:ext uri="{0D108BD9-81ED-4DB2-BD59-A6C34878D82A}">
+                    <a16:rowId xmlns:a16="http://schemas.microsoft.com/office/drawing/2014/main" val="3380742602"/>
+                  </a:ext>
+                </a:extLst>
+              </a:tr>
+              <a:tr h="190500">
+                <a:tc gridSpan="3">
+                  <a:txBody>
+                    <a:bodyPr/>
+                    <a:lstStyle/>
+                    <a:p>
+                      <a:pPr algn="ctr" fontAlgn="b"/>
+                      <a:r>
+                        <a:rPr lang="en-US" sz="1100" b="0" i="0" u="none" strike="noStrike">
+                          <a:solidFill>
+                            <a:srgbClr val="000000"/>
+                          </a:solidFill>
+                          <a:effectLst/>
+                          <a:latin typeface="Times New Roman" panose="02020603050405020304" pitchFamily="18" charset="0"/>
+                        </a:rPr>
+                        <a:t>P (KW)</a:t>
+                      </a:r>
+                    </a:p>
+                  </a:txBody>
+                  <a:tcPr marL="9525" marR="9525" marT="9525" marB="0" anchor="b">
+                    <a:lnL>
+                      <a:noFill/>
+                    </a:lnL>
+                    <a:lnR>
+                      <a:noFill/>
+                    </a:lnR>
+                    <a:lnT>
+                      <a:noFill/>
+                    </a:lnT>
+                    <a:lnB>
+                      <a:noFill/>
+                    </a:lnB>
+                  </a:tcPr>
+                </a:tc>
+                <a:tc hMerge="1">
+                  <a:txBody>
+                    <a:bodyPr/>
+                    <a:lstStyle/>
+                    <a:p>
+                      <a:endParaRPr lang="en-US"/>
+                    </a:p>
+                  </a:txBody>
+                  <a:tcPr/>
+                </a:tc>
+                <a:tc hMerge="1">
+                  <a:txBody>
+                    <a:bodyPr/>
+                    <a:lstStyle/>
+                    <a:p>
+                      <a:endParaRPr lang="en-US"/>
+                    </a:p>
+                  </a:txBody>
+                  <a:tcPr/>
+                </a:tc>
+                <a:tc gridSpan="2">
+                  <a:txBody>
+                    <a:bodyPr/>
+                    <a:lstStyle/>
+                    <a:p>
+                      <a:pPr algn="ctr" fontAlgn="b"/>
+                      <a:r>
+                        <a:rPr lang="en-US" sz="1100" b="0" i="0" u="none" strike="noStrike">
+                          <a:solidFill>
+                            <a:srgbClr val="000000"/>
+                          </a:solidFill>
+                          <a:effectLst/>
+                          <a:latin typeface="Times New Roman" panose="02020603050405020304" pitchFamily="18" charset="0"/>
+                        </a:rPr>
+                        <a:t>≤ 3.5</a:t>
+                      </a:r>
+                    </a:p>
+                  </a:txBody>
+                  <a:tcPr marL="9525" marR="9525" marT="9525" marB="0" anchor="b">
+                    <a:lnL>
+                      <a:noFill/>
+                    </a:lnL>
+                    <a:lnR>
+                      <a:noFill/>
+                    </a:lnR>
+                    <a:lnT>
+                      <a:noFill/>
+                    </a:lnT>
+                    <a:lnB>
+                      <a:noFill/>
+                    </a:lnB>
+                  </a:tcPr>
+                </a:tc>
+                <a:tc hMerge="1">
+                  <a:txBody>
+                    <a:bodyPr/>
+                    <a:lstStyle/>
+                    <a:p>
+                      <a:endParaRPr lang="en-US"/>
+                    </a:p>
+                  </a:txBody>
+                  <a:tcPr/>
+                </a:tc>
+                <a:extLst>
+                  <a:ext uri="{0D108BD9-81ED-4DB2-BD59-A6C34878D82A}">
+                    <a16:rowId xmlns:a16="http://schemas.microsoft.com/office/drawing/2014/main" val="320227041"/>
+                  </a:ext>
+                </a:extLst>
+              </a:tr>
+              <a:tr h="47625">
+                <a:tc>
+                  <a:txBody>
+                    <a:bodyPr/>
+                    <a:lstStyle/>
+                    <a:p>
+                      <a:pPr algn="l" fontAlgn="b"/>
+                      <a:r>
+                        <a:rPr lang="en-US" sz="1100" b="0" i="0" u="none" strike="noStrike">
+                          <a:solidFill>
+                            <a:srgbClr val="000000"/>
+                          </a:solidFill>
+                          <a:effectLst/>
+                          <a:latin typeface="Calibri" panose="020F0502020204030204" pitchFamily="34" charset="0"/>
+                        </a:rPr>
+                        <a:t> </a:t>
+                      </a:r>
+                    </a:p>
+                  </a:txBody>
+                  <a:tcPr marL="9525" marR="9525" marT="9525" marB="0" anchor="b">
+                    <a:lnL>
+                      <a:noFill/>
+                    </a:lnL>
+                    <a:lnR>
+                      <a:noFill/>
+                    </a:lnR>
+                    <a:lnT>
+                      <a:noFill/>
+                    </a:lnT>
+                    <a:lnB w="19050" cap="flat" cmpd="sng" algn="ctr">
+                      <a:solidFill>
+                        <a:srgbClr val="000000"/>
+                      </a:solidFill>
+                      <a:prstDash val="solid"/>
+                      <a:round/>
+                      <a:headEnd type="none" w="med" len="med"/>
+                      <a:tailEnd type="none" w="med" len="med"/>
+                    </a:lnB>
+                  </a:tcPr>
+                </a:tc>
+                <a:tc>
+                  <a:txBody>
+                    <a:bodyPr/>
+                    <a:lstStyle/>
+                    <a:p>
+                      <a:pPr algn="l" fontAlgn="b"/>
+                      <a:r>
+                        <a:rPr lang="en-US" sz="1100" b="0" i="0" u="none" strike="noStrike">
+                          <a:solidFill>
+                            <a:srgbClr val="000000"/>
+                          </a:solidFill>
+                          <a:effectLst/>
+                          <a:latin typeface="Calibri" panose="020F0502020204030204" pitchFamily="34" charset="0"/>
+                        </a:rPr>
+                        <a:t> </a:t>
+                      </a:r>
+                    </a:p>
+                  </a:txBody>
+                  <a:tcPr marL="9525" marR="9525" marT="9525" marB="0" anchor="b">
+                    <a:lnL>
+                      <a:noFill/>
+                    </a:lnL>
+                    <a:lnR>
+                      <a:noFill/>
+                    </a:lnR>
+                    <a:lnT>
+                      <a:noFill/>
+                    </a:lnT>
+                    <a:lnB w="19050" cap="flat" cmpd="sng" algn="ctr">
+                      <a:solidFill>
+                        <a:srgbClr val="000000"/>
+                      </a:solidFill>
+                      <a:prstDash val="solid"/>
+                      <a:round/>
+                      <a:headEnd type="none" w="med" len="med"/>
+                      <a:tailEnd type="none" w="med" len="med"/>
+                    </a:lnB>
+                  </a:tcPr>
+                </a:tc>
+                <a:tc>
+                  <a:txBody>
+                    <a:bodyPr/>
+                    <a:lstStyle/>
+                    <a:p>
+                      <a:pPr algn="l" fontAlgn="b"/>
+                      <a:r>
+                        <a:rPr lang="en-US" sz="1100" b="0" i="0" u="none" strike="noStrike">
+                          <a:solidFill>
+                            <a:srgbClr val="000000"/>
+                          </a:solidFill>
+                          <a:effectLst/>
+                          <a:latin typeface="Calibri" panose="020F0502020204030204" pitchFamily="34" charset="0"/>
+                        </a:rPr>
+                        <a:t> </a:t>
+                      </a:r>
+                    </a:p>
+                  </a:txBody>
+                  <a:tcPr marL="9525" marR="9525" marT="9525" marB="0" anchor="b">
+                    <a:lnL>
+                      <a:noFill/>
+                    </a:lnL>
+                    <a:lnR>
+                      <a:noFill/>
+                    </a:lnR>
+                    <a:lnT>
+                      <a:noFill/>
+                    </a:lnT>
+                    <a:lnB w="19050" cap="flat" cmpd="sng" algn="ctr">
+                      <a:solidFill>
+                        <a:srgbClr val="000000"/>
+                      </a:solidFill>
+                      <a:prstDash val="solid"/>
+                      <a:round/>
+                      <a:headEnd type="none" w="med" len="med"/>
+                      <a:tailEnd type="none" w="med" len="med"/>
+                    </a:lnB>
+                  </a:tcPr>
+                </a:tc>
+                <a:tc>
+                  <a:txBody>
+                    <a:bodyPr/>
+                    <a:lstStyle/>
+                    <a:p>
+                      <a:pPr algn="l" fontAlgn="b"/>
+                      <a:r>
+                        <a:rPr lang="en-US" sz="1100" b="0" i="0" u="none" strike="noStrike">
+                          <a:solidFill>
+                            <a:srgbClr val="000000"/>
+                          </a:solidFill>
+                          <a:effectLst/>
+                          <a:latin typeface="Calibri" panose="020F0502020204030204" pitchFamily="34" charset="0"/>
+                        </a:rPr>
+                        <a:t> </a:t>
+                      </a:r>
+                    </a:p>
+                  </a:txBody>
+                  <a:tcPr marL="9525" marR="9525" marT="9525" marB="0" anchor="b">
+                    <a:lnL>
+                      <a:noFill/>
+                    </a:lnL>
+                    <a:lnR>
+                      <a:noFill/>
+                    </a:lnR>
+                    <a:lnT>
+                      <a:noFill/>
+                    </a:lnT>
+                    <a:lnB w="19050" cap="flat" cmpd="sng" algn="ctr">
+                      <a:solidFill>
+                        <a:srgbClr val="000000"/>
+                      </a:solidFill>
+                      <a:prstDash val="solid"/>
+                      <a:round/>
+                      <a:headEnd type="none" w="med" len="med"/>
+                      <a:tailEnd type="none" w="med" len="med"/>
+                    </a:lnB>
+                  </a:tcPr>
+                </a:tc>
+                <a:tc>
+                  <a:txBody>
+                    <a:bodyPr/>
+                    <a:lstStyle/>
+                    <a:p>
+                      <a:pPr algn="l" fontAlgn="b"/>
+                      <a:r>
+                        <a:rPr lang="en-US" sz="1100" b="0" i="0" u="none" strike="noStrike" dirty="0">
+                          <a:solidFill>
+                            <a:srgbClr val="000000"/>
+                          </a:solidFill>
+                          <a:effectLst/>
+                          <a:latin typeface="Calibri" panose="020F0502020204030204" pitchFamily="34" charset="0"/>
+                        </a:rPr>
+                        <a:t> </a:t>
+                      </a:r>
+                    </a:p>
+                  </a:txBody>
+                  <a:tcPr marL="9525" marR="9525" marT="9525" marB="0" anchor="b">
+                    <a:lnL>
+                      <a:noFill/>
+                    </a:lnL>
+                    <a:lnR>
+                      <a:noFill/>
+                    </a:lnR>
+                    <a:lnT>
+                      <a:noFill/>
+                    </a:lnT>
+                    <a:lnB w="19050" cap="flat" cmpd="sng" algn="ctr">
+                      <a:solidFill>
+                        <a:srgbClr val="000000"/>
+                      </a:solidFill>
+                      <a:prstDash val="solid"/>
+                      <a:round/>
+                      <a:headEnd type="none" w="med" len="med"/>
+                      <a:tailEnd type="none" w="med" len="med"/>
+                    </a:lnB>
+                  </a:tcPr>
+                </a:tc>
+                <a:extLst>
+                  <a:ext uri="{0D108BD9-81ED-4DB2-BD59-A6C34878D82A}">
+                    <a16:rowId xmlns:a16="http://schemas.microsoft.com/office/drawing/2014/main" val="3495326863"/>
+                  </a:ext>
+                </a:extLst>
+              </a:tr>
+            </a:tbl>
+          </a:graphicData>
+        </a:graphic>
+      </p:graphicFrame>
+      <p:pic>
+        <p:nvPicPr>
+          <p:cNvPr id="11" name="Picture 10"/>
+          <p:cNvPicPr>
+            <a:picLocks noChangeAspect="1"/>
+          </p:cNvPicPr>
+          <p:nvPr/>
+        </p:nvPicPr>
+        <p:blipFill>
+          <a:blip r:embed="rId3"/>
+          <a:stretch>
+            <a:fillRect/>
+          </a:stretch>
+        </p:blipFill>
+        <p:spPr>
+          <a:xfrm>
+            <a:off x="5699010" y="276999"/>
+            <a:ext cx="5463245" cy="4056647"/>
+          </a:xfrm>
+          <a:prstGeom prst="rect">
+            <a:avLst/>
+          </a:prstGeom>
+        </p:spPr>
+      </p:pic>
+      <p:pic>
+        <p:nvPicPr>
+          <p:cNvPr id="12" name="Picture 11"/>
+          <p:cNvPicPr>
+            <a:picLocks noChangeAspect="1"/>
+          </p:cNvPicPr>
+          <p:nvPr/>
+        </p:nvPicPr>
+        <p:blipFill>
+          <a:blip r:embed="rId4"/>
+          <a:stretch>
+            <a:fillRect/>
+          </a:stretch>
+        </p:blipFill>
+        <p:spPr>
+          <a:xfrm>
+            <a:off x="11602889" y="276999"/>
+            <a:ext cx="9953625" cy="7086600"/>
+          </a:xfrm>
+          <a:prstGeom prst="rect">
+            <a:avLst/>
+          </a:prstGeom>
+        </p:spPr>
+      </p:pic>
     </p:spTree>
     <p:extLst>
       <p:ext uri="{BB962C8B-B14F-4D97-AF65-F5344CB8AC3E}">
-        <p14:creationId xmlns:p14="http://schemas.microsoft.com/office/powerpoint/2010/main" val="3285115805"/>
+        <p14:creationId xmlns:p14="http://schemas.microsoft.com/office/powerpoint/2010/main" val="161884132"/>
       </p:ext>
     </p:extLst>
   </p:cSld>
@@ -4930,8 +8200,8 @@
         </p:nvSpPr>
         <p:spPr>
           <a:xfrm>
-            <a:off x="7603250" y="138499"/>
-            <a:ext cx="6490448" cy="1200329"/>
+            <a:off x="7111720" y="-1359296"/>
+            <a:ext cx="6490448" cy="923330"/>
           </a:xfrm>
           <a:prstGeom prst="rect">
             <a:avLst/>
@@ -4952,17 +8222,14 @@
           <a:p>
             <a:r>
               <a:rPr lang="en-US" dirty="0" smtClean="0"/>
-              <a:t>Rendering of the motor dyno – CAD</a:t>
+              <a:t>Quarter section – CAD </a:t>
             </a:r>
           </a:p>
           <a:p>
             <a:r>
               <a:rPr lang="en-US" dirty="0" smtClean="0"/>
-              <a:t>Photo or diagram of the motor </a:t>
-            </a:r>
-          </a:p>
-          <a:p>
-            <a:endParaRPr lang="en-US" dirty="0" smtClean="0"/>
+              <a:t>Photo of the pump w/ casing – High Res</a:t>
+            </a:r>
           </a:p>
         </p:txBody>
       </p:sp>
@@ -4974,8 +8241,8 @@
         </p:nvSpPr>
         <p:spPr>
           <a:xfrm>
-            <a:off x="0" y="553998"/>
-            <a:ext cx="7339263" cy="1754326"/>
+            <a:off x="-545432" y="-2169825"/>
+            <a:ext cx="7339263" cy="2031325"/>
           </a:xfrm>
           <a:prstGeom prst="rect">
             <a:avLst/>
@@ -5002,28 +8269,35 @@
           <a:p>
             <a:r>
               <a:rPr lang="en-US" dirty="0" smtClean="0"/>
-              <a:t>Drive:</a:t>
+              <a:t>Pump:</a:t>
             </a:r>
           </a:p>
           <a:p>
             <a:pPr lvl="1"/>
             <a:r>
               <a:rPr lang="en-US" dirty="0" smtClean="0"/>
-              <a:t>Motor / esc / battery / control</a:t>
+              <a:t>Bearing system</a:t>
             </a:r>
           </a:p>
           <a:p>
             <a:pPr lvl="1"/>
             <a:r>
               <a:rPr lang="en-US" dirty="0" smtClean="0"/>
-              <a:t>Motor Dyno mount (floating torque measurement)</a:t>
+              <a:t>Seal system </a:t>
             </a:r>
           </a:p>
           <a:p>
             <a:pPr lvl="1"/>
             <a:r>
               <a:rPr lang="en-US" dirty="0" smtClean="0"/>
-              <a:t>Motor coupling – Alignment and verifying runout  (angular / offset)</a:t>
+              <a:t>Hydraulic system ( volute, impeller, diffuser) – highlight modular design</a:t>
+            </a:r>
+          </a:p>
+          <a:p>
+            <a:pPr lvl="1"/>
+            <a:r>
+              <a:rPr lang="en-US" dirty="0" smtClean="0"/>
+              <a:t>Shaft </a:t>
             </a:r>
           </a:p>
         </p:txBody>
@@ -5058,10 +8332,39 @@
           </a:fontRef>
         </p:style>
       </p:cxnSp>
+      <p:pic>
+        <p:nvPicPr>
+          <p:cNvPr id="8" name="Picture 7"/>
+          <p:cNvPicPr>
+            <a:picLocks noChangeAspect="1"/>
+          </p:cNvPicPr>
+          <p:nvPr/>
+        </p:nvPicPr>
+        <p:blipFill rotWithShape="1">
+          <a:blip r:embed="rId3">
+            <a:extLst>
+              <a:ext uri="{28A0092B-C50C-407E-A947-70E740481C1C}">
+                <a14:useLocalDpi xmlns:a14="http://schemas.microsoft.com/office/drawing/2010/main" val="0"/>
+              </a:ext>
+            </a:extLst>
+          </a:blip>
+          <a:srcRect l="22800" t="19028" r="10510" b="16647"/>
+          <a:stretch/>
+        </p:blipFill>
+        <p:spPr>
+          <a:xfrm>
+            <a:off x="1180860" y="866474"/>
+            <a:ext cx="9176084" cy="4611128"/>
+          </a:xfrm>
+          <a:prstGeom prst="rect">
+            <a:avLst/>
+          </a:prstGeom>
+        </p:spPr>
+      </p:pic>
     </p:spTree>
     <p:extLst>
       <p:ext uri="{BB962C8B-B14F-4D97-AF65-F5344CB8AC3E}">
-        <p14:creationId xmlns:p14="http://schemas.microsoft.com/office/powerpoint/2010/main" val="2795909783"/>
+        <p14:creationId xmlns:p14="http://schemas.microsoft.com/office/powerpoint/2010/main" val="3285115805"/>
       </p:ext>
     </p:extLst>
   </p:cSld>
@@ -5120,6 +8423,395 @@
                 <a:latin typeface="Garamond" panose="02020404030301010803" pitchFamily="18" charset="0"/>
               </a:rPr>
               <a:t>6</a:t>
+            </a:fld>
+            <a:endParaRPr lang="en-US" dirty="0">
+              <a:latin typeface="Garamond" panose="02020404030301010803" pitchFamily="18" charset="0"/>
+            </a:endParaRPr>
+          </a:p>
+        </p:txBody>
+      </p:sp>
+      <p:sp>
+        <p:nvSpPr>
+          <p:cNvPr id="19" name="TextBox 18"/>
+          <p:cNvSpPr txBox="1"/>
+          <p:nvPr/>
+        </p:nvSpPr>
+        <p:spPr>
+          <a:xfrm>
+            <a:off x="128788" y="6482577"/>
+            <a:ext cx="4201920" cy="276999"/>
+          </a:xfrm>
+          <a:prstGeom prst="rect">
+            <a:avLst/>
+          </a:prstGeom>
+          <a:noFill/>
+        </p:spPr>
+        <p:txBody>
+          <a:bodyPr wrap="none" rtlCol="0">
+            <a:spAutoFit/>
+          </a:bodyPr>
+          <a:lstStyle/>
+          <a:p>
+            <a:r>
+              <a:rPr lang="en-US" sz="1200" dirty="0" smtClean="0">
+                <a:latin typeface="Garamond" panose="02020404030301010803" pitchFamily="18" charset="0"/>
+                <a:cs typeface="Times New Roman" panose="02020603050405020304" pitchFamily="18" charset="0"/>
+              </a:rPr>
+              <a:t>Portland State Aerospace Society | Electric Propellant Feed System</a:t>
+            </a:r>
+            <a:endParaRPr lang="en-US" sz="1200" dirty="0">
+              <a:latin typeface="Garamond" panose="02020404030301010803" pitchFamily="18" charset="0"/>
+              <a:cs typeface="Times New Roman" panose="02020603050405020304" pitchFamily="18" charset="0"/>
+            </a:endParaRPr>
+          </a:p>
+        </p:txBody>
+      </p:sp>
+      <p:sp>
+        <p:nvSpPr>
+          <p:cNvPr id="5" name="TextBox 4"/>
+          <p:cNvSpPr txBox="1"/>
+          <p:nvPr/>
+        </p:nvSpPr>
+        <p:spPr>
+          <a:xfrm>
+            <a:off x="128788" y="0"/>
+            <a:ext cx="1685077" cy="276999"/>
+          </a:xfrm>
+          <a:prstGeom prst="rect">
+            <a:avLst/>
+          </a:prstGeom>
+          <a:noFill/>
+        </p:spPr>
+        <p:txBody>
+          <a:bodyPr wrap="none" rtlCol="0">
+            <a:spAutoFit/>
+          </a:bodyPr>
+          <a:lstStyle/>
+          <a:p>
+            <a:r>
+              <a:rPr lang="en-US" sz="1200" dirty="0" smtClean="0">
+                <a:latin typeface="Garamond" panose="02020404030301010803" pitchFamily="18" charset="0"/>
+                <a:cs typeface="Times New Roman" panose="02020603050405020304" pitchFamily="18" charset="0"/>
+              </a:rPr>
+              <a:t>Final Design: Subsystem </a:t>
+            </a:r>
+            <a:endParaRPr lang="en-US" sz="1200" dirty="0">
+              <a:latin typeface="Garamond" panose="02020404030301010803" pitchFamily="18" charset="0"/>
+              <a:cs typeface="Times New Roman" panose="02020603050405020304" pitchFamily="18" charset="0"/>
+            </a:endParaRPr>
+          </a:p>
+        </p:txBody>
+      </p:sp>
+      <p:sp>
+        <p:nvSpPr>
+          <p:cNvPr id="13" name="TextBox 12"/>
+          <p:cNvSpPr txBox="1"/>
+          <p:nvPr/>
+        </p:nvSpPr>
+        <p:spPr>
+          <a:xfrm>
+            <a:off x="372373" y="486568"/>
+            <a:ext cx="6490448" cy="646331"/>
+          </a:xfrm>
+          <a:prstGeom prst="rect">
+            <a:avLst/>
+          </a:prstGeom>
+          <a:noFill/>
+        </p:spPr>
+        <p:txBody>
+          <a:bodyPr wrap="square" rtlCol="0">
+            <a:spAutoFit/>
+          </a:bodyPr>
+          <a:lstStyle/>
+          <a:p>
+            <a:r>
+              <a:rPr lang="en-US" dirty="0" smtClean="0"/>
+              <a:t>Motor Mounting and Control </a:t>
+            </a:r>
+            <a:endParaRPr lang="en-US" dirty="0" smtClean="0"/>
+          </a:p>
+          <a:p>
+            <a:endParaRPr lang="en-US" dirty="0" smtClean="0"/>
+          </a:p>
+        </p:txBody>
+      </p:sp>
+      <p:sp>
+        <p:nvSpPr>
+          <p:cNvPr id="15" name="TextBox 14"/>
+          <p:cNvSpPr txBox="1"/>
+          <p:nvPr/>
+        </p:nvSpPr>
+        <p:spPr>
+          <a:xfrm>
+            <a:off x="0" y="-1877794"/>
+            <a:ext cx="7339263" cy="1754326"/>
+          </a:xfrm>
+          <a:prstGeom prst="rect">
+            <a:avLst/>
+          </a:prstGeom>
+          <a:noFill/>
+        </p:spPr>
+        <p:txBody>
+          <a:bodyPr wrap="square" rtlCol="0">
+            <a:spAutoFit/>
+          </a:bodyPr>
+          <a:lstStyle/>
+          <a:p>
+            <a:r>
+              <a:rPr lang="en-US" dirty="0" smtClean="0"/>
+              <a:t>Notes:</a:t>
+            </a:r>
+          </a:p>
+          <a:p>
+            <a:r>
+              <a:rPr lang="en-US" dirty="0" smtClean="0"/>
+              <a:t>Subsystem breakdown:</a:t>
+            </a:r>
+          </a:p>
+          <a:p>
+            <a:r>
+              <a:rPr lang="en-US" dirty="0" smtClean="0"/>
+              <a:t>Drive:</a:t>
+            </a:r>
+          </a:p>
+          <a:p>
+            <a:pPr lvl="1"/>
+            <a:r>
+              <a:rPr lang="en-US" dirty="0" smtClean="0"/>
+              <a:t>Motor / esc / battery / control</a:t>
+            </a:r>
+          </a:p>
+          <a:p>
+            <a:pPr lvl="1"/>
+            <a:r>
+              <a:rPr lang="en-US" dirty="0" smtClean="0"/>
+              <a:t>Motor Dyno mount (floating torque measurement)</a:t>
+            </a:r>
+          </a:p>
+          <a:p>
+            <a:pPr lvl="1"/>
+            <a:r>
+              <a:rPr lang="en-US" dirty="0" smtClean="0"/>
+              <a:t>Motor coupling – Alignment and verifying runout  (angular / offset)</a:t>
+            </a:r>
+          </a:p>
+        </p:txBody>
+      </p:sp>
+      <p:cxnSp>
+        <p:nvCxnSpPr>
+          <p:cNvPr id="16" name="Straight Connector 15"/>
+          <p:cNvCxnSpPr/>
+          <p:nvPr/>
+        </p:nvCxnSpPr>
+        <p:spPr>
+          <a:xfrm>
+            <a:off x="235677" y="276999"/>
+            <a:ext cx="307199" cy="0"/>
+          </a:xfrm>
+          <a:prstGeom prst="line">
+            <a:avLst/>
+          </a:prstGeom>
+        </p:spPr>
+        <p:style>
+          <a:lnRef idx="1">
+            <a:schemeClr val="dk1"/>
+          </a:lnRef>
+          <a:fillRef idx="0">
+            <a:schemeClr val="dk1"/>
+          </a:fillRef>
+          <a:effectRef idx="0">
+            <a:schemeClr val="dk1"/>
+          </a:effectRef>
+          <a:fontRef idx="minor">
+            <a:schemeClr val="tx1"/>
+          </a:fontRef>
+        </p:style>
+      </p:cxnSp>
+      <p:pic>
+        <p:nvPicPr>
+          <p:cNvPr id="2" name="Picture 1"/>
+          <p:cNvPicPr>
+            <a:picLocks noChangeAspect="1"/>
+          </p:cNvPicPr>
+          <p:nvPr/>
+        </p:nvPicPr>
+        <p:blipFill rotWithShape="1">
+          <a:blip r:embed="rId3" cstate="print">
+            <a:extLst>
+              <a:ext uri="{28A0092B-C50C-407E-A947-70E740481C1C}">
+                <a14:useLocalDpi xmlns:a14="http://schemas.microsoft.com/office/drawing/2010/main" val="0"/>
+              </a:ext>
+            </a:extLst>
+          </a:blip>
+          <a:srcRect l="29467" t="12797" r="11407"/>
+          <a:stretch/>
+        </p:blipFill>
+        <p:spPr>
+          <a:xfrm>
+            <a:off x="836397" y="1132899"/>
+            <a:ext cx="3714750" cy="2832258"/>
+          </a:xfrm>
+          <a:prstGeom prst="rect">
+            <a:avLst/>
+          </a:prstGeom>
+        </p:spPr>
+      </p:pic>
+      <p:sp>
+        <p:nvSpPr>
+          <p:cNvPr id="9" name="TextBox 8"/>
+          <p:cNvSpPr txBox="1"/>
+          <p:nvPr/>
+        </p:nvSpPr>
+        <p:spPr>
+          <a:xfrm>
+            <a:off x="7432435" y="-1200329"/>
+            <a:ext cx="6490448" cy="1200329"/>
+          </a:xfrm>
+          <a:prstGeom prst="rect">
+            <a:avLst/>
+          </a:prstGeom>
+          <a:noFill/>
+        </p:spPr>
+        <p:txBody>
+          <a:bodyPr wrap="square" rtlCol="0">
+            <a:spAutoFit/>
+          </a:bodyPr>
+          <a:lstStyle/>
+          <a:p>
+            <a:r>
+              <a:rPr lang="en-US" dirty="0" smtClean="0"/>
+              <a:t>To insert: </a:t>
+            </a:r>
+          </a:p>
+          <a:p>
+            <a:r>
+              <a:rPr lang="en-US" dirty="0" smtClean="0"/>
+              <a:t>Rendering of the motor dyno – CAD</a:t>
+            </a:r>
+          </a:p>
+          <a:p>
+            <a:r>
+              <a:rPr lang="en-US" dirty="0" smtClean="0"/>
+              <a:t>Photo or diagram of the motor </a:t>
+            </a:r>
+          </a:p>
+          <a:p>
+            <a:endParaRPr lang="en-US" dirty="0" smtClean="0"/>
+          </a:p>
+        </p:txBody>
+      </p:sp>
+      <p:pic>
+        <p:nvPicPr>
+          <p:cNvPr id="3" name="Picture 2"/>
+          <p:cNvPicPr>
+            <a:picLocks noChangeAspect="1"/>
+          </p:cNvPicPr>
+          <p:nvPr/>
+        </p:nvPicPr>
+        <p:blipFill rotWithShape="1">
+          <a:blip r:embed="rId4">
+            <a:extLst>
+              <a:ext uri="{BEBA8EAE-BF5A-486C-A8C5-ECC9F3942E4B}">
+                <a14:imgProps xmlns:a14="http://schemas.microsoft.com/office/drawing/2010/main">
+                  <a14:imgLayer r:embed="rId5">
+                    <a14:imgEffect>
+                      <a14:backgroundRemoval t="29686" b="86612" l="24640" r="77218">
+                        <a14:foregroundMark x1="30216" y1="38882" x2="30216" y2="38882"/>
+                        <a14:foregroundMark x1="31535" y1="35972" x2="32014" y2="33760"/>
+                        <a14:foregroundMark x1="32974" y1="41560" x2="30216" y2="39115"/>
+                        <a14:foregroundMark x1="66127" y1="72410" x2="67866" y2="65658"/>
+                        <a14:foregroundMark x1="74580" y1="76484" x2="73381" y2="74854"/>
+                        <a14:foregroundMark x1="62290" y1="70780" x2="61811" y2="70081"/>
+                        <a14:foregroundMark x1="64448" y1="67404" x2="63789" y2="66938"/>
+                        <a14:foregroundMark x1="63249" y1="64494" x2="62470" y2="64028"/>
+                        <a14:foregroundMark x1="62230" y1="67520" x2="61331" y2="66938"/>
+                        <a14:foregroundMark x1="26679" y1="36088" x2="26679" y2="35041"/>
+                        <a14:foregroundMark x1="25719" y1="40047" x2="25480" y2="39697"/>
+                      </a14:backgroundRemoval>
+                    </a14:imgEffect>
+                  </a14:imgLayer>
+                </a14:imgProps>
+              </a:ext>
+              <a:ext uri="{28A0092B-C50C-407E-A947-70E740481C1C}">
+                <a14:useLocalDpi xmlns:a14="http://schemas.microsoft.com/office/drawing/2010/main" val="0"/>
+              </a:ext>
+            </a:extLst>
+          </a:blip>
+          <a:srcRect l="22117" t="27606" r="21845" b="11796"/>
+          <a:stretch/>
+        </p:blipFill>
+        <p:spPr>
+          <a:xfrm>
+            <a:off x="0" y="3299528"/>
+            <a:ext cx="5636525" cy="3138985"/>
+          </a:xfrm>
+          <a:prstGeom prst="rect">
+            <a:avLst/>
+          </a:prstGeom>
+        </p:spPr>
+      </p:pic>
+    </p:spTree>
+    <p:extLst>
+      <p:ext uri="{BB962C8B-B14F-4D97-AF65-F5344CB8AC3E}">
+        <p14:creationId xmlns:p14="http://schemas.microsoft.com/office/powerpoint/2010/main" val="2795909783"/>
+      </p:ext>
+    </p:extLst>
+  </p:cSld>
+  <p:clrMapOvr>
+    <a:masterClrMapping/>
+  </p:clrMapOvr>
+  <p:timing>
+    <p:tnLst>
+      <p:par>
+        <p:cTn id="1" dur="indefinite" restart="never" nodeType="tmRoot"/>
+      </p:par>
+    </p:tnLst>
+  </p:timing>
+</p:sld>
+</file>
+
+<file path=ppt/slides/slide7.xml><?xml version="1.0" encoding="utf-8"?>
+<p:sld xmlns:a="http://schemas.openxmlformats.org/drawingml/2006/main" xmlns:r="http://schemas.openxmlformats.org/officeDocument/2006/relationships" xmlns:p="http://schemas.openxmlformats.org/presentationml/2006/main">
+  <p:cSld>
+    <p:spTree>
+      <p:nvGrpSpPr>
+        <p:cNvPr id="1" name=""/>
+        <p:cNvGrpSpPr/>
+        <p:nvPr/>
+      </p:nvGrpSpPr>
+      <p:grpSpPr>
+        <a:xfrm>
+          <a:off x="0" y="0"/>
+          <a:ext cx="0" cy="0"/>
+          <a:chOff x="0" y="0"/>
+          <a:chExt cx="0" cy="0"/>
+        </a:xfrm>
+      </p:grpSpPr>
+      <p:sp>
+        <p:nvSpPr>
+          <p:cNvPr id="4" name="Slide Number Placeholder 3"/>
+          <p:cNvSpPr>
+            <a:spLocks noGrp="1"/>
+          </p:cNvSpPr>
+          <p:nvPr>
+            <p:ph type="sldNum" sz="quarter" idx="12"/>
+          </p:nvPr>
+        </p:nvSpPr>
+        <p:spPr>
+          <a:xfrm>
+            <a:off x="9306059" y="6438513"/>
+            <a:ext cx="2743200" cy="365125"/>
+          </a:xfrm>
+        </p:spPr>
+        <p:txBody>
+          <a:bodyPr/>
+          <a:lstStyle/>
+          <a:p>
+            <a:fld id="{27225834-A5F4-4780-A9FC-586FB30F9BB0}" type="slidenum">
+              <a:rPr lang="en-US" smtClean="0">
+                <a:latin typeface="Garamond" panose="02020404030301010803" pitchFamily="18" charset="0"/>
+              </a:rPr>
+              <a:t>7</a:t>
             </a:fld>
             <a:endParaRPr lang="en-US" dirty="0">
               <a:latin typeface="Garamond" panose="02020404030301010803" pitchFamily="18" charset="0"/>

--- a/Docs/Presentations/Slides/#5 design and subsystems.pptx
+++ b/Docs/Presentations/Slides/#5 design and subsystems.pptx
@@ -5,19 +5,20 @@
     <p:sldMasterId id="2147483660" r:id="rId1"/>
   </p:sldMasterIdLst>
   <p:notesMasterIdLst>
-    <p:notesMasterId r:id="rId9"/>
+    <p:notesMasterId r:id="rId10"/>
   </p:notesMasterIdLst>
   <p:handoutMasterIdLst>
-    <p:handoutMasterId r:id="rId10"/>
+    <p:handoutMasterId r:id="rId11"/>
   </p:handoutMasterIdLst>
   <p:sldIdLst>
     <p:sldId id="257" r:id="rId2"/>
     <p:sldId id="258" r:id="rId3"/>
-    <p:sldId id="256" r:id="rId4"/>
-    <p:sldId id="264" r:id="rId5"/>
-    <p:sldId id="261" r:id="rId6"/>
-    <p:sldId id="262" r:id="rId7"/>
-    <p:sldId id="263" r:id="rId8"/>
+    <p:sldId id="265" r:id="rId4"/>
+    <p:sldId id="256" r:id="rId5"/>
+    <p:sldId id="264" r:id="rId6"/>
+    <p:sldId id="261" r:id="rId7"/>
+    <p:sldId id="262" r:id="rId8"/>
+    <p:sldId id="263" r:id="rId9"/>
   </p:sldIdLst>
   <p:sldSz cx="12192000" cy="6858000"/>
   <p:notesSz cx="6858000" cy="9144000"/>
@@ -713,7 +714,7 @@
     </p:spTree>
     <p:extLst>
       <p:ext uri="{BB962C8B-B14F-4D97-AF65-F5344CB8AC3E}">
-        <p14:creationId xmlns:p14="http://schemas.microsoft.com/office/powerpoint/2010/main" val="474839590"/>
+        <p14:creationId xmlns:p14="http://schemas.microsoft.com/office/powerpoint/2010/main" val="2295974029"/>
       </p:ext>
     </p:extLst>
   </p:cSld>
@@ -797,7 +798,7 @@
     </p:spTree>
     <p:extLst>
       <p:ext uri="{BB962C8B-B14F-4D97-AF65-F5344CB8AC3E}">
-        <p14:creationId xmlns:p14="http://schemas.microsoft.com/office/powerpoint/2010/main" val="2165485284"/>
+        <p14:creationId xmlns:p14="http://schemas.microsoft.com/office/powerpoint/2010/main" val="474839590"/>
       </p:ext>
     </p:extLst>
   </p:cSld>
@@ -881,7 +882,7 @@
     </p:spTree>
     <p:extLst>
       <p:ext uri="{BB962C8B-B14F-4D97-AF65-F5344CB8AC3E}">
-        <p14:creationId xmlns:p14="http://schemas.microsoft.com/office/powerpoint/2010/main" val="2024971173"/>
+        <p14:creationId xmlns:p14="http://schemas.microsoft.com/office/powerpoint/2010/main" val="2165485284"/>
       </p:ext>
     </p:extLst>
   </p:cSld>
@@ -965,7 +966,7 @@
     </p:spTree>
     <p:extLst>
       <p:ext uri="{BB962C8B-B14F-4D97-AF65-F5344CB8AC3E}">
-        <p14:creationId xmlns:p14="http://schemas.microsoft.com/office/powerpoint/2010/main" val="3608499839"/>
+        <p14:creationId xmlns:p14="http://schemas.microsoft.com/office/powerpoint/2010/main" val="2024971173"/>
       </p:ext>
     </p:extLst>
   </p:cSld>
@@ -1041,6 +1042,90 @@
             <a:fld id="{41270EAE-2722-4055-9DC6-0148D79BD176}" type="slidenum">
               <a:rPr lang="en-US" smtClean="0"/>
               <a:t>7</a:t>
+            </a:fld>
+            <a:endParaRPr lang="en-US"/>
+          </a:p>
+        </p:txBody>
+      </p:sp>
+    </p:spTree>
+    <p:extLst>
+      <p:ext uri="{BB962C8B-B14F-4D97-AF65-F5344CB8AC3E}">
+        <p14:creationId xmlns:p14="http://schemas.microsoft.com/office/powerpoint/2010/main" val="3608499839"/>
+      </p:ext>
+    </p:extLst>
+  </p:cSld>
+  <p:clrMapOvr>
+    <a:masterClrMapping/>
+  </p:clrMapOvr>
+</p:notes>
+</file>
+
+<file path=ppt/notesSlides/notesSlide6.xml><?xml version="1.0" encoding="utf-8"?>
+<p:notes xmlns:a="http://schemas.openxmlformats.org/drawingml/2006/main" xmlns:r="http://schemas.openxmlformats.org/officeDocument/2006/relationships" xmlns:p="http://schemas.openxmlformats.org/presentationml/2006/main">
+  <p:cSld>
+    <p:spTree>
+      <p:nvGrpSpPr>
+        <p:cNvPr id="1" name=""/>
+        <p:cNvGrpSpPr/>
+        <p:nvPr/>
+      </p:nvGrpSpPr>
+      <p:grpSpPr>
+        <a:xfrm>
+          <a:off x="0" y="0"/>
+          <a:ext cx="0" cy="0"/>
+          <a:chOff x="0" y="0"/>
+          <a:chExt cx="0" cy="0"/>
+        </a:xfrm>
+      </p:grpSpPr>
+      <p:sp>
+        <p:nvSpPr>
+          <p:cNvPr id="2" name="Slide Image Placeholder 1"/>
+          <p:cNvSpPr>
+            <a:spLocks noGrp="1" noRot="1" noChangeAspect="1"/>
+          </p:cNvSpPr>
+          <p:nvPr>
+            <p:ph type="sldImg"/>
+          </p:nvPr>
+        </p:nvSpPr>
+        <p:spPr/>
+      </p:sp>
+      <p:sp>
+        <p:nvSpPr>
+          <p:cNvPr id="3" name="Notes Placeholder 2"/>
+          <p:cNvSpPr>
+            <a:spLocks noGrp="1"/>
+          </p:cNvSpPr>
+          <p:nvPr>
+            <p:ph type="body" idx="1"/>
+          </p:nvPr>
+        </p:nvSpPr>
+        <p:spPr/>
+        <p:txBody>
+          <a:bodyPr/>
+          <a:lstStyle/>
+          <a:p>
+            <a:endParaRPr lang="en-US"/>
+          </a:p>
+        </p:txBody>
+      </p:sp>
+      <p:sp>
+        <p:nvSpPr>
+          <p:cNvPr id="4" name="Slide Number Placeholder 3"/>
+          <p:cNvSpPr>
+            <a:spLocks noGrp="1"/>
+          </p:cNvSpPr>
+          <p:nvPr>
+            <p:ph type="sldNum" sz="quarter" idx="10"/>
+          </p:nvPr>
+        </p:nvSpPr>
+        <p:spPr/>
+        <p:txBody>
+          <a:bodyPr/>
+          <a:lstStyle/>
+          <a:p>
+            <a:fld id="{41270EAE-2722-4055-9DC6-0148D79BD176}" type="slidenum">
+              <a:rPr lang="en-US" smtClean="0"/>
+              <a:t>8</a:t>
             </a:fld>
             <a:endParaRPr lang="en-US"/>
           </a:p>
@@ -4583,112 +4668,38 @@
       </p:cxnSp>
       <p:pic>
         <p:nvPicPr>
-          <p:cNvPr id="2" name="Picture 1"/>
+          <p:cNvPr id="6" name="Picture 5"/>
           <p:cNvPicPr>
             <a:picLocks noChangeAspect="1"/>
           </p:cNvPicPr>
           <p:nvPr/>
         </p:nvPicPr>
         <p:blipFill>
-          <a:blip r:embed="rId3"/>
+          <a:blip r:embed="rId3" cstate="print">
+            <a:extLst>
+              <a:ext uri="{28A0092B-C50C-407E-A947-70E740481C1C}">
+                <a14:useLocalDpi xmlns:a14="http://schemas.microsoft.com/office/drawing/2010/main" val="0"/>
+              </a:ext>
+            </a:extLst>
+          </a:blip>
           <a:stretch>
             <a:fillRect/>
           </a:stretch>
         </p:blipFill>
         <p:spPr>
           <a:xfrm>
-            <a:off x="4637598" y="2160268"/>
-            <a:ext cx="4668461" cy="2808371"/>
+            <a:off x="2857500" y="1477328"/>
+            <a:ext cx="6261100" cy="4695825"/>
           </a:xfrm>
           <a:prstGeom prst="rect">
             <a:avLst/>
           </a:prstGeom>
         </p:spPr>
       </p:pic>
-      <p:sp>
-        <p:nvSpPr>
-          <p:cNvPr id="3" name="Right Arrow 2"/>
-          <p:cNvSpPr/>
-          <p:nvPr/>
-        </p:nvSpPr>
-        <p:spPr>
-          <a:xfrm rot="19594044">
-            <a:off x="4358212" y="4380271"/>
-            <a:ext cx="486697" cy="302342"/>
-          </a:xfrm>
-          <a:prstGeom prst="rightArrow">
-            <a:avLst/>
-          </a:prstGeom>
-        </p:spPr>
-        <p:style>
-          <a:lnRef idx="2">
-            <a:schemeClr val="accent1">
-              <a:shade val="50000"/>
-            </a:schemeClr>
-          </a:lnRef>
-          <a:fillRef idx="1">
-            <a:schemeClr val="accent1"/>
-          </a:fillRef>
-          <a:effectRef idx="0">
-            <a:schemeClr val="accent1"/>
-          </a:effectRef>
-          <a:fontRef idx="minor">
-            <a:schemeClr val="lt1"/>
-          </a:fontRef>
-        </p:style>
-        <p:txBody>
-          <a:bodyPr rtlCol="0" anchor="ctr"/>
-          <a:lstStyle/>
-          <a:p>
-            <a:pPr algn="ctr"/>
-            <a:endParaRPr lang="en-US"/>
-          </a:p>
-        </p:txBody>
-      </p:sp>
-      <p:sp>
-        <p:nvSpPr>
-          <p:cNvPr id="10" name="Right Arrow 9"/>
-          <p:cNvSpPr/>
-          <p:nvPr/>
-        </p:nvSpPr>
-        <p:spPr>
-          <a:xfrm rot="1731662">
-            <a:off x="7584640" y="4486580"/>
-            <a:ext cx="486697" cy="302342"/>
-          </a:xfrm>
-          <a:prstGeom prst="rightArrow">
-            <a:avLst/>
-          </a:prstGeom>
-        </p:spPr>
-        <p:style>
-          <a:lnRef idx="2">
-            <a:schemeClr val="accent1">
-              <a:shade val="50000"/>
-            </a:schemeClr>
-          </a:lnRef>
-          <a:fillRef idx="1">
-            <a:schemeClr val="accent1"/>
-          </a:fillRef>
-          <a:effectRef idx="0">
-            <a:schemeClr val="accent1"/>
-          </a:effectRef>
-          <a:fontRef idx="minor">
-            <a:schemeClr val="lt1"/>
-          </a:fontRef>
-        </p:style>
-        <p:txBody>
-          <a:bodyPr rtlCol="0" anchor="ctr"/>
-          <a:lstStyle/>
-          <a:p>
-            <a:pPr algn="ctr"/>
-            <a:endParaRPr lang="en-US"/>
-          </a:p>
-        </p:txBody>
-      </p:sp>
     </p:spTree>
     <p:extLst>
       <p:ext uri="{BB962C8B-B14F-4D97-AF65-F5344CB8AC3E}">
-        <p14:creationId xmlns:p14="http://schemas.microsoft.com/office/powerpoint/2010/main" val="1843846498"/>
+        <p14:creationId xmlns:p14="http://schemas.microsoft.com/office/powerpoint/2010/main" val="2308633194"/>
       </p:ext>
     </p:extLst>
   </p:cSld>
@@ -4834,6 +4845,357 @@
         </p:nvSpPr>
         <p:spPr>
           <a:xfrm>
+            <a:off x="7603250" y="138499"/>
+            <a:ext cx="6490448" cy="923330"/>
+          </a:xfrm>
+          <a:prstGeom prst="rect">
+            <a:avLst/>
+          </a:prstGeom>
+          <a:noFill/>
+        </p:spPr>
+        <p:txBody>
+          <a:bodyPr wrap="square" rtlCol="0">
+            <a:spAutoFit/>
+          </a:bodyPr>
+          <a:lstStyle/>
+          <a:p>
+            <a:r>
+              <a:rPr lang="en-US" dirty="0" smtClean="0"/>
+              <a:t>To insert: </a:t>
+            </a:r>
+          </a:p>
+          <a:p>
+            <a:r>
+              <a:rPr lang="en-US" dirty="0" smtClean="0"/>
+              <a:t>Flow diagram of testing apparatus – Diagram</a:t>
+            </a:r>
+          </a:p>
+          <a:p>
+            <a:r>
+              <a:rPr lang="en-US" dirty="0" smtClean="0"/>
+              <a:t>Actual Testing Assembly – High res photo</a:t>
+            </a:r>
+          </a:p>
+        </p:txBody>
+      </p:sp>
+      <p:sp>
+        <p:nvSpPr>
+          <p:cNvPr id="15" name="TextBox 14"/>
+          <p:cNvSpPr txBox="1"/>
+          <p:nvPr/>
+        </p:nvSpPr>
+        <p:spPr>
+          <a:xfrm>
+            <a:off x="0" y="553998"/>
+            <a:ext cx="7339263" cy="923330"/>
+          </a:xfrm>
+          <a:prstGeom prst="rect">
+            <a:avLst/>
+          </a:prstGeom>
+          <a:noFill/>
+        </p:spPr>
+        <p:txBody>
+          <a:bodyPr wrap="square" rtlCol="0">
+            <a:spAutoFit/>
+          </a:bodyPr>
+          <a:lstStyle/>
+          <a:p>
+            <a:r>
+              <a:rPr lang="en-US" dirty="0" smtClean="0"/>
+              <a:t>Notes:</a:t>
+            </a:r>
+          </a:p>
+          <a:p>
+            <a:r>
+              <a:rPr lang="en-US" dirty="0" smtClean="0"/>
+              <a:t>look at the thing we created: a testing and development platform for an electric feed system </a:t>
+            </a:r>
+          </a:p>
+        </p:txBody>
+      </p:sp>
+      <p:cxnSp>
+        <p:nvCxnSpPr>
+          <p:cNvPr id="16" name="Straight Connector 15"/>
+          <p:cNvCxnSpPr/>
+          <p:nvPr/>
+        </p:nvCxnSpPr>
+        <p:spPr>
+          <a:xfrm>
+            <a:off x="235677" y="276999"/>
+            <a:ext cx="307199" cy="0"/>
+          </a:xfrm>
+          <a:prstGeom prst="line">
+            <a:avLst/>
+          </a:prstGeom>
+        </p:spPr>
+        <p:style>
+          <a:lnRef idx="1">
+            <a:schemeClr val="dk1"/>
+          </a:lnRef>
+          <a:fillRef idx="0">
+            <a:schemeClr val="dk1"/>
+          </a:fillRef>
+          <a:effectRef idx="0">
+            <a:schemeClr val="dk1"/>
+          </a:effectRef>
+          <a:fontRef idx="minor">
+            <a:schemeClr val="tx1"/>
+          </a:fontRef>
+        </p:style>
+      </p:cxnSp>
+      <p:pic>
+        <p:nvPicPr>
+          <p:cNvPr id="2" name="Picture 1"/>
+          <p:cNvPicPr>
+            <a:picLocks noChangeAspect="1"/>
+          </p:cNvPicPr>
+          <p:nvPr/>
+        </p:nvPicPr>
+        <p:blipFill>
+          <a:blip r:embed="rId3"/>
+          <a:stretch>
+            <a:fillRect/>
+          </a:stretch>
+        </p:blipFill>
+        <p:spPr>
+          <a:xfrm>
+            <a:off x="4637598" y="2160268"/>
+            <a:ext cx="4668461" cy="2808371"/>
+          </a:xfrm>
+          <a:prstGeom prst="rect">
+            <a:avLst/>
+          </a:prstGeom>
+        </p:spPr>
+      </p:pic>
+      <p:sp>
+        <p:nvSpPr>
+          <p:cNvPr id="3" name="Right Arrow 2"/>
+          <p:cNvSpPr/>
+          <p:nvPr/>
+        </p:nvSpPr>
+        <p:spPr>
+          <a:xfrm rot="19594044">
+            <a:off x="4358212" y="4380271"/>
+            <a:ext cx="486697" cy="302342"/>
+          </a:xfrm>
+          <a:prstGeom prst="rightArrow">
+            <a:avLst/>
+          </a:prstGeom>
+        </p:spPr>
+        <p:style>
+          <a:lnRef idx="2">
+            <a:schemeClr val="accent1">
+              <a:shade val="50000"/>
+            </a:schemeClr>
+          </a:lnRef>
+          <a:fillRef idx="1">
+            <a:schemeClr val="accent1"/>
+          </a:fillRef>
+          <a:effectRef idx="0">
+            <a:schemeClr val="accent1"/>
+          </a:effectRef>
+          <a:fontRef idx="minor">
+            <a:schemeClr val="lt1"/>
+          </a:fontRef>
+        </p:style>
+        <p:txBody>
+          <a:bodyPr rtlCol="0" anchor="ctr"/>
+          <a:lstStyle/>
+          <a:p>
+            <a:pPr algn="ctr"/>
+            <a:endParaRPr lang="en-US"/>
+          </a:p>
+        </p:txBody>
+      </p:sp>
+      <p:sp>
+        <p:nvSpPr>
+          <p:cNvPr id="10" name="Right Arrow 9"/>
+          <p:cNvSpPr/>
+          <p:nvPr/>
+        </p:nvSpPr>
+        <p:spPr>
+          <a:xfrm rot="1731662">
+            <a:off x="7584640" y="4486580"/>
+            <a:ext cx="486697" cy="302342"/>
+          </a:xfrm>
+          <a:prstGeom prst="rightArrow">
+            <a:avLst/>
+          </a:prstGeom>
+        </p:spPr>
+        <p:style>
+          <a:lnRef idx="2">
+            <a:schemeClr val="accent1">
+              <a:shade val="50000"/>
+            </a:schemeClr>
+          </a:lnRef>
+          <a:fillRef idx="1">
+            <a:schemeClr val="accent1"/>
+          </a:fillRef>
+          <a:effectRef idx="0">
+            <a:schemeClr val="accent1"/>
+          </a:effectRef>
+          <a:fontRef idx="minor">
+            <a:schemeClr val="lt1"/>
+          </a:fontRef>
+        </p:style>
+        <p:txBody>
+          <a:bodyPr rtlCol="0" anchor="ctr"/>
+          <a:lstStyle/>
+          <a:p>
+            <a:pPr algn="ctr"/>
+            <a:endParaRPr lang="en-US"/>
+          </a:p>
+        </p:txBody>
+      </p:sp>
+    </p:spTree>
+    <p:extLst>
+      <p:ext uri="{BB962C8B-B14F-4D97-AF65-F5344CB8AC3E}">
+        <p14:creationId xmlns:p14="http://schemas.microsoft.com/office/powerpoint/2010/main" val="1843846498"/>
+      </p:ext>
+    </p:extLst>
+  </p:cSld>
+  <p:clrMapOvr>
+    <a:masterClrMapping/>
+  </p:clrMapOvr>
+  <p:timing>
+    <p:tnLst>
+      <p:par>
+        <p:cTn id="1" dur="indefinite" restart="never" nodeType="tmRoot"/>
+      </p:par>
+    </p:tnLst>
+  </p:timing>
+</p:sld>
+</file>
+
+<file path=ppt/slides/slide5.xml><?xml version="1.0" encoding="utf-8"?>
+<p:sld xmlns:a="http://schemas.openxmlformats.org/drawingml/2006/main" xmlns:r="http://schemas.openxmlformats.org/officeDocument/2006/relationships" xmlns:p="http://schemas.openxmlformats.org/presentationml/2006/main">
+  <p:cSld>
+    <p:spTree>
+      <p:nvGrpSpPr>
+        <p:cNvPr id="1" name=""/>
+        <p:cNvGrpSpPr/>
+        <p:nvPr/>
+      </p:nvGrpSpPr>
+      <p:grpSpPr>
+        <a:xfrm>
+          <a:off x="0" y="0"/>
+          <a:ext cx="0" cy="0"/>
+          <a:chOff x="0" y="0"/>
+          <a:chExt cx="0" cy="0"/>
+        </a:xfrm>
+      </p:grpSpPr>
+      <p:sp>
+        <p:nvSpPr>
+          <p:cNvPr id="4" name="Slide Number Placeholder 3"/>
+          <p:cNvSpPr>
+            <a:spLocks noGrp="1"/>
+          </p:cNvSpPr>
+          <p:nvPr>
+            <p:ph type="sldNum" sz="quarter" idx="12"/>
+          </p:nvPr>
+        </p:nvSpPr>
+        <p:spPr>
+          <a:xfrm>
+            <a:off x="9306059" y="6438513"/>
+            <a:ext cx="2743200" cy="365125"/>
+          </a:xfrm>
+        </p:spPr>
+        <p:txBody>
+          <a:bodyPr/>
+          <a:lstStyle/>
+          <a:p>
+            <a:fld id="{27225834-A5F4-4780-A9FC-586FB30F9BB0}" type="slidenum">
+              <a:rPr lang="en-US" smtClean="0">
+                <a:latin typeface="Garamond" panose="02020404030301010803" pitchFamily="18" charset="0"/>
+              </a:rPr>
+              <a:t>5</a:t>
+            </a:fld>
+            <a:endParaRPr lang="en-US" dirty="0">
+              <a:latin typeface="Garamond" panose="02020404030301010803" pitchFamily="18" charset="0"/>
+            </a:endParaRPr>
+          </a:p>
+        </p:txBody>
+      </p:sp>
+      <p:sp>
+        <p:nvSpPr>
+          <p:cNvPr id="19" name="TextBox 18"/>
+          <p:cNvSpPr txBox="1"/>
+          <p:nvPr/>
+        </p:nvSpPr>
+        <p:spPr>
+          <a:xfrm>
+            <a:off x="128788" y="6482577"/>
+            <a:ext cx="4201920" cy="276999"/>
+          </a:xfrm>
+          <a:prstGeom prst="rect">
+            <a:avLst/>
+          </a:prstGeom>
+          <a:noFill/>
+        </p:spPr>
+        <p:txBody>
+          <a:bodyPr wrap="none" rtlCol="0">
+            <a:spAutoFit/>
+          </a:bodyPr>
+          <a:lstStyle/>
+          <a:p>
+            <a:r>
+              <a:rPr lang="en-US" sz="1200" dirty="0" smtClean="0">
+                <a:latin typeface="Garamond" panose="02020404030301010803" pitchFamily="18" charset="0"/>
+                <a:cs typeface="Times New Roman" panose="02020603050405020304" pitchFamily="18" charset="0"/>
+              </a:rPr>
+              <a:t>Portland State Aerospace Society | Electric Propellant Feed System</a:t>
+            </a:r>
+            <a:endParaRPr lang="en-US" sz="1200" dirty="0">
+              <a:latin typeface="Garamond" panose="02020404030301010803" pitchFamily="18" charset="0"/>
+              <a:cs typeface="Times New Roman" panose="02020603050405020304" pitchFamily="18" charset="0"/>
+            </a:endParaRPr>
+          </a:p>
+        </p:txBody>
+      </p:sp>
+      <p:sp>
+        <p:nvSpPr>
+          <p:cNvPr id="5" name="TextBox 4"/>
+          <p:cNvSpPr txBox="1"/>
+          <p:nvPr/>
+        </p:nvSpPr>
+        <p:spPr>
+          <a:xfrm>
+            <a:off x="128788" y="0"/>
+            <a:ext cx="1445589" cy="276999"/>
+          </a:xfrm>
+          <a:prstGeom prst="rect">
+            <a:avLst/>
+          </a:prstGeom>
+          <a:noFill/>
+        </p:spPr>
+        <p:txBody>
+          <a:bodyPr wrap="none" rtlCol="0">
+            <a:spAutoFit/>
+          </a:bodyPr>
+          <a:lstStyle/>
+          <a:p>
+            <a:r>
+              <a:rPr lang="en-US" sz="1200" dirty="0" smtClean="0">
+                <a:latin typeface="Garamond" panose="02020404030301010803" pitchFamily="18" charset="0"/>
+                <a:cs typeface="Times New Roman" panose="02020603050405020304" pitchFamily="18" charset="0"/>
+              </a:rPr>
+              <a:t>Final Design: Review</a:t>
+            </a:r>
+            <a:endParaRPr lang="en-US" sz="1200" dirty="0">
+              <a:latin typeface="Garamond" panose="02020404030301010803" pitchFamily="18" charset="0"/>
+              <a:cs typeface="Times New Roman" panose="02020603050405020304" pitchFamily="18" charset="0"/>
+            </a:endParaRPr>
+          </a:p>
+        </p:txBody>
+      </p:sp>
+      <p:sp>
+        <p:nvSpPr>
+          <p:cNvPr id="13" name="TextBox 12"/>
+          <p:cNvSpPr txBox="1"/>
+          <p:nvPr/>
+        </p:nvSpPr>
+        <p:spPr>
+          <a:xfrm>
             <a:off x="7121987" y="-1079475"/>
             <a:ext cx="6490448" cy="1200329"/>
           </a:xfrm>
@@ -4902,7 +5264,6 @@
               <a:rPr lang="en-US" dirty="0" smtClean="0"/>
               <a:t>Hydraulic design</a:t>
             </a:r>
-            <a:endParaRPr lang="en-US" dirty="0" smtClean="0"/>
           </a:p>
         </p:txBody>
       </p:sp>
@@ -8071,7 +8432,7 @@
 </p:sld>
 </file>
 
-<file path=ppt/slides/slide5.xml><?xml version="1.0" encoding="utf-8"?>
+<file path=ppt/slides/slide6.xml><?xml version="1.0" encoding="utf-8"?>
 <p:sld xmlns:a="http://schemas.openxmlformats.org/drawingml/2006/main" xmlns:r="http://schemas.openxmlformats.org/officeDocument/2006/relationships" xmlns:p="http://schemas.openxmlformats.org/presentationml/2006/main">
   <p:cSld>
     <p:spTree>
@@ -8112,7 +8473,7 @@
               <a:rPr lang="en-US" smtClean="0">
                 <a:latin typeface="Garamond" panose="02020404030301010803" pitchFamily="18" charset="0"/>
               </a:rPr>
-              <a:t>5</a:t>
+              <a:t>6</a:t>
             </a:fld>
             <a:endParaRPr lang="en-US" dirty="0">
               <a:latin typeface="Garamond" panose="02020404030301010803" pitchFamily="18" charset="0"/>
@@ -8381,7 +8742,7 @@
 </p:sld>
 </file>
 
-<file path=ppt/slides/slide6.xml><?xml version="1.0" encoding="utf-8"?>
+<file path=ppt/slides/slide7.xml><?xml version="1.0" encoding="utf-8"?>
 <p:sld xmlns:a="http://schemas.openxmlformats.org/drawingml/2006/main" xmlns:r="http://schemas.openxmlformats.org/officeDocument/2006/relationships" xmlns:p="http://schemas.openxmlformats.org/presentationml/2006/main">
   <p:cSld>
     <p:spTree>
@@ -8422,7 +8783,7 @@
               <a:rPr lang="en-US" smtClean="0">
                 <a:latin typeface="Garamond" panose="02020404030301010803" pitchFamily="18" charset="0"/>
               </a:rPr>
-              <a:t>6</a:t>
+              <a:t>7</a:t>
             </a:fld>
             <a:endParaRPr lang="en-US" dirty="0">
               <a:latin typeface="Garamond" panose="02020404030301010803" pitchFamily="18" charset="0"/>
@@ -8528,7 +8889,6 @@
               <a:rPr lang="en-US" dirty="0" smtClean="0"/>
               <a:t>Motor Mounting and Control </a:t>
             </a:r>
-            <a:endParaRPr lang="en-US" dirty="0" smtClean="0"/>
           </a:p>
           <a:p>
             <a:endParaRPr lang="en-US" dirty="0" smtClean="0"/>
@@ -8647,9 +9007,9 @@
           <a:stretch/>
         </p:blipFill>
         <p:spPr>
-          <a:xfrm>
-            <a:off x="836397" y="1132899"/>
-            <a:ext cx="3714750" cy="2832258"/>
+          <a:xfrm rot="21135410">
+            <a:off x="352195" y="700644"/>
+            <a:ext cx="4304046" cy="3281558"/>
           </a:xfrm>
           <a:prstGeom prst="rect">
             <a:avLst/>
@@ -8742,8 +9102,32 @@
         </p:blipFill>
         <p:spPr>
           <a:xfrm>
-            <a:off x="0" y="3299528"/>
+            <a:off x="433315" y="3299528"/>
             <a:ext cx="5636525" cy="3138985"/>
+          </a:xfrm>
+          <a:prstGeom prst="rect">
+            <a:avLst/>
+          </a:prstGeom>
+        </p:spPr>
+      </p:pic>
+      <p:pic>
+        <p:nvPicPr>
+          <p:cNvPr id="6" name="Picture 5"/>
+          <p:cNvPicPr>
+            <a:picLocks noChangeAspect="1"/>
+          </p:cNvPicPr>
+          <p:nvPr/>
+        </p:nvPicPr>
+        <p:blipFill>
+          <a:blip r:embed="rId6"/>
+          <a:stretch>
+            <a:fillRect/>
+          </a:stretch>
+        </p:blipFill>
+        <p:spPr>
+          <a:xfrm>
+            <a:off x="4434851" y="958140"/>
+            <a:ext cx="6931128" cy="3138955"/>
           </a:xfrm>
           <a:prstGeom prst="rect">
             <a:avLst/>
@@ -8770,7 +9154,7 @@
 </p:sld>
 </file>
 
-<file path=ppt/slides/slide7.xml><?xml version="1.0" encoding="utf-8"?>
+<file path=ppt/slides/slide8.xml><?xml version="1.0" encoding="utf-8"?>
 <p:sld xmlns:a="http://schemas.openxmlformats.org/drawingml/2006/main" xmlns:r="http://schemas.openxmlformats.org/officeDocument/2006/relationships" xmlns:p="http://schemas.openxmlformats.org/presentationml/2006/main">
   <p:cSld>
     <p:spTree>
@@ -8811,7 +9195,7 @@
               <a:rPr lang="en-US" smtClean="0">
                 <a:latin typeface="Garamond" panose="02020404030301010803" pitchFamily="18" charset="0"/>
               </a:rPr>
-              <a:t>7</a:t>
+              <a:t>8</a:t>
             </a:fld>
             <a:endParaRPr lang="en-US" dirty="0">
               <a:latin typeface="Garamond" panose="02020404030301010803" pitchFamily="18" charset="0"/>

--- a/Docs/Presentations/Slides/#5 design and subsystems.pptx
+++ b/Docs/Presentations/Slides/#5 design and subsystems.pptx
@@ -5,20 +5,19 @@
     <p:sldMasterId id="2147483660" r:id="rId1"/>
   </p:sldMasterIdLst>
   <p:notesMasterIdLst>
-    <p:notesMasterId r:id="rId10"/>
+    <p:notesMasterId r:id="rId9"/>
   </p:notesMasterIdLst>
   <p:handoutMasterIdLst>
-    <p:handoutMasterId r:id="rId11"/>
+    <p:handoutMasterId r:id="rId10"/>
   </p:handoutMasterIdLst>
   <p:sldIdLst>
     <p:sldId id="257" r:id="rId2"/>
     <p:sldId id="258" r:id="rId3"/>
-    <p:sldId id="265" r:id="rId4"/>
-    <p:sldId id="256" r:id="rId5"/>
-    <p:sldId id="264" r:id="rId6"/>
-    <p:sldId id="261" r:id="rId7"/>
-    <p:sldId id="262" r:id="rId8"/>
-    <p:sldId id="263" r:id="rId9"/>
+    <p:sldId id="256" r:id="rId4"/>
+    <p:sldId id="264" r:id="rId5"/>
+    <p:sldId id="261" r:id="rId6"/>
+    <p:sldId id="262" r:id="rId7"/>
+    <p:sldId id="263" r:id="rId8"/>
   </p:sldIdLst>
   <p:sldSz cx="12192000" cy="6858000"/>
   <p:notesSz cx="6858000" cy="9144000"/>
@@ -714,7 +713,7 @@
     </p:spTree>
     <p:extLst>
       <p:ext uri="{BB962C8B-B14F-4D97-AF65-F5344CB8AC3E}">
-        <p14:creationId xmlns:p14="http://schemas.microsoft.com/office/powerpoint/2010/main" val="2295974029"/>
+        <p14:creationId xmlns:p14="http://schemas.microsoft.com/office/powerpoint/2010/main" val="474839590"/>
       </p:ext>
     </p:extLst>
   </p:cSld>
@@ -798,7 +797,7 @@
     </p:spTree>
     <p:extLst>
       <p:ext uri="{BB962C8B-B14F-4D97-AF65-F5344CB8AC3E}">
-        <p14:creationId xmlns:p14="http://schemas.microsoft.com/office/powerpoint/2010/main" val="474839590"/>
+        <p14:creationId xmlns:p14="http://schemas.microsoft.com/office/powerpoint/2010/main" val="2165485284"/>
       </p:ext>
     </p:extLst>
   </p:cSld>
@@ -882,7 +881,7 @@
     </p:spTree>
     <p:extLst>
       <p:ext uri="{BB962C8B-B14F-4D97-AF65-F5344CB8AC3E}">
-        <p14:creationId xmlns:p14="http://schemas.microsoft.com/office/powerpoint/2010/main" val="2165485284"/>
+        <p14:creationId xmlns:p14="http://schemas.microsoft.com/office/powerpoint/2010/main" val="2024971173"/>
       </p:ext>
     </p:extLst>
   </p:cSld>
@@ -966,7 +965,7 @@
     </p:spTree>
     <p:extLst>
       <p:ext uri="{BB962C8B-B14F-4D97-AF65-F5344CB8AC3E}">
-        <p14:creationId xmlns:p14="http://schemas.microsoft.com/office/powerpoint/2010/main" val="2024971173"/>
+        <p14:creationId xmlns:p14="http://schemas.microsoft.com/office/powerpoint/2010/main" val="3608499839"/>
       </p:ext>
     </p:extLst>
   </p:cSld>
@@ -1042,90 +1041,6 @@
             <a:fld id="{41270EAE-2722-4055-9DC6-0148D79BD176}" type="slidenum">
               <a:rPr lang="en-US" smtClean="0"/>
               <a:t>7</a:t>
-            </a:fld>
-            <a:endParaRPr lang="en-US"/>
-          </a:p>
-        </p:txBody>
-      </p:sp>
-    </p:spTree>
-    <p:extLst>
-      <p:ext uri="{BB962C8B-B14F-4D97-AF65-F5344CB8AC3E}">
-        <p14:creationId xmlns:p14="http://schemas.microsoft.com/office/powerpoint/2010/main" val="3608499839"/>
-      </p:ext>
-    </p:extLst>
-  </p:cSld>
-  <p:clrMapOvr>
-    <a:masterClrMapping/>
-  </p:clrMapOvr>
-</p:notes>
-</file>
-
-<file path=ppt/notesSlides/notesSlide6.xml><?xml version="1.0" encoding="utf-8"?>
-<p:notes xmlns:a="http://schemas.openxmlformats.org/drawingml/2006/main" xmlns:r="http://schemas.openxmlformats.org/officeDocument/2006/relationships" xmlns:p="http://schemas.openxmlformats.org/presentationml/2006/main">
-  <p:cSld>
-    <p:spTree>
-      <p:nvGrpSpPr>
-        <p:cNvPr id="1" name=""/>
-        <p:cNvGrpSpPr/>
-        <p:nvPr/>
-      </p:nvGrpSpPr>
-      <p:grpSpPr>
-        <a:xfrm>
-          <a:off x="0" y="0"/>
-          <a:ext cx="0" cy="0"/>
-          <a:chOff x="0" y="0"/>
-          <a:chExt cx="0" cy="0"/>
-        </a:xfrm>
-      </p:grpSpPr>
-      <p:sp>
-        <p:nvSpPr>
-          <p:cNvPr id="2" name="Slide Image Placeholder 1"/>
-          <p:cNvSpPr>
-            <a:spLocks noGrp="1" noRot="1" noChangeAspect="1"/>
-          </p:cNvSpPr>
-          <p:nvPr>
-            <p:ph type="sldImg"/>
-          </p:nvPr>
-        </p:nvSpPr>
-        <p:spPr/>
-      </p:sp>
-      <p:sp>
-        <p:nvSpPr>
-          <p:cNvPr id="3" name="Notes Placeholder 2"/>
-          <p:cNvSpPr>
-            <a:spLocks noGrp="1"/>
-          </p:cNvSpPr>
-          <p:nvPr>
-            <p:ph type="body" idx="1"/>
-          </p:nvPr>
-        </p:nvSpPr>
-        <p:spPr/>
-        <p:txBody>
-          <a:bodyPr/>
-          <a:lstStyle/>
-          <a:p>
-            <a:endParaRPr lang="en-US"/>
-          </a:p>
-        </p:txBody>
-      </p:sp>
-      <p:sp>
-        <p:nvSpPr>
-          <p:cNvPr id="4" name="Slide Number Placeholder 3"/>
-          <p:cNvSpPr>
-            <a:spLocks noGrp="1"/>
-          </p:cNvSpPr>
-          <p:nvPr>
-            <p:ph type="sldNum" sz="quarter" idx="10"/>
-          </p:nvPr>
-        </p:nvSpPr>
-        <p:spPr/>
-        <p:txBody>
-          <a:bodyPr/>
-          <a:lstStyle/>
-          <a:p>
-            <a:fld id="{41270EAE-2722-4055-9DC6-0148D79BD176}" type="slidenum">
-              <a:rPr lang="en-US" smtClean="0"/>
-              <a:t>8</a:t>
             </a:fld>
             <a:endParaRPr lang="en-US"/>
           </a:p>
@@ -4668,38 +4583,112 @@
       </p:cxnSp>
       <p:pic>
         <p:nvPicPr>
-          <p:cNvPr id="6" name="Picture 5"/>
+          <p:cNvPr id="2" name="Picture 1"/>
           <p:cNvPicPr>
             <a:picLocks noChangeAspect="1"/>
           </p:cNvPicPr>
           <p:nvPr/>
         </p:nvPicPr>
         <p:blipFill>
-          <a:blip r:embed="rId3" cstate="print">
-            <a:extLst>
-              <a:ext uri="{28A0092B-C50C-407E-A947-70E740481C1C}">
-                <a14:useLocalDpi xmlns:a14="http://schemas.microsoft.com/office/drawing/2010/main" val="0"/>
-              </a:ext>
-            </a:extLst>
-          </a:blip>
+          <a:blip r:embed="rId3"/>
           <a:stretch>
             <a:fillRect/>
           </a:stretch>
         </p:blipFill>
         <p:spPr>
           <a:xfrm>
-            <a:off x="2857500" y="1477328"/>
-            <a:ext cx="6261100" cy="4695825"/>
+            <a:off x="4637598" y="2160268"/>
+            <a:ext cx="4668461" cy="2808371"/>
           </a:xfrm>
           <a:prstGeom prst="rect">
             <a:avLst/>
           </a:prstGeom>
         </p:spPr>
       </p:pic>
+      <p:sp>
+        <p:nvSpPr>
+          <p:cNvPr id="3" name="Right Arrow 2"/>
+          <p:cNvSpPr/>
+          <p:nvPr/>
+        </p:nvSpPr>
+        <p:spPr>
+          <a:xfrm rot="19594044">
+            <a:off x="4358212" y="4380271"/>
+            <a:ext cx="486697" cy="302342"/>
+          </a:xfrm>
+          <a:prstGeom prst="rightArrow">
+            <a:avLst/>
+          </a:prstGeom>
+        </p:spPr>
+        <p:style>
+          <a:lnRef idx="2">
+            <a:schemeClr val="accent1">
+              <a:shade val="50000"/>
+            </a:schemeClr>
+          </a:lnRef>
+          <a:fillRef idx="1">
+            <a:schemeClr val="accent1"/>
+          </a:fillRef>
+          <a:effectRef idx="0">
+            <a:schemeClr val="accent1"/>
+          </a:effectRef>
+          <a:fontRef idx="minor">
+            <a:schemeClr val="lt1"/>
+          </a:fontRef>
+        </p:style>
+        <p:txBody>
+          <a:bodyPr rtlCol="0" anchor="ctr"/>
+          <a:lstStyle/>
+          <a:p>
+            <a:pPr algn="ctr"/>
+            <a:endParaRPr lang="en-US"/>
+          </a:p>
+        </p:txBody>
+      </p:sp>
+      <p:sp>
+        <p:nvSpPr>
+          <p:cNvPr id="10" name="Right Arrow 9"/>
+          <p:cNvSpPr/>
+          <p:nvPr/>
+        </p:nvSpPr>
+        <p:spPr>
+          <a:xfrm rot="1731662">
+            <a:off x="7584640" y="4486580"/>
+            <a:ext cx="486697" cy="302342"/>
+          </a:xfrm>
+          <a:prstGeom prst="rightArrow">
+            <a:avLst/>
+          </a:prstGeom>
+        </p:spPr>
+        <p:style>
+          <a:lnRef idx="2">
+            <a:schemeClr val="accent1">
+              <a:shade val="50000"/>
+            </a:schemeClr>
+          </a:lnRef>
+          <a:fillRef idx="1">
+            <a:schemeClr val="accent1"/>
+          </a:fillRef>
+          <a:effectRef idx="0">
+            <a:schemeClr val="accent1"/>
+          </a:effectRef>
+          <a:fontRef idx="minor">
+            <a:schemeClr val="lt1"/>
+          </a:fontRef>
+        </p:style>
+        <p:txBody>
+          <a:bodyPr rtlCol="0" anchor="ctr"/>
+          <a:lstStyle/>
+          <a:p>
+            <a:pPr algn="ctr"/>
+            <a:endParaRPr lang="en-US"/>
+          </a:p>
+        </p:txBody>
+      </p:sp>
     </p:spTree>
     <p:extLst>
       <p:ext uri="{BB962C8B-B14F-4D97-AF65-F5344CB8AC3E}">
-        <p14:creationId xmlns:p14="http://schemas.microsoft.com/office/powerpoint/2010/main" val="2308633194"/>
+        <p14:creationId xmlns:p14="http://schemas.microsoft.com/office/powerpoint/2010/main" val="1843846498"/>
       </p:ext>
     </p:extLst>
   </p:cSld>
@@ -4845,357 +4834,6 @@
         </p:nvSpPr>
         <p:spPr>
           <a:xfrm>
-            <a:off x="7603250" y="138499"/>
-            <a:ext cx="6490448" cy="923330"/>
-          </a:xfrm>
-          <a:prstGeom prst="rect">
-            <a:avLst/>
-          </a:prstGeom>
-          <a:noFill/>
-        </p:spPr>
-        <p:txBody>
-          <a:bodyPr wrap="square" rtlCol="0">
-            <a:spAutoFit/>
-          </a:bodyPr>
-          <a:lstStyle/>
-          <a:p>
-            <a:r>
-              <a:rPr lang="en-US" dirty="0" smtClean="0"/>
-              <a:t>To insert: </a:t>
-            </a:r>
-          </a:p>
-          <a:p>
-            <a:r>
-              <a:rPr lang="en-US" dirty="0" smtClean="0"/>
-              <a:t>Flow diagram of testing apparatus – Diagram</a:t>
-            </a:r>
-          </a:p>
-          <a:p>
-            <a:r>
-              <a:rPr lang="en-US" dirty="0" smtClean="0"/>
-              <a:t>Actual Testing Assembly – High res photo</a:t>
-            </a:r>
-          </a:p>
-        </p:txBody>
-      </p:sp>
-      <p:sp>
-        <p:nvSpPr>
-          <p:cNvPr id="15" name="TextBox 14"/>
-          <p:cNvSpPr txBox="1"/>
-          <p:nvPr/>
-        </p:nvSpPr>
-        <p:spPr>
-          <a:xfrm>
-            <a:off x="0" y="553998"/>
-            <a:ext cx="7339263" cy="923330"/>
-          </a:xfrm>
-          <a:prstGeom prst="rect">
-            <a:avLst/>
-          </a:prstGeom>
-          <a:noFill/>
-        </p:spPr>
-        <p:txBody>
-          <a:bodyPr wrap="square" rtlCol="0">
-            <a:spAutoFit/>
-          </a:bodyPr>
-          <a:lstStyle/>
-          <a:p>
-            <a:r>
-              <a:rPr lang="en-US" dirty="0" smtClean="0"/>
-              <a:t>Notes:</a:t>
-            </a:r>
-          </a:p>
-          <a:p>
-            <a:r>
-              <a:rPr lang="en-US" dirty="0" smtClean="0"/>
-              <a:t>look at the thing we created: a testing and development platform for an electric feed system </a:t>
-            </a:r>
-          </a:p>
-        </p:txBody>
-      </p:sp>
-      <p:cxnSp>
-        <p:nvCxnSpPr>
-          <p:cNvPr id="16" name="Straight Connector 15"/>
-          <p:cNvCxnSpPr/>
-          <p:nvPr/>
-        </p:nvCxnSpPr>
-        <p:spPr>
-          <a:xfrm>
-            <a:off x="235677" y="276999"/>
-            <a:ext cx="307199" cy="0"/>
-          </a:xfrm>
-          <a:prstGeom prst="line">
-            <a:avLst/>
-          </a:prstGeom>
-        </p:spPr>
-        <p:style>
-          <a:lnRef idx="1">
-            <a:schemeClr val="dk1"/>
-          </a:lnRef>
-          <a:fillRef idx="0">
-            <a:schemeClr val="dk1"/>
-          </a:fillRef>
-          <a:effectRef idx="0">
-            <a:schemeClr val="dk1"/>
-          </a:effectRef>
-          <a:fontRef idx="minor">
-            <a:schemeClr val="tx1"/>
-          </a:fontRef>
-        </p:style>
-      </p:cxnSp>
-      <p:pic>
-        <p:nvPicPr>
-          <p:cNvPr id="2" name="Picture 1"/>
-          <p:cNvPicPr>
-            <a:picLocks noChangeAspect="1"/>
-          </p:cNvPicPr>
-          <p:nvPr/>
-        </p:nvPicPr>
-        <p:blipFill>
-          <a:blip r:embed="rId3"/>
-          <a:stretch>
-            <a:fillRect/>
-          </a:stretch>
-        </p:blipFill>
-        <p:spPr>
-          <a:xfrm>
-            <a:off x="4637598" y="2160268"/>
-            <a:ext cx="4668461" cy="2808371"/>
-          </a:xfrm>
-          <a:prstGeom prst="rect">
-            <a:avLst/>
-          </a:prstGeom>
-        </p:spPr>
-      </p:pic>
-      <p:sp>
-        <p:nvSpPr>
-          <p:cNvPr id="3" name="Right Arrow 2"/>
-          <p:cNvSpPr/>
-          <p:nvPr/>
-        </p:nvSpPr>
-        <p:spPr>
-          <a:xfrm rot="19594044">
-            <a:off x="4358212" y="4380271"/>
-            <a:ext cx="486697" cy="302342"/>
-          </a:xfrm>
-          <a:prstGeom prst="rightArrow">
-            <a:avLst/>
-          </a:prstGeom>
-        </p:spPr>
-        <p:style>
-          <a:lnRef idx="2">
-            <a:schemeClr val="accent1">
-              <a:shade val="50000"/>
-            </a:schemeClr>
-          </a:lnRef>
-          <a:fillRef idx="1">
-            <a:schemeClr val="accent1"/>
-          </a:fillRef>
-          <a:effectRef idx="0">
-            <a:schemeClr val="accent1"/>
-          </a:effectRef>
-          <a:fontRef idx="minor">
-            <a:schemeClr val="lt1"/>
-          </a:fontRef>
-        </p:style>
-        <p:txBody>
-          <a:bodyPr rtlCol="0" anchor="ctr"/>
-          <a:lstStyle/>
-          <a:p>
-            <a:pPr algn="ctr"/>
-            <a:endParaRPr lang="en-US"/>
-          </a:p>
-        </p:txBody>
-      </p:sp>
-      <p:sp>
-        <p:nvSpPr>
-          <p:cNvPr id="10" name="Right Arrow 9"/>
-          <p:cNvSpPr/>
-          <p:nvPr/>
-        </p:nvSpPr>
-        <p:spPr>
-          <a:xfrm rot="1731662">
-            <a:off x="7584640" y="4486580"/>
-            <a:ext cx="486697" cy="302342"/>
-          </a:xfrm>
-          <a:prstGeom prst="rightArrow">
-            <a:avLst/>
-          </a:prstGeom>
-        </p:spPr>
-        <p:style>
-          <a:lnRef idx="2">
-            <a:schemeClr val="accent1">
-              <a:shade val="50000"/>
-            </a:schemeClr>
-          </a:lnRef>
-          <a:fillRef idx="1">
-            <a:schemeClr val="accent1"/>
-          </a:fillRef>
-          <a:effectRef idx="0">
-            <a:schemeClr val="accent1"/>
-          </a:effectRef>
-          <a:fontRef idx="minor">
-            <a:schemeClr val="lt1"/>
-          </a:fontRef>
-        </p:style>
-        <p:txBody>
-          <a:bodyPr rtlCol="0" anchor="ctr"/>
-          <a:lstStyle/>
-          <a:p>
-            <a:pPr algn="ctr"/>
-            <a:endParaRPr lang="en-US"/>
-          </a:p>
-        </p:txBody>
-      </p:sp>
-    </p:spTree>
-    <p:extLst>
-      <p:ext uri="{BB962C8B-B14F-4D97-AF65-F5344CB8AC3E}">
-        <p14:creationId xmlns:p14="http://schemas.microsoft.com/office/powerpoint/2010/main" val="1843846498"/>
-      </p:ext>
-    </p:extLst>
-  </p:cSld>
-  <p:clrMapOvr>
-    <a:masterClrMapping/>
-  </p:clrMapOvr>
-  <p:timing>
-    <p:tnLst>
-      <p:par>
-        <p:cTn id="1" dur="indefinite" restart="never" nodeType="tmRoot"/>
-      </p:par>
-    </p:tnLst>
-  </p:timing>
-</p:sld>
-</file>
-
-<file path=ppt/slides/slide5.xml><?xml version="1.0" encoding="utf-8"?>
-<p:sld xmlns:a="http://schemas.openxmlformats.org/drawingml/2006/main" xmlns:r="http://schemas.openxmlformats.org/officeDocument/2006/relationships" xmlns:p="http://schemas.openxmlformats.org/presentationml/2006/main">
-  <p:cSld>
-    <p:spTree>
-      <p:nvGrpSpPr>
-        <p:cNvPr id="1" name=""/>
-        <p:cNvGrpSpPr/>
-        <p:nvPr/>
-      </p:nvGrpSpPr>
-      <p:grpSpPr>
-        <a:xfrm>
-          <a:off x="0" y="0"/>
-          <a:ext cx="0" cy="0"/>
-          <a:chOff x="0" y="0"/>
-          <a:chExt cx="0" cy="0"/>
-        </a:xfrm>
-      </p:grpSpPr>
-      <p:sp>
-        <p:nvSpPr>
-          <p:cNvPr id="4" name="Slide Number Placeholder 3"/>
-          <p:cNvSpPr>
-            <a:spLocks noGrp="1"/>
-          </p:cNvSpPr>
-          <p:nvPr>
-            <p:ph type="sldNum" sz="quarter" idx="12"/>
-          </p:nvPr>
-        </p:nvSpPr>
-        <p:spPr>
-          <a:xfrm>
-            <a:off x="9306059" y="6438513"/>
-            <a:ext cx="2743200" cy="365125"/>
-          </a:xfrm>
-        </p:spPr>
-        <p:txBody>
-          <a:bodyPr/>
-          <a:lstStyle/>
-          <a:p>
-            <a:fld id="{27225834-A5F4-4780-A9FC-586FB30F9BB0}" type="slidenum">
-              <a:rPr lang="en-US" smtClean="0">
-                <a:latin typeface="Garamond" panose="02020404030301010803" pitchFamily="18" charset="0"/>
-              </a:rPr>
-              <a:t>5</a:t>
-            </a:fld>
-            <a:endParaRPr lang="en-US" dirty="0">
-              <a:latin typeface="Garamond" panose="02020404030301010803" pitchFamily="18" charset="0"/>
-            </a:endParaRPr>
-          </a:p>
-        </p:txBody>
-      </p:sp>
-      <p:sp>
-        <p:nvSpPr>
-          <p:cNvPr id="19" name="TextBox 18"/>
-          <p:cNvSpPr txBox="1"/>
-          <p:nvPr/>
-        </p:nvSpPr>
-        <p:spPr>
-          <a:xfrm>
-            <a:off x="128788" y="6482577"/>
-            <a:ext cx="4201920" cy="276999"/>
-          </a:xfrm>
-          <a:prstGeom prst="rect">
-            <a:avLst/>
-          </a:prstGeom>
-          <a:noFill/>
-        </p:spPr>
-        <p:txBody>
-          <a:bodyPr wrap="none" rtlCol="0">
-            <a:spAutoFit/>
-          </a:bodyPr>
-          <a:lstStyle/>
-          <a:p>
-            <a:r>
-              <a:rPr lang="en-US" sz="1200" dirty="0" smtClean="0">
-                <a:latin typeface="Garamond" panose="02020404030301010803" pitchFamily="18" charset="0"/>
-                <a:cs typeface="Times New Roman" panose="02020603050405020304" pitchFamily="18" charset="0"/>
-              </a:rPr>
-              <a:t>Portland State Aerospace Society | Electric Propellant Feed System</a:t>
-            </a:r>
-            <a:endParaRPr lang="en-US" sz="1200" dirty="0">
-              <a:latin typeface="Garamond" panose="02020404030301010803" pitchFamily="18" charset="0"/>
-              <a:cs typeface="Times New Roman" panose="02020603050405020304" pitchFamily="18" charset="0"/>
-            </a:endParaRPr>
-          </a:p>
-        </p:txBody>
-      </p:sp>
-      <p:sp>
-        <p:nvSpPr>
-          <p:cNvPr id="5" name="TextBox 4"/>
-          <p:cNvSpPr txBox="1"/>
-          <p:nvPr/>
-        </p:nvSpPr>
-        <p:spPr>
-          <a:xfrm>
-            <a:off x="128788" y="0"/>
-            <a:ext cx="1445589" cy="276999"/>
-          </a:xfrm>
-          <a:prstGeom prst="rect">
-            <a:avLst/>
-          </a:prstGeom>
-          <a:noFill/>
-        </p:spPr>
-        <p:txBody>
-          <a:bodyPr wrap="none" rtlCol="0">
-            <a:spAutoFit/>
-          </a:bodyPr>
-          <a:lstStyle/>
-          <a:p>
-            <a:r>
-              <a:rPr lang="en-US" sz="1200" dirty="0" smtClean="0">
-                <a:latin typeface="Garamond" panose="02020404030301010803" pitchFamily="18" charset="0"/>
-                <a:cs typeface="Times New Roman" panose="02020603050405020304" pitchFamily="18" charset="0"/>
-              </a:rPr>
-              <a:t>Final Design: Review</a:t>
-            </a:r>
-            <a:endParaRPr lang="en-US" sz="1200" dirty="0">
-              <a:latin typeface="Garamond" panose="02020404030301010803" pitchFamily="18" charset="0"/>
-              <a:cs typeface="Times New Roman" panose="02020603050405020304" pitchFamily="18" charset="0"/>
-            </a:endParaRPr>
-          </a:p>
-        </p:txBody>
-      </p:sp>
-      <p:sp>
-        <p:nvSpPr>
-          <p:cNvPr id="13" name="TextBox 12"/>
-          <p:cNvSpPr txBox="1"/>
-          <p:nvPr/>
-        </p:nvSpPr>
-        <p:spPr>
-          <a:xfrm>
             <a:off x="7121987" y="-1079475"/>
             <a:ext cx="6490448" cy="1200329"/>
           </a:xfrm>
@@ -5264,6 +4902,7 @@
               <a:rPr lang="en-US" dirty="0" smtClean="0"/>
               <a:t>Hydraulic design</a:t>
             </a:r>
+            <a:endParaRPr lang="en-US" dirty="0" smtClean="0"/>
           </a:p>
         </p:txBody>
       </p:sp>
@@ -8432,7 +8071,7 @@
 </p:sld>
 </file>
 
-<file path=ppt/slides/slide6.xml><?xml version="1.0" encoding="utf-8"?>
+<file path=ppt/slides/slide5.xml><?xml version="1.0" encoding="utf-8"?>
 <p:sld xmlns:a="http://schemas.openxmlformats.org/drawingml/2006/main" xmlns:r="http://schemas.openxmlformats.org/officeDocument/2006/relationships" xmlns:p="http://schemas.openxmlformats.org/presentationml/2006/main">
   <p:cSld>
     <p:spTree>
@@ -8473,7 +8112,7 @@
               <a:rPr lang="en-US" smtClean="0">
                 <a:latin typeface="Garamond" panose="02020404030301010803" pitchFamily="18" charset="0"/>
               </a:rPr>
-              <a:t>6</a:t>
+              <a:t>5</a:t>
             </a:fld>
             <a:endParaRPr lang="en-US" dirty="0">
               <a:latin typeface="Garamond" panose="02020404030301010803" pitchFamily="18" charset="0"/>
@@ -8742,7 +8381,7 @@
 </p:sld>
 </file>
 
-<file path=ppt/slides/slide7.xml><?xml version="1.0" encoding="utf-8"?>
+<file path=ppt/slides/slide6.xml><?xml version="1.0" encoding="utf-8"?>
 <p:sld xmlns:a="http://schemas.openxmlformats.org/drawingml/2006/main" xmlns:r="http://schemas.openxmlformats.org/officeDocument/2006/relationships" xmlns:p="http://schemas.openxmlformats.org/presentationml/2006/main">
   <p:cSld>
     <p:spTree>
@@ -8783,7 +8422,7 @@
               <a:rPr lang="en-US" smtClean="0">
                 <a:latin typeface="Garamond" panose="02020404030301010803" pitchFamily="18" charset="0"/>
               </a:rPr>
-              <a:t>7</a:t>
+              <a:t>6</a:t>
             </a:fld>
             <a:endParaRPr lang="en-US" dirty="0">
               <a:latin typeface="Garamond" panose="02020404030301010803" pitchFamily="18" charset="0"/>
@@ -8889,6 +8528,7 @@
               <a:rPr lang="en-US" dirty="0" smtClean="0"/>
               <a:t>Motor Mounting and Control </a:t>
             </a:r>
+            <a:endParaRPr lang="en-US" dirty="0" smtClean="0"/>
           </a:p>
           <a:p>
             <a:endParaRPr lang="en-US" dirty="0" smtClean="0"/>
@@ -9007,9 +8647,9 @@
           <a:stretch/>
         </p:blipFill>
         <p:spPr>
-          <a:xfrm rot="21135410">
-            <a:off x="352195" y="700644"/>
-            <a:ext cx="4304046" cy="3281558"/>
+          <a:xfrm>
+            <a:off x="836397" y="1132899"/>
+            <a:ext cx="3714750" cy="2832258"/>
           </a:xfrm>
           <a:prstGeom prst="rect">
             <a:avLst/>
@@ -9102,32 +8742,8 @@
         </p:blipFill>
         <p:spPr>
           <a:xfrm>
-            <a:off x="433315" y="3299528"/>
+            <a:off x="0" y="3299528"/>
             <a:ext cx="5636525" cy="3138985"/>
-          </a:xfrm>
-          <a:prstGeom prst="rect">
-            <a:avLst/>
-          </a:prstGeom>
-        </p:spPr>
-      </p:pic>
-      <p:pic>
-        <p:nvPicPr>
-          <p:cNvPr id="6" name="Picture 5"/>
-          <p:cNvPicPr>
-            <a:picLocks noChangeAspect="1"/>
-          </p:cNvPicPr>
-          <p:nvPr/>
-        </p:nvPicPr>
-        <p:blipFill>
-          <a:blip r:embed="rId6"/>
-          <a:stretch>
-            <a:fillRect/>
-          </a:stretch>
-        </p:blipFill>
-        <p:spPr>
-          <a:xfrm>
-            <a:off x="4434851" y="958140"/>
-            <a:ext cx="6931128" cy="3138955"/>
           </a:xfrm>
           <a:prstGeom prst="rect">
             <a:avLst/>
@@ -9154,7 +8770,7 @@
 </p:sld>
 </file>
 
-<file path=ppt/slides/slide8.xml><?xml version="1.0" encoding="utf-8"?>
+<file path=ppt/slides/slide7.xml><?xml version="1.0" encoding="utf-8"?>
 <p:sld xmlns:a="http://schemas.openxmlformats.org/drawingml/2006/main" xmlns:r="http://schemas.openxmlformats.org/officeDocument/2006/relationships" xmlns:p="http://schemas.openxmlformats.org/presentationml/2006/main">
   <p:cSld>
     <p:spTree>
@@ -9195,7 +8811,7 @@
               <a:rPr lang="en-US" smtClean="0">
                 <a:latin typeface="Garamond" panose="02020404030301010803" pitchFamily="18" charset="0"/>
               </a:rPr>
-              <a:t>8</a:t>
+              <a:t>7</a:t>
             </a:fld>
             <a:endParaRPr lang="en-US" dirty="0">
               <a:latin typeface="Garamond" panose="02020404030301010803" pitchFamily="18" charset="0"/>

--- a/Docs/Presentations/Slides/#5 design and subsystems.pptx
+++ b/Docs/Presentations/Slides/#5 design and subsystems.pptx
@@ -5,10 +5,10 @@
     <p:sldMasterId id="2147483660" r:id="rId1"/>
   </p:sldMasterIdLst>
   <p:notesMasterIdLst>
-    <p:notesMasterId r:id="rId10"/>
+    <p:notesMasterId r:id="rId11"/>
   </p:notesMasterIdLst>
   <p:handoutMasterIdLst>
-    <p:handoutMasterId r:id="rId11"/>
+    <p:handoutMasterId r:id="rId12"/>
   </p:handoutMasterIdLst>
   <p:sldIdLst>
     <p:sldId id="257" r:id="rId2"/>
@@ -18,7 +18,8 @@
     <p:sldId id="264" r:id="rId6"/>
     <p:sldId id="261" r:id="rId7"/>
     <p:sldId id="262" r:id="rId8"/>
-    <p:sldId id="263" r:id="rId9"/>
+    <p:sldId id="266" r:id="rId9"/>
+    <p:sldId id="263" r:id="rId10"/>
   </p:sldIdLst>
   <p:sldSz cx="12192000" cy="6858000"/>
   <p:notesSz cx="6858000" cy="9144000"/>
@@ -207,7 +208,7 @@
           <a:p>
             <a:fld id="{44E562D0-84FD-411E-8C3F-A36A948BC859}" type="datetimeFigureOut">
               <a:rPr lang="en-US" smtClean="0"/>
-              <a:t>6/6/2017</a:t>
+              <a:t>6/7/2017</a:t>
             </a:fld>
             <a:endParaRPr lang="en-US"/>
           </a:p>
@@ -372,7 +373,7 @@
           <a:p>
             <a:fld id="{66175D2C-1B39-43F9-A837-A8832EDEE424}" type="datetimeFigureOut">
               <a:rPr lang="en-US" smtClean="0"/>
-              <a:t>6/6/2017</a:t>
+              <a:t>6/7/2017</a:t>
             </a:fld>
             <a:endParaRPr lang="en-US"/>
           </a:p>
@@ -1134,6 +1135,90 @@
     </p:spTree>
     <p:extLst>
       <p:ext uri="{BB962C8B-B14F-4D97-AF65-F5344CB8AC3E}">
+        <p14:creationId xmlns:p14="http://schemas.microsoft.com/office/powerpoint/2010/main" val="2497217393"/>
+      </p:ext>
+    </p:extLst>
+  </p:cSld>
+  <p:clrMapOvr>
+    <a:masterClrMapping/>
+  </p:clrMapOvr>
+</p:notes>
+</file>
+
+<file path=ppt/notesSlides/notesSlide7.xml><?xml version="1.0" encoding="utf-8"?>
+<p:notes xmlns:a="http://schemas.openxmlformats.org/drawingml/2006/main" xmlns:r="http://schemas.openxmlformats.org/officeDocument/2006/relationships" xmlns:p="http://schemas.openxmlformats.org/presentationml/2006/main">
+  <p:cSld>
+    <p:spTree>
+      <p:nvGrpSpPr>
+        <p:cNvPr id="1" name=""/>
+        <p:cNvGrpSpPr/>
+        <p:nvPr/>
+      </p:nvGrpSpPr>
+      <p:grpSpPr>
+        <a:xfrm>
+          <a:off x="0" y="0"/>
+          <a:ext cx="0" cy="0"/>
+          <a:chOff x="0" y="0"/>
+          <a:chExt cx="0" cy="0"/>
+        </a:xfrm>
+      </p:grpSpPr>
+      <p:sp>
+        <p:nvSpPr>
+          <p:cNvPr id="2" name="Slide Image Placeholder 1"/>
+          <p:cNvSpPr>
+            <a:spLocks noGrp="1" noRot="1" noChangeAspect="1"/>
+          </p:cNvSpPr>
+          <p:nvPr>
+            <p:ph type="sldImg"/>
+          </p:nvPr>
+        </p:nvSpPr>
+        <p:spPr/>
+      </p:sp>
+      <p:sp>
+        <p:nvSpPr>
+          <p:cNvPr id="3" name="Notes Placeholder 2"/>
+          <p:cNvSpPr>
+            <a:spLocks noGrp="1"/>
+          </p:cNvSpPr>
+          <p:nvPr>
+            <p:ph type="body" idx="1"/>
+          </p:nvPr>
+        </p:nvSpPr>
+        <p:spPr/>
+        <p:txBody>
+          <a:bodyPr/>
+          <a:lstStyle/>
+          <a:p>
+            <a:endParaRPr lang="en-US"/>
+          </a:p>
+        </p:txBody>
+      </p:sp>
+      <p:sp>
+        <p:nvSpPr>
+          <p:cNvPr id="4" name="Slide Number Placeholder 3"/>
+          <p:cNvSpPr>
+            <a:spLocks noGrp="1"/>
+          </p:cNvSpPr>
+          <p:nvPr>
+            <p:ph type="sldNum" sz="quarter" idx="10"/>
+          </p:nvPr>
+        </p:nvSpPr>
+        <p:spPr/>
+        <p:txBody>
+          <a:bodyPr/>
+          <a:lstStyle/>
+          <a:p>
+            <a:fld id="{41270EAE-2722-4055-9DC6-0148D79BD176}" type="slidenum">
+              <a:rPr lang="en-US" smtClean="0"/>
+              <a:t>9</a:t>
+            </a:fld>
+            <a:endParaRPr lang="en-US"/>
+          </a:p>
+        </p:txBody>
+      </p:sp>
+    </p:spTree>
+    <p:extLst>
+      <p:ext uri="{BB962C8B-B14F-4D97-AF65-F5344CB8AC3E}">
         <p14:creationId xmlns:p14="http://schemas.microsoft.com/office/powerpoint/2010/main" val="1727589526"/>
       </p:ext>
     </p:extLst>
@@ -1275,7 +1360,7 @@
           <a:p>
             <a:fld id="{A3262095-DDFB-454B-A6DA-90DBA20ABDC0}" type="datetime1">
               <a:rPr lang="en-US" smtClean="0"/>
-              <a:t>6/6/2017</a:t>
+              <a:t>6/7/2017</a:t>
             </a:fld>
             <a:endParaRPr lang="en-US"/>
           </a:p>
@@ -1445,7 +1530,7 @@
           <a:p>
             <a:fld id="{B5E7B701-CC3D-4513-A491-644406E6E0F3}" type="datetime1">
               <a:rPr lang="en-US" smtClean="0"/>
-              <a:t>6/6/2017</a:t>
+              <a:t>6/7/2017</a:t>
             </a:fld>
             <a:endParaRPr lang="en-US"/>
           </a:p>
@@ -1625,7 +1710,7 @@
           <a:p>
             <a:fld id="{06394014-7AF7-469C-99A4-D8404E64CDA7}" type="datetime1">
               <a:rPr lang="en-US" smtClean="0"/>
-              <a:t>6/6/2017</a:t>
+              <a:t>6/7/2017</a:t>
             </a:fld>
             <a:endParaRPr lang="en-US"/>
           </a:p>
@@ -1795,7 +1880,7 @@
           <a:p>
             <a:fld id="{F0E725F3-5DDC-43C9-9B04-B0DA72289B5F}" type="datetime1">
               <a:rPr lang="en-US" smtClean="0"/>
-              <a:t>6/6/2017</a:t>
+              <a:t>6/7/2017</a:t>
             </a:fld>
             <a:endParaRPr lang="en-US"/>
           </a:p>
@@ -2041,7 +2126,7 @@
           <a:p>
             <a:fld id="{EC13F56B-DA0B-4D08-9588-D2C5E58A8A05}" type="datetime1">
               <a:rPr lang="en-US" smtClean="0"/>
-              <a:t>6/6/2017</a:t>
+              <a:t>6/7/2017</a:t>
             </a:fld>
             <a:endParaRPr lang="en-US"/>
           </a:p>
@@ -2273,7 +2358,7 @@
           <a:p>
             <a:fld id="{299C329F-D0C2-462C-B78C-73BED02F6B3A}" type="datetime1">
               <a:rPr lang="en-US" smtClean="0"/>
-              <a:t>6/6/2017</a:t>
+              <a:t>6/7/2017</a:t>
             </a:fld>
             <a:endParaRPr lang="en-US"/>
           </a:p>
@@ -2640,7 +2725,7 @@
           <a:p>
             <a:fld id="{D9794D81-9A86-4611-8F90-73F29CC9E4B5}" type="datetime1">
               <a:rPr lang="en-US" smtClean="0"/>
-              <a:t>6/6/2017</a:t>
+              <a:t>6/7/2017</a:t>
             </a:fld>
             <a:endParaRPr lang="en-US"/>
           </a:p>
@@ -2758,7 +2843,7 @@
           <a:p>
             <a:fld id="{D68F34C9-1C3C-47F7-B45B-284099DAC214}" type="datetime1">
               <a:rPr lang="en-US" smtClean="0"/>
-              <a:t>6/6/2017</a:t>
+              <a:t>6/7/2017</a:t>
             </a:fld>
             <a:endParaRPr lang="en-US"/>
           </a:p>
@@ -2853,7 +2938,7 @@
           <a:p>
             <a:fld id="{1967B72D-8EFB-4381-8B1D-B7106AB7E466}" type="datetime1">
               <a:rPr lang="en-US" smtClean="0"/>
-              <a:t>6/6/2017</a:t>
+              <a:t>6/7/2017</a:t>
             </a:fld>
             <a:endParaRPr lang="en-US"/>
           </a:p>
@@ -3130,7 +3215,7 @@
           <a:p>
             <a:fld id="{5EDFAFED-D5AA-4784-B428-C75142A947D6}" type="datetime1">
               <a:rPr lang="en-US" smtClean="0"/>
-              <a:t>6/6/2017</a:t>
+              <a:t>6/7/2017</a:t>
             </a:fld>
             <a:endParaRPr lang="en-US"/>
           </a:p>
@@ -3383,7 +3468,7 @@
           <a:p>
             <a:fld id="{43BCD765-5746-4CF0-A4A3-8D605663D487}" type="datetime1">
               <a:rPr lang="en-US" smtClean="0"/>
-              <a:t>6/6/2017</a:t>
+              <a:t>6/7/2017</a:t>
             </a:fld>
             <a:endParaRPr lang="en-US"/>
           </a:p>
@@ -3596,7 +3681,7 @@
           <a:p>
             <a:fld id="{9CCE6136-CE43-4DBF-98E4-9D97BE59DE46}" type="datetime1">
               <a:rPr lang="en-US" smtClean="0"/>
-              <a:t>6/6/2017</a:t>
+              <a:t>6/7/2017</a:t>
             </a:fld>
             <a:endParaRPr lang="en-US"/>
           </a:p>
@@ -8887,8 +8972,13 @@
           <a:p>
             <a:r>
               <a:rPr lang="en-US" dirty="0" smtClean="0"/>
-              <a:t>Motor Mounting and Control </a:t>
-            </a:r>
+              <a:t>Motor </a:t>
+            </a:r>
+            <a:r>
+              <a:rPr lang="en-US" dirty="0" smtClean="0"/>
+              <a:t>Dynamometer Mount </a:t>
+            </a:r>
+            <a:endParaRPr lang="en-US" dirty="0" smtClean="0"/>
           </a:p>
           <a:p>
             <a:endParaRPr lang="en-US" dirty="0" smtClean="0"/>
@@ -9007,15 +9097,370 @@
           <a:stretch/>
         </p:blipFill>
         <p:spPr>
-          <a:xfrm rot="21135410">
-            <a:off x="352195" y="700644"/>
-            <a:ext cx="4304046" cy="3281558"/>
+          <a:xfrm>
+            <a:off x="3078378" y="1272299"/>
+            <a:ext cx="6120486" cy="4666477"/>
           </a:xfrm>
           <a:prstGeom prst="rect">
             <a:avLst/>
           </a:prstGeom>
         </p:spPr>
       </p:pic>
+      <p:sp>
+        <p:nvSpPr>
+          <p:cNvPr id="9" name="TextBox 8"/>
+          <p:cNvSpPr txBox="1"/>
+          <p:nvPr/>
+        </p:nvSpPr>
+        <p:spPr>
+          <a:xfrm>
+            <a:off x="7432435" y="-1200329"/>
+            <a:ext cx="6490448" cy="1200329"/>
+          </a:xfrm>
+          <a:prstGeom prst="rect">
+            <a:avLst/>
+          </a:prstGeom>
+          <a:noFill/>
+        </p:spPr>
+        <p:txBody>
+          <a:bodyPr wrap="square" rtlCol="0">
+            <a:spAutoFit/>
+          </a:bodyPr>
+          <a:lstStyle/>
+          <a:p>
+            <a:r>
+              <a:rPr lang="en-US" dirty="0" smtClean="0"/>
+              <a:t>To insert: </a:t>
+            </a:r>
+          </a:p>
+          <a:p>
+            <a:r>
+              <a:rPr lang="en-US" dirty="0" smtClean="0"/>
+              <a:t>Rendering of the motor dyno – CAD</a:t>
+            </a:r>
+          </a:p>
+          <a:p>
+            <a:r>
+              <a:rPr lang="en-US" dirty="0" smtClean="0"/>
+              <a:t>Photo or diagram of the motor </a:t>
+            </a:r>
+          </a:p>
+          <a:p>
+            <a:endParaRPr lang="en-US" dirty="0" smtClean="0"/>
+          </a:p>
+        </p:txBody>
+      </p:sp>
+    </p:spTree>
+    <p:extLst>
+      <p:ext uri="{BB962C8B-B14F-4D97-AF65-F5344CB8AC3E}">
+        <p14:creationId xmlns:p14="http://schemas.microsoft.com/office/powerpoint/2010/main" val="2795909783"/>
+      </p:ext>
+    </p:extLst>
+  </p:cSld>
+  <p:clrMapOvr>
+    <a:masterClrMapping/>
+  </p:clrMapOvr>
+  <p:timing>
+    <p:tnLst>
+      <p:par>
+        <p:cTn id="1" dur="indefinite" restart="never" nodeType="tmRoot"/>
+      </p:par>
+    </p:tnLst>
+  </p:timing>
+</p:sld>
+</file>
+
+<file path=ppt/slides/slide8.xml><?xml version="1.0" encoding="utf-8"?>
+<p:sld xmlns:a="http://schemas.openxmlformats.org/drawingml/2006/main" xmlns:r="http://schemas.openxmlformats.org/officeDocument/2006/relationships" xmlns:p="http://schemas.openxmlformats.org/presentationml/2006/main">
+  <p:cSld>
+    <p:spTree>
+      <p:nvGrpSpPr>
+        <p:cNvPr id="1" name=""/>
+        <p:cNvGrpSpPr/>
+        <p:nvPr/>
+      </p:nvGrpSpPr>
+      <p:grpSpPr>
+        <a:xfrm>
+          <a:off x="0" y="0"/>
+          <a:ext cx="0" cy="0"/>
+          <a:chOff x="0" y="0"/>
+          <a:chExt cx="0" cy="0"/>
+        </a:xfrm>
+      </p:grpSpPr>
+      <p:pic>
+        <p:nvPicPr>
+          <p:cNvPr id="17" name="Picture 16"/>
+          <p:cNvPicPr>
+            <a:picLocks noChangeAspect="1"/>
+          </p:cNvPicPr>
+          <p:nvPr/>
+        </p:nvPicPr>
+        <p:blipFill rotWithShape="1">
+          <a:blip r:embed="rId3"/>
+          <a:srcRect l="54030"/>
+          <a:stretch/>
+        </p:blipFill>
+        <p:spPr>
+          <a:xfrm>
+            <a:off x="6596897" y="3056779"/>
+            <a:ext cx="3659401" cy="3527175"/>
+          </a:xfrm>
+          <a:prstGeom prst="rect">
+            <a:avLst/>
+          </a:prstGeom>
+        </p:spPr>
+      </p:pic>
+      <p:pic>
+        <p:nvPicPr>
+          <p:cNvPr id="10" name="Picture 9"/>
+          <p:cNvPicPr>
+            <a:picLocks noChangeAspect="1"/>
+          </p:cNvPicPr>
+          <p:nvPr/>
+        </p:nvPicPr>
+        <p:blipFill rotWithShape="1">
+          <a:blip r:embed="rId3"/>
+          <a:srcRect r="44787"/>
+          <a:stretch/>
+        </p:blipFill>
+        <p:spPr>
+          <a:xfrm>
+            <a:off x="6648997" y="486568"/>
+            <a:ext cx="4395243" cy="3527175"/>
+          </a:xfrm>
+          <a:prstGeom prst="rect">
+            <a:avLst/>
+          </a:prstGeom>
+        </p:spPr>
+      </p:pic>
+      <p:sp>
+        <p:nvSpPr>
+          <p:cNvPr id="4" name="Slide Number Placeholder 3"/>
+          <p:cNvSpPr>
+            <a:spLocks noGrp="1"/>
+          </p:cNvSpPr>
+          <p:nvPr>
+            <p:ph type="sldNum" sz="quarter" idx="12"/>
+          </p:nvPr>
+        </p:nvSpPr>
+        <p:spPr>
+          <a:xfrm>
+            <a:off x="9306059" y="6438513"/>
+            <a:ext cx="2743200" cy="365125"/>
+          </a:xfrm>
+        </p:spPr>
+        <p:txBody>
+          <a:bodyPr/>
+          <a:lstStyle/>
+          <a:p>
+            <a:fld id="{27225834-A5F4-4780-A9FC-586FB30F9BB0}" type="slidenum">
+              <a:rPr lang="en-US" smtClean="0">
+                <a:latin typeface="Garamond" panose="02020404030301010803" pitchFamily="18" charset="0"/>
+              </a:rPr>
+              <a:t>8</a:t>
+            </a:fld>
+            <a:endParaRPr lang="en-US" dirty="0">
+              <a:latin typeface="Garamond" panose="02020404030301010803" pitchFamily="18" charset="0"/>
+            </a:endParaRPr>
+          </a:p>
+        </p:txBody>
+      </p:sp>
+      <p:sp>
+        <p:nvSpPr>
+          <p:cNvPr id="19" name="TextBox 18"/>
+          <p:cNvSpPr txBox="1"/>
+          <p:nvPr/>
+        </p:nvSpPr>
+        <p:spPr>
+          <a:xfrm>
+            <a:off x="128788" y="6482577"/>
+            <a:ext cx="4201920" cy="276999"/>
+          </a:xfrm>
+          <a:prstGeom prst="rect">
+            <a:avLst/>
+          </a:prstGeom>
+          <a:noFill/>
+        </p:spPr>
+        <p:txBody>
+          <a:bodyPr wrap="none" rtlCol="0">
+            <a:spAutoFit/>
+          </a:bodyPr>
+          <a:lstStyle/>
+          <a:p>
+            <a:r>
+              <a:rPr lang="en-US" sz="1200" dirty="0" smtClean="0">
+                <a:latin typeface="Garamond" panose="02020404030301010803" pitchFamily="18" charset="0"/>
+                <a:cs typeface="Times New Roman" panose="02020603050405020304" pitchFamily="18" charset="0"/>
+              </a:rPr>
+              <a:t>Portland State Aerospace Society | Electric Propellant Feed System</a:t>
+            </a:r>
+            <a:endParaRPr lang="en-US" sz="1200" dirty="0">
+              <a:latin typeface="Garamond" panose="02020404030301010803" pitchFamily="18" charset="0"/>
+              <a:cs typeface="Times New Roman" panose="02020603050405020304" pitchFamily="18" charset="0"/>
+            </a:endParaRPr>
+          </a:p>
+        </p:txBody>
+      </p:sp>
+      <p:sp>
+        <p:nvSpPr>
+          <p:cNvPr id="5" name="TextBox 4"/>
+          <p:cNvSpPr txBox="1"/>
+          <p:nvPr/>
+        </p:nvSpPr>
+        <p:spPr>
+          <a:xfrm>
+            <a:off x="128788" y="0"/>
+            <a:ext cx="1685077" cy="276999"/>
+          </a:xfrm>
+          <a:prstGeom prst="rect">
+            <a:avLst/>
+          </a:prstGeom>
+          <a:noFill/>
+        </p:spPr>
+        <p:txBody>
+          <a:bodyPr wrap="none" rtlCol="0">
+            <a:spAutoFit/>
+          </a:bodyPr>
+          <a:lstStyle/>
+          <a:p>
+            <a:r>
+              <a:rPr lang="en-US" sz="1200" dirty="0" smtClean="0">
+                <a:latin typeface="Garamond" panose="02020404030301010803" pitchFamily="18" charset="0"/>
+                <a:cs typeface="Times New Roman" panose="02020603050405020304" pitchFamily="18" charset="0"/>
+              </a:rPr>
+              <a:t>Final Design: Subsystem </a:t>
+            </a:r>
+            <a:endParaRPr lang="en-US" sz="1200" dirty="0">
+              <a:latin typeface="Garamond" panose="02020404030301010803" pitchFamily="18" charset="0"/>
+              <a:cs typeface="Times New Roman" panose="02020603050405020304" pitchFamily="18" charset="0"/>
+            </a:endParaRPr>
+          </a:p>
+        </p:txBody>
+      </p:sp>
+      <p:sp>
+        <p:nvSpPr>
+          <p:cNvPr id="13" name="TextBox 12"/>
+          <p:cNvSpPr txBox="1"/>
+          <p:nvPr/>
+        </p:nvSpPr>
+        <p:spPr>
+          <a:xfrm>
+            <a:off x="372373" y="486568"/>
+            <a:ext cx="6490448" cy="646331"/>
+          </a:xfrm>
+          <a:prstGeom prst="rect">
+            <a:avLst/>
+          </a:prstGeom>
+          <a:noFill/>
+        </p:spPr>
+        <p:txBody>
+          <a:bodyPr wrap="square" rtlCol="0">
+            <a:spAutoFit/>
+          </a:bodyPr>
+          <a:lstStyle/>
+          <a:p>
+            <a:r>
+              <a:rPr lang="en-US" dirty="0" smtClean="0"/>
+              <a:t>Motor Mounting and Control </a:t>
+            </a:r>
+          </a:p>
+          <a:p>
+            <a:endParaRPr lang="en-US" dirty="0" smtClean="0"/>
+          </a:p>
+        </p:txBody>
+      </p:sp>
+      <p:sp>
+        <p:nvSpPr>
+          <p:cNvPr id="15" name="TextBox 14"/>
+          <p:cNvSpPr txBox="1"/>
+          <p:nvPr/>
+        </p:nvSpPr>
+        <p:spPr>
+          <a:xfrm>
+            <a:off x="0" y="-1877794"/>
+            <a:ext cx="7339263" cy="1754326"/>
+          </a:xfrm>
+          <a:prstGeom prst="rect">
+            <a:avLst/>
+          </a:prstGeom>
+          <a:noFill/>
+        </p:spPr>
+        <p:txBody>
+          <a:bodyPr wrap="square" rtlCol="0">
+            <a:spAutoFit/>
+          </a:bodyPr>
+          <a:lstStyle/>
+          <a:p>
+            <a:r>
+              <a:rPr lang="en-US" dirty="0" smtClean="0"/>
+              <a:t>Notes:</a:t>
+            </a:r>
+          </a:p>
+          <a:p>
+            <a:r>
+              <a:rPr lang="en-US" dirty="0" smtClean="0"/>
+              <a:t>Subsystem breakdown:</a:t>
+            </a:r>
+          </a:p>
+          <a:p>
+            <a:r>
+              <a:rPr lang="en-US" dirty="0" smtClean="0"/>
+              <a:t>Drive:</a:t>
+            </a:r>
+          </a:p>
+          <a:p>
+            <a:pPr lvl="1"/>
+            <a:r>
+              <a:rPr lang="en-US" dirty="0" smtClean="0"/>
+              <a:t>Motor / esc / battery / control</a:t>
+            </a:r>
+          </a:p>
+          <a:p>
+            <a:pPr lvl="1"/>
+            <a:r>
+              <a:rPr lang="en-US" dirty="0" smtClean="0"/>
+              <a:t>Motor Dyno mount (floating torque measurement)</a:t>
+            </a:r>
+          </a:p>
+          <a:p>
+            <a:pPr lvl="1"/>
+            <a:r>
+              <a:rPr lang="en-US" dirty="0" smtClean="0"/>
+              <a:t>Motor coupling – Alignment and verifying runout  (angular / offset)</a:t>
+            </a:r>
+          </a:p>
+        </p:txBody>
+      </p:sp>
+      <p:cxnSp>
+        <p:nvCxnSpPr>
+          <p:cNvPr id="16" name="Straight Connector 15"/>
+          <p:cNvCxnSpPr/>
+          <p:nvPr/>
+        </p:nvCxnSpPr>
+        <p:spPr>
+          <a:xfrm>
+            <a:off x="235677" y="276999"/>
+            <a:ext cx="307199" cy="0"/>
+          </a:xfrm>
+          <a:prstGeom prst="line">
+            <a:avLst/>
+          </a:prstGeom>
+        </p:spPr>
+        <p:style>
+          <a:lnRef idx="1">
+            <a:schemeClr val="dk1"/>
+          </a:lnRef>
+          <a:fillRef idx="0">
+            <a:schemeClr val="dk1"/>
+          </a:fillRef>
+          <a:effectRef idx="0">
+            <a:schemeClr val="dk1"/>
+          </a:effectRef>
+          <a:fontRef idx="minor">
+            <a:schemeClr val="tx1"/>
+          </a:fontRef>
+        </p:style>
+      </p:cxnSp>
       <p:sp>
         <p:nvSpPr>
           <p:cNvPr id="9" name="TextBox 8"/>
@@ -9102,7 +9547,7 @@
         </p:blipFill>
         <p:spPr>
           <a:xfrm>
-            <a:off x="433315" y="3299528"/>
+            <a:off x="389276" y="1828985"/>
             <a:ext cx="5636525" cy="3138985"/>
           </a:xfrm>
           <a:prstGeom prst="rect">
@@ -9110,34 +9555,109 @@
           </a:prstGeom>
         </p:spPr>
       </p:pic>
-      <p:pic>
-        <p:nvPicPr>
-          <p:cNvPr id="6" name="Picture 5"/>
-          <p:cNvPicPr>
-            <a:picLocks noChangeAspect="1"/>
-          </p:cNvPicPr>
+      <p:sp>
+        <p:nvSpPr>
+          <p:cNvPr id="11" name="TextBox 10"/>
+          <p:cNvSpPr txBox="1"/>
           <p:nvPr/>
-        </p:nvPicPr>
-        <p:blipFill>
-          <a:blip r:embed="rId6"/>
-          <a:stretch>
-            <a:fillRect/>
-          </a:stretch>
-        </p:blipFill>
+        </p:nvSpPr>
         <p:spPr>
           <a:xfrm>
-            <a:off x="4434851" y="958140"/>
-            <a:ext cx="6931128" cy="3138955"/>
+            <a:off x="6596897" y="5266325"/>
+            <a:ext cx="368489" cy="368490"/>
           </a:xfrm>
           <a:prstGeom prst="rect">
             <a:avLst/>
           </a:prstGeom>
+          <a:noFill/>
         </p:spPr>
-      </p:pic>
+        <p:txBody>
+          <a:bodyPr wrap="square" rtlCol="0">
+            <a:spAutoFit/>
+          </a:bodyPr>
+          <a:lstStyle/>
+          <a:p>
+            <a:r>
+              <a:rPr lang="en-US" dirty="0">
+                <a:latin typeface="Garamond" panose="02020404030301010803" pitchFamily="18" charset="0"/>
+              </a:rPr>
+              <a:t>R</a:t>
+            </a:r>
+          </a:p>
+        </p:txBody>
+      </p:sp>
+      <p:sp>
+        <p:nvSpPr>
+          <p:cNvPr id="18" name="TextBox 17"/>
+          <p:cNvSpPr txBox="1"/>
+          <p:nvPr/>
+        </p:nvSpPr>
+        <p:spPr>
+          <a:xfrm>
+            <a:off x="7804475" y="6069181"/>
+            <a:ext cx="368489" cy="369332"/>
+          </a:xfrm>
+          <a:prstGeom prst="rect">
+            <a:avLst/>
+          </a:prstGeom>
+          <a:noFill/>
+        </p:spPr>
+        <p:txBody>
+          <a:bodyPr wrap="square" rtlCol="0">
+            <a:spAutoFit/>
+          </a:bodyPr>
+          <a:lstStyle/>
+          <a:p>
+            <a:r>
+              <a:rPr lang="en-US" dirty="0" smtClean="0">
+                <a:latin typeface="Garamond" panose="02020404030301010803" pitchFamily="18" charset="0"/>
+              </a:rPr>
+              <a:t>L</a:t>
+            </a:r>
+            <a:endParaRPr lang="en-US" dirty="0">
+              <a:latin typeface="Garamond" panose="02020404030301010803" pitchFamily="18" charset="0"/>
+            </a:endParaRPr>
+          </a:p>
+        </p:txBody>
+      </p:sp>
+      <p:sp>
+        <p:nvSpPr>
+          <p:cNvPr id="20" name="TextBox 19"/>
+          <p:cNvSpPr txBox="1"/>
+          <p:nvPr/>
+        </p:nvSpPr>
+        <p:spPr>
+          <a:xfrm>
+            <a:off x="8565762" y="4744850"/>
+            <a:ext cx="368489" cy="369332"/>
+          </a:xfrm>
+          <a:prstGeom prst="rect">
+            <a:avLst/>
+          </a:prstGeom>
+          <a:noFill/>
+        </p:spPr>
+        <p:txBody>
+          <a:bodyPr wrap="square" rtlCol="0">
+            <a:spAutoFit/>
+          </a:bodyPr>
+          <a:lstStyle/>
+          <a:p>
+            <a:r>
+              <a:rPr lang="en-US" dirty="0" smtClean="0">
+                <a:latin typeface="Garamond" panose="02020404030301010803" pitchFamily="18" charset="0"/>
+              </a:rPr>
+              <a:t>T</a:t>
+            </a:r>
+            <a:endParaRPr lang="en-US" dirty="0">
+              <a:latin typeface="Garamond" panose="02020404030301010803" pitchFamily="18" charset="0"/>
+            </a:endParaRPr>
+          </a:p>
+        </p:txBody>
+      </p:sp>
     </p:spTree>
     <p:extLst>
       <p:ext uri="{BB962C8B-B14F-4D97-AF65-F5344CB8AC3E}">
-        <p14:creationId xmlns:p14="http://schemas.microsoft.com/office/powerpoint/2010/main" val="2795909783"/>
+        <p14:creationId xmlns:p14="http://schemas.microsoft.com/office/powerpoint/2010/main" val="318833847"/>
       </p:ext>
     </p:extLst>
   </p:cSld>
@@ -9154,7 +9674,7 @@
 </p:sld>
 </file>
 
-<file path=ppt/slides/slide8.xml><?xml version="1.0" encoding="utf-8"?>
+<file path=ppt/slides/slide9.xml><?xml version="1.0" encoding="utf-8"?>
 <p:sld xmlns:a="http://schemas.openxmlformats.org/drawingml/2006/main" xmlns:r="http://schemas.openxmlformats.org/officeDocument/2006/relationships" xmlns:p="http://schemas.openxmlformats.org/presentationml/2006/main">
   <p:cSld>
     <p:spTree>
@@ -9195,7 +9715,7 @@
               <a:rPr lang="en-US" smtClean="0">
                 <a:latin typeface="Garamond" panose="02020404030301010803" pitchFamily="18" charset="0"/>
               </a:rPr>
-              <a:t>8</a:t>
+              <a:t>9</a:t>
             </a:fld>
             <a:endParaRPr lang="en-US" dirty="0">
               <a:latin typeface="Garamond" panose="02020404030301010803" pitchFamily="18" charset="0"/>

--- a/Docs/Presentations/Slides/#5 design and subsystems.pptx
+++ b/Docs/Presentations/Slides/#5 design and subsystems.pptx
@@ -5,21 +5,22 @@
     <p:sldMasterId id="2147483660" r:id="rId1"/>
   </p:sldMasterIdLst>
   <p:notesMasterIdLst>
-    <p:notesMasterId r:id="rId11"/>
+    <p:notesMasterId r:id="rId12"/>
   </p:notesMasterIdLst>
   <p:handoutMasterIdLst>
-    <p:handoutMasterId r:id="rId12"/>
+    <p:handoutMasterId r:id="rId13"/>
   </p:handoutMasterIdLst>
   <p:sldIdLst>
     <p:sldId id="257" r:id="rId2"/>
     <p:sldId id="258" r:id="rId3"/>
     <p:sldId id="265" r:id="rId4"/>
     <p:sldId id="256" r:id="rId5"/>
-    <p:sldId id="264" r:id="rId6"/>
+    <p:sldId id="267" r:id="rId6"/>
     <p:sldId id="261" r:id="rId7"/>
-    <p:sldId id="262" r:id="rId8"/>
-    <p:sldId id="266" r:id="rId9"/>
-    <p:sldId id="263" r:id="rId10"/>
+    <p:sldId id="264" r:id="rId8"/>
+    <p:sldId id="262" r:id="rId9"/>
+    <p:sldId id="266" r:id="rId10"/>
+    <p:sldId id="263" r:id="rId11"/>
   </p:sldIdLst>
   <p:sldSz cx="12192000" cy="6858000"/>
   <p:notesSz cx="6858000" cy="9144000"/>
@@ -874,7 +875,7 @@
           <a:p>
             <a:fld id="{41270EAE-2722-4055-9DC6-0148D79BD176}" type="slidenum">
               <a:rPr lang="en-US" smtClean="0"/>
-              <a:t>5</a:t>
+              <a:t>6</a:t>
             </a:fld>
             <a:endParaRPr lang="en-US"/>
           </a:p>
@@ -883,7 +884,7 @@
     </p:spTree>
     <p:extLst>
       <p:ext uri="{BB962C8B-B14F-4D97-AF65-F5344CB8AC3E}">
-        <p14:creationId xmlns:p14="http://schemas.microsoft.com/office/powerpoint/2010/main" val="2165485284"/>
+        <p14:creationId xmlns:p14="http://schemas.microsoft.com/office/powerpoint/2010/main" val="2024971173"/>
       </p:ext>
     </p:extLst>
   </p:cSld>
@@ -958,7 +959,7 @@
           <a:p>
             <a:fld id="{41270EAE-2722-4055-9DC6-0148D79BD176}" type="slidenum">
               <a:rPr lang="en-US" smtClean="0"/>
-              <a:t>6</a:t>
+              <a:t>7</a:t>
             </a:fld>
             <a:endParaRPr lang="en-US"/>
           </a:p>
@@ -967,7 +968,7 @@
     </p:spTree>
     <p:extLst>
       <p:ext uri="{BB962C8B-B14F-4D97-AF65-F5344CB8AC3E}">
-        <p14:creationId xmlns:p14="http://schemas.microsoft.com/office/powerpoint/2010/main" val="2024971173"/>
+        <p14:creationId xmlns:p14="http://schemas.microsoft.com/office/powerpoint/2010/main" val="2165485284"/>
       </p:ext>
     </p:extLst>
   </p:cSld>
@@ -1042,7 +1043,7 @@
           <a:p>
             <a:fld id="{41270EAE-2722-4055-9DC6-0148D79BD176}" type="slidenum">
               <a:rPr lang="en-US" smtClean="0"/>
-              <a:t>7</a:t>
+              <a:t>8</a:t>
             </a:fld>
             <a:endParaRPr lang="en-US"/>
           </a:p>
@@ -1126,7 +1127,7 @@
           <a:p>
             <a:fld id="{41270EAE-2722-4055-9DC6-0148D79BD176}" type="slidenum">
               <a:rPr lang="en-US" smtClean="0"/>
-              <a:t>8</a:t>
+              <a:t>9</a:t>
             </a:fld>
             <a:endParaRPr lang="en-US"/>
           </a:p>
@@ -1210,7 +1211,7 @@
           <a:p>
             <a:fld id="{41270EAE-2722-4055-9DC6-0148D79BD176}" type="slidenum">
               <a:rPr lang="en-US" smtClean="0"/>
-              <a:t>9</a:t>
+              <a:t>10</a:t>
             </a:fld>
             <a:endParaRPr lang="en-US"/>
           </a:p>
@@ -4411,6 +4412,308 @@
 </p:sld>
 </file>
 
+<file path=ppt/slides/slide10.xml><?xml version="1.0" encoding="utf-8"?>
+<p:sld xmlns:a="http://schemas.openxmlformats.org/drawingml/2006/main" xmlns:r="http://schemas.openxmlformats.org/officeDocument/2006/relationships" xmlns:p="http://schemas.openxmlformats.org/presentationml/2006/main">
+  <p:cSld>
+    <p:spTree>
+      <p:nvGrpSpPr>
+        <p:cNvPr id="1" name=""/>
+        <p:cNvGrpSpPr/>
+        <p:nvPr/>
+      </p:nvGrpSpPr>
+      <p:grpSpPr>
+        <a:xfrm>
+          <a:off x="0" y="0"/>
+          <a:ext cx="0" cy="0"/>
+          <a:chOff x="0" y="0"/>
+          <a:chExt cx="0" cy="0"/>
+        </a:xfrm>
+      </p:grpSpPr>
+      <p:sp>
+        <p:nvSpPr>
+          <p:cNvPr id="4" name="Slide Number Placeholder 3"/>
+          <p:cNvSpPr>
+            <a:spLocks noGrp="1"/>
+          </p:cNvSpPr>
+          <p:nvPr>
+            <p:ph type="sldNum" sz="quarter" idx="12"/>
+          </p:nvPr>
+        </p:nvSpPr>
+        <p:spPr>
+          <a:xfrm>
+            <a:off x="9306059" y="6438513"/>
+            <a:ext cx="2743200" cy="365125"/>
+          </a:xfrm>
+        </p:spPr>
+        <p:txBody>
+          <a:bodyPr/>
+          <a:lstStyle/>
+          <a:p>
+            <a:fld id="{27225834-A5F4-4780-A9FC-586FB30F9BB0}" type="slidenum">
+              <a:rPr lang="en-US" smtClean="0">
+                <a:latin typeface="Garamond" panose="02020404030301010803" pitchFamily="18" charset="0"/>
+              </a:rPr>
+              <a:t>10</a:t>
+            </a:fld>
+            <a:endParaRPr lang="en-US" dirty="0">
+              <a:latin typeface="Garamond" panose="02020404030301010803" pitchFamily="18" charset="0"/>
+            </a:endParaRPr>
+          </a:p>
+        </p:txBody>
+      </p:sp>
+      <p:sp>
+        <p:nvSpPr>
+          <p:cNvPr id="19" name="TextBox 18"/>
+          <p:cNvSpPr txBox="1"/>
+          <p:nvPr/>
+        </p:nvSpPr>
+        <p:spPr>
+          <a:xfrm>
+            <a:off x="128788" y="6482577"/>
+            <a:ext cx="4201920" cy="276999"/>
+          </a:xfrm>
+          <a:prstGeom prst="rect">
+            <a:avLst/>
+          </a:prstGeom>
+          <a:noFill/>
+        </p:spPr>
+        <p:txBody>
+          <a:bodyPr wrap="none" rtlCol="0">
+            <a:spAutoFit/>
+          </a:bodyPr>
+          <a:lstStyle/>
+          <a:p>
+            <a:r>
+              <a:rPr lang="en-US" sz="1200" dirty="0" smtClean="0">
+                <a:latin typeface="Garamond" panose="02020404030301010803" pitchFamily="18" charset="0"/>
+                <a:cs typeface="Times New Roman" panose="02020603050405020304" pitchFamily="18" charset="0"/>
+              </a:rPr>
+              <a:t>Portland State Aerospace Society | Electric Propellant Feed System</a:t>
+            </a:r>
+            <a:endParaRPr lang="en-US" sz="1200" dirty="0">
+              <a:latin typeface="Garamond" panose="02020404030301010803" pitchFamily="18" charset="0"/>
+              <a:cs typeface="Times New Roman" panose="02020603050405020304" pitchFamily="18" charset="0"/>
+            </a:endParaRPr>
+          </a:p>
+        </p:txBody>
+      </p:sp>
+      <p:sp>
+        <p:nvSpPr>
+          <p:cNvPr id="5" name="TextBox 4"/>
+          <p:cNvSpPr txBox="1"/>
+          <p:nvPr/>
+        </p:nvSpPr>
+        <p:spPr>
+          <a:xfrm>
+            <a:off x="128788" y="0"/>
+            <a:ext cx="1685077" cy="276999"/>
+          </a:xfrm>
+          <a:prstGeom prst="rect">
+            <a:avLst/>
+          </a:prstGeom>
+          <a:noFill/>
+        </p:spPr>
+        <p:txBody>
+          <a:bodyPr wrap="none" rtlCol="0">
+            <a:spAutoFit/>
+          </a:bodyPr>
+          <a:lstStyle/>
+          <a:p>
+            <a:r>
+              <a:rPr lang="en-US" sz="1200" dirty="0" smtClean="0">
+                <a:latin typeface="Garamond" panose="02020404030301010803" pitchFamily="18" charset="0"/>
+                <a:cs typeface="Times New Roman" panose="02020603050405020304" pitchFamily="18" charset="0"/>
+              </a:rPr>
+              <a:t>Final Design: Subsystem </a:t>
+            </a:r>
+            <a:endParaRPr lang="en-US" sz="1200" dirty="0">
+              <a:latin typeface="Garamond" panose="02020404030301010803" pitchFamily="18" charset="0"/>
+              <a:cs typeface="Times New Roman" panose="02020603050405020304" pitchFamily="18" charset="0"/>
+            </a:endParaRPr>
+          </a:p>
+        </p:txBody>
+      </p:sp>
+      <p:sp>
+        <p:nvSpPr>
+          <p:cNvPr id="13" name="TextBox 12"/>
+          <p:cNvSpPr txBox="1"/>
+          <p:nvPr/>
+        </p:nvSpPr>
+        <p:spPr>
+          <a:xfrm>
+            <a:off x="7603250" y="138499"/>
+            <a:ext cx="6490448" cy="1200329"/>
+          </a:xfrm>
+          <a:prstGeom prst="rect">
+            <a:avLst/>
+          </a:prstGeom>
+          <a:noFill/>
+        </p:spPr>
+        <p:txBody>
+          <a:bodyPr wrap="square" rtlCol="0">
+            <a:spAutoFit/>
+          </a:bodyPr>
+          <a:lstStyle/>
+          <a:p>
+            <a:r>
+              <a:rPr lang="en-US" dirty="0" smtClean="0"/>
+              <a:t>To insert: </a:t>
+            </a:r>
+          </a:p>
+          <a:p>
+            <a:r>
+              <a:rPr lang="en-US" dirty="0" smtClean="0"/>
+              <a:t>Flow diagram of testing apparatus – Diagram</a:t>
+            </a:r>
+          </a:p>
+          <a:p>
+            <a:r>
+              <a:rPr lang="en-US" dirty="0" smtClean="0"/>
+              <a:t>Photo of the testing apparatus – high res photo</a:t>
+            </a:r>
+          </a:p>
+          <a:p>
+            <a:r>
+              <a:rPr lang="en-US" dirty="0" smtClean="0"/>
+              <a:t>Photo of DAQ / measurement / harness</a:t>
+            </a:r>
+          </a:p>
+        </p:txBody>
+      </p:sp>
+      <p:sp>
+        <p:nvSpPr>
+          <p:cNvPr id="15" name="TextBox 14"/>
+          <p:cNvSpPr txBox="1"/>
+          <p:nvPr/>
+        </p:nvSpPr>
+        <p:spPr>
+          <a:xfrm>
+            <a:off x="0" y="553998"/>
+            <a:ext cx="7339263" cy="2308324"/>
+          </a:xfrm>
+          <a:prstGeom prst="rect">
+            <a:avLst/>
+          </a:prstGeom>
+          <a:noFill/>
+        </p:spPr>
+        <p:txBody>
+          <a:bodyPr wrap="square" rtlCol="0">
+            <a:spAutoFit/>
+          </a:bodyPr>
+          <a:lstStyle/>
+          <a:p>
+            <a:r>
+              <a:rPr lang="en-US" dirty="0" smtClean="0"/>
+              <a:t>Notes:</a:t>
+            </a:r>
+          </a:p>
+          <a:p>
+            <a:r>
+              <a:rPr lang="en-US" dirty="0" smtClean="0"/>
+              <a:t>Subsystem breakdown:</a:t>
+            </a:r>
+          </a:p>
+          <a:p>
+            <a:r>
+              <a:rPr lang="en-US" dirty="0" smtClean="0"/>
+              <a:t>Testing Apparatus:</a:t>
+            </a:r>
+          </a:p>
+          <a:p>
+            <a:pPr lvl="1"/>
+            <a:r>
+              <a:rPr lang="en-US" dirty="0" smtClean="0"/>
+              <a:t>Tank, suction line, discharge, experimental procedure, cooling </a:t>
+            </a:r>
+          </a:p>
+          <a:p>
+            <a:pPr lvl="1"/>
+            <a:r>
+              <a:rPr lang="en-US" dirty="0" smtClean="0"/>
+              <a:t>Sensing </a:t>
+            </a:r>
+          </a:p>
+          <a:p>
+            <a:pPr lvl="1"/>
+            <a:r>
+              <a:rPr lang="en-US" dirty="0"/>
+              <a:t>	</a:t>
+            </a:r>
+            <a:r>
+              <a:rPr lang="en-US" dirty="0" smtClean="0"/>
+              <a:t>Pressure, flow, RPM, Torque</a:t>
+            </a:r>
+          </a:p>
+          <a:p>
+            <a:pPr lvl="1"/>
+            <a:r>
+              <a:rPr lang="en-US" dirty="0" smtClean="0"/>
+              <a:t>Data Acquisition</a:t>
+            </a:r>
+          </a:p>
+          <a:p>
+            <a:pPr lvl="1"/>
+            <a:r>
+              <a:rPr lang="en-US" dirty="0"/>
+              <a:t>	</a:t>
+            </a:r>
+            <a:r>
+              <a:rPr lang="en-US" dirty="0" smtClean="0"/>
+              <a:t>Arduino to excel </a:t>
+            </a:r>
+          </a:p>
+        </p:txBody>
+      </p:sp>
+      <p:cxnSp>
+        <p:nvCxnSpPr>
+          <p:cNvPr id="16" name="Straight Connector 15"/>
+          <p:cNvCxnSpPr/>
+          <p:nvPr/>
+        </p:nvCxnSpPr>
+        <p:spPr>
+          <a:xfrm>
+            <a:off x="235677" y="276999"/>
+            <a:ext cx="307199" cy="0"/>
+          </a:xfrm>
+          <a:prstGeom prst="line">
+            <a:avLst/>
+          </a:prstGeom>
+        </p:spPr>
+        <p:style>
+          <a:lnRef idx="1">
+            <a:schemeClr val="dk1"/>
+          </a:lnRef>
+          <a:fillRef idx="0">
+            <a:schemeClr val="dk1"/>
+          </a:fillRef>
+          <a:effectRef idx="0">
+            <a:schemeClr val="dk1"/>
+          </a:effectRef>
+          <a:fontRef idx="minor">
+            <a:schemeClr val="tx1"/>
+          </a:fontRef>
+        </p:style>
+      </p:cxnSp>
+    </p:spTree>
+    <p:extLst>
+      <p:ext uri="{BB962C8B-B14F-4D97-AF65-F5344CB8AC3E}">
+        <p14:creationId xmlns:p14="http://schemas.microsoft.com/office/powerpoint/2010/main" val="1989979975"/>
+      </p:ext>
+    </p:extLst>
+  </p:cSld>
+  <p:clrMapOvr>
+    <a:masterClrMapping/>
+  </p:clrMapOvr>
+  <p:timing>
+    <p:tnLst>
+      <p:par>
+        <p:cTn id="1" dur="indefinite" restart="never" nodeType="tmRoot"/>
+      </p:par>
+    </p:tnLst>
+  </p:timing>
+</p:sld>
+</file>
+
 <file path=ppt/slides/slide2.xml><?xml version="1.0" encoding="utf-8"?>
 <p:sld xmlns:a="http://schemas.openxmlformats.org/drawingml/2006/main" xmlns:r="http://schemas.openxmlformats.org/officeDocument/2006/relationships" xmlns:p="http://schemas.openxmlformats.org/presentationml/2006/main">
   <p:cSld>
@@ -5179,6 +5482,833 @@
             <p:ph type="sldNum" sz="quarter" idx="12"/>
           </p:nvPr>
         </p:nvSpPr>
+        <p:spPr/>
+        <p:txBody>
+          <a:bodyPr/>
+          <a:lstStyle/>
+          <a:p>
+            <a:fld id="{27225834-A5F4-4780-A9FC-586FB30F9BB0}" type="slidenum">
+              <a:rPr lang="en-US" smtClean="0"/>
+              <a:t>5</a:t>
+            </a:fld>
+            <a:endParaRPr lang="en-US"/>
+          </a:p>
+        </p:txBody>
+      </p:sp>
+      <p:sp>
+        <p:nvSpPr>
+          <p:cNvPr id="5" name="TextBox 4"/>
+          <p:cNvSpPr txBox="1"/>
+          <p:nvPr/>
+        </p:nvSpPr>
+        <p:spPr>
+          <a:xfrm>
+            <a:off x="4663440" y="786384"/>
+            <a:ext cx="2359152" cy="369332"/>
+          </a:xfrm>
+          <a:prstGeom prst="rect">
+            <a:avLst/>
+          </a:prstGeom>
+          <a:noFill/>
+          <a:ln>
+            <a:solidFill>
+              <a:schemeClr val="tx1"/>
+            </a:solidFill>
+          </a:ln>
+        </p:spPr>
+        <p:txBody>
+          <a:bodyPr wrap="square" rtlCol="0">
+            <a:spAutoFit/>
+          </a:bodyPr>
+          <a:lstStyle/>
+          <a:p>
+            <a:pPr algn="ctr"/>
+            <a:r>
+              <a:rPr lang="en-US" dirty="0" smtClean="0"/>
+              <a:t>Electric Feed System </a:t>
+            </a:r>
+          </a:p>
+        </p:txBody>
+      </p:sp>
+      <p:sp>
+        <p:nvSpPr>
+          <p:cNvPr id="6" name="TextBox 5"/>
+          <p:cNvSpPr txBox="1"/>
+          <p:nvPr/>
+        </p:nvSpPr>
+        <p:spPr>
+          <a:xfrm>
+            <a:off x="441960" y="1694688"/>
+            <a:ext cx="4806696" cy="369332"/>
+          </a:xfrm>
+          <a:prstGeom prst="rect">
+            <a:avLst/>
+          </a:prstGeom>
+          <a:noFill/>
+          <a:ln>
+            <a:solidFill>
+              <a:schemeClr val="tx1"/>
+            </a:solidFill>
+          </a:ln>
+        </p:spPr>
+        <p:txBody>
+          <a:bodyPr wrap="square" rtlCol="0">
+            <a:spAutoFit/>
+          </a:bodyPr>
+          <a:lstStyle/>
+          <a:p>
+            <a:pPr algn="ctr"/>
+            <a:r>
+              <a:rPr lang="en-US" dirty="0" smtClean="0"/>
+              <a:t>Pump </a:t>
+            </a:r>
+          </a:p>
+        </p:txBody>
+      </p:sp>
+      <p:sp>
+        <p:nvSpPr>
+          <p:cNvPr id="7" name="TextBox 6"/>
+          <p:cNvSpPr txBox="1"/>
+          <p:nvPr/>
+        </p:nvSpPr>
+        <p:spPr>
+          <a:xfrm>
+            <a:off x="441960" y="2215896"/>
+            <a:ext cx="2359152" cy="369332"/>
+          </a:xfrm>
+          <a:prstGeom prst="rect">
+            <a:avLst/>
+          </a:prstGeom>
+          <a:noFill/>
+          <a:ln>
+            <a:solidFill>
+              <a:schemeClr val="tx1"/>
+            </a:solidFill>
+          </a:ln>
+        </p:spPr>
+        <p:txBody>
+          <a:bodyPr wrap="square" rtlCol="0">
+            <a:spAutoFit/>
+          </a:bodyPr>
+          <a:lstStyle/>
+          <a:p>
+            <a:pPr algn="ctr"/>
+            <a:r>
+              <a:rPr lang="en-US" dirty="0" smtClean="0"/>
+              <a:t>Casing  </a:t>
+            </a:r>
+          </a:p>
+        </p:txBody>
+      </p:sp>
+      <p:sp>
+        <p:nvSpPr>
+          <p:cNvPr id="8" name="TextBox 7"/>
+          <p:cNvSpPr txBox="1"/>
+          <p:nvPr/>
+        </p:nvSpPr>
+        <p:spPr>
+          <a:xfrm>
+            <a:off x="2889504" y="2215896"/>
+            <a:ext cx="2359152" cy="369332"/>
+          </a:xfrm>
+          <a:prstGeom prst="rect">
+            <a:avLst/>
+          </a:prstGeom>
+          <a:noFill/>
+          <a:ln>
+            <a:solidFill>
+              <a:schemeClr val="tx1"/>
+            </a:solidFill>
+          </a:ln>
+        </p:spPr>
+        <p:txBody>
+          <a:bodyPr wrap="square" rtlCol="0">
+            <a:spAutoFit/>
+          </a:bodyPr>
+          <a:lstStyle/>
+          <a:p>
+            <a:pPr algn="ctr"/>
+            <a:r>
+              <a:rPr lang="en-US" dirty="0" smtClean="0"/>
+              <a:t>Motor  </a:t>
+            </a:r>
+          </a:p>
+        </p:txBody>
+      </p:sp>
+      <p:sp>
+        <p:nvSpPr>
+          <p:cNvPr id="9" name="TextBox 8"/>
+          <p:cNvSpPr txBox="1"/>
+          <p:nvPr/>
+        </p:nvSpPr>
+        <p:spPr>
+          <a:xfrm>
+            <a:off x="3307080" y="2670048"/>
+            <a:ext cx="1941576" cy="369332"/>
+          </a:xfrm>
+          <a:prstGeom prst="rect">
+            <a:avLst/>
+          </a:prstGeom>
+          <a:noFill/>
+          <a:ln>
+            <a:solidFill>
+              <a:schemeClr val="tx1"/>
+            </a:solidFill>
+          </a:ln>
+        </p:spPr>
+        <p:txBody>
+          <a:bodyPr wrap="square" rtlCol="0">
+            <a:spAutoFit/>
+          </a:bodyPr>
+          <a:lstStyle/>
+          <a:p>
+            <a:pPr algn="ctr"/>
+            <a:r>
+              <a:rPr lang="en-US" dirty="0" smtClean="0"/>
+              <a:t>Dyno Mount</a:t>
+            </a:r>
+          </a:p>
+        </p:txBody>
+      </p:sp>
+      <p:sp>
+        <p:nvSpPr>
+          <p:cNvPr id="10" name="TextBox 9"/>
+          <p:cNvSpPr txBox="1"/>
+          <p:nvPr/>
+        </p:nvSpPr>
+        <p:spPr>
+          <a:xfrm>
+            <a:off x="3307080" y="3124200"/>
+            <a:ext cx="1941576" cy="369332"/>
+          </a:xfrm>
+          <a:prstGeom prst="rect">
+            <a:avLst/>
+          </a:prstGeom>
+          <a:noFill/>
+          <a:ln>
+            <a:solidFill>
+              <a:schemeClr val="tx1"/>
+            </a:solidFill>
+          </a:ln>
+        </p:spPr>
+        <p:txBody>
+          <a:bodyPr wrap="square" rtlCol="0">
+            <a:spAutoFit/>
+          </a:bodyPr>
+          <a:lstStyle/>
+          <a:p>
+            <a:pPr algn="ctr"/>
+            <a:r>
+              <a:rPr lang="en-US" dirty="0" smtClean="0"/>
+              <a:t>ESC  </a:t>
+            </a:r>
+          </a:p>
+        </p:txBody>
+      </p:sp>
+      <p:sp>
+        <p:nvSpPr>
+          <p:cNvPr id="11" name="TextBox 10"/>
+          <p:cNvSpPr txBox="1"/>
+          <p:nvPr/>
+        </p:nvSpPr>
+        <p:spPr>
+          <a:xfrm>
+            <a:off x="3307080" y="3645408"/>
+            <a:ext cx="1941576" cy="369332"/>
+          </a:xfrm>
+          <a:prstGeom prst="rect">
+            <a:avLst/>
+          </a:prstGeom>
+          <a:noFill/>
+          <a:ln>
+            <a:solidFill>
+              <a:schemeClr val="tx1"/>
+            </a:solidFill>
+          </a:ln>
+        </p:spPr>
+        <p:txBody>
+          <a:bodyPr wrap="square" rtlCol="0">
+            <a:spAutoFit/>
+          </a:bodyPr>
+          <a:lstStyle/>
+          <a:p>
+            <a:pPr algn="ctr"/>
+            <a:r>
+              <a:rPr lang="en-US" dirty="0" smtClean="0"/>
+              <a:t>Batteries  </a:t>
+            </a:r>
+          </a:p>
+        </p:txBody>
+      </p:sp>
+      <p:sp>
+        <p:nvSpPr>
+          <p:cNvPr id="12" name="TextBox 11"/>
+          <p:cNvSpPr txBox="1"/>
+          <p:nvPr/>
+        </p:nvSpPr>
+        <p:spPr>
+          <a:xfrm>
+            <a:off x="3307080" y="4145280"/>
+            <a:ext cx="1941576" cy="369332"/>
+          </a:xfrm>
+          <a:prstGeom prst="rect">
+            <a:avLst/>
+          </a:prstGeom>
+          <a:noFill/>
+          <a:ln>
+            <a:solidFill>
+              <a:schemeClr val="tx1"/>
+            </a:solidFill>
+          </a:ln>
+        </p:spPr>
+        <p:txBody>
+          <a:bodyPr wrap="square" rtlCol="0">
+            <a:spAutoFit/>
+          </a:bodyPr>
+          <a:lstStyle/>
+          <a:p>
+            <a:pPr algn="ctr"/>
+            <a:r>
+              <a:rPr lang="en-US" dirty="0" smtClean="0"/>
+              <a:t>Controls  </a:t>
+            </a:r>
+          </a:p>
+        </p:txBody>
+      </p:sp>
+      <p:sp>
+        <p:nvSpPr>
+          <p:cNvPr id="13" name="TextBox 12"/>
+          <p:cNvSpPr txBox="1"/>
+          <p:nvPr/>
+        </p:nvSpPr>
+        <p:spPr>
+          <a:xfrm>
+            <a:off x="688848" y="2667000"/>
+            <a:ext cx="2112264" cy="369332"/>
+          </a:xfrm>
+          <a:prstGeom prst="rect">
+            <a:avLst/>
+          </a:prstGeom>
+          <a:noFill/>
+          <a:ln>
+            <a:solidFill>
+              <a:schemeClr val="tx1"/>
+            </a:solidFill>
+          </a:ln>
+        </p:spPr>
+        <p:txBody>
+          <a:bodyPr wrap="square" rtlCol="0">
+            <a:spAutoFit/>
+          </a:bodyPr>
+          <a:lstStyle/>
+          <a:p>
+            <a:pPr algn="ctr"/>
+            <a:r>
+              <a:rPr lang="en-US" dirty="0" smtClean="0"/>
+              <a:t>Hydraulic</a:t>
+            </a:r>
+          </a:p>
+        </p:txBody>
+      </p:sp>
+      <p:sp>
+        <p:nvSpPr>
+          <p:cNvPr id="14" name="TextBox 13"/>
+          <p:cNvSpPr txBox="1"/>
+          <p:nvPr/>
+        </p:nvSpPr>
+        <p:spPr>
+          <a:xfrm>
+            <a:off x="688848" y="3124200"/>
+            <a:ext cx="2112264" cy="369332"/>
+          </a:xfrm>
+          <a:prstGeom prst="rect">
+            <a:avLst/>
+          </a:prstGeom>
+          <a:noFill/>
+          <a:ln>
+            <a:solidFill>
+              <a:schemeClr val="tx1"/>
+            </a:solidFill>
+          </a:ln>
+        </p:spPr>
+        <p:txBody>
+          <a:bodyPr wrap="square" rtlCol="0">
+            <a:spAutoFit/>
+          </a:bodyPr>
+          <a:lstStyle/>
+          <a:p>
+            <a:pPr algn="ctr"/>
+            <a:r>
+              <a:rPr lang="en-US" dirty="0" smtClean="0"/>
+              <a:t>Mechanical </a:t>
+            </a:r>
+          </a:p>
+        </p:txBody>
+      </p:sp>
+      <p:sp>
+        <p:nvSpPr>
+          <p:cNvPr id="15" name="TextBox 14"/>
+          <p:cNvSpPr txBox="1"/>
+          <p:nvPr/>
+        </p:nvSpPr>
+        <p:spPr>
+          <a:xfrm>
+            <a:off x="868680" y="3550920"/>
+            <a:ext cx="1932432" cy="369332"/>
+          </a:xfrm>
+          <a:prstGeom prst="rect">
+            <a:avLst/>
+          </a:prstGeom>
+          <a:noFill/>
+          <a:ln>
+            <a:solidFill>
+              <a:schemeClr val="tx1"/>
+            </a:solidFill>
+          </a:ln>
+        </p:spPr>
+        <p:txBody>
+          <a:bodyPr wrap="square" rtlCol="0">
+            <a:spAutoFit/>
+          </a:bodyPr>
+          <a:lstStyle/>
+          <a:p>
+            <a:pPr algn="ctr"/>
+            <a:r>
+              <a:rPr lang="en-US" dirty="0" smtClean="0"/>
+              <a:t>Bearings</a:t>
+            </a:r>
+          </a:p>
+        </p:txBody>
+      </p:sp>
+      <p:sp>
+        <p:nvSpPr>
+          <p:cNvPr id="16" name="TextBox 15"/>
+          <p:cNvSpPr txBox="1"/>
+          <p:nvPr/>
+        </p:nvSpPr>
+        <p:spPr>
+          <a:xfrm>
+            <a:off x="868680" y="4014740"/>
+            <a:ext cx="1932432" cy="369332"/>
+          </a:xfrm>
+          <a:prstGeom prst="rect">
+            <a:avLst/>
+          </a:prstGeom>
+          <a:noFill/>
+          <a:ln>
+            <a:solidFill>
+              <a:schemeClr val="tx1"/>
+            </a:solidFill>
+          </a:ln>
+        </p:spPr>
+        <p:txBody>
+          <a:bodyPr wrap="square" rtlCol="0">
+            <a:spAutoFit/>
+          </a:bodyPr>
+          <a:lstStyle/>
+          <a:p>
+            <a:pPr algn="ctr"/>
+            <a:r>
+              <a:rPr lang="en-US" dirty="0"/>
+              <a:t>S</a:t>
+            </a:r>
+            <a:r>
+              <a:rPr lang="en-US" dirty="0" smtClean="0"/>
+              <a:t>eals</a:t>
+            </a:r>
+          </a:p>
+        </p:txBody>
+      </p:sp>
+      <p:sp>
+        <p:nvSpPr>
+          <p:cNvPr id="17" name="TextBox 16"/>
+          <p:cNvSpPr txBox="1"/>
+          <p:nvPr/>
+        </p:nvSpPr>
+        <p:spPr>
+          <a:xfrm>
+            <a:off x="5413248" y="1694688"/>
+            <a:ext cx="3438144" cy="369332"/>
+          </a:xfrm>
+          <a:prstGeom prst="rect">
+            <a:avLst/>
+          </a:prstGeom>
+          <a:noFill/>
+          <a:ln>
+            <a:solidFill>
+              <a:schemeClr val="tx1"/>
+            </a:solidFill>
+          </a:ln>
+        </p:spPr>
+        <p:txBody>
+          <a:bodyPr wrap="square" rtlCol="0">
+            <a:spAutoFit/>
+          </a:bodyPr>
+          <a:lstStyle/>
+          <a:p>
+            <a:pPr algn="ctr"/>
+            <a:r>
+              <a:rPr lang="en-US" dirty="0" smtClean="0"/>
+              <a:t>Testing </a:t>
+            </a:r>
+          </a:p>
+        </p:txBody>
+      </p:sp>
+      <p:sp>
+        <p:nvSpPr>
+          <p:cNvPr id="18" name="TextBox 17"/>
+          <p:cNvSpPr txBox="1"/>
+          <p:nvPr/>
+        </p:nvSpPr>
+        <p:spPr>
+          <a:xfrm>
+            <a:off x="5413248" y="2215896"/>
+            <a:ext cx="2359152" cy="369332"/>
+          </a:xfrm>
+          <a:prstGeom prst="rect">
+            <a:avLst/>
+          </a:prstGeom>
+          <a:noFill/>
+          <a:ln>
+            <a:solidFill>
+              <a:schemeClr val="tx1"/>
+            </a:solidFill>
+          </a:ln>
+        </p:spPr>
+        <p:txBody>
+          <a:bodyPr wrap="square" rtlCol="0">
+            <a:spAutoFit/>
+          </a:bodyPr>
+          <a:lstStyle/>
+          <a:p>
+            <a:pPr algn="ctr"/>
+            <a:r>
+              <a:rPr lang="en-US" dirty="0" smtClean="0"/>
+              <a:t>Apparatus</a:t>
+            </a:r>
+          </a:p>
+        </p:txBody>
+      </p:sp>
+      <p:sp>
+        <p:nvSpPr>
+          <p:cNvPr id="19" name="TextBox 18"/>
+          <p:cNvSpPr txBox="1"/>
+          <p:nvPr/>
+        </p:nvSpPr>
+        <p:spPr>
+          <a:xfrm>
+            <a:off x="7936992" y="2215896"/>
+            <a:ext cx="2359152" cy="369332"/>
+          </a:xfrm>
+          <a:prstGeom prst="rect">
+            <a:avLst/>
+          </a:prstGeom>
+          <a:noFill/>
+          <a:ln>
+            <a:solidFill>
+              <a:schemeClr val="tx1"/>
+            </a:solidFill>
+          </a:ln>
+        </p:spPr>
+        <p:txBody>
+          <a:bodyPr wrap="square" rtlCol="0">
+            <a:spAutoFit/>
+          </a:bodyPr>
+          <a:lstStyle/>
+          <a:p>
+            <a:pPr algn="ctr"/>
+            <a:r>
+              <a:rPr lang="en-US" dirty="0" smtClean="0"/>
+              <a:t>Measurement</a:t>
+            </a:r>
+          </a:p>
+        </p:txBody>
+      </p:sp>
+      <p:sp>
+        <p:nvSpPr>
+          <p:cNvPr id="20" name="TextBox 19"/>
+          <p:cNvSpPr txBox="1"/>
+          <p:nvPr/>
+        </p:nvSpPr>
+        <p:spPr>
+          <a:xfrm>
+            <a:off x="5577840" y="2667000"/>
+            <a:ext cx="2194560" cy="369332"/>
+          </a:xfrm>
+          <a:prstGeom prst="rect">
+            <a:avLst/>
+          </a:prstGeom>
+          <a:noFill/>
+          <a:ln>
+            <a:solidFill>
+              <a:schemeClr val="tx1"/>
+            </a:solidFill>
+          </a:ln>
+        </p:spPr>
+        <p:txBody>
+          <a:bodyPr wrap="square" rtlCol="0">
+            <a:spAutoFit/>
+          </a:bodyPr>
+          <a:lstStyle/>
+          <a:p>
+            <a:pPr algn="ctr"/>
+            <a:r>
+              <a:rPr lang="en-US" dirty="0" smtClean="0"/>
+              <a:t>Suction</a:t>
+            </a:r>
+          </a:p>
+        </p:txBody>
+      </p:sp>
+      <p:sp>
+        <p:nvSpPr>
+          <p:cNvPr id="21" name="TextBox 20"/>
+          <p:cNvSpPr txBox="1"/>
+          <p:nvPr/>
+        </p:nvSpPr>
+        <p:spPr>
+          <a:xfrm>
+            <a:off x="5577840" y="3118104"/>
+            <a:ext cx="2194560" cy="369332"/>
+          </a:xfrm>
+          <a:prstGeom prst="rect">
+            <a:avLst/>
+          </a:prstGeom>
+          <a:noFill/>
+          <a:ln>
+            <a:solidFill>
+              <a:schemeClr val="tx1"/>
+            </a:solidFill>
+          </a:ln>
+        </p:spPr>
+        <p:txBody>
+          <a:bodyPr wrap="square" rtlCol="0">
+            <a:spAutoFit/>
+          </a:bodyPr>
+          <a:lstStyle/>
+          <a:p>
+            <a:pPr algn="ctr"/>
+            <a:r>
+              <a:rPr lang="en-US" dirty="0" smtClean="0"/>
+              <a:t>Air pressure</a:t>
+            </a:r>
+          </a:p>
+        </p:txBody>
+      </p:sp>
+      <p:sp>
+        <p:nvSpPr>
+          <p:cNvPr id="22" name="TextBox 21"/>
+          <p:cNvSpPr txBox="1"/>
+          <p:nvPr/>
+        </p:nvSpPr>
+        <p:spPr>
+          <a:xfrm>
+            <a:off x="5577840" y="3569208"/>
+            <a:ext cx="2194560" cy="369332"/>
+          </a:xfrm>
+          <a:prstGeom prst="rect">
+            <a:avLst/>
+          </a:prstGeom>
+          <a:noFill/>
+          <a:ln>
+            <a:solidFill>
+              <a:schemeClr val="tx1"/>
+            </a:solidFill>
+          </a:ln>
+        </p:spPr>
+        <p:txBody>
+          <a:bodyPr wrap="square" rtlCol="0">
+            <a:spAutoFit/>
+          </a:bodyPr>
+          <a:lstStyle/>
+          <a:p>
+            <a:pPr algn="ctr"/>
+            <a:r>
+              <a:rPr lang="en-US" dirty="0" smtClean="0"/>
+              <a:t>Water</a:t>
+            </a:r>
+          </a:p>
+        </p:txBody>
+      </p:sp>
+      <p:sp>
+        <p:nvSpPr>
+          <p:cNvPr id="23" name="TextBox 22"/>
+          <p:cNvSpPr txBox="1"/>
+          <p:nvPr/>
+        </p:nvSpPr>
+        <p:spPr>
+          <a:xfrm>
+            <a:off x="8101584" y="2649236"/>
+            <a:ext cx="2194560" cy="369332"/>
+          </a:xfrm>
+          <a:prstGeom prst="rect">
+            <a:avLst/>
+          </a:prstGeom>
+          <a:noFill/>
+          <a:ln>
+            <a:solidFill>
+              <a:schemeClr val="tx1"/>
+            </a:solidFill>
+          </a:ln>
+        </p:spPr>
+        <p:txBody>
+          <a:bodyPr wrap="square" rtlCol="0">
+            <a:spAutoFit/>
+          </a:bodyPr>
+          <a:lstStyle/>
+          <a:p>
+            <a:pPr algn="ctr"/>
+            <a:r>
+              <a:rPr lang="en-US" dirty="0" smtClean="0"/>
+              <a:t>Pressure</a:t>
+            </a:r>
+          </a:p>
+        </p:txBody>
+      </p:sp>
+      <p:sp>
+        <p:nvSpPr>
+          <p:cNvPr id="24" name="TextBox 23"/>
+          <p:cNvSpPr txBox="1"/>
+          <p:nvPr/>
+        </p:nvSpPr>
+        <p:spPr>
+          <a:xfrm>
+            <a:off x="8101584" y="3082576"/>
+            <a:ext cx="2194560" cy="369332"/>
+          </a:xfrm>
+          <a:prstGeom prst="rect">
+            <a:avLst/>
+          </a:prstGeom>
+          <a:noFill/>
+          <a:ln>
+            <a:solidFill>
+              <a:schemeClr val="tx1"/>
+            </a:solidFill>
+          </a:ln>
+        </p:spPr>
+        <p:txBody>
+          <a:bodyPr wrap="square" rtlCol="0">
+            <a:spAutoFit/>
+          </a:bodyPr>
+          <a:lstStyle/>
+          <a:p>
+            <a:pPr algn="ctr"/>
+            <a:r>
+              <a:rPr lang="en-US" dirty="0" smtClean="0"/>
+              <a:t>RPM</a:t>
+            </a:r>
+          </a:p>
+        </p:txBody>
+      </p:sp>
+      <p:sp>
+        <p:nvSpPr>
+          <p:cNvPr id="25" name="TextBox 24"/>
+          <p:cNvSpPr txBox="1"/>
+          <p:nvPr/>
+        </p:nvSpPr>
+        <p:spPr>
+          <a:xfrm>
+            <a:off x="8101584" y="3515916"/>
+            <a:ext cx="2194560" cy="369332"/>
+          </a:xfrm>
+          <a:prstGeom prst="rect">
+            <a:avLst/>
+          </a:prstGeom>
+          <a:noFill/>
+          <a:ln>
+            <a:solidFill>
+              <a:schemeClr val="tx1"/>
+            </a:solidFill>
+          </a:ln>
+        </p:spPr>
+        <p:txBody>
+          <a:bodyPr wrap="square" rtlCol="0">
+            <a:spAutoFit/>
+          </a:bodyPr>
+          <a:lstStyle/>
+          <a:p>
+            <a:pPr algn="ctr"/>
+            <a:r>
+              <a:rPr lang="en-US" dirty="0" smtClean="0"/>
+              <a:t>Torque</a:t>
+            </a:r>
+          </a:p>
+        </p:txBody>
+      </p:sp>
+      <p:sp>
+        <p:nvSpPr>
+          <p:cNvPr id="26" name="TextBox 25"/>
+          <p:cNvSpPr txBox="1"/>
+          <p:nvPr/>
+        </p:nvSpPr>
+        <p:spPr>
+          <a:xfrm>
+            <a:off x="4277868" y="5410200"/>
+            <a:ext cx="2359152" cy="369332"/>
+          </a:xfrm>
+          <a:prstGeom prst="rect">
+            <a:avLst/>
+          </a:prstGeom>
+          <a:noFill/>
+          <a:ln>
+            <a:solidFill>
+              <a:schemeClr val="tx1"/>
+            </a:solidFill>
+          </a:ln>
+        </p:spPr>
+        <p:txBody>
+          <a:bodyPr wrap="square" rtlCol="0">
+            <a:spAutoFit/>
+          </a:bodyPr>
+          <a:lstStyle/>
+          <a:p>
+            <a:pPr algn="ctr"/>
+            <a:r>
+              <a:rPr lang="en-US" dirty="0" smtClean="0"/>
+              <a:t>Subsystem Outline</a:t>
+            </a:r>
+          </a:p>
+        </p:txBody>
+      </p:sp>
+    </p:spTree>
+    <p:extLst>
+      <p:ext uri="{BB962C8B-B14F-4D97-AF65-F5344CB8AC3E}">
+        <p14:creationId xmlns:p14="http://schemas.microsoft.com/office/powerpoint/2010/main" val="3757267738"/>
+      </p:ext>
+    </p:extLst>
+  </p:cSld>
+  <p:clrMapOvr>
+    <a:masterClrMapping/>
+  </p:clrMapOvr>
+</p:sld>
+</file>
+
+<file path=ppt/slides/slide6.xml><?xml version="1.0" encoding="utf-8"?>
+<p:sld xmlns:a="http://schemas.openxmlformats.org/drawingml/2006/main" xmlns:r="http://schemas.openxmlformats.org/officeDocument/2006/relationships" xmlns:p="http://schemas.openxmlformats.org/presentationml/2006/main">
+  <p:cSld>
+    <p:spTree>
+      <p:nvGrpSpPr>
+        <p:cNvPr id="1" name=""/>
+        <p:cNvGrpSpPr/>
+        <p:nvPr/>
+      </p:nvGrpSpPr>
+      <p:grpSpPr>
+        <a:xfrm>
+          <a:off x="0" y="0"/>
+          <a:ext cx="0" cy="0"/>
+          <a:chOff x="0" y="0"/>
+          <a:chExt cx="0" cy="0"/>
+        </a:xfrm>
+      </p:grpSpPr>
+      <p:sp>
+        <p:nvSpPr>
+          <p:cNvPr id="4" name="Slide Number Placeholder 3"/>
+          <p:cNvSpPr>
+            <a:spLocks noGrp="1"/>
+          </p:cNvSpPr>
+          <p:nvPr>
+            <p:ph type="sldNum" sz="quarter" idx="12"/>
+          </p:nvPr>
+        </p:nvSpPr>
         <p:spPr>
           <a:xfrm>
             <a:off x="9306059" y="6438513"/>
@@ -5193,7 +6323,317 @@
               <a:rPr lang="en-US" smtClean="0">
                 <a:latin typeface="Garamond" panose="02020404030301010803" pitchFamily="18" charset="0"/>
               </a:rPr>
-              <a:t>5</a:t>
+              <a:t>6</a:t>
+            </a:fld>
+            <a:endParaRPr lang="en-US" dirty="0">
+              <a:latin typeface="Garamond" panose="02020404030301010803" pitchFamily="18" charset="0"/>
+            </a:endParaRPr>
+          </a:p>
+        </p:txBody>
+      </p:sp>
+      <p:sp>
+        <p:nvSpPr>
+          <p:cNvPr id="19" name="TextBox 18"/>
+          <p:cNvSpPr txBox="1"/>
+          <p:nvPr/>
+        </p:nvSpPr>
+        <p:spPr>
+          <a:xfrm>
+            <a:off x="128788" y="6482577"/>
+            <a:ext cx="4201920" cy="276999"/>
+          </a:xfrm>
+          <a:prstGeom prst="rect">
+            <a:avLst/>
+          </a:prstGeom>
+          <a:noFill/>
+        </p:spPr>
+        <p:txBody>
+          <a:bodyPr wrap="none" rtlCol="0">
+            <a:spAutoFit/>
+          </a:bodyPr>
+          <a:lstStyle/>
+          <a:p>
+            <a:r>
+              <a:rPr lang="en-US" sz="1200" dirty="0" smtClean="0">
+                <a:latin typeface="Garamond" panose="02020404030301010803" pitchFamily="18" charset="0"/>
+                <a:cs typeface="Times New Roman" panose="02020603050405020304" pitchFamily="18" charset="0"/>
+              </a:rPr>
+              <a:t>Portland State Aerospace Society | Electric Propellant Feed System</a:t>
+            </a:r>
+            <a:endParaRPr lang="en-US" sz="1200" dirty="0">
+              <a:latin typeface="Garamond" panose="02020404030301010803" pitchFamily="18" charset="0"/>
+              <a:cs typeface="Times New Roman" panose="02020603050405020304" pitchFamily="18" charset="0"/>
+            </a:endParaRPr>
+          </a:p>
+        </p:txBody>
+      </p:sp>
+      <p:sp>
+        <p:nvSpPr>
+          <p:cNvPr id="5" name="TextBox 4"/>
+          <p:cNvSpPr txBox="1"/>
+          <p:nvPr/>
+        </p:nvSpPr>
+        <p:spPr>
+          <a:xfrm>
+            <a:off x="128788" y="0"/>
+            <a:ext cx="1685077" cy="276999"/>
+          </a:xfrm>
+          <a:prstGeom prst="rect">
+            <a:avLst/>
+          </a:prstGeom>
+          <a:noFill/>
+        </p:spPr>
+        <p:txBody>
+          <a:bodyPr wrap="none" rtlCol="0">
+            <a:spAutoFit/>
+          </a:bodyPr>
+          <a:lstStyle/>
+          <a:p>
+            <a:r>
+              <a:rPr lang="en-US" sz="1200" dirty="0" smtClean="0">
+                <a:latin typeface="Garamond" panose="02020404030301010803" pitchFamily="18" charset="0"/>
+                <a:cs typeface="Times New Roman" panose="02020603050405020304" pitchFamily="18" charset="0"/>
+              </a:rPr>
+              <a:t>Final Design: Subsystem </a:t>
+            </a:r>
+            <a:endParaRPr lang="en-US" sz="1200" dirty="0">
+              <a:latin typeface="Garamond" panose="02020404030301010803" pitchFamily="18" charset="0"/>
+              <a:cs typeface="Times New Roman" panose="02020603050405020304" pitchFamily="18" charset="0"/>
+            </a:endParaRPr>
+          </a:p>
+        </p:txBody>
+      </p:sp>
+      <p:sp>
+        <p:nvSpPr>
+          <p:cNvPr id="13" name="TextBox 12"/>
+          <p:cNvSpPr txBox="1"/>
+          <p:nvPr/>
+        </p:nvSpPr>
+        <p:spPr>
+          <a:xfrm>
+            <a:off x="7111720" y="-1359296"/>
+            <a:ext cx="6490448" cy="923330"/>
+          </a:xfrm>
+          <a:prstGeom prst="rect">
+            <a:avLst/>
+          </a:prstGeom>
+          <a:noFill/>
+        </p:spPr>
+        <p:txBody>
+          <a:bodyPr wrap="square" rtlCol="0">
+            <a:spAutoFit/>
+          </a:bodyPr>
+          <a:lstStyle/>
+          <a:p>
+            <a:r>
+              <a:rPr lang="en-US" dirty="0" smtClean="0"/>
+              <a:t>To insert: </a:t>
+            </a:r>
+          </a:p>
+          <a:p>
+            <a:r>
+              <a:rPr lang="en-US" dirty="0" smtClean="0"/>
+              <a:t>Quarter section – CAD </a:t>
+            </a:r>
+          </a:p>
+          <a:p>
+            <a:r>
+              <a:rPr lang="en-US" dirty="0" smtClean="0"/>
+              <a:t>Photo of the pump w/ casing – High Res</a:t>
+            </a:r>
+          </a:p>
+        </p:txBody>
+      </p:sp>
+      <p:sp>
+        <p:nvSpPr>
+          <p:cNvPr id="15" name="TextBox 14"/>
+          <p:cNvSpPr txBox="1"/>
+          <p:nvPr/>
+        </p:nvSpPr>
+        <p:spPr>
+          <a:xfrm>
+            <a:off x="-545432" y="-2169825"/>
+            <a:ext cx="7339263" cy="2031325"/>
+          </a:xfrm>
+          <a:prstGeom prst="rect">
+            <a:avLst/>
+          </a:prstGeom>
+          <a:noFill/>
+        </p:spPr>
+        <p:txBody>
+          <a:bodyPr wrap="square" rtlCol="0">
+            <a:spAutoFit/>
+          </a:bodyPr>
+          <a:lstStyle/>
+          <a:p>
+            <a:r>
+              <a:rPr lang="en-US" dirty="0" smtClean="0"/>
+              <a:t>Notes:</a:t>
+            </a:r>
+          </a:p>
+          <a:p>
+            <a:r>
+              <a:rPr lang="en-US" dirty="0" smtClean="0"/>
+              <a:t>Subsystem breakdown:</a:t>
+            </a:r>
+          </a:p>
+          <a:p>
+            <a:r>
+              <a:rPr lang="en-US" dirty="0" smtClean="0"/>
+              <a:t>Pump:</a:t>
+            </a:r>
+          </a:p>
+          <a:p>
+            <a:pPr lvl="1"/>
+            <a:r>
+              <a:rPr lang="en-US" dirty="0" smtClean="0"/>
+              <a:t>Bearing system</a:t>
+            </a:r>
+          </a:p>
+          <a:p>
+            <a:pPr lvl="1"/>
+            <a:r>
+              <a:rPr lang="en-US" dirty="0" smtClean="0"/>
+              <a:t>Seal system </a:t>
+            </a:r>
+          </a:p>
+          <a:p>
+            <a:pPr lvl="1"/>
+            <a:r>
+              <a:rPr lang="en-US" dirty="0" smtClean="0"/>
+              <a:t>Hydraulic system ( volute, impeller, diffuser) – highlight modular design</a:t>
+            </a:r>
+          </a:p>
+          <a:p>
+            <a:pPr lvl="1"/>
+            <a:r>
+              <a:rPr lang="en-US" dirty="0" smtClean="0"/>
+              <a:t>Shaft </a:t>
+            </a:r>
+          </a:p>
+        </p:txBody>
+      </p:sp>
+      <p:cxnSp>
+        <p:nvCxnSpPr>
+          <p:cNvPr id="16" name="Straight Connector 15"/>
+          <p:cNvCxnSpPr/>
+          <p:nvPr/>
+        </p:nvCxnSpPr>
+        <p:spPr>
+          <a:xfrm>
+            <a:off x="235677" y="276999"/>
+            <a:ext cx="307199" cy="0"/>
+          </a:xfrm>
+          <a:prstGeom prst="line">
+            <a:avLst/>
+          </a:prstGeom>
+        </p:spPr>
+        <p:style>
+          <a:lnRef idx="1">
+            <a:schemeClr val="dk1"/>
+          </a:lnRef>
+          <a:fillRef idx="0">
+            <a:schemeClr val="dk1"/>
+          </a:fillRef>
+          <a:effectRef idx="0">
+            <a:schemeClr val="dk1"/>
+          </a:effectRef>
+          <a:fontRef idx="minor">
+            <a:schemeClr val="tx1"/>
+          </a:fontRef>
+        </p:style>
+      </p:cxnSp>
+      <p:pic>
+        <p:nvPicPr>
+          <p:cNvPr id="8" name="Picture 7"/>
+          <p:cNvPicPr>
+            <a:picLocks noChangeAspect="1"/>
+          </p:cNvPicPr>
+          <p:nvPr/>
+        </p:nvPicPr>
+        <p:blipFill rotWithShape="1">
+          <a:blip r:embed="rId3">
+            <a:extLst>
+              <a:ext uri="{28A0092B-C50C-407E-A947-70E740481C1C}">
+                <a14:useLocalDpi xmlns:a14="http://schemas.microsoft.com/office/drawing/2010/main" val="0"/>
+              </a:ext>
+            </a:extLst>
+          </a:blip>
+          <a:srcRect l="22800" t="19028" r="10510" b="16647"/>
+          <a:stretch/>
+        </p:blipFill>
+        <p:spPr>
+          <a:xfrm>
+            <a:off x="1180860" y="866474"/>
+            <a:ext cx="9176084" cy="4611128"/>
+          </a:xfrm>
+          <a:prstGeom prst="rect">
+            <a:avLst/>
+          </a:prstGeom>
+        </p:spPr>
+      </p:pic>
+    </p:spTree>
+    <p:extLst>
+      <p:ext uri="{BB962C8B-B14F-4D97-AF65-F5344CB8AC3E}">
+        <p14:creationId xmlns:p14="http://schemas.microsoft.com/office/powerpoint/2010/main" val="3285115805"/>
+      </p:ext>
+    </p:extLst>
+  </p:cSld>
+  <p:clrMapOvr>
+    <a:masterClrMapping/>
+  </p:clrMapOvr>
+  <p:timing>
+    <p:tnLst>
+      <p:par>
+        <p:cTn id="1" dur="indefinite" restart="never" nodeType="tmRoot"/>
+      </p:par>
+    </p:tnLst>
+  </p:timing>
+</p:sld>
+</file>
+
+<file path=ppt/slides/slide7.xml><?xml version="1.0" encoding="utf-8"?>
+<p:sld xmlns:a="http://schemas.openxmlformats.org/drawingml/2006/main" xmlns:r="http://schemas.openxmlformats.org/officeDocument/2006/relationships" xmlns:p="http://schemas.openxmlformats.org/presentationml/2006/main">
+  <p:cSld>
+    <p:spTree>
+      <p:nvGrpSpPr>
+        <p:cNvPr id="1" name=""/>
+        <p:cNvGrpSpPr/>
+        <p:nvPr/>
+      </p:nvGrpSpPr>
+      <p:grpSpPr>
+        <a:xfrm>
+          <a:off x="0" y="0"/>
+          <a:ext cx="0" cy="0"/>
+          <a:chOff x="0" y="0"/>
+          <a:chExt cx="0" cy="0"/>
+        </a:xfrm>
+      </p:grpSpPr>
+      <p:sp>
+        <p:nvSpPr>
+          <p:cNvPr id="4" name="Slide Number Placeholder 3"/>
+          <p:cNvSpPr>
+            <a:spLocks noGrp="1"/>
+          </p:cNvSpPr>
+          <p:nvPr>
+            <p:ph type="sldNum" sz="quarter" idx="12"/>
+          </p:nvPr>
+        </p:nvSpPr>
+        <p:spPr>
+          <a:xfrm>
+            <a:off x="9306059" y="6438513"/>
+            <a:ext cx="2743200" cy="365125"/>
+          </a:xfrm>
+        </p:spPr>
+        <p:txBody>
+          <a:bodyPr/>
+          <a:lstStyle/>
+          <a:p>
+            <a:fld id="{27225834-A5F4-4780-A9FC-586FB30F9BB0}" type="slidenum">
+              <a:rPr lang="en-US" smtClean="0">
+                <a:latin typeface="Garamond" panose="02020404030301010803" pitchFamily="18" charset="0"/>
+              </a:rPr>
+              <a:t>7</a:t>
             </a:fld>
             <a:endParaRPr lang="en-US" dirty="0">
               <a:latin typeface="Garamond" panose="02020404030301010803" pitchFamily="18" charset="0"/>
@@ -8517,7 +9957,7 @@
 </p:sld>
 </file>
 
-<file path=ppt/slides/slide6.xml><?xml version="1.0" encoding="utf-8"?>
+<file path=ppt/slides/slide8.xml><?xml version="1.0" encoding="utf-8"?>
 <p:sld xmlns:a="http://schemas.openxmlformats.org/drawingml/2006/main" xmlns:r="http://schemas.openxmlformats.org/officeDocument/2006/relationships" xmlns:p="http://schemas.openxmlformats.org/presentationml/2006/main">
   <p:cSld>
     <p:spTree>
@@ -8558,7 +9998,7 @@
               <a:rPr lang="en-US" smtClean="0">
                 <a:latin typeface="Garamond" panose="02020404030301010803" pitchFamily="18" charset="0"/>
               </a:rPr>
-              <a:t>6</a:t>
+              <a:t>8</a:t>
             </a:fld>
             <a:endParaRPr lang="en-US" dirty="0">
               <a:latin typeface="Garamond" panose="02020404030301010803" pitchFamily="18" charset="0"/>
@@ -8646,8 +10086,8 @@
         </p:nvSpPr>
         <p:spPr>
           <a:xfrm>
-            <a:off x="7111720" y="-1359296"/>
-            <a:ext cx="6490448" cy="923330"/>
+            <a:off x="372373" y="486568"/>
+            <a:ext cx="6490448" cy="646331"/>
           </a:xfrm>
           <a:prstGeom prst="rect">
             <a:avLst/>
@@ -8662,323 +10102,8 @@
           <a:p>
             <a:r>
               <a:rPr lang="en-US" dirty="0" smtClean="0"/>
-              <a:t>To insert: </a:t>
-            </a:r>
-          </a:p>
-          <a:p>
-            <a:r>
-              <a:rPr lang="en-US" dirty="0" smtClean="0"/>
-              <a:t>Quarter section – CAD </a:t>
-            </a:r>
-          </a:p>
-          <a:p>
-            <a:r>
-              <a:rPr lang="en-US" dirty="0" smtClean="0"/>
-              <a:t>Photo of the pump w/ casing – High Res</a:t>
-            </a:r>
-          </a:p>
-        </p:txBody>
-      </p:sp>
-      <p:sp>
-        <p:nvSpPr>
-          <p:cNvPr id="15" name="TextBox 14"/>
-          <p:cNvSpPr txBox="1"/>
-          <p:nvPr/>
-        </p:nvSpPr>
-        <p:spPr>
-          <a:xfrm>
-            <a:off x="-545432" y="-2169825"/>
-            <a:ext cx="7339263" cy="2031325"/>
-          </a:xfrm>
-          <a:prstGeom prst="rect">
-            <a:avLst/>
-          </a:prstGeom>
-          <a:noFill/>
-        </p:spPr>
-        <p:txBody>
-          <a:bodyPr wrap="square" rtlCol="0">
-            <a:spAutoFit/>
-          </a:bodyPr>
-          <a:lstStyle/>
-          <a:p>
-            <a:r>
-              <a:rPr lang="en-US" dirty="0" smtClean="0"/>
-              <a:t>Notes:</a:t>
-            </a:r>
-          </a:p>
-          <a:p>
-            <a:r>
-              <a:rPr lang="en-US" dirty="0" smtClean="0"/>
-              <a:t>Subsystem breakdown:</a:t>
-            </a:r>
-          </a:p>
-          <a:p>
-            <a:r>
-              <a:rPr lang="en-US" dirty="0" smtClean="0"/>
-              <a:t>Pump:</a:t>
-            </a:r>
-          </a:p>
-          <a:p>
-            <a:pPr lvl="1"/>
-            <a:r>
-              <a:rPr lang="en-US" dirty="0" smtClean="0"/>
-              <a:t>Bearing system</a:t>
-            </a:r>
-          </a:p>
-          <a:p>
-            <a:pPr lvl="1"/>
-            <a:r>
-              <a:rPr lang="en-US" dirty="0" smtClean="0"/>
-              <a:t>Seal system </a:t>
-            </a:r>
-          </a:p>
-          <a:p>
-            <a:pPr lvl="1"/>
-            <a:r>
-              <a:rPr lang="en-US" dirty="0" smtClean="0"/>
-              <a:t>Hydraulic system ( volute, impeller, diffuser) – highlight modular design</a:t>
-            </a:r>
-          </a:p>
-          <a:p>
-            <a:pPr lvl="1"/>
-            <a:r>
-              <a:rPr lang="en-US" dirty="0" smtClean="0"/>
-              <a:t>Shaft </a:t>
-            </a:r>
-          </a:p>
-        </p:txBody>
-      </p:sp>
-      <p:cxnSp>
-        <p:nvCxnSpPr>
-          <p:cNvPr id="16" name="Straight Connector 15"/>
-          <p:cNvCxnSpPr/>
-          <p:nvPr/>
-        </p:nvCxnSpPr>
-        <p:spPr>
-          <a:xfrm>
-            <a:off x="235677" y="276999"/>
-            <a:ext cx="307199" cy="0"/>
-          </a:xfrm>
-          <a:prstGeom prst="line">
-            <a:avLst/>
-          </a:prstGeom>
-        </p:spPr>
-        <p:style>
-          <a:lnRef idx="1">
-            <a:schemeClr val="dk1"/>
-          </a:lnRef>
-          <a:fillRef idx="0">
-            <a:schemeClr val="dk1"/>
-          </a:fillRef>
-          <a:effectRef idx="0">
-            <a:schemeClr val="dk1"/>
-          </a:effectRef>
-          <a:fontRef idx="minor">
-            <a:schemeClr val="tx1"/>
-          </a:fontRef>
-        </p:style>
-      </p:cxnSp>
-      <p:pic>
-        <p:nvPicPr>
-          <p:cNvPr id="8" name="Picture 7"/>
-          <p:cNvPicPr>
-            <a:picLocks noChangeAspect="1"/>
-          </p:cNvPicPr>
-          <p:nvPr/>
-        </p:nvPicPr>
-        <p:blipFill rotWithShape="1">
-          <a:blip r:embed="rId3">
-            <a:extLst>
-              <a:ext uri="{28A0092B-C50C-407E-A947-70E740481C1C}">
-                <a14:useLocalDpi xmlns:a14="http://schemas.microsoft.com/office/drawing/2010/main" val="0"/>
-              </a:ext>
-            </a:extLst>
-          </a:blip>
-          <a:srcRect l="22800" t="19028" r="10510" b="16647"/>
-          <a:stretch/>
-        </p:blipFill>
-        <p:spPr>
-          <a:xfrm>
-            <a:off x="1180860" y="866474"/>
-            <a:ext cx="9176084" cy="4611128"/>
-          </a:xfrm>
-          <a:prstGeom prst="rect">
-            <a:avLst/>
-          </a:prstGeom>
-        </p:spPr>
-      </p:pic>
-    </p:spTree>
-    <p:extLst>
-      <p:ext uri="{BB962C8B-B14F-4D97-AF65-F5344CB8AC3E}">
-        <p14:creationId xmlns:p14="http://schemas.microsoft.com/office/powerpoint/2010/main" val="3285115805"/>
-      </p:ext>
-    </p:extLst>
-  </p:cSld>
-  <p:clrMapOvr>
-    <a:masterClrMapping/>
-  </p:clrMapOvr>
-  <p:timing>
-    <p:tnLst>
-      <p:par>
-        <p:cTn id="1" dur="indefinite" restart="never" nodeType="tmRoot"/>
-      </p:par>
-    </p:tnLst>
-  </p:timing>
-</p:sld>
-</file>
-
-<file path=ppt/slides/slide7.xml><?xml version="1.0" encoding="utf-8"?>
-<p:sld xmlns:a="http://schemas.openxmlformats.org/drawingml/2006/main" xmlns:r="http://schemas.openxmlformats.org/officeDocument/2006/relationships" xmlns:p="http://schemas.openxmlformats.org/presentationml/2006/main">
-  <p:cSld>
-    <p:spTree>
-      <p:nvGrpSpPr>
-        <p:cNvPr id="1" name=""/>
-        <p:cNvGrpSpPr/>
-        <p:nvPr/>
-      </p:nvGrpSpPr>
-      <p:grpSpPr>
-        <a:xfrm>
-          <a:off x="0" y="0"/>
-          <a:ext cx="0" cy="0"/>
-          <a:chOff x="0" y="0"/>
-          <a:chExt cx="0" cy="0"/>
-        </a:xfrm>
-      </p:grpSpPr>
-      <p:sp>
-        <p:nvSpPr>
-          <p:cNvPr id="4" name="Slide Number Placeholder 3"/>
-          <p:cNvSpPr>
-            <a:spLocks noGrp="1"/>
-          </p:cNvSpPr>
-          <p:nvPr>
-            <p:ph type="sldNum" sz="quarter" idx="12"/>
-          </p:nvPr>
-        </p:nvSpPr>
-        <p:spPr>
-          <a:xfrm>
-            <a:off x="9306059" y="6438513"/>
-            <a:ext cx="2743200" cy="365125"/>
-          </a:xfrm>
-        </p:spPr>
-        <p:txBody>
-          <a:bodyPr/>
-          <a:lstStyle/>
-          <a:p>
-            <a:fld id="{27225834-A5F4-4780-A9FC-586FB30F9BB0}" type="slidenum">
-              <a:rPr lang="en-US" smtClean="0">
-                <a:latin typeface="Garamond" panose="02020404030301010803" pitchFamily="18" charset="0"/>
-              </a:rPr>
-              <a:t>7</a:t>
-            </a:fld>
-            <a:endParaRPr lang="en-US" dirty="0">
-              <a:latin typeface="Garamond" panose="02020404030301010803" pitchFamily="18" charset="0"/>
-            </a:endParaRPr>
-          </a:p>
-        </p:txBody>
-      </p:sp>
-      <p:sp>
-        <p:nvSpPr>
-          <p:cNvPr id="19" name="TextBox 18"/>
-          <p:cNvSpPr txBox="1"/>
-          <p:nvPr/>
-        </p:nvSpPr>
-        <p:spPr>
-          <a:xfrm>
-            <a:off x="128788" y="6482577"/>
-            <a:ext cx="4201920" cy="276999"/>
-          </a:xfrm>
-          <a:prstGeom prst="rect">
-            <a:avLst/>
-          </a:prstGeom>
-          <a:noFill/>
-        </p:spPr>
-        <p:txBody>
-          <a:bodyPr wrap="none" rtlCol="0">
-            <a:spAutoFit/>
-          </a:bodyPr>
-          <a:lstStyle/>
-          <a:p>
-            <a:r>
-              <a:rPr lang="en-US" sz="1200" dirty="0" smtClean="0">
-                <a:latin typeface="Garamond" panose="02020404030301010803" pitchFamily="18" charset="0"/>
-                <a:cs typeface="Times New Roman" panose="02020603050405020304" pitchFamily="18" charset="0"/>
-              </a:rPr>
-              <a:t>Portland State Aerospace Society | Electric Propellant Feed System</a:t>
-            </a:r>
-            <a:endParaRPr lang="en-US" sz="1200" dirty="0">
-              <a:latin typeface="Garamond" panose="02020404030301010803" pitchFamily="18" charset="0"/>
-              <a:cs typeface="Times New Roman" panose="02020603050405020304" pitchFamily="18" charset="0"/>
-            </a:endParaRPr>
-          </a:p>
-        </p:txBody>
-      </p:sp>
-      <p:sp>
-        <p:nvSpPr>
-          <p:cNvPr id="5" name="TextBox 4"/>
-          <p:cNvSpPr txBox="1"/>
-          <p:nvPr/>
-        </p:nvSpPr>
-        <p:spPr>
-          <a:xfrm>
-            <a:off x="128788" y="0"/>
-            <a:ext cx="1685077" cy="276999"/>
-          </a:xfrm>
-          <a:prstGeom prst="rect">
-            <a:avLst/>
-          </a:prstGeom>
-          <a:noFill/>
-        </p:spPr>
-        <p:txBody>
-          <a:bodyPr wrap="none" rtlCol="0">
-            <a:spAutoFit/>
-          </a:bodyPr>
-          <a:lstStyle/>
-          <a:p>
-            <a:r>
-              <a:rPr lang="en-US" sz="1200" dirty="0" smtClean="0">
-                <a:latin typeface="Garamond" panose="02020404030301010803" pitchFamily="18" charset="0"/>
-                <a:cs typeface="Times New Roman" panose="02020603050405020304" pitchFamily="18" charset="0"/>
-              </a:rPr>
-              <a:t>Final Design: Subsystem </a:t>
-            </a:r>
-            <a:endParaRPr lang="en-US" sz="1200" dirty="0">
-              <a:latin typeface="Garamond" panose="02020404030301010803" pitchFamily="18" charset="0"/>
-              <a:cs typeface="Times New Roman" panose="02020603050405020304" pitchFamily="18" charset="0"/>
-            </a:endParaRPr>
-          </a:p>
-        </p:txBody>
-      </p:sp>
-      <p:sp>
-        <p:nvSpPr>
-          <p:cNvPr id="13" name="TextBox 12"/>
-          <p:cNvSpPr txBox="1"/>
-          <p:nvPr/>
-        </p:nvSpPr>
-        <p:spPr>
-          <a:xfrm>
-            <a:off x="372373" y="486568"/>
-            <a:ext cx="6490448" cy="646331"/>
-          </a:xfrm>
-          <a:prstGeom prst="rect">
-            <a:avLst/>
-          </a:prstGeom>
-          <a:noFill/>
-        </p:spPr>
-        <p:txBody>
-          <a:bodyPr wrap="square" rtlCol="0">
-            <a:spAutoFit/>
-          </a:bodyPr>
-          <a:lstStyle/>
-          <a:p>
-            <a:r>
-              <a:rPr lang="en-US" dirty="0" smtClean="0"/>
-              <a:t>Motor </a:t>
-            </a:r>
-            <a:r>
-              <a:rPr lang="en-US" dirty="0" smtClean="0"/>
-              <a:t>Dynamometer Mount </a:t>
-            </a:r>
-            <a:endParaRPr lang="en-US" dirty="0" smtClean="0"/>
+              <a:t>Motor Dynamometer Mount </a:t>
+            </a:r>
           </a:p>
           <a:p>
             <a:endParaRPr lang="en-US" dirty="0" smtClean="0"/>
@@ -9170,7 +10295,7 @@
 </p:sld>
 </file>
 
-<file path=ppt/slides/slide8.xml><?xml version="1.0" encoding="utf-8"?>
+<file path=ppt/slides/slide9.xml><?xml version="1.0" encoding="utf-8"?>
 <p:sld xmlns:a="http://schemas.openxmlformats.org/drawingml/2006/main" xmlns:r="http://schemas.openxmlformats.org/officeDocument/2006/relationships" xmlns:p="http://schemas.openxmlformats.org/presentationml/2006/main">
   <p:cSld>
     <p:spTree>
@@ -9257,7 +10382,7 @@
               <a:rPr lang="en-US" smtClean="0">
                 <a:latin typeface="Garamond" panose="02020404030301010803" pitchFamily="18" charset="0"/>
               </a:rPr>
-              <a:t>8</a:t>
+              <a:t>9</a:t>
             </a:fld>
             <a:endParaRPr lang="en-US" dirty="0">
               <a:latin typeface="Garamond" panose="02020404030301010803" pitchFamily="18" charset="0"/>
@@ -9658,308 +10783,6 @@
     <p:extLst>
       <p:ext uri="{BB962C8B-B14F-4D97-AF65-F5344CB8AC3E}">
         <p14:creationId xmlns:p14="http://schemas.microsoft.com/office/powerpoint/2010/main" val="318833847"/>
-      </p:ext>
-    </p:extLst>
-  </p:cSld>
-  <p:clrMapOvr>
-    <a:masterClrMapping/>
-  </p:clrMapOvr>
-  <p:timing>
-    <p:tnLst>
-      <p:par>
-        <p:cTn id="1" dur="indefinite" restart="never" nodeType="tmRoot"/>
-      </p:par>
-    </p:tnLst>
-  </p:timing>
-</p:sld>
-</file>
-
-<file path=ppt/slides/slide9.xml><?xml version="1.0" encoding="utf-8"?>
-<p:sld xmlns:a="http://schemas.openxmlformats.org/drawingml/2006/main" xmlns:r="http://schemas.openxmlformats.org/officeDocument/2006/relationships" xmlns:p="http://schemas.openxmlformats.org/presentationml/2006/main">
-  <p:cSld>
-    <p:spTree>
-      <p:nvGrpSpPr>
-        <p:cNvPr id="1" name=""/>
-        <p:cNvGrpSpPr/>
-        <p:nvPr/>
-      </p:nvGrpSpPr>
-      <p:grpSpPr>
-        <a:xfrm>
-          <a:off x="0" y="0"/>
-          <a:ext cx="0" cy="0"/>
-          <a:chOff x="0" y="0"/>
-          <a:chExt cx="0" cy="0"/>
-        </a:xfrm>
-      </p:grpSpPr>
-      <p:sp>
-        <p:nvSpPr>
-          <p:cNvPr id="4" name="Slide Number Placeholder 3"/>
-          <p:cNvSpPr>
-            <a:spLocks noGrp="1"/>
-          </p:cNvSpPr>
-          <p:nvPr>
-            <p:ph type="sldNum" sz="quarter" idx="12"/>
-          </p:nvPr>
-        </p:nvSpPr>
-        <p:spPr>
-          <a:xfrm>
-            <a:off x="9306059" y="6438513"/>
-            <a:ext cx="2743200" cy="365125"/>
-          </a:xfrm>
-        </p:spPr>
-        <p:txBody>
-          <a:bodyPr/>
-          <a:lstStyle/>
-          <a:p>
-            <a:fld id="{27225834-A5F4-4780-A9FC-586FB30F9BB0}" type="slidenum">
-              <a:rPr lang="en-US" smtClean="0">
-                <a:latin typeface="Garamond" panose="02020404030301010803" pitchFamily="18" charset="0"/>
-              </a:rPr>
-              <a:t>9</a:t>
-            </a:fld>
-            <a:endParaRPr lang="en-US" dirty="0">
-              <a:latin typeface="Garamond" panose="02020404030301010803" pitchFamily="18" charset="0"/>
-            </a:endParaRPr>
-          </a:p>
-        </p:txBody>
-      </p:sp>
-      <p:sp>
-        <p:nvSpPr>
-          <p:cNvPr id="19" name="TextBox 18"/>
-          <p:cNvSpPr txBox="1"/>
-          <p:nvPr/>
-        </p:nvSpPr>
-        <p:spPr>
-          <a:xfrm>
-            <a:off x="128788" y="6482577"/>
-            <a:ext cx="4201920" cy="276999"/>
-          </a:xfrm>
-          <a:prstGeom prst="rect">
-            <a:avLst/>
-          </a:prstGeom>
-          <a:noFill/>
-        </p:spPr>
-        <p:txBody>
-          <a:bodyPr wrap="none" rtlCol="0">
-            <a:spAutoFit/>
-          </a:bodyPr>
-          <a:lstStyle/>
-          <a:p>
-            <a:r>
-              <a:rPr lang="en-US" sz="1200" dirty="0" smtClean="0">
-                <a:latin typeface="Garamond" panose="02020404030301010803" pitchFamily="18" charset="0"/>
-                <a:cs typeface="Times New Roman" panose="02020603050405020304" pitchFamily="18" charset="0"/>
-              </a:rPr>
-              <a:t>Portland State Aerospace Society | Electric Propellant Feed System</a:t>
-            </a:r>
-            <a:endParaRPr lang="en-US" sz="1200" dirty="0">
-              <a:latin typeface="Garamond" panose="02020404030301010803" pitchFamily="18" charset="0"/>
-              <a:cs typeface="Times New Roman" panose="02020603050405020304" pitchFamily="18" charset="0"/>
-            </a:endParaRPr>
-          </a:p>
-        </p:txBody>
-      </p:sp>
-      <p:sp>
-        <p:nvSpPr>
-          <p:cNvPr id="5" name="TextBox 4"/>
-          <p:cNvSpPr txBox="1"/>
-          <p:nvPr/>
-        </p:nvSpPr>
-        <p:spPr>
-          <a:xfrm>
-            <a:off x="128788" y="0"/>
-            <a:ext cx="1685077" cy="276999"/>
-          </a:xfrm>
-          <a:prstGeom prst="rect">
-            <a:avLst/>
-          </a:prstGeom>
-          <a:noFill/>
-        </p:spPr>
-        <p:txBody>
-          <a:bodyPr wrap="none" rtlCol="0">
-            <a:spAutoFit/>
-          </a:bodyPr>
-          <a:lstStyle/>
-          <a:p>
-            <a:r>
-              <a:rPr lang="en-US" sz="1200" dirty="0" smtClean="0">
-                <a:latin typeface="Garamond" panose="02020404030301010803" pitchFamily="18" charset="0"/>
-                <a:cs typeface="Times New Roman" panose="02020603050405020304" pitchFamily="18" charset="0"/>
-              </a:rPr>
-              <a:t>Final Design: Subsystem </a:t>
-            </a:r>
-            <a:endParaRPr lang="en-US" sz="1200" dirty="0">
-              <a:latin typeface="Garamond" panose="02020404030301010803" pitchFamily="18" charset="0"/>
-              <a:cs typeface="Times New Roman" panose="02020603050405020304" pitchFamily="18" charset="0"/>
-            </a:endParaRPr>
-          </a:p>
-        </p:txBody>
-      </p:sp>
-      <p:sp>
-        <p:nvSpPr>
-          <p:cNvPr id="13" name="TextBox 12"/>
-          <p:cNvSpPr txBox="1"/>
-          <p:nvPr/>
-        </p:nvSpPr>
-        <p:spPr>
-          <a:xfrm>
-            <a:off x="7603250" y="138499"/>
-            <a:ext cx="6490448" cy="1200329"/>
-          </a:xfrm>
-          <a:prstGeom prst="rect">
-            <a:avLst/>
-          </a:prstGeom>
-          <a:noFill/>
-        </p:spPr>
-        <p:txBody>
-          <a:bodyPr wrap="square" rtlCol="0">
-            <a:spAutoFit/>
-          </a:bodyPr>
-          <a:lstStyle/>
-          <a:p>
-            <a:r>
-              <a:rPr lang="en-US" dirty="0" smtClean="0"/>
-              <a:t>To insert: </a:t>
-            </a:r>
-          </a:p>
-          <a:p>
-            <a:r>
-              <a:rPr lang="en-US" dirty="0" smtClean="0"/>
-              <a:t>Flow diagram of testing apparatus – Diagram</a:t>
-            </a:r>
-          </a:p>
-          <a:p>
-            <a:r>
-              <a:rPr lang="en-US" dirty="0" smtClean="0"/>
-              <a:t>Photo of the testing apparatus – high res photo</a:t>
-            </a:r>
-          </a:p>
-          <a:p>
-            <a:r>
-              <a:rPr lang="en-US" dirty="0" smtClean="0"/>
-              <a:t>Photo of DAQ / measurement / harness</a:t>
-            </a:r>
-          </a:p>
-        </p:txBody>
-      </p:sp>
-      <p:sp>
-        <p:nvSpPr>
-          <p:cNvPr id="15" name="TextBox 14"/>
-          <p:cNvSpPr txBox="1"/>
-          <p:nvPr/>
-        </p:nvSpPr>
-        <p:spPr>
-          <a:xfrm>
-            <a:off x="0" y="553998"/>
-            <a:ext cx="7339263" cy="2308324"/>
-          </a:xfrm>
-          <a:prstGeom prst="rect">
-            <a:avLst/>
-          </a:prstGeom>
-          <a:noFill/>
-        </p:spPr>
-        <p:txBody>
-          <a:bodyPr wrap="square" rtlCol="0">
-            <a:spAutoFit/>
-          </a:bodyPr>
-          <a:lstStyle/>
-          <a:p>
-            <a:r>
-              <a:rPr lang="en-US" dirty="0" smtClean="0"/>
-              <a:t>Notes:</a:t>
-            </a:r>
-          </a:p>
-          <a:p>
-            <a:r>
-              <a:rPr lang="en-US" dirty="0" smtClean="0"/>
-              <a:t>Subsystem breakdown:</a:t>
-            </a:r>
-          </a:p>
-          <a:p>
-            <a:r>
-              <a:rPr lang="en-US" dirty="0" smtClean="0"/>
-              <a:t>Testing Apparatus:</a:t>
-            </a:r>
-          </a:p>
-          <a:p>
-            <a:pPr lvl="1"/>
-            <a:r>
-              <a:rPr lang="en-US" dirty="0" smtClean="0"/>
-              <a:t>Tank, suction line, discharge, experimental procedure, cooling </a:t>
-            </a:r>
-          </a:p>
-          <a:p>
-            <a:pPr lvl="1"/>
-            <a:r>
-              <a:rPr lang="en-US" dirty="0" smtClean="0"/>
-              <a:t>Sensing </a:t>
-            </a:r>
-          </a:p>
-          <a:p>
-            <a:pPr lvl="1"/>
-            <a:r>
-              <a:rPr lang="en-US" dirty="0"/>
-              <a:t>	</a:t>
-            </a:r>
-            <a:r>
-              <a:rPr lang="en-US" dirty="0" smtClean="0"/>
-              <a:t>Pressure, flow, RPM, Torque</a:t>
-            </a:r>
-          </a:p>
-          <a:p>
-            <a:pPr lvl="1"/>
-            <a:r>
-              <a:rPr lang="en-US" dirty="0" smtClean="0"/>
-              <a:t>Data Acquisition</a:t>
-            </a:r>
-          </a:p>
-          <a:p>
-            <a:pPr lvl="1"/>
-            <a:r>
-              <a:rPr lang="en-US" dirty="0"/>
-              <a:t>	</a:t>
-            </a:r>
-            <a:r>
-              <a:rPr lang="en-US" dirty="0" smtClean="0"/>
-              <a:t>Arduino to excel </a:t>
-            </a:r>
-          </a:p>
-        </p:txBody>
-      </p:sp>
-      <p:cxnSp>
-        <p:nvCxnSpPr>
-          <p:cNvPr id="16" name="Straight Connector 15"/>
-          <p:cNvCxnSpPr/>
-          <p:nvPr/>
-        </p:nvCxnSpPr>
-        <p:spPr>
-          <a:xfrm>
-            <a:off x="235677" y="276999"/>
-            <a:ext cx="307199" cy="0"/>
-          </a:xfrm>
-          <a:prstGeom prst="line">
-            <a:avLst/>
-          </a:prstGeom>
-        </p:spPr>
-        <p:style>
-          <a:lnRef idx="1">
-            <a:schemeClr val="dk1"/>
-          </a:lnRef>
-          <a:fillRef idx="0">
-            <a:schemeClr val="dk1"/>
-          </a:fillRef>
-          <a:effectRef idx="0">
-            <a:schemeClr val="dk1"/>
-          </a:effectRef>
-          <a:fontRef idx="minor">
-            <a:schemeClr val="tx1"/>
-          </a:fontRef>
-        </p:style>
-      </p:cxnSp>
-    </p:spTree>
-    <p:extLst>
-      <p:ext uri="{BB962C8B-B14F-4D97-AF65-F5344CB8AC3E}">
-        <p14:creationId xmlns:p14="http://schemas.microsoft.com/office/powerpoint/2010/main" val="1989979975"/>
       </p:ext>
     </p:extLst>
   </p:cSld>

--- a/Docs/Presentations/Slides/#5 design and subsystems.pptx
+++ b/Docs/Presentations/Slides/#5 design and subsystems.pptx
@@ -5,22 +5,21 @@
     <p:sldMasterId id="2147483660" r:id="rId1"/>
   </p:sldMasterIdLst>
   <p:notesMasterIdLst>
-    <p:notesMasterId r:id="rId12"/>
+    <p:notesMasterId r:id="rId11"/>
   </p:notesMasterIdLst>
   <p:handoutMasterIdLst>
-    <p:handoutMasterId r:id="rId13"/>
+    <p:handoutMasterId r:id="rId12"/>
   </p:handoutMasterIdLst>
   <p:sldIdLst>
     <p:sldId id="257" r:id="rId2"/>
     <p:sldId id="258" r:id="rId3"/>
     <p:sldId id="265" r:id="rId4"/>
-    <p:sldId id="256" r:id="rId5"/>
-    <p:sldId id="267" r:id="rId6"/>
-    <p:sldId id="261" r:id="rId7"/>
-    <p:sldId id="264" r:id="rId8"/>
-    <p:sldId id="262" r:id="rId9"/>
-    <p:sldId id="266" r:id="rId10"/>
-    <p:sldId id="263" r:id="rId11"/>
+    <p:sldId id="267" r:id="rId5"/>
+    <p:sldId id="261" r:id="rId6"/>
+    <p:sldId id="264" r:id="rId7"/>
+    <p:sldId id="262" r:id="rId8"/>
+    <p:sldId id="266" r:id="rId9"/>
+    <p:sldId id="263" r:id="rId10"/>
   </p:sldIdLst>
   <p:sldSz cx="12192000" cy="6858000"/>
   <p:notesSz cx="6858000" cy="9144000"/>
@@ -791,7 +790,7 @@
           <a:p>
             <a:fld id="{41270EAE-2722-4055-9DC6-0148D79BD176}" type="slidenum">
               <a:rPr lang="en-US" smtClean="0"/>
-              <a:t>4</a:t>
+              <a:t>5</a:t>
             </a:fld>
             <a:endParaRPr lang="en-US"/>
           </a:p>
@@ -800,7 +799,7 @@
     </p:spTree>
     <p:extLst>
       <p:ext uri="{BB962C8B-B14F-4D97-AF65-F5344CB8AC3E}">
-        <p14:creationId xmlns:p14="http://schemas.microsoft.com/office/powerpoint/2010/main" val="474839590"/>
+        <p14:creationId xmlns:p14="http://schemas.microsoft.com/office/powerpoint/2010/main" val="2024971173"/>
       </p:ext>
     </p:extLst>
   </p:cSld>
@@ -884,7 +883,7 @@
     </p:spTree>
     <p:extLst>
       <p:ext uri="{BB962C8B-B14F-4D97-AF65-F5344CB8AC3E}">
-        <p14:creationId xmlns:p14="http://schemas.microsoft.com/office/powerpoint/2010/main" val="2024971173"/>
+        <p14:creationId xmlns:p14="http://schemas.microsoft.com/office/powerpoint/2010/main" val="2165485284"/>
       </p:ext>
     </p:extLst>
   </p:cSld>
@@ -968,7 +967,7 @@
     </p:spTree>
     <p:extLst>
       <p:ext uri="{BB962C8B-B14F-4D97-AF65-F5344CB8AC3E}">
-        <p14:creationId xmlns:p14="http://schemas.microsoft.com/office/powerpoint/2010/main" val="2165485284"/>
+        <p14:creationId xmlns:p14="http://schemas.microsoft.com/office/powerpoint/2010/main" val="3608499839"/>
       </p:ext>
     </p:extLst>
   </p:cSld>
@@ -1052,7 +1051,7 @@
     </p:spTree>
     <p:extLst>
       <p:ext uri="{BB962C8B-B14F-4D97-AF65-F5344CB8AC3E}">
-        <p14:creationId xmlns:p14="http://schemas.microsoft.com/office/powerpoint/2010/main" val="3608499839"/>
+        <p14:creationId xmlns:p14="http://schemas.microsoft.com/office/powerpoint/2010/main" val="2497217393"/>
       </p:ext>
     </p:extLst>
   </p:cSld>
@@ -1128,90 +1127,6 @@
             <a:fld id="{41270EAE-2722-4055-9DC6-0148D79BD176}" type="slidenum">
               <a:rPr lang="en-US" smtClean="0"/>
               <a:t>9</a:t>
-            </a:fld>
-            <a:endParaRPr lang="en-US"/>
-          </a:p>
-        </p:txBody>
-      </p:sp>
-    </p:spTree>
-    <p:extLst>
-      <p:ext uri="{BB962C8B-B14F-4D97-AF65-F5344CB8AC3E}">
-        <p14:creationId xmlns:p14="http://schemas.microsoft.com/office/powerpoint/2010/main" val="2497217393"/>
-      </p:ext>
-    </p:extLst>
-  </p:cSld>
-  <p:clrMapOvr>
-    <a:masterClrMapping/>
-  </p:clrMapOvr>
-</p:notes>
-</file>
-
-<file path=ppt/notesSlides/notesSlide7.xml><?xml version="1.0" encoding="utf-8"?>
-<p:notes xmlns:a="http://schemas.openxmlformats.org/drawingml/2006/main" xmlns:r="http://schemas.openxmlformats.org/officeDocument/2006/relationships" xmlns:p="http://schemas.openxmlformats.org/presentationml/2006/main">
-  <p:cSld>
-    <p:spTree>
-      <p:nvGrpSpPr>
-        <p:cNvPr id="1" name=""/>
-        <p:cNvGrpSpPr/>
-        <p:nvPr/>
-      </p:nvGrpSpPr>
-      <p:grpSpPr>
-        <a:xfrm>
-          <a:off x="0" y="0"/>
-          <a:ext cx="0" cy="0"/>
-          <a:chOff x="0" y="0"/>
-          <a:chExt cx="0" cy="0"/>
-        </a:xfrm>
-      </p:grpSpPr>
-      <p:sp>
-        <p:nvSpPr>
-          <p:cNvPr id="2" name="Slide Image Placeholder 1"/>
-          <p:cNvSpPr>
-            <a:spLocks noGrp="1" noRot="1" noChangeAspect="1"/>
-          </p:cNvSpPr>
-          <p:nvPr>
-            <p:ph type="sldImg"/>
-          </p:nvPr>
-        </p:nvSpPr>
-        <p:spPr/>
-      </p:sp>
-      <p:sp>
-        <p:nvSpPr>
-          <p:cNvPr id="3" name="Notes Placeholder 2"/>
-          <p:cNvSpPr>
-            <a:spLocks noGrp="1"/>
-          </p:cNvSpPr>
-          <p:nvPr>
-            <p:ph type="body" idx="1"/>
-          </p:nvPr>
-        </p:nvSpPr>
-        <p:spPr/>
-        <p:txBody>
-          <a:bodyPr/>
-          <a:lstStyle/>
-          <a:p>
-            <a:endParaRPr lang="en-US"/>
-          </a:p>
-        </p:txBody>
-      </p:sp>
-      <p:sp>
-        <p:nvSpPr>
-          <p:cNvPr id="4" name="Slide Number Placeholder 3"/>
-          <p:cNvSpPr>
-            <a:spLocks noGrp="1"/>
-          </p:cNvSpPr>
-          <p:nvPr>
-            <p:ph type="sldNum" sz="quarter" idx="10"/>
-          </p:nvPr>
-        </p:nvSpPr>
-        <p:spPr/>
-        <p:txBody>
-          <a:bodyPr/>
-          <a:lstStyle/>
-          <a:p>
-            <a:fld id="{41270EAE-2722-4055-9DC6-0148D79BD176}" type="slidenum">
-              <a:rPr lang="en-US" smtClean="0"/>
-              <a:t>10</a:t>
             </a:fld>
             <a:endParaRPr lang="en-US"/>
           </a:p>
@@ -4412,308 +4327,6 @@
 </p:sld>
 </file>
 
-<file path=ppt/slides/slide10.xml><?xml version="1.0" encoding="utf-8"?>
-<p:sld xmlns:a="http://schemas.openxmlformats.org/drawingml/2006/main" xmlns:r="http://schemas.openxmlformats.org/officeDocument/2006/relationships" xmlns:p="http://schemas.openxmlformats.org/presentationml/2006/main">
-  <p:cSld>
-    <p:spTree>
-      <p:nvGrpSpPr>
-        <p:cNvPr id="1" name=""/>
-        <p:cNvGrpSpPr/>
-        <p:nvPr/>
-      </p:nvGrpSpPr>
-      <p:grpSpPr>
-        <a:xfrm>
-          <a:off x="0" y="0"/>
-          <a:ext cx="0" cy="0"/>
-          <a:chOff x="0" y="0"/>
-          <a:chExt cx="0" cy="0"/>
-        </a:xfrm>
-      </p:grpSpPr>
-      <p:sp>
-        <p:nvSpPr>
-          <p:cNvPr id="4" name="Slide Number Placeholder 3"/>
-          <p:cNvSpPr>
-            <a:spLocks noGrp="1"/>
-          </p:cNvSpPr>
-          <p:nvPr>
-            <p:ph type="sldNum" sz="quarter" idx="12"/>
-          </p:nvPr>
-        </p:nvSpPr>
-        <p:spPr>
-          <a:xfrm>
-            <a:off x="9306059" y="6438513"/>
-            <a:ext cx="2743200" cy="365125"/>
-          </a:xfrm>
-        </p:spPr>
-        <p:txBody>
-          <a:bodyPr/>
-          <a:lstStyle/>
-          <a:p>
-            <a:fld id="{27225834-A5F4-4780-A9FC-586FB30F9BB0}" type="slidenum">
-              <a:rPr lang="en-US" smtClean="0">
-                <a:latin typeface="Garamond" panose="02020404030301010803" pitchFamily="18" charset="0"/>
-              </a:rPr>
-              <a:t>10</a:t>
-            </a:fld>
-            <a:endParaRPr lang="en-US" dirty="0">
-              <a:latin typeface="Garamond" panose="02020404030301010803" pitchFamily="18" charset="0"/>
-            </a:endParaRPr>
-          </a:p>
-        </p:txBody>
-      </p:sp>
-      <p:sp>
-        <p:nvSpPr>
-          <p:cNvPr id="19" name="TextBox 18"/>
-          <p:cNvSpPr txBox="1"/>
-          <p:nvPr/>
-        </p:nvSpPr>
-        <p:spPr>
-          <a:xfrm>
-            <a:off x="128788" y="6482577"/>
-            <a:ext cx="4201920" cy="276999"/>
-          </a:xfrm>
-          <a:prstGeom prst="rect">
-            <a:avLst/>
-          </a:prstGeom>
-          <a:noFill/>
-        </p:spPr>
-        <p:txBody>
-          <a:bodyPr wrap="none" rtlCol="0">
-            <a:spAutoFit/>
-          </a:bodyPr>
-          <a:lstStyle/>
-          <a:p>
-            <a:r>
-              <a:rPr lang="en-US" sz="1200" dirty="0" smtClean="0">
-                <a:latin typeface="Garamond" panose="02020404030301010803" pitchFamily="18" charset="0"/>
-                <a:cs typeface="Times New Roman" panose="02020603050405020304" pitchFamily="18" charset="0"/>
-              </a:rPr>
-              <a:t>Portland State Aerospace Society | Electric Propellant Feed System</a:t>
-            </a:r>
-            <a:endParaRPr lang="en-US" sz="1200" dirty="0">
-              <a:latin typeface="Garamond" panose="02020404030301010803" pitchFamily="18" charset="0"/>
-              <a:cs typeface="Times New Roman" panose="02020603050405020304" pitchFamily="18" charset="0"/>
-            </a:endParaRPr>
-          </a:p>
-        </p:txBody>
-      </p:sp>
-      <p:sp>
-        <p:nvSpPr>
-          <p:cNvPr id="5" name="TextBox 4"/>
-          <p:cNvSpPr txBox="1"/>
-          <p:nvPr/>
-        </p:nvSpPr>
-        <p:spPr>
-          <a:xfrm>
-            <a:off x="128788" y="0"/>
-            <a:ext cx="1685077" cy="276999"/>
-          </a:xfrm>
-          <a:prstGeom prst="rect">
-            <a:avLst/>
-          </a:prstGeom>
-          <a:noFill/>
-        </p:spPr>
-        <p:txBody>
-          <a:bodyPr wrap="none" rtlCol="0">
-            <a:spAutoFit/>
-          </a:bodyPr>
-          <a:lstStyle/>
-          <a:p>
-            <a:r>
-              <a:rPr lang="en-US" sz="1200" dirty="0" smtClean="0">
-                <a:latin typeface="Garamond" panose="02020404030301010803" pitchFamily="18" charset="0"/>
-                <a:cs typeface="Times New Roman" panose="02020603050405020304" pitchFamily="18" charset="0"/>
-              </a:rPr>
-              <a:t>Final Design: Subsystem </a:t>
-            </a:r>
-            <a:endParaRPr lang="en-US" sz="1200" dirty="0">
-              <a:latin typeface="Garamond" panose="02020404030301010803" pitchFamily="18" charset="0"/>
-              <a:cs typeface="Times New Roman" panose="02020603050405020304" pitchFamily="18" charset="0"/>
-            </a:endParaRPr>
-          </a:p>
-        </p:txBody>
-      </p:sp>
-      <p:sp>
-        <p:nvSpPr>
-          <p:cNvPr id="13" name="TextBox 12"/>
-          <p:cNvSpPr txBox="1"/>
-          <p:nvPr/>
-        </p:nvSpPr>
-        <p:spPr>
-          <a:xfrm>
-            <a:off x="7603250" y="138499"/>
-            <a:ext cx="6490448" cy="1200329"/>
-          </a:xfrm>
-          <a:prstGeom prst="rect">
-            <a:avLst/>
-          </a:prstGeom>
-          <a:noFill/>
-        </p:spPr>
-        <p:txBody>
-          <a:bodyPr wrap="square" rtlCol="0">
-            <a:spAutoFit/>
-          </a:bodyPr>
-          <a:lstStyle/>
-          <a:p>
-            <a:r>
-              <a:rPr lang="en-US" dirty="0" smtClean="0"/>
-              <a:t>To insert: </a:t>
-            </a:r>
-          </a:p>
-          <a:p>
-            <a:r>
-              <a:rPr lang="en-US" dirty="0" smtClean="0"/>
-              <a:t>Flow diagram of testing apparatus – Diagram</a:t>
-            </a:r>
-          </a:p>
-          <a:p>
-            <a:r>
-              <a:rPr lang="en-US" dirty="0" smtClean="0"/>
-              <a:t>Photo of the testing apparatus – high res photo</a:t>
-            </a:r>
-          </a:p>
-          <a:p>
-            <a:r>
-              <a:rPr lang="en-US" dirty="0" smtClean="0"/>
-              <a:t>Photo of DAQ / measurement / harness</a:t>
-            </a:r>
-          </a:p>
-        </p:txBody>
-      </p:sp>
-      <p:sp>
-        <p:nvSpPr>
-          <p:cNvPr id="15" name="TextBox 14"/>
-          <p:cNvSpPr txBox="1"/>
-          <p:nvPr/>
-        </p:nvSpPr>
-        <p:spPr>
-          <a:xfrm>
-            <a:off x="0" y="553998"/>
-            <a:ext cx="7339263" cy="2308324"/>
-          </a:xfrm>
-          <a:prstGeom prst="rect">
-            <a:avLst/>
-          </a:prstGeom>
-          <a:noFill/>
-        </p:spPr>
-        <p:txBody>
-          <a:bodyPr wrap="square" rtlCol="0">
-            <a:spAutoFit/>
-          </a:bodyPr>
-          <a:lstStyle/>
-          <a:p>
-            <a:r>
-              <a:rPr lang="en-US" dirty="0" smtClean="0"/>
-              <a:t>Notes:</a:t>
-            </a:r>
-          </a:p>
-          <a:p>
-            <a:r>
-              <a:rPr lang="en-US" dirty="0" smtClean="0"/>
-              <a:t>Subsystem breakdown:</a:t>
-            </a:r>
-          </a:p>
-          <a:p>
-            <a:r>
-              <a:rPr lang="en-US" dirty="0" smtClean="0"/>
-              <a:t>Testing Apparatus:</a:t>
-            </a:r>
-          </a:p>
-          <a:p>
-            <a:pPr lvl="1"/>
-            <a:r>
-              <a:rPr lang="en-US" dirty="0" smtClean="0"/>
-              <a:t>Tank, suction line, discharge, experimental procedure, cooling </a:t>
-            </a:r>
-          </a:p>
-          <a:p>
-            <a:pPr lvl="1"/>
-            <a:r>
-              <a:rPr lang="en-US" dirty="0" smtClean="0"/>
-              <a:t>Sensing </a:t>
-            </a:r>
-          </a:p>
-          <a:p>
-            <a:pPr lvl="1"/>
-            <a:r>
-              <a:rPr lang="en-US" dirty="0"/>
-              <a:t>	</a:t>
-            </a:r>
-            <a:r>
-              <a:rPr lang="en-US" dirty="0" smtClean="0"/>
-              <a:t>Pressure, flow, RPM, Torque</a:t>
-            </a:r>
-          </a:p>
-          <a:p>
-            <a:pPr lvl="1"/>
-            <a:r>
-              <a:rPr lang="en-US" dirty="0" smtClean="0"/>
-              <a:t>Data Acquisition</a:t>
-            </a:r>
-          </a:p>
-          <a:p>
-            <a:pPr lvl="1"/>
-            <a:r>
-              <a:rPr lang="en-US" dirty="0"/>
-              <a:t>	</a:t>
-            </a:r>
-            <a:r>
-              <a:rPr lang="en-US" dirty="0" smtClean="0"/>
-              <a:t>Arduino to excel </a:t>
-            </a:r>
-          </a:p>
-        </p:txBody>
-      </p:sp>
-      <p:cxnSp>
-        <p:nvCxnSpPr>
-          <p:cNvPr id="16" name="Straight Connector 15"/>
-          <p:cNvCxnSpPr/>
-          <p:nvPr/>
-        </p:nvCxnSpPr>
-        <p:spPr>
-          <a:xfrm>
-            <a:off x="235677" y="276999"/>
-            <a:ext cx="307199" cy="0"/>
-          </a:xfrm>
-          <a:prstGeom prst="line">
-            <a:avLst/>
-          </a:prstGeom>
-        </p:spPr>
-        <p:style>
-          <a:lnRef idx="1">
-            <a:schemeClr val="dk1"/>
-          </a:lnRef>
-          <a:fillRef idx="0">
-            <a:schemeClr val="dk1"/>
-          </a:fillRef>
-          <a:effectRef idx="0">
-            <a:schemeClr val="dk1"/>
-          </a:effectRef>
-          <a:fontRef idx="minor">
-            <a:schemeClr val="tx1"/>
-          </a:fontRef>
-        </p:style>
-      </p:cxnSp>
-    </p:spTree>
-    <p:extLst>
-      <p:ext uri="{BB962C8B-B14F-4D97-AF65-F5344CB8AC3E}">
-        <p14:creationId xmlns:p14="http://schemas.microsoft.com/office/powerpoint/2010/main" val="1989979975"/>
-      </p:ext>
-    </p:extLst>
-  </p:cSld>
-  <p:clrMapOvr>
-    <a:masterClrMapping/>
-  </p:clrMapOvr>
-  <p:timing>
-    <p:tnLst>
-      <p:par>
-        <p:cTn id="1" dur="indefinite" restart="never" nodeType="tmRoot"/>
-      </p:par>
-    </p:tnLst>
-  </p:timing>
-</p:sld>
-</file>
-
 <file path=ppt/slides/slide2.xml><?xml version="1.0" encoding="utf-8"?>
 <p:sld xmlns:a="http://schemas.openxmlformats.org/drawingml/2006/main" xmlns:r="http://schemas.openxmlformats.org/officeDocument/2006/relationships" xmlns:p="http://schemas.openxmlformats.org/presentationml/2006/main">
   <p:cSld>
@@ -5121,233 +4734,23 @@
           <a:chExt cx="0" cy="0"/>
         </a:xfrm>
       </p:grpSpPr>
-      <p:sp>
-        <p:nvSpPr>
-          <p:cNvPr id="4" name="Slide Number Placeholder 3"/>
-          <p:cNvSpPr>
-            <a:spLocks noGrp="1"/>
-          </p:cNvSpPr>
-          <p:nvPr>
-            <p:ph type="sldNum" sz="quarter" idx="12"/>
-          </p:nvPr>
-        </p:nvSpPr>
-        <p:spPr>
-          <a:xfrm>
-            <a:off x="9306059" y="6438513"/>
-            <a:ext cx="2743200" cy="365125"/>
-          </a:xfrm>
-        </p:spPr>
-        <p:txBody>
-          <a:bodyPr/>
-          <a:lstStyle/>
-          <a:p>
-            <a:fld id="{27225834-A5F4-4780-A9FC-586FB30F9BB0}" type="slidenum">
-              <a:rPr lang="en-US" smtClean="0">
-                <a:latin typeface="Garamond" panose="02020404030301010803" pitchFamily="18" charset="0"/>
-              </a:rPr>
-              <a:t>4</a:t>
-            </a:fld>
-            <a:endParaRPr lang="en-US" dirty="0">
-              <a:latin typeface="Garamond" panose="02020404030301010803" pitchFamily="18" charset="0"/>
-            </a:endParaRPr>
-          </a:p>
-        </p:txBody>
-      </p:sp>
-      <p:sp>
-        <p:nvSpPr>
-          <p:cNvPr id="19" name="TextBox 18"/>
-          <p:cNvSpPr txBox="1"/>
-          <p:nvPr/>
-        </p:nvSpPr>
-        <p:spPr>
-          <a:xfrm>
-            <a:off x="128788" y="6482577"/>
-            <a:ext cx="4201920" cy="276999"/>
-          </a:xfrm>
-          <a:prstGeom prst="rect">
-            <a:avLst/>
-          </a:prstGeom>
-          <a:noFill/>
-        </p:spPr>
-        <p:txBody>
-          <a:bodyPr wrap="none" rtlCol="0">
-            <a:spAutoFit/>
-          </a:bodyPr>
-          <a:lstStyle/>
-          <a:p>
-            <a:r>
-              <a:rPr lang="en-US" sz="1200" dirty="0" smtClean="0">
-                <a:latin typeface="Garamond" panose="02020404030301010803" pitchFamily="18" charset="0"/>
-                <a:cs typeface="Times New Roman" panose="02020603050405020304" pitchFamily="18" charset="0"/>
-              </a:rPr>
-              <a:t>Portland State Aerospace Society | Electric Propellant Feed System</a:t>
-            </a:r>
-            <a:endParaRPr lang="en-US" sz="1200" dirty="0">
-              <a:latin typeface="Garamond" panose="02020404030301010803" pitchFamily="18" charset="0"/>
-              <a:cs typeface="Times New Roman" panose="02020603050405020304" pitchFamily="18" charset="0"/>
-            </a:endParaRPr>
-          </a:p>
-        </p:txBody>
-      </p:sp>
-      <p:sp>
-        <p:nvSpPr>
-          <p:cNvPr id="5" name="TextBox 4"/>
-          <p:cNvSpPr txBox="1"/>
-          <p:nvPr/>
-        </p:nvSpPr>
-        <p:spPr>
-          <a:xfrm>
-            <a:off x="128788" y="0"/>
-            <a:ext cx="1445589" cy="276999"/>
-          </a:xfrm>
-          <a:prstGeom prst="rect">
-            <a:avLst/>
-          </a:prstGeom>
-          <a:noFill/>
-        </p:spPr>
-        <p:txBody>
-          <a:bodyPr wrap="none" rtlCol="0">
-            <a:spAutoFit/>
-          </a:bodyPr>
-          <a:lstStyle/>
-          <a:p>
-            <a:r>
-              <a:rPr lang="en-US" sz="1200" dirty="0" smtClean="0">
-                <a:latin typeface="Garamond" panose="02020404030301010803" pitchFamily="18" charset="0"/>
-                <a:cs typeface="Times New Roman" panose="02020603050405020304" pitchFamily="18" charset="0"/>
-              </a:rPr>
-              <a:t>Final Design: Review</a:t>
-            </a:r>
-            <a:endParaRPr lang="en-US" sz="1200" dirty="0">
-              <a:latin typeface="Garamond" panose="02020404030301010803" pitchFamily="18" charset="0"/>
-              <a:cs typeface="Times New Roman" panose="02020603050405020304" pitchFamily="18" charset="0"/>
-            </a:endParaRPr>
-          </a:p>
-        </p:txBody>
-      </p:sp>
-      <p:sp>
-        <p:nvSpPr>
-          <p:cNvPr id="13" name="TextBox 12"/>
-          <p:cNvSpPr txBox="1"/>
-          <p:nvPr/>
-        </p:nvSpPr>
-        <p:spPr>
-          <a:xfrm>
-            <a:off x="7603250" y="138499"/>
-            <a:ext cx="6490448" cy="923330"/>
-          </a:xfrm>
-          <a:prstGeom prst="rect">
-            <a:avLst/>
-          </a:prstGeom>
-          <a:noFill/>
-        </p:spPr>
-        <p:txBody>
-          <a:bodyPr wrap="square" rtlCol="0">
-            <a:spAutoFit/>
-          </a:bodyPr>
-          <a:lstStyle/>
-          <a:p>
-            <a:r>
-              <a:rPr lang="en-US" dirty="0" smtClean="0"/>
-              <a:t>To insert: </a:t>
-            </a:r>
-          </a:p>
-          <a:p>
-            <a:r>
-              <a:rPr lang="en-US" dirty="0" smtClean="0"/>
-              <a:t>Flow diagram of testing apparatus – Diagram</a:t>
-            </a:r>
-          </a:p>
-          <a:p>
-            <a:r>
-              <a:rPr lang="en-US" dirty="0" smtClean="0"/>
-              <a:t>Actual Testing Assembly – High res photo</a:t>
-            </a:r>
-          </a:p>
-        </p:txBody>
-      </p:sp>
-      <p:sp>
-        <p:nvSpPr>
-          <p:cNvPr id="15" name="TextBox 14"/>
-          <p:cNvSpPr txBox="1"/>
-          <p:nvPr/>
-        </p:nvSpPr>
-        <p:spPr>
-          <a:xfrm>
-            <a:off x="0" y="553998"/>
-            <a:ext cx="7339263" cy="923330"/>
-          </a:xfrm>
-          <a:prstGeom prst="rect">
-            <a:avLst/>
-          </a:prstGeom>
-          <a:noFill/>
-        </p:spPr>
-        <p:txBody>
-          <a:bodyPr wrap="square" rtlCol="0">
-            <a:spAutoFit/>
-          </a:bodyPr>
-          <a:lstStyle/>
-          <a:p>
-            <a:r>
-              <a:rPr lang="en-US" dirty="0" smtClean="0"/>
-              <a:t>Notes:</a:t>
-            </a:r>
-          </a:p>
-          <a:p>
-            <a:r>
-              <a:rPr lang="en-US" dirty="0" smtClean="0"/>
-              <a:t>look at the thing we created: a testing and development platform for an electric feed system </a:t>
-            </a:r>
-          </a:p>
-        </p:txBody>
-      </p:sp>
-      <p:cxnSp>
-        <p:nvCxnSpPr>
-          <p:cNvPr id="16" name="Straight Connector 15"/>
-          <p:cNvCxnSpPr/>
-          <p:nvPr/>
-        </p:nvCxnSpPr>
-        <p:spPr>
-          <a:xfrm>
-            <a:off x="235677" y="276999"/>
-            <a:ext cx="307199" cy="0"/>
-          </a:xfrm>
-          <a:prstGeom prst="line">
-            <a:avLst/>
-          </a:prstGeom>
-        </p:spPr>
-        <p:style>
-          <a:lnRef idx="1">
-            <a:schemeClr val="dk1"/>
-          </a:lnRef>
-          <a:fillRef idx="0">
-            <a:schemeClr val="dk1"/>
-          </a:fillRef>
-          <a:effectRef idx="0">
-            <a:schemeClr val="dk1"/>
-          </a:effectRef>
-          <a:fontRef idx="minor">
-            <a:schemeClr val="tx1"/>
-          </a:fontRef>
-        </p:style>
-      </p:cxnSp>
       <p:pic>
         <p:nvPicPr>
-          <p:cNvPr id="2" name="Picture 1"/>
+          <p:cNvPr id="55" name="Picture 54"/>
           <p:cNvPicPr>
             <a:picLocks noChangeAspect="1"/>
           </p:cNvPicPr>
           <p:nvPr/>
         </p:nvPicPr>
         <p:blipFill>
-          <a:blip r:embed="rId3"/>
+          <a:blip r:embed="rId2"/>
           <a:stretch>
             <a:fillRect/>
           </a:stretch>
         </p:blipFill>
         <p:spPr>
           <a:xfrm>
-            <a:off x="4637598" y="2160268"/>
+            <a:off x="7399086" y="3954304"/>
             <a:ext cx="4668461" cy="2808371"/>
           </a:xfrm>
           <a:prstGeom prst="rect">
@@ -5357,13 +4760,13 @@
       </p:pic>
       <p:sp>
         <p:nvSpPr>
-          <p:cNvPr id="3" name="Right Arrow 2"/>
+          <p:cNvPr id="56" name="Right Arrow 55"/>
           <p:cNvSpPr/>
           <p:nvPr/>
         </p:nvSpPr>
         <p:spPr>
           <a:xfrm rot="19594044">
-            <a:off x="4358212" y="4380271"/>
+            <a:off x="7119700" y="6174307"/>
             <a:ext cx="486697" cy="302342"/>
           </a:xfrm>
           <a:prstGeom prst="rightArrow">
@@ -5397,13 +4800,13 @@
       </p:sp>
       <p:sp>
         <p:nvSpPr>
-          <p:cNvPr id="10" name="Right Arrow 9"/>
+          <p:cNvPr id="57" name="Right Arrow 56"/>
           <p:cNvSpPr/>
           <p:nvPr/>
         </p:nvSpPr>
         <p:spPr>
           <a:xfrm rot="1731662">
-            <a:off x="7584640" y="4486580"/>
+            <a:off x="10346128" y="6280616"/>
             <a:ext cx="486697" cy="302342"/>
           </a:xfrm>
           <a:prstGeom prst="rightArrow">
@@ -5435,23 +4838,1068 @@
           </a:p>
         </p:txBody>
       </p:sp>
+      <p:sp>
+        <p:nvSpPr>
+          <p:cNvPr id="5" name="TextBox 4"/>
+          <p:cNvSpPr txBox="1"/>
+          <p:nvPr/>
+        </p:nvSpPr>
+        <p:spPr>
+          <a:xfrm>
+            <a:off x="2956560" y="1099804"/>
+            <a:ext cx="2359152" cy="369332"/>
+          </a:xfrm>
+          <a:prstGeom prst="rect">
+            <a:avLst/>
+          </a:prstGeom>
+          <a:noFill/>
+          <a:ln>
+            <a:solidFill>
+              <a:schemeClr val="tx1"/>
+            </a:solidFill>
+          </a:ln>
+        </p:spPr>
+        <p:txBody>
+          <a:bodyPr wrap="square" rtlCol="0">
+            <a:spAutoFit/>
+          </a:bodyPr>
+          <a:lstStyle/>
+          <a:p>
+            <a:pPr algn="ctr"/>
+            <a:r>
+              <a:rPr lang="en-US" dirty="0" smtClean="0"/>
+              <a:t>Electric Feed System </a:t>
+            </a:r>
+          </a:p>
+        </p:txBody>
+      </p:sp>
+      <p:sp>
+        <p:nvSpPr>
+          <p:cNvPr id="6" name="TextBox 5"/>
+          <p:cNvSpPr txBox="1"/>
+          <p:nvPr/>
+        </p:nvSpPr>
+        <p:spPr>
+          <a:xfrm>
+            <a:off x="441960" y="1694688"/>
+            <a:ext cx="3508248" cy="369332"/>
+          </a:xfrm>
+          <a:prstGeom prst="rect">
+            <a:avLst/>
+          </a:prstGeom>
+          <a:noFill/>
+          <a:ln>
+            <a:solidFill>
+              <a:schemeClr val="tx1"/>
+            </a:solidFill>
+          </a:ln>
+        </p:spPr>
+        <p:txBody>
+          <a:bodyPr wrap="square" rtlCol="0">
+            <a:spAutoFit/>
+          </a:bodyPr>
+          <a:lstStyle/>
+          <a:p>
+            <a:pPr algn="ctr"/>
+            <a:r>
+              <a:rPr lang="en-US" dirty="0" smtClean="0"/>
+              <a:t>Pump </a:t>
+            </a:r>
+          </a:p>
+        </p:txBody>
+      </p:sp>
+      <p:sp>
+        <p:nvSpPr>
+          <p:cNvPr id="7" name="TextBox 6"/>
+          <p:cNvSpPr txBox="1"/>
+          <p:nvPr/>
+        </p:nvSpPr>
+        <p:spPr>
+          <a:xfrm>
+            <a:off x="441960" y="2215896"/>
+            <a:ext cx="1661160" cy="369332"/>
+          </a:xfrm>
+          <a:prstGeom prst="rect">
+            <a:avLst/>
+          </a:prstGeom>
+          <a:noFill/>
+          <a:ln>
+            <a:solidFill>
+              <a:schemeClr val="tx1"/>
+            </a:solidFill>
+          </a:ln>
+        </p:spPr>
+        <p:txBody>
+          <a:bodyPr wrap="square" rtlCol="0">
+            <a:spAutoFit/>
+          </a:bodyPr>
+          <a:lstStyle/>
+          <a:p>
+            <a:pPr algn="ctr"/>
+            <a:r>
+              <a:rPr lang="en-US" dirty="0" smtClean="0"/>
+              <a:t>Casing  </a:t>
+            </a:r>
+          </a:p>
+        </p:txBody>
+      </p:sp>
+      <p:sp>
+        <p:nvSpPr>
+          <p:cNvPr id="13" name="TextBox 12"/>
+          <p:cNvSpPr txBox="1"/>
+          <p:nvPr/>
+        </p:nvSpPr>
+        <p:spPr>
+          <a:xfrm>
+            <a:off x="688848" y="2667000"/>
+            <a:ext cx="1414272" cy="369332"/>
+          </a:xfrm>
+          <a:prstGeom prst="rect">
+            <a:avLst/>
+          </a:prstGeom>
+          <a:noFill/>
+          <a:ln w="28575">
+            <a:solidFill>
+              <a:srgbClr val="FF0000"/>
+            </a:solidFill>
+          </a:ln>
+        </p:spPr>
+        <p:txBody>
+          <a:bodyPr wrap="square" rtlCol="0">
+            <a:spAutoFit/>
+          </a:bodyPr>
+          <a:lstStyle/>
+          <a:p>
+            <a:pPr algn="ctr"/>
+            <a:r>
+              <a:rPr lang="en-US" dirty="0" smtClean="0"/>
+              <a:t>Hydraulic</a:t>
+            </a:r>
+          </a:p>
+        </p:txBody>
+      </p:sp>
+      <p:sp>
+        <p:nvSpPr>
+          <p:cNvPr id="14" name="TextBox 13"/>
+          <p:cNvSpPr txBox="1"/>
+          <p:nvPr/>
+        </p:nvSpPr>
+        <p:spPr>
+          <a:xfrm>
+            <a:off x="688848" y="3124200"/>
+            <a:ext cx="1414272" cy="369332"/>
+          </a:xfrm>
+          <a:prstGeom prst="rect">
+            <a:avLst/>
+          </a:prstGeom>
+          <a:noFill/>
+          <a:ln>
+            <a:solidFill>
+              <a:schemeClr val="tx1"/>
+            </a:solidFill>
+          </a:ln>
+        </p:spPr>
+        <p:txBody>
+          <a:bodyPr wrap="square" rtlCol="0">
+            <a:spAutoFit/>
+          </a:bodyPr>
+          <a:lstStyle/>
+          <a:p>
+            <a:pPr algn="ctr"/>
+            <a:r>
+              <a:rPr lang="en-US" dirty="0" smtClean="0"/>
+              <a:t>Mechanical </a:t>
+            </a:r>
+          </a:p>
+        </p:txBody>
+      </p:sp>
+      <p:sp>
+        <p:nvSpPr>
+          <p:cNvPr id="15" name="TextBox 14"/>
+          <p:cNvSpPr txBox="1"/>
+          <p:nvPr/>
+        </p:nvSpPr>
+        <p:spPr>
+          <a:xfrm>
+            <a:off x="868680" y="3550920"/>
+            <a:ext cx="1234440" cy="369332"/>
+          </a:xfrm>
+          <a:prstGeom prst="rect">
+            <a:avLst/>
+          </a:prstGeom>
+          <a:noFill/>
+          <a:ln>
+            <a:solidFill>
+              <a:schemeClr val="tx1"/>
+            </a:solidFill>
+          </a:ln>
+        </p:spPr>
+        <p:txBody>
+          <a:bodyPr wrap="square" rtlCol="0">
+            <a:spAutoFit/>
+          </a:bodyPr>
+          <a:lstStyle/>
+          <a:p>
+            <a:pPr algn="ctr"/>
+            <a:r>
+              <a:rPr lang="en-US" dirty="0" smtClean="0"/>
+              <a:t>Bearings</a:t>
+            </a:r>
+          </a:p>
+        </p:txBody>
+      </p:sp>
+      <p:sp>
+        <p:nvSpPr>
+          <p:cNvPr id="16" name="TextBox 15"/>
+          <p:cNvSpPr txBox="1"/>
+          <p:nvPr/>
+        </p:nvSpPr>
+        <p:spPr>
+          <a:xfrm>
+            <a:off x="868680" y="4014740"/>
+            <a:ext cx="1234440" cy="369332"/>
+          </a:xfrm>
+          <a:prstGeom prst="rect">
+            <a:avLst/>
+          </a:prstGeom>
+          <a:noFill/>
+          <a:ln>
+            <a:solidFill>
+              <a:schemeClr val="tx1"/>
+            </a:solidFill>
+          </a:ln>
+        </p:spPr>
+        <p:txBody>
+          <a:bodyPr wrap="square" rtlCol="0">
+            <a:spAutoFit/>
+          </a:bodyPr>
+          <a:lstStyle/>
+          <a:p>
+            <a:pPr algn="ctr"/>
+            <a:r>
+              <a:rPr lang="en-US" dirty="0"/>
+              <a:t>S</a:t>
+            </a:r>
+            <a:r>
+              <a:rPr lang="en-US" dirty="0" smtClean="0"/>
+              <a:t>eals</a:t>
+            </a:r>
+          </a:p>
+        </p:txBody>
+      </p:sp>
+      <p:sp>
+        <p:nvSpPr>
+          <p:cNvPr id="27" name="TextBox 26"/>
+          <p:cNvSpPr txBox="1"/>
+          <p:nvPr/>
+        </p:nvSpPr>
+        <p:spPr>
+          <a:xfrm>
+            <a:off x="2289048" y="2215896"/>
+            <a:ext cx="1661160" cy="369332"/>
+          </a:xfrm>
+          <a:prstGeom prst="rect">
+            <a:avLst/>
+          </a:prstGeom>
+          <a:noFill/>
+          <a:ln>
+            <a:solidFill>
+              <a:schemeClr val="tx1"/>
+            </a:solidFill>
+          </a:ln>
+        </p:spPr>
+        <p:txBody>
+          <a:bodyPr wrap="square" rtlCol="0">
+            <a:spAutoFit/>
+          </a:bodyPr>
+          <a:lstStyle/>
+          <a:p>
+            <a:pPr algn="ctr"/>
+            <a:r>
+              <a:rPr lang="en-US" dirty="0" smtClean="0"/>
+              <a:t>Drive  </a:t>
+            </a:r>
+            <a:endParaRPr lang="en-US" dirty="0" smtClean="0"/>
+          </a:p>
+        </p:txBody>
+      </p:sp>
+      <p:sp>
+        <p:nvSpPr>
+          <p:cNvPr id="28" name="TextBox 27"/>
+          <p:cNvSpPr txBox="1"/>
+          <p:nvPr/>
+        </p:nvSpPr>
+        <p:spPr>
+          <a:xfrm>
+            <a:off x="2535936" y="2667000"/>
+            <a:ext cx="1414272" cy="369332"/>
+          </a:xfrm>
+          <a:prstGeom prst="rect">
+            <a:avLst/>
+          </a:prstGeom>
+          <a:noFill/>
+          <a:ln>
+            <a:solidFill>
+              <a:schemeClr val="tx1"/>
+            </a:solidFill>
+          </a:ln>
+        </p:spPr>
+        <p:txBody>
+          <a:bodyPr wrap="square" rtlCol="0">
+            <a:spAutoFit/>
+          </a:bodyPr>
+          <a:lstStyle/>
+          <a:p>
+            <a:pPr algn="ctr"/>
+            <a:r>
+              <a:rPr lang="en-US" dirty="0" smtClean="0"/>
+              <a:t>Motor</a:t>
+            </a:r>
+            <a:endParaRPr lang="en-US" dirty="0" smtClean="0"/>
+          </a:p>
+        </p:txBody>
+      </p:sp>
+      <p:sp>
+        <p:nvSpPr>
+          <p:cNvPr id="30" name="TextBox 29"/>
+          <p:cNvSpPr txBox="1"/>
+          <p:nvPr/>
+        </p:nvSpPr>
+        <p:spPr>
+          <a:xfrm>
+            <a:off x="2535936" y="3121152"/>
+            <a:ext cx="1414272" cy="369332"/>
+          </a:xfrm>
+          <a:prstGeom prst="rect">
+            <a:avLst/>
+          </a:prstGeom>
+          <a:noFill/>
+          <a:ln>
+            <a:solidFill>
+              <a:schemeClr val="tx1"/>
+            </a:solidFill>
+          </a:ln>
+        </p:spPr>
+        <p:txBody>
+          <a:bodyPr wrap="square" rtlCol="0">
+            <a:spAutoFit/>
+          </a:bodyPr>
+          <a:lstStyle/>
+          <a:p>
+            <a:pPr algn="ctr"/>
+            <a:r>
+              <a:rPr lang="en-US" dirty="0" smtClean="0"/>
+              <a:t>Control</a:t>
+            </a:r>
+            <a:endParaRPr lang="en-US" dirty="0" smtClean="0"/>
+          </a:p>
+        </p:txBody>
+      </p:sp>
+      <p:sp>
+        <p:nvSpPr>
+          <p:cNvPr id="31" name="TextBox 30"/>
+          <p:cNvSpPr txBox="1"/>
+          <p:nvPr/>
+        </p:nvSpPr>
+        <p:spPr>
+          <a:xfrm>
+            <a:off x="2535936" y="3584972"/>
+            <a:ext cx="1414272" cy="369332"/>
+          </a:xfrm>
+          <a:prstGeom prst="rect">
+            <a:avLst/>
+          </a:prstGeom>
+          <a:noFill/>
+          <a:ln>
+            <a:solidFill>
+              <a:schemeClr val="tx1"/>
+            </a:solidFill>
+          </a:ln>
+        </p:spPr>
+        <p:txBody>
+          <a:bodyPr wrap="square" rtlCol="0">
+            <a:spAutoFit/>
+          </a:bodyPr>
+          <a:lstStyle/>
+          <a:p>
+            <a:pPr algn="ctr"/>
+            <a:r>
+              <a:rPr lang="en-US" dirty="0" smtClean="0"/>
+              <a:t>Batteries</a:t>
+            </a:r>
+            <a:endParaRPr lang="en-US" dirty="0" smtClean="0"/>
+          </a:p>
+        </p:txBody>
+      </p:sp>
+      <p:sp>
+        <p:nvSpPr>
+          <p:cNvPr id="32" name="TextBox 31"/>
+          <p:cNvSpPr txBox="1"/>
+          <p:nvPr/>
+        </p:nvSpPr>
+        <p:spPr>
+          <a:xfrm>
+            <a:off x="2535936" y="4014740"/>
+            <a:ext cx="1414272" cy="369332"/>
+          </a:xfrm>
+          <a:prstGeom prst="rect">
+            <a:avLst/>
+          </a:prstGeom>
+          <a:noFill/>
+          <a:ln w="28575">
+            <a:solidFill>
+              <a:srgbClr val="FF0000"/>
+            </a:solidFill>
+          </a:ln>
+        </p:spPr>
+        <p:txBody>
+          <a:bodyPr wrap="square" rtlCol="0">
+            <a:spAutoFit/>
+          </a:bodyPr>
+          <a:lstStyle/>
+          <a:p>
+            <a:pPr algn="ctr"/>
+            <a:r>
+              <a:rPr lang="en-US" dirty="0" smtClean="0"/>
+              <a:t>Dyno Mount</a:t>
+            </a:r>
+            <a:endParaRPr lang="en-US" dirty="0" smtClean="0"/>
+          </a:p>
+        </p:txBody>
+      </p:sp>
+      <p:sp>
+        <p:nvSpPr>
+          <p:cNvPr id="33" name="TextBox 32"/>
+          <p:cNvSpPr txBox="1"/>
+          <p:nvPr/>
+        </p:nvSpPr>
+        <p:spPr>
+          <a:xfrm>
+            <a:off x="4136136" y="1694688"/>
+            <a:ext cx="3508248" cy="369332"/>
+          </a:xfrm>
+          <a:prstGeom prst="rect">
+            <a:avLst/>
+          </a:prstGeom>
+          <a:noFill/>
+          <a:ln>
+            <a:solidFill>
+              <a:schemeClr val="tx1"/>
+            </a:solidFill>
+          </a:ln>
+        </p:spPr>
+        <p:txBody>
+          <a:bodyPr wrap="square" rtlCol="0">
+            <a:spAutoFit/>
+          </a:bodyPr>
+          <a:lstStyle/>
+          <a:p>
+            <a:pPr algn="ctr"/>
+            <a:r>
+              <a:rPr lang="en-US" dirty="0" smtClean="0"/>
+              <a:t>Testing </a:t>
+            </a:r>
+            <a:endParaRPr lang="en-US" dirty="0" smtClean="0"/>
+          </a:p>
+        </p:txBody>
+      </p:sp>
+      <p:sp>
+        <p:nvSpPr>
+          <p:cNvPr id="34" name="TextBox 33"/>
+          <p:cNvSpPr txBox="1"/>
+          <p:nvPr/>
+        </p:nvSpPr>
+        <p:spPr>
+          <a:xfrm>
+            <a:off x="4136136" y="2215896"/>
+            <a:ext cx="1661160" cy="369332"/>
+          </a:xfrm>
+          <a:prstGeom prst="rect">
+            <a:avLst/>
+          </a:prstGeom>
+          <a:noFill/>
+          <a:ln>
+            <a:solidFill>
+              <a:schemeClr val="tx1"/>
+            </a:solidFill>
+          </a:ln>
+        </p:spPr>
+        <p:txBody>
+          <a:bodyPr wrap="square" rtlCol="0">
+            <a:spAutoFit/>
+          </a:bodyPr>
+          <a:lstStyle/>
+          <a:p>
+            <a:pPr algn="ctr"/>
+            <a:r>
+              <a:rPr lang="en-US" dirty="0" smtClean="0"/>
+              <a:t>Flow Loop  </a:t>
+            </a:r>
+            <a:endParaRPr lang="en-US" dirty="0" smtClean="0"/>
+          </a:p>
+        </p:txBody>
+      </p:sp>
+      <p:sp>
+        <p:nvSpPr>
+          <p:cNvPr id="35" name="TextBox 34"/>
+          <p:cNvSpPr txBox="1"/>
+          <p:nvPr/>
+        </p:nvSpPr>
+        <p:spPr>
+          <a:xfrm>
+            <a:off x="4383024" y="2667000"/>
+            <a:ext cx="1414272" cy="369332"/>
+          </a:xfrm>
+          <a:prstGeom prst="rect">
+            <a:avLst/>
+          </a:prstGeom>
+          <a:noFill/>
+          <a:ln>
+            <a:solidFill>
+              <a:schemeClr val="tx1"/>
+            </a:solidFill>
+          </a:ln>
+        </p:spPr>
+        <p:txBody>
+          <a:bodyPr wrap="square" rtlCol="0">
+            <a:spAutoFit/>
+          </a:bodyPr>
+          <a:lstStyle/>
+          <a:p>
+            <a:pPr algn="ctr"/>
+            <a:r>
+              <a:rPr lang="en-US" dirty="0" smtClean="0"/>
+              <a:t>Flow Loop</a:t>
+            </a:r>
+            <a:endParaRPr lang="en-US" dirty="0" smtClean="0"/>
+          </a:p>
+        </p:txBody>
+      </p:sp>
+      <p:sp>
+        <p:nvSpPr>
+          <p:cNvPr id="36" name="TextBox 35"/>
+          <p:cNvSpPr txBox="1"/>
+          <p:nvPr/>
+        </p:nvSpPr>
+        <p:spPr>
+          <a:xfrm>
+            <a:off x="4498848" y="3124200"/>
+            <a:ext cx="1298448" cy="369332"/>
+          </a:xfrm>
+          <a:prstGeom prst="rect">
+            <a:avLst/>
+          </a:prstGeom>
+          <a:noFill/>
+          <a:ln>
+            <a:solidFill>
+              <a:schemeClr val="tx1"/>
+            </a:solidFill>
+          </a:ln>
+        </p:spPr>
+        <p:txBody>
+          <a:bodyPr wrap="square" rtlCol="0">
+            <a:spAutoFit/>
+          </a:bodyPr>
+          <a:lstStyle/>
+          <a:p>
+            <a:pPr algn="ctr"/>
+            <a:r>
+              <a:rPr lang="en-US" dirty="0" smtClean="0"/>
+              <a:t>Air Pressure </a:t>
+            </a:r>
+            <a:endParaRPr lang="en-US" dirty="0" smtClean="0"/>
+          </a:p>
+        </p:txBody>
+      </p:sp>
+      <p:sp>
+        <p:nvSpPr>
+          <p:cNvPr id="37" name="TextBox 36"/>
+          <p:cNvSpPr txBox="1"/>
+          <p:nvPr/>
+        </p:nvSpPr>
+        <p:spPr>
+          <a:xfrm>
+            <a:off x="4498848" y="3550920"/>
+            <a:ext cx="1298448" cy="369332"/>
+          </a:xfrm>
+          <a:prstGeom prst="rect">
+            <a:avLst/>
+          </a:prstGeom>
+          <a:noFill/>
+          <a:ln>
+            <a:solidFill>
+              <a:schemeClr val="tx1"/>
+            </a:solidFill>
+          </a:ln>
+        </p:spPr>
+        <p:txBody>
+          <a:bodyPr wrap="square" rtlCol="0">
+            <a:spAutoFit/>
+          </a:bodyPr>
+          <a:lstStyle/>
+          <a:p>
+            <a:pPr algn="ctr"/>
+            <a:r>
+              <a:rPr lang="en-US" dirty="0" smtClean="0"/>
+              <a:t>Water</a:t>
+            </a:r>
+            <a:endParaRPr lang="en-US" dirty="0" smtClean="0"/>
+          </a:p>
+        </p:txBody>
+      </p:sp>
+      <p:sp>
+        <p:nvSpPr>
+          <p:cNvPr id="38" name="TextBox 37"/>
+          <p:cNvSpPr txBox="1"/>
+          <p:nvPr/>
+        </p:nvSpPr>
+        <p:spPr>
+          <a:xfrm>
+            <a:off x="4498848" y="4014740"/>
+            <a:ext cx="1298448" cy="369332"/>
+          </a:xfrm>
+          <a:prstGeom prst="rect">
+            <a:avLst/>
+          </a:prstGeom>
+          <a:noFill/>
+          <a:ln>
+            <a:solidFill>
+              <a:schemeClr val="tx1"/>
+            </a:solidFill>
+          </a:ln>
+        </p:spPr>
+        <p:txBody>
+          <a:bodyPr wrap="square" rtlCol="0">
+            <a:spAutoFit/>
+          </a:bodyPr>
+          <a:lstStyle/>
+          <a:p>
+            <a:pPr algn="ctr"/>
+            <a:r>
+              <a:rPr lang="en-US" dirty="0"/>
+              <a:t>S</a:t>
+            </a:r>
+            <a:r>
+              <a:rPr lang="en-US" dirty="0" smtClean="0"/>
+              <a:t>eals</a:t>
+            </a:r>
+          </a:p>
+        </p:txBody>
+      </p:sp>
+      <p:sp>
+        <p:nvSpPr>
+          <p:cNvPr id="39" name="TextBox 38"/>
+          <p:cNvSpPr txBox="1"/>
+          <p:nvPr/>
+        </p:nvSpPr>
+        <p:spPr>
+          <a:xfrm>
+            <a:off x="5983224" y="2215896"/>
+            <a:ext cx="1661160" cy="369332"/>
+          </a:xfrm>
+          <a:prstGeom prst="rect">
+            <a:avLst/>
+          </a:prstGeom>
+          <a:noFill/>
+          <a:ln>
+            <a:solidFill>
+              <a:schemeClr val="tx1"/>
+            </a:solidFill>
+          </a:ln>
+        </p:spPr>
+        <p:txBody>
+          <a:bodyPr wrap="square" rtlCol="0">
+            <a:spAutoFit/>
+          </a:bodyPr>
+          <a:lstStyle/>
+          <a:p>
+            <a:pPr algn="ctr"/>
+            <a:r>
+              <a:rPr lang="en-US" dirty="0" smtClean="0"/>
+              <a:t>Measurement  </a:t>
+            </a:r>
+            <a:endParaRPr lang="en-US" dirty="0" smtClean="0"/>
+          </a:p>
+        </p:txBody>
+      </p:sp>
+      <p:sp>
+        <p:nvSpPr>
+          <p:cNvPr id="40" name="TextBox 39"/>
+          <p:cNvSpPr txBox="1"/>
+          <p:nvPr/>
+        </p:nvSpPr>
+        <p:spPr>
+          <a:xfrm>
+            <a:off x="6230112" y="2667000"/>
+            <a:ext cx="1414272" cy="369332"/>
+          </a:xfrm>
+          <a:prstGeom prst="rect">
+            <a:avLst/>
+          </a:prstGeom>
+          <a:noFill/>
+          <a:ln>
+            <a:solidFill>
+              <a:schemeClr val="tx1"/>
+            </a:solidFill>
+          </a:ln>
+        </p:spPr>
+        <p:txBody>
+          <a:bodyPr wrap="square" rtlCol="0">
+            <a:spAutoFit/>
+          </a:bodyPr>
+          <a:lstStyle/>
+          <a:p>
+            <a:pPr algn="ctr"/>
+            <a:r>
+              <a:rPr lang="en-US" dirty="0" smtClean="0"/>
+              <a:t>Pressure</a:t>
+            </a:r>
+            <a:endParaRPr lang="en-US" dirty="0" smtClean="0"/>
+          </a:p>
+        </p:txBody>
+      </p:sp>
+      <p:sp>
+        <p:nvSpPr>
+          <p:cNvPr id="41" name="TextBox 40"/>
+          <p:cNvSpPr txBox="1"/>
+          <p:nvPr/>
+        </p:nvSpPr>
+        <p:spPr>
+          <a:xfrm>
+            <a:off x="6230112" y="3121152"/>
+            <a:ext cx="1414272" cy="369332"/>
+          </a:xfrm>
+          <a:prstGeom prst="rect">
+            <a:avLst/>
+          </a:prstGeom>
+          <a:noFill/>
+          <a:ln>
+            <a:solidFill>
+              <a:schemeClr val="tx1"/>
+            </a:solidFill>
+          </a:ln>
+        </p:spPr>
+        <p:txBody>
+          <a:bodyPr wrap="square" rtlCol="0">
+            <a:spAutoFit/>
+          </a:bodyPr>
+          <a:lstStyle/>
+          <a:p>
+            <a:pPr algn="ctr"/>
+            <a:r>
+              <a:rPr lang="en-US" dirty="0" smtClean="0"/>
+              <a:t>Flow</a:t>
+            </a:r>
+            <a:endParaRPr lang="en-US" dirty="0" smtClean="0"/>
+          </a:p>
+        </p:txBody>
+      </p:sp>
+      <p:sp>
+        <p:nvSpPr>
+          <p:cNvPr id="42" name="TextBox 41"/>
+          <p:cNvSpPr txBox="1"/>
+          <p:nvPr/>
+        </p:nvSpPr>
+        <p:spPr>
+          <a:xfrm>
+            <a:off x="6230112" y="3584972"/>
+            <a:ext cx="1414272" cy="369332"/>
+          </a:xfrm>
+          <a:prstGeom prst="rect">
+            <a:avLst/>
+          </a:prstGeom>
+          <a:noFill/>
+          <a:ln>
+            <a:solidFill>
+              <a:schemeClr val="tx1"/>
+            </a:solidFill>
+          </a:ln>
+        </p:spPr>
+        <p:txBody>
+          <a:bodyPr wrap="square" rtlCol="0">
+            <a:spAutoFit/>
+          </a:bodyPr>
+          <a:lstStyle/>
+          <a:p>
+            <a:pPr algn="ctr"/>
+            <a:r>
+              <a:rPr lang="en-US" dirty="0" smtClean="0"/>
+              <a:t>RPM</a:t>
+            </a:r>
+            <a:endParaRPr lang="en-US" dirty="0" smtClean="0"/>
+          </a:p>
+        </p:txBody>
+      </p:sp>
+      <p:sp>
+        <p:nvSpPr>
+          <p:cNvPr id="43" name="TextBox 42"/>
+          <p:cNvSpPr txBox="1"/>
+          <p:nvPr/>
+        </p:nvSpPr>
+        <p:spPr>
+          <a:xfrm>
+            <a:off x="6230112" y="4014740"/>
+            <a:ext cx="1414272" cy="369332"/>
+          </a:xfrm>
+          <a:prstGeom prst="rect">
+            <a:avLst/>
+          </a:prstGeom>
+          <a:noFill/>
+          <a:ln>
+            <a:solidFill>
+              <a:schemeClr val="tx1"/>
+            </a:solidFill>
+          </a:ln>
+        </p:spPr>
+        <p:txBody>
+          <a:bodyPr wrap="square" rtlCol="0">
+            <a:spAutoFit/>
+          </a:bodyPr>
+          <a:lstStyle/>
+          <a:p>
+            <a:pPr algn="ctr"/>
+            <a:r>
+              <a:rPr lang="en-US" dirty="0" smtClean="0"/>
+              <a:t>Torque</a:t>
+            </a:r>
+            <a:endParaRPr lang="en-US" dirty="0" smtClean="0"/>
+          </a:p>
+        </p:txBody>
+      </p:sp>
+      <p:cxnSp>
+        <p:nvCxnSpPr>
+          <p:cNvPr id="3" name="Elbow Connector 2"/>
+          <p:cNvCxnSpPr>
+            <a:stCxn id="7" idx="1"/>
+            <a:endCxn id="13" idx="1"/>
+          </p:cNvCxnSpPr>
+          <p:nvPr/>
+        </p:nvCxnSpPr>
+        <p:spPr>
+          <a:xfrm rot="10800000" flipH="1" flipV="1">
+            <a:off x="441960" y="2400562"/>
+            <a:ext cx="246888" cy="451104"/>
+          </a:xfrm>
+          <a:prstGeom prst="bentConnector3">
+            <a:avLst>
+              <a:gd name="adj1" fmla="val -92593"/>
+            </a:avLst>
+          </a:prstGeom>
+          <a:ln>
+            <a:tailEnd type="triangle"/>
+          </a:ln>
+        </p:spPr>
+        <p:style>
+          <a:lnRef idx="1">
+            <a:schemeClr val="accent1"/>
+          </a:lnRef>
+          <a:fillRef idx="0">
+            <a:schemeClr val="accent1"/>
+          </a:fillRef>
+          <a:effectRef idx="0">
+            <a:schemeClr val="accent1"/>
+          </a:effectRef>
+          <a:fontRef idx="minor">
+            <a:schemeClr val="tx1"/>
+          </a:fontRef>
+        </p:style>
+      </p:cxnSp>
+      <p:cxnSp>
+        <p:nvCxnSpPr>
+          <p:cNvPr id="45" name="Elbow Connector 44"/>
+          <p:cNvCxnSpPr>
+            <a:stCxn id="7" idx="1"/>
+            <a:endCxn id="14" idx="1"/>
+          </p:cNvCxnSpPr>
+          <p:nvPr/>
+        </p:nvCxnSpPr>
+        <p:spPr>
+          <a:xfrm rot="10800000" flipH="1" flipV="1">
+            <a:off x="441960" y="2400562"/>
+            <a:ext cx="246888" cy="908304"/>
+          </a:xfrm>
+          <a:prstGeom prst="bentConnector3">
+            <a:avLst>
+              <a:gd name="adj1" fmla="val -92593"/>
+            </a:avLst>
+          </a:prstGeom>
+          <a:ln>
+            <a:tailEnd type="triangle"/>
+          </a:ln>
+        </p:spPr>
+        <p:style>
+          <a:lnRef idx="1">
+            <a:schemeClr val="accent1"/>
+          </a:lnRef>
+          <a:fillRef idx="0">
+            <a:schemeClr val="accent1"/>
+          </a:fillRef>
+          <a:effectRef idx="0">
+            <a:schemeClr val="accent1"/>
+          </a:effectRef>
+          <a:fontRef idx="minor">
+            <a:schemeClr val="tx1"/>
+          </a:fontRef>
+        </p:style>
+      </p:cxnSp>
+      <p:cxnSp>
+        <p:nvCxnSpPr>
+          <p:cNvPr id="48" name="Elbow Connector 47"/>
+          <p:cNvCxnSpPr>
+            <a:stCxn id="14" idx="1"/>
+            <a:endCxn id="15" idx="1"/>
+          </p:cNvCxnSpPr>
+          <p:nvPr/>
+        </p:nvCxnSpPr>
+        <p:spPr>
+          <a:xfrm rot="10800000" flipH="1" flipV="1">
+            <a:off x="688848" y="3308866"/>
+            <a:ext cx="179832" cy="426720"/>
+          </a:xfrm>
+          <a:prstGeom prst="bentConnector3">
+            <a:avLst>
+              <a:gd name="adj1" fmla="val -127119"/>
+            </a:avLst>
+          </a:prstGeom>
+          <a:ln>
+            <a:tailEnd type="triangle"/>
+          </a:ln>
+        </p:spPr>
+        <p:style>
+          <a:lnRef idx="1">
+            <a:schemeClr val="accent1"/>
+          </a:lnRef>
+          <a:fillRef idx="0">
+            <a:schemeClr val="accent1"/>
+          </a:fillRef>
+          <a:effectRef idx="0">
+            <a:schemeClr val="accent1"/>
+          </a:effectRef>
+          <a:fontRef idx="minor">
+            <a:schemeClr val="tx1"/>
+          </a:fontRef>
+        </p:style>
+      </p:cxnSp>
+      <p:cxnSp>
+        <p:nvCxnSpPr>
+          <p:cNvPr id="50" name="Elbow Connector 49"/>
+          <p:cNvCxnSpPr>
+            <a:stCxn id="14" idx="1"/>
+            <a:endCxn id="16" idx="1"/>
+          </p:cNvCxnSpPr>
+          <p:nvPr/>
+        </p:nvCxnSpPr>
+        <p:spPr>
+          <a:xfrm rot="10800000" flipH="1" flipV="1">
+            <a:off x="688848" y="3308866"/>
+            <a:ext cx="179832" cy="890540"/>
+          </a:xfrm>
+          <a:prstGeom prst="bentConnector3">
+            <a:avLst>
+              <a:gd name="adj1" fmla="val -127119"/>
+            </a:avLst>
+          </a:prstGeom>
+          <a:ln>
+            <a:tailEnd type="triangle"/>
+          </a:ln>
+        </p:spPr>
+        <p:style>
+          <a:lnRef idx="1">
+            <a:schemeClr val="accent1"/>
+          </a:lnRef>
+          <a:fillRef idx="0">
+            <a:schemeClr val="accent1"/>
+          </a:fillRef>
+          <a:effectRef idx="0">
+            <a:schemeClr val="accent1"/>
+          </a:effectRef>
+          <a:fontRef idx="minor">
+            <a:schemeClr val="tx1"/>
+          </a:fontRef>
+        </p:style>
+      </p:cxnSp>
+      <p:cxnSp>
+        <p:nvCxnSpPr>
+          <p:cNvPr id="52" name="Elbow Connector 51"/>
+          <p:cNvCxnSpPr>
+            <a:stCxn id="6" idx="2"/>
+            <a:endCxn id="7" idx="0"/>
+          </p:cNvCxnSpPr>
+          <p:nvPr/>
+        </p:nvCxnSpPr>
+        <p:spPr>
+          <a:xfrm rot="5400000">
+            <a:off x="1658374" y="1678186"/>
+            <a:ext cx="151876" cy="923544"/>
+          </a:xfrm>
+          <a:prstGeom prst="bentConnector3">
+            <a:avLst/>
+          </a:prstGeom>
+          <a:ln>
+            <a:tailEnd type="triangle"/>
+          </a:ln>
+        </p:spPr>
+        <p:style>
+          <a:lnRef idx="1">
+            <a:schemeClr val="accent1"/>
+          </a:lnRef>
+          <a:fillRef idx="0">
+            <a:schemeClr val="accent1"/>
+          </a:fillRef>
+          <a:effectRef idx="0">
+            <a:schemeClr val="accent1"/>
+          </a:effectRef>
+          <a:fontRef idx="minor">
+            <a:schemeClr val="tx1"/>
+          </a:fontRef>
+        </p:style>
+      </p:cxnSp>
+      <p:cxnSp>
+        <p:nvCxnSpPr>
+          <p:cNvPr id="54" name="Elbow Connector 53"/>
+          <p:cNvCxnSpPr>
+            <a:stCxn id="6" idx="2"/>
+            <a:endCxn id="27" idx="0"/>
+          </p:cNvCxnSpPr>
+          <p:nvPr/>
+        </p:nvCxnSpPr>
+        <p:spPr>
+          <a:xfrm rot="16200000" flipH="1">
+            <a:off x="2581918" y="1678186"/>
+            <a:ext cx="151876" cy="923544"/>
+          </a:xfrm>
+          <a:prstGeom prst="bentConnector3">
+            <a:avLst/>
+          </a:prstGeom>
+          <a:ln>
+            <a:tailEnd type="triangle"/>
+          </a:ln>
+        </p:spPr>
+        <p:style>
+          <a:lnRef idx="1">
+            <a:schemeClr val="accent1"/>
+          </a:lnRef>
+          <a:fillRef idx="0">
+            <a:schemeClr val="accent1"/>
+          </a:fillRef>
+          <a:effectRef idx="0">
+            <a:schemeClr val="accent1"/>
+          </a:effectRef>
+          <a:fontRef idx="minor">
+            <a:schemeClr val="tx1"/>
+          </a:fontRef>
+        </p:style>
+      </p:cxnSp>
     </p:spTree>
     <p:extLst>
       <p:ext uri="{BB962C8B-B14F-4D97-AF65-F5344CB8AC3E}">
-        <p14:creationId xmlns:p14="http://schemas.microsoft.com/office/powerpoint/2010/main" val="1843846498"/>
+        <p14:creationId xmlns:p14="http://schemas.microsoft.com/office/powerpoint/2010/main" val="3757267738"/>
       </p:ext>
     </p:extLst>
   </p:cSld>
   <p:clrMapOvr>
     <a:masterClrMapping/>
   </p:clrMapOvr>
-  <p:timing>
-    <p:tnLst>
-      <p:par>
-        <p:cTn id="1" dur="indefinite" restart="never" nodeType="tmRoot"/>
-      </p:par>
-    </p:tnLst>
-  </p:timing>
 </p:sld>
 </file>
 
@@ -5482,833 +5930,6 @@
             <p:ph type="sldNum" sz="quarter" idx="12"/>
           </p:nvPr>
         </p:nvSpPr>
-        <p:spPr/>
-        <p:txBody>
-          <a:bodyPr/>
-          <a:lstStyle/>
-          <a:p>
-            <a:fld id="{27225834-A5F4-4780-A9FC-586FB30F9BB0}" type="slidenum">
-              <a:rPr lang="en-US" smtClean="0"/>
-              <a:t>5</a:t>
-            </a:fld>
-            <a:endParaRPr lang="en-US"/>
-          </a:p>
-        </p:txBody>
-      </p:sp>
-      <p:sp>
-        <p:nvSpPr>
-          <p:cNvPr id="5" name="TextBox 4"/>
-          <p:cNvSpPr txBox="1"/>
-          <p:nvPr/>
-        </p:nvSpPr>
-        <p:spPr>
-          <a:xfrm>
-            <a:off x="4663440" y="786384"/>
-            <a:ext cx="2359152" cy="369332"/>
-          </a:xfrm>
-          <a:prstGeom prst="rect">
-            <a:avLst/>
-          </a:prstGeom>
-          <a:noFill/>
-          <a:ln>
-            <a:solidFill>
-              <a:schemeClr val="tx1"/>
-            </a:solidFill>
-          </a:ln>
-        </p:spPr>
-        <p:txBody>
-          <a:bodyPr wrap="square" rtlCol="0">
-            <a:spAutoFit/>
-          </a:bodyPr>
-          <a:lstStyle/>
-          <a:p>
-            <a:pPr algn="ctr"/>
-            <a:r>
-              <a:rPr lang="en-US" dirty="0" smtClean="0"/>
-              <a:t>Electric Feed System </a:t>
-            </a:r>
-          </a:p>
-        </p:txBody>
-      </p:sp>
-      <p:sp>
-        <p:nvSpPr>
-          <p:cNvPr id="6" name="TextBox 5"/>
-          <p:cNvSpPr txBox="1"/>
-          <p:nvPr/>
-        </p:nvSpPr>
-        <p:spPr>
-          <a:xfrm>
-            <a:off x="441960" y="1694688"/>
-            <a:ext cx="4806696" cy="369332"/>
-          </a:xfrm>
-          <a:prstGeom prst="rect">
-            <a:avLst/>
-          </a:prstGeom>
-          <a:noFill/>
-          <a:ln>
-            <a:solidFill>
-              <a:schemeClr val="tx1"/>
-            </a:solidFill>
-          </a:ln>
-        </p:spPr>
-        <p:txBody>
-          <a:bodyPr wrap="square" rtlCol="0">
-            <a:spAutoFit/>
-          </a:bodyPr>
-          <a:lstStyle/>
-          <a:p>
-            <a:pPr algn="ctr"/>
-            <a:r>
-              <a:rPr lang="en-US" dirty="0" smtClean="0"/>
-              <a:t>Pump </a:t>
-            </a:r>
-          </a:p>
-        </p:txBody>
-      </p:sp>
-      <p:sp>
-        <p:nvSpPr>
-          <p:cNvPr id="7" name="TextBox 6"/>
-          <p:cNvSpPr txBox="1"/>
-          <p:nvPr/>
-        </p:nvSpPr>
-        <p:spPr>
-          <a:xfrm>
-            <a:off x="441960" y="2215896"/>
-            <a:ext cx="2359152" cy="369332"/>
-          </a:xfrm>
-          <a:prstGeom prst="rect">
-            <a:avLst/>
-          </a:prstGeom>
-          <a:noFill/>
-          <a:ln>
-            <a:solidFill>
-              <a:schemeClr val="tx1"/>
-            </a:solidFill>
-          </a:ln>
-        </p:spPr>
-        <p:txBody>
-          <a:bodyPr wrap="square" rtlCol="0">
-            <a:spAutoFit/>
-          </a:bodyPr>
-          <a:lstStyle/>
-          <a:p>
-            <a:pPr algn="ctr"/>
-            <a:r>
-              <a:rPr lang="en-US" dirty="0" smtClean="0"/>
-              <a:t>Casing  </a:t>
-            </a:r>
-          </a:p>
-        </p:txBody>
-      </p:sp>
-      <p:sp>
-        <p:nvSpPr>
-          <p:cNvPr id="8" name="TextBox 7"/>
-          <p:cNvSpPr txBox="1"/>
-          <p:nvPr/>
-        </p:nvSpPr>
-        <p:spPr>
-          <a:xfrm>
-            <a:off x="2889504" y="2215896"/>
-            <a:ext cx="2359152" cy="369332"/>
-          </a:xfrm>
-          <a:prstGeom prst="rect">
-            <a:avLst/>
-          </a:prstGeom>
-          <a:noFill/>
-          <a:ln>
-            <a:solidFill>
-              <a:schemeClr val="tx1"/>
-            </a:solidFill>
-          </a:ln>
-        </p:spPr>
-        <p:txBody>
-          <a:bodyPr wrap="square" rtlCol="0">
-            <a:spAutoFit/>
-          </a:bodyPr>
-          <a:lstStyle/>
-          <a:p>
-            <a:pPr algn="ctr"/>
-            <a:r>
-              <a:rPr lang="en-US" dirty="0" smtClean="0"/>
-              <a:t>Motor  </a:t>
-            </a:r>
-          </a:p>
-        </p:txBody>
-      </p:sp>
-      <p:sp>
-        <p:nvSpPr>
-          <p:cNvPr id="9" name="TextBox 8"/>
-          <p:cNvSpPr txBox="1"/>
-          <p:nvPr/>
-        </p:nvSpPr>
-        <p:spPr>
-          <a:xfrm>
-            <a:off x="3307080" y="2670048"/>
-            <a:ext cx="1941576" cy="369332"/>
-          </a:xfrm>
-          <a:prstGeom prst="rect">
-            <a:avLst/>
-          </a:prstGeom>
-          <a:noFill/>
-          <a:ln>
-            <a:solidFill>
-              <a:schemeClr val="tx1"/>
-            </a:solidFill>
-          </a:ln>
-        </p:spPr>
-        <p:txBody>
-          <a:bodyPr wrap="square" rtlCol="0">
-            <a:spAutoFit/>
-          </a:bodyPr>
-          <a:lstStyle/>
-          <a:p>
-            <a:pPr algn="ctr"/>
-            <a:r>
-              <a:rPr lang="en-US" dirty="0" smtClean="0"/>
-              <a:t>Dyno Mount</a:t>
-            </a:r>
-          </a:p>
-        </p:txBody>
-      </p:sp>
-      <p:sp>
-        <p:nvSpPr>
-          <p:cNvPr id="10" name="TextBox 9"/>
-          <p:cNvSpPr txBox="1"/>
-          <p:nvPr/>
-        </p:nvSpPr>
-        <p:spPr>
-          <a:xfrm>
-            <a:off x="3307080" y="3124200"/>
-            <a:ext cx="1941576" cy="369332"/>
-          </a:xfrm>
-          <a:prstGeom prst="rect">
-            <a:avLst/>
-          </a:prstGeom>
-          <a:noFill/>
-          <a:ln>
-            <a:solidFill>
-              <a:schemeClr val="tx1"/>
-            </a:solidFill>
-          </a:ln>
-        </p:spPr>
-        <p:txBody>
-          <a:bodyPr wrap="square" rtlCol="0">
-            <a:spAutoFit/>
-          </a:bodyPr>
-          <a:lstStyle/>
-          <a:p>
-            <a:pPr algn="ctr"/>
-            <a:r>
-              <a:rPr lang="en-US" dirty="0" smtClean="0"/>
-              <a:t>ESC  </a:t>
-            </a:r>
-          </a:p>
-        </p:txBody>
-      </p:sp>
-      <p:sp>
-        <p:nvSpPr>
-          <p:cNvPr id="11" name="TextBox 10"/>
-          <p:cNvSpPr txBox="1"/>
-          <p:nvPr/>
-        </p:nvSpPr>
-        <p:spPr>
-          <a:xfrm>
-            <a:off x="3307080" y="3645408"/>
-            <a:ext cx="1941576" cy="369332"/>
-          </a:xfrm>
-          <a:prstGeom prst="rect">
-            <a:avLst/>
-          </a:prstGeom>
-          <a:noFill/>
-          <a:ln>
-            <a:solidFill>
-              <a:schemeClr val="tx1"/>
-            </a:solidFill>
-          </a:ln>
-        </p:spPr>
-        <p:txBody>
-          <a:bodyPr wrap="square" rtlCol="0">
-            <a:spAutoFit/>
-          </a:bodyPr>
-          <a:lstStyle/>
-          <a:p>
-            <a:pPr algn="ctr"/>
-            <a:r>
-              <a:rPr lang="en-US" dirty="0" smtClean="0"/>
-              <a:t>Batteries  </a:t>
-            </a:r>
-          </a:p>
-        </p:txBody>
-      </p:sp>
-      <p:sp>
-        <p:nvSpPr>
-          <p:cNvPr id="12" name="TextBox 11"/>
-          <p:cNvSpPr txBox="1"/>
-          <p:nvPr/>
-        </p:nvSpPr>
-        <p:spPr>
-          <a:xfrm>
-            <a:off x="3307080" y="4145280"/>
-            <a:ext cx="1941576" cy="369332"/>
-          </a:xfrm>
-          <a:prstGeom prst="rect">
-            <a:avLst/>
-          </a:prstGeom>
-          <a:noFill/>
-          <a:ln>
-            <a:solidFill>
-              <a:schemeClr val="tx1"/>
-            </a:solidFill>
-          </a:ln>
-        </p:spPr>
-        <p:txBody>
-          <a:bodyPr wrap="square" rtlCol="0">
-            <a:spAutoFit/>
-          </a:bodyPr>
-          <a:lstStyle/>
-          <a:p>
-            <a:pPr algn="ctr"/>
-            <a:r>
-              <a:rPr lang="en-US" dirty="0" smtClean="0"/>
-              <a:t>Controls  </a:t>
-            </a:r>
-          </a:p>
-        </p:txBody>
-      </p:sp>
-      <p:sp>
-        <p:nvSpPr>
-          <p:cNvPr id="13" name="TextBox 12"/>
-          <p:cNvSpPr txBox="1"/>
-          <p:nvPr/>
-        </p:nvSpPr>
-        <p:spPr>
-          <a:xfrm>
-            <a:off x="688848" y="2667000"/>
-            <a:ext cx="2112264" cy="369332"/>
-          </a:xfrm>
-          <a:prstGeom prst="rect">
-            <a:avLst/>
-          </a:prstGeom>
-          <a:noFill/>
-          <a:ln>
-            <a:solidFill>
-              <a:schemeClr val="tx1"/>
-            </a:solidFill>
-          </a:ln>
-        </p:spPr>
-        <p:txBody>
-          <a:bodyPr wrap="square" rtlCol="0">
-            <a:spAutoFit/>
-          </a:bodyPr>
-          <a:lstStyle/>
-          <a:p>
-            <a:pPr algn="ctr"/>
-            <a:r>
-              <a:rPr lang="en-US" dirty="0" smtClean="0"/>
-              <a:t>Hydraulic</a:t>
-            </a:r>
-          </a:p>
-        </p:txBody>
-      </p:sp>
-      <p:sp>
-        <p:nvSpPr>
-          <p:cNvPr id="14" name="TextBox 13"/>
-          <p:cNvSpPr txBox="1"/>
-          <p:nvPr/>
-        </p:nvSpPr>
-        <p:spPr>
-          <a:xfrm>
-            <a:off x="688848" y="3124200"/>
-            <a:ext cx="2112264" cy="369332"/>
-          </a:xfrm>
-          <a:prstGeom prst="rect">
-            <a:avLst/>
-          </a:prstGeom>
-          <a:noFill/>
-          <a:ln>
-            <a:solidFill>
-              <a:schemeClr val="tx1"/>
-            </a:solidFill>
-          </a:ln>
-        </p:spPr>
-        <p:txBody>
-          <a:bodyPr wrap="square" rtlCol="0">
-            <a:spAutoFit/>
-          </a:bodyPr>
-          <a:lstStyle/>
-          <a:p>
-            <a:pPr algn="ctr"/>
-            <a:r>
-              <a:rPr lang="en-US" dirty="0" smtClean="0"/>
-              <a:t>Mechanical </a:t>
-            </a:r>
-          </a:p>
-        </p:txBody>
-      </p:sp>
-      <p:sp>
-        <p:nvSpPr>
-          <p:cNvPr id="15" name="TextBox 14"/>
-          <p:cNvSpPr txBox="1"/>
-          <p:nvPr/>
-        </p:nvSpPr>
-        <p:spPr>
-          <a:xfrm>
-            <a:off x="868680" y="3550920"/>
-            <a:ext cx="1932432" cy="369332"/>
-          </a:xfrm>
-          <a:prstGeom prst="rect">
-            <a:avLst/>
-          </a:prstGeom>
-          <a:noFill/>
-          <a:ln>
-            <a:solidFill>
-              <a:schemeClr val="tx1"/>
-            </a:solidFill>
-          </a:ln>
-        </p:spPr>
-        <p:txBody>
-          <a:bodyPr wrap="square" rtlCol="0">
-            <a:spAutoFit/>
-          </a:bodyPr>
-          <a:lstStyle/>
-          <a:p>
-            <a:pPr algn="ctr"/>
-            <a:r>
-              <a:rPr lang="en-US" dirty="0" smtClean="0"/>
-              <a:t>Bearings</a:t>
-            </a:r>
-          </a:p>
-        </p:txBody>
-      </p:sp>
-      <p:sp>
-        <p:nvSpPr>
-          <p:cNvPr id="16" name="TextBox 15"/>
-          <p:cNvSpPr txBox="1"/>
-          <p:nvPr/>
-        </p:nvSpPr>
-        <p:spPr>
-          <a:xfrm>
-            <a:off x="868680" y="4014740"/>
-            <a:ext cx="1932432" cy="369332"/>
-          </a:xfrm>
-          <a:prstGeom prst="rect">
-            <a:avLst/>
-          </a:prstGeom>
-          <a:noFill/>
-          <a:ln>
-            <a:solidFill>
-              <a:schemeClr val="tx1"/>
-            </a:solidFill>
-          </a:ln>
-        </p:spPr>
-        <p:txBody>
-          <a:bodyPr wrap="square" rtlCol="0">
-            <a:spAutoFit/>
-          </a:bodyPr>
-          <a:lstStyle/>
-          <a:p>
-            <a:pPr algn="ctr"/>
-            <a:r>
-              <a:rPr lang="en-US" dirty="0"/>
-              <a:t>S</a:t>
-            </a:r>
-            <a:r>
-              <a:rPr lang="en-US" dirty="0" smtClean="0"/>
-              <a:t>eals</a:t>
-            </a:r>
-          </a:p>
-        </p:txBody>
-      </p:sp>
-      <p:sp>
-        <p:nvSpPr>
-          <p:cNvPr id="17" name="TextBox 16"/>
-          <p:cNvSpPr txBox="1"/>
-          <p:nvPr/>
-        </p:nvSpPr>
-        <p:spPr>
-          <a:xfrm>
-            <a:off x="5413248" y="1694688"/>
-            <a:ext cx="3438144" cy="369332"/>
-          </a:xfrm>
-          <a:prstGeom prst="rect">
-            <a:avLst/>
-          </a:prstGeom>
-          <a:noFill/>
-          <a:ln>
-            <a:solidFill>
-              <a:schemeClr val="tx1"/>
-            </a:solidFill>
-          </a:ln>
-        </p:spPr>
-        <p:txBody>
-          <a:bodyPr wrap="square" rtlCol="0">
-            <a:spAutoFit/>
-          </a:bodyPr>
-          <a:lstStyle/>
-          <a:p>
-            <a:pPr algn="ctr"/>
-            <a:r>
-              <a:rPr lang="en-US" dirty="0" smtClean="0"/>
-              <a:t>Testing </a:t>
-            </a:r>
-          </a:p>
-        </p:txBody>
-      </p:sp>
-      <p:sp>
-        <p:nvSpPr>
-          <p:cNvPr id="18" name="TextBox 17"/>
-          <p:cNvSpPr txBox="1"/>
-          <p:nvPr/>
-        </p:nvSpPr>
-        <p:spPr>
-          <a:xfrm>
-            <a:off x="5413248" y="2215896"/>
-            <a:ext cx="2359152" cy="369332"/>
-          </a:xfrm>
-          <a:prstGeom prst="rect">
-            <a:avLst/>
-          </a:prstGeom>
-          <a:noFill/>
-          <a:ln>
-            <a:solidFill>
-              <a:schemeClr val="tx1"/>
-            </a:solidFill>
-          </a:ln>
-        </p:spPr>
-        <p:txBody>
-          <a:bodyPr wrap="square" rtlCol="0">
-            <a:spAutoFit/>
-          </a:bodyPr>
-          <a:lstStyle/>
-          <a:p>
-            <a:pPr algn="ctr"/>
-            <a:r>
-              <a:rPr lang="en-US" dirty="0" smtClean="0"/>
-              <a:t>Apparatus</a:t>
-            </a:r>
-          </a:p>
-        </p:txBody>
-      </p:sp>
-      <p:sp>
-        <p:nvSpPr>
-          <p:cNvPr id="19" name="TextBox 18"/>
-          <p:cNvSpPr txBox="1"/>
-          <p:nvPr/>
-        </p:nvSpPr>
-        <p:spPr>
-          <a:xfrm>
-            <a:off x="7936992" y="2215896"/>
-            <a:ext cx="2359152" cy="369332"/>
-          </a:xfrm>
-          <a:prstGeom prst="rect">
-            <a:avLst/>
-          </a:prstGeom>
-          <a:noFill/>
-          <a:ln>
-            <a:solidFill>
-              <a:schemeClr val="tx1"/>
-            </a:solidFill>
-          </a:ln>
-        </p:spPr>
-        <p:txBody>
-          <a:bodyPr wrap="square" rtlCol="0">
-            <a:spAutoFit/>
-          </a:bodyPr>
-          <a:lstStyle/>
-          <a:p>
-            <a:pPr algn="ctr"/>
-            <a:r>
-              <a:rPr lang="en-US" dirty="0" smtClean="0"/>
-              <a:t>Measurement</a:t>
-            </a:r>
-          </a:p>
-        </p:txBody>
-      </p:sp>
-      <p:sp>
-        <p:nvSpPr>
-          <p:cNvPr id="20" name="TextBox 19"/>
-          <p:cNvSpPr txBox="1"/>
-          <p:nvPr/>
-        </p:nvSpPr>
-        <p:spPr>
-          <a:xfrm>
-            <a:off x="5577840" y="2667000"/>
-            <a:ext cx="2194560" cy="369332"/>
-          </a:xfrm>
-          <a:prstGeom prst="rect">
-            <a:avLst/>
-          </a:prstGeom>
-          <a:noFill/>
-          <a:ln>
-            <a:solidFill>
-              <a:schemeClr val="tx1"/>
-            </a:solidFill>
-          </a:ln>
-        </p:spPr>
-        <p:txBody>
-          <a:bodyPr wrap="square" rtlCol="0">
-            <a:spAutoFit/>
-          </a:bodyPr>
-          <a:lstStyle/>
-          <a:p>
-            <a:pPr algn="ctr"/>
-            <a:r>
-              <a:rPr lang="en-US" dirty="0" smtClean="0"/>
-              <a:t>Suction</a:t>
-            </a:r>
-          </a:p>
-        </p:txBody>
-      </p:sp>
-      <p:sp>
-        <p:nvSpPr>
-          <p:cNvPr id="21" name="TextBox 20"/>
-          <p:cNvSpPr txBox="1"/>
-          <p:nvPr/>
-        </p:nvSpPr>
-        <p:spPr>
-          <a:xfrm>
-            <a:off x="5577840" y="3118104"/>
-            <a:ext cx="2194560" cy="369332"/>
-          </a:xfrm>
-          <a:prstGeom prst="rect">
-            <a:avLst/>
-          </a:prstGeom>
-          <a:noFill/>
-          <a:ln>
-            <a:solidFill>
-              <a:schemeClr val="tx1"/>
-            </a:solidFill>
-          </a:ln>
-        </p:spPr>
-        <p:txBody>
-          <a:bodyPr wrap="square" rtlCol="0">
-            <a:spAutoFit/>
-          </a:bodyPr>
-          <a:lstStyle/>
-          <a:p>
-            <a:pPr algn="ctr"/>
-            <a:r>
-              <a:rPr lang="en-US" dirty="0" smtClean="0"/>
-              <a:t>Air pressure</a:t>
-            </a:r>
-          </a:p>
-        </p:txBody>
-      </p:sp>
-      <p:sp>
-        <p:nvSpPr>
-          <p:cNvPr id="22" name="TextBox 21"/>
-          <p:cNvSpPr txBox="1"/>
-          <p:nvPr/>
-        </p:nvSpPr>
-        <p:spPr>
-          <a:xfrm>
-            <a:off x="5577840" y="3569208"/>
-            <a:ext cx="2194560" cy="369332"/>
-          </a:xfrm>
-          <a:prstGeom prst="rect">
-            <a:avLst/>
-          </a:prstGeom>
-          <a:noFill/>
-          <a:ln>
-            <a:solidFill>
-              <a:schemeClr val="tx1"/>
-            </a:solidFill>
-          </a:ln>
-        </p:spPr>
-        <p:txBody>
-          <a:bodyPr wrap="square" rtlCol="0">
-            <a:spAutoFit/>
-          </a:bodyPr>
-          <a:lstStyle/>
-          <a:p>
-            <a:pPr algn="ctr"/>
-            <a:r>
-              <a:rPr lang="en-US" dirty="0" smtClean="0"/>
-              <a:t>Water</a:t>
-            </a:r>
-          </a:p>
-        </p:txBody>
-      </p:sp>
-      <p:sp>
-        <p:nvSpPr>
-          <p:cNvPr id="23" name="TextBox 22"/>
-          <p:cNvSpPr txBox="1"/>
-          <p:nvPr/>
-        </p:nvSpPr>
-        <p:spPr>
-          <a:xfrm>
-            <a:off x="8101584" y="2649236"/>
-            <a:ext cx="2194560" cy="369332"/>
-          </a:xfrm>
-          <a:prstGeom prst="rect">
-            <a:avLst/>
-          </a:prstGeom>
-          <a:noFill/>
-          <a:ln>
-            <a:solidFill>
-              <a:schemeClr val="tx1"/>
-            </a:solidFill>
-          </a:ln>
-        </p:spPr>
-        <p:txBody>
-          <a:bodyPr wrap="square" rtlCol="0">
-            <a:spAutoFit/>
-          </a:bodyPr>
-          <a:lstStyle/>
-          <a:p>
-            <a:pPr algn="ctr"/>
-            <a:r>
-              <a:rPr lang="en-US" dirty="0" smtClean="0"/>
-              <a:t>Pressure</a:t>
-            </a:r>
-          </a:p>
-        </p:txBody>
-      </p:sp>
-      <p:sp>
-        <p:nvSpPr>
-          <p:cNvPr id="24" name="TextBox 23"/>
-          <p:cNvSpPr txBox="1"/>
-          <p:nvPr/>
-        </p:nvSpPr>
-        <p:spPr>
-          <a:xfrm>
-            <a:off x="8101584" y="3082576"/>
-            <a:ext cx="2194560" cy="369332"/>
-          </a:xfrm>
-          <a:prstGeom prst="rect">
-            <a:avLst/>
-          </a:prstGeom>
-          <a:noFill/>
-          <a:ln>
-            <a:solidFill>
-              <a:schemeClr val="tx1"/>
-            </a:solidFill>
-          </a:ln>
-        </p:spPr>
-        <p:txBody>
-          <a:bodyPr wrap="square" rtlCol="0">
-            <a:spAutoFit/>
-          </a:bodyPr>
-          <a:lstStyle/>
-          <a:p>
-            <a:pPr algn="ctr"/>
-            <a:r>
-              <a:rPr lang="en-US" dirty="0" smtClean="0"/>
-              <a:t>RPM</a:t>
-            </a:r>
-          </a:p>
-        </p:txBody>
-      </p:sp>
-      <p:sp>
-        <p:nvSpPr>
-          <p:cNvPr id="25" name="TextBox 24"/>
-          <p:cNvSpPr txBox="1"/>
-          <p:nvPr/>
-        </p:nvSpPr>
-        <p:spPr>
-          <a:xfrm>
-            <a:off x="8101584" y="3515916"/>
-            <a:ext cx="2194560" cy="369332"/>
-          </a:xfrm>
-          <a:prstGeom prst="rect">
-            <a:avLst/>
-          </a:prstGeom>
-          <a:noFill/>
-          <a:ln>
-            <a:solidFill>
-              <a:schemeClr val="tx1"/>
-            </a:solidFill>
-          </a:ln>
-        </p:spPr>
-        <p:txBody>
-          <a:bodyPr wrap="square" rtlCol="0">
-            <a:spAutoFit/>
-          </a:bodyPr>
-          <a:lstStyle/>
-          <a:p>
-            <a:pPr algn="ctr"/>
-            <a:r>
-              <a:rPr lang="en-US" dirty="0" smtClean="0"/>
-              <a:t>Torque</a:t>
-            </a:r>
-          </a:p>
-        </p:txBody>
-      </p:sp>
-      <p:sp>
-        <p:nvSpPr>
-          <p:cNvPr id="26" name="TextBox 25"/>
-          <p:cNvSpPr txBox="1"/>
-          <p:nvPr/>
-        </p:nvSpPr>
-        <p:spPr>
-          <a:xfrm>
-            <a:off x="4277868" y="5410200"/>
-            <a:ext cx="2359152" cy="369332"/>
-          </a:xfrm>
-          <a:prstGeom prst="rect">
-            <a:avLst/>
-          </a:prstGeom>
-          <a:noFill/>
-          <a:ln>
-            <a:solidFill>
-              <a:schemeClr val="tx1"/>
-            </a:solidFill>
-          </a:ln>
-        </p:spPr>
-        <p:txBody>
-          <a:bodyPr wrap="square" rtlCol="0">
-            <a:spAutoFit/>
-          </a:bodyPr>
-          <a:lstStyle/>
-          <a:p>
-            <a:pPr algn="ctr"/>
-            <a:r>
-              <a:rPr lang="en-US" dirty="0" smtClean="0"/>
-              <a:t>Subsystem Outline</a:t>
-            </a:r>
-          </a:p>
-        </p:txBody>
-      </p:sp>
-    </p:spTree>
-    <p:extLst>
-      <p:ext uri="{BB962C8B-B14F-4D97-AF65-F5344CB8AC3E}">
-        <p14:creationId xmlns:p14="http://schemas.microsoft.com/office/powerpoint/2010/main" val="3757267738"/>
-      </p:ext>
-    </p:extLst>
-  </p:cSld>
-  <p:clrMapOvr>
-    <a:masterClrMapping/>
-  </p:clrMapOvr>
-</p:sld>
-</file>
-
-<file path=ppt/slides/slide6.xml><?xml version="1.0" encoding="utf-8"?>
-<p:sld xmlns:a="http://schemas.openxmlformats.org/drawingml/2006/main" xmlns:r="http://schemas.openxmlformats.org/officeDocument/2006/relationships" xmlns:p="http://schemas.openxmlformats.org/presentationml/2006/main">
-  <p:cSld>
-    <p:spTree>
-      <p:nvGrpSpPr>
-        <p:cNvPr id="1" name=""/>
-        <p:cNvGrpSpPr/>
-        <p:nvPr/>
-      </p:nvGrpSpPr>
-      <p:grpSpPr>
-        <a:xfrm>
-          <a:off x="0" y="0"/>
-          <a:ext cx="0" cy="0"/>
-          <a:chOff x="0" y="0"/>
-          <a:chExt cx="0" cy="0"/>
-        </a:xfrm>
-      </p:grpSpPr>
-      <p:sp>
-        <p:nvSpPr>
-          <p:cNvPr id="4" name="Slide Number Placeholder 3"/>
-          <p:cNvSpPr>
-            <a:spLocks noGrp="1"/>
-          </p:cNvSpPr>
-          <p:nvPr>
-            <p:ph type="sldNum" sz="quarter" idx="12"/>
-          </p:nvPr>
-        </p:nvSpPr>
         <p:spPr>
           <a:xfrm>
             <a:off x="9306059" y="6438513"/>
@@ -6323,7 +5944,7 @@
               <a:rPr lang="en-US" smtClean="0">
                 <a:latin typeface="Garamond" panose="02020404030301010803" pitchFamily="18" charset="0"/>
               </a:rPr>
-              <a:t>6</a:t>
+              <a:t>5</a:t>
             </a:fld>
             <a:endParaRPr lang="en-US" dirty="0">
               <a:latin typeface="Garamond" panose="02020404030301010803" pitchFamily="18" charset="0"/>
@@ -6572,6 +6193,98 @@
           </a:prstGeom>
         </p:spPr>
       </p:pic>
+      <p:sp>
+        <p:nvSpPr>
+          <p:cNvPr id="2" name="Rectangle 1"/>
+          <p:cNvSpPr/>
+          <p:nvPr/>
+        </p:nvSpPr>
+        <p:spPr>
+          <a:xfrm>
+            <a:off x="1600200" y="768096"/>
+            <a:ext cx="4425696" cy="4818888"/>
+          </a:xfrm>
+          <a:prstGeom prst="rect">
+            <a:avLst/>
+          </a:prstGeom>
+          <a:noFill/>
+          <a:ln w="38100">
+            <a:solidFill>
+              <a:srgbClr val="FF0000"/>
+            </a:solidFill>
+          </a:ln>
+        </p:spPr>
+        <p:style>
+          <a:lnRef idx="2">
+            <a:schemeClr val="accent1">
+              <a:shade val="50000"/>
+            </a:schemeClr>
+          </a:lnRef>
+          <a:fillRef idx="1">
+            <a:schemeClr val="accent1"/>
+          </a:fillRef>
+          <a:effectRef idx="0">
+            <a:schemeClr val="accent1"/>
+          </a:effectRef>
+          <a:fontRef idx="minor">
+            <a:schemeClr val="lt1"/>
+          </a:fontRef>
+        </p:style>
+        <p:txBody>
+          <a:bodyPr rtlCol="0" anchor="ctr"/>
+          <a:lstStyle/>
+          <a:p>
+            <a:pPr algn="ctr"/>
+            <a:endParaRPr lang="en-US"/>
+          </a:p>
+        </p:txBody>
+      </p:sp>
+      <p:sp>
+        <p:nvSpPr>
+          <p:cNvPr id="3" name="Oval 2"/>
+          <p:cNvSpPr/>
+          <p:nvPr/>
+        </p:nvSpPr>
+        <p:spPr>
+          <a:xfrm>
+            <a:off x="8083296" y="1527048"/>
+            <a:ext cx="2578608" cy="3090672"/>
+          </a:xfrm>
+          <a:prstGeom prst="ellipse">
+            <a:avLst/>
+          </a:prstGeom>
+          <a:noFill/>
+          <a:ln w="28575">
+            <a:solidFill>
+              <a:srgbClr val="FF0000"/>
+            </a:solidFill>
+          </a:ln>
+        </p:spPr>
+        <p:style>
+          <a:lnRef idx="2">
+            <a:schemeClr val="accent1">
+              <a:shade val="50000"/>
+            </a:schemeClr>
+          </a:lnRef>
+          <a:fillRef idx="1">
+            <a:schemeClr val="accent1"/>
+          </a:fillRef>
+          <a:effectRef idx="0">
+            <a:schemeClr val="accent1"/>
+          </a:effectRef>
+          <a:fontRef idx="minor">
+            <a:schemeClr val="lt1"/>
+          </a:fontRef>
+        </p:style>
+        <p:txBody>
+          <a:bodyPr rtlCol="0" anchor="ctr"/>
+          <a:lstStyle/>
+          <a:p>
+            <a:pPr algn="ctr"/>
+            <a:endParaRPr lang="en-US"/>
+          </a:p>
+        </p:txBody>
+      </p:sp>
     </p:spTree>
     <p:extLst>
       <p:ext uri="{BB962C8B-B14F-4D97-AF65-F5344CB8AC3E}">
@@ -6592,7 +6305,7 @@
 </p:sld>
 </file>
 
-<file path=ppt/slides/slide7.xml><?xml version="1.0" encoding="utf-8"?>
+<file path=ppt/slides/slide6.xml><?xml version="1.0" encoding="utf-8"?>
 <p:sld xmlns:a="http://schemas.openxmlformats.org/drawingml/2006/main" xmlns:r="http://schemas.openxmlformats.org/officeDocument/2006/relationships" xmlns:p="http://schemas.openxmlformats.org/presentationml/2006/main">
   <p:cSld>
     <p:spTree>
@@ -6633,7 +6346,7 @@
               <a:rPr lang="en-US" smtClean="0">
                 <a:latin typeface="Garamond" panose="02020404030301010803" pitchFamily="18" charset="0"/>
               </a:rPr>
-              <a:t>7</a:t>
+              <a:t>6</a:t>
             </a:fld>
             <a:endParaRPr lang="en-US" dirty="0">
               <a:latin typeface="Garamond" panose="02020404030301010803" pitchFamily="18" charset="0"/>
@@ -9957,7 +9670,7 @@
 </p:sld>
 </file>
 
-<file path=ppt/slides/slide8.xml><?xml version="1.0" encoding="utf-8"?>
+<file path=ppt/slides/slide7.xml><?xml version="1.0" encoding="utf-8"?>
 <p:sld xmlns:a="http://schemas.openxmlformats.org/drawingml/2006/main" xmlns:r="http://schemas.openxmlformats.org/officeDocument/2006/relationships" xmlns:p="http://schemas.openxmlformats.org/presentationml/2006/main">
   <p:cSld>
     <p:spTree>
@@ -9998,7 +9711,7 @@
               <a:rPr lang="en-US" smtClean="0">
                 <a:latin typeface="Garamond" panose="02020404030301010803" pitchFamily="18" charset="0"/>
               </a:rPr>
-              <a:t>8</a:t>
+              <a:t>7</a:t>
             </a:fld>
             <a:endParaRPr lang="en-US" dirty="0">
               <a:latin typeface="Garamond" panose="02020404030301010803" pitchFamily="18" charset="0"/>
@@ -10295,7 +10008,7 @@
 </p:sld>
 </file>
 
-<file path=ppt/slides/slide9.xml><?xml version="1.0" encoding="utf-8"?>
+<file path=ppt/slides/slide8.xml><?xml version="1.0" encoding="utf-8"?>
 <p:sld xmlns:a="http://schemas.openxmlformats.org/drawingml/2006/main" xmlns:r="http://schemas.openxmlformats.org/officeDocument/2006/relationships" xmlns:p="http://schemas.openxmlformats.org/presentationml/2006/main">
   <p:cSld>
     <p:spTree>
@@ -10382,7 +10095,7 @@
               <a:rPr lang="en-US" smtClean="0">
                 <a:latin typeface="Garamond" panose="02020404030301010803" pitchFamily="18" charset="0"/>
               </a:rPr>
-              <a:t>9</a:t>
+              <a:t>8</a:t>
             </a:fld>
             <a:endParaRPr lang="en-US" dirty="0">
               <a:latin typeface="Garamond" panose="02020404030301010803" pitchFamily="18" charset="0"/>
@@ -10783,6 +10496,338 @@
     <p:extLst>
       <p:ext uri="{BB962C8B-B14F-4D97-AF65-F5344CB8AC3E}">
         <p14:creationId xmlns:p14="http://schemas.microsoft.com/office/powerpoint/2010/main" val="318833847"/>
+      </p:ext>
+    </p:extLst>
+  </p:cSld>
+  <p:clrMapOvr>
+    <a:masterClrMapping/>
+  </p:clrMapOvr>
+  <p:timing>
+    <p:tnLst>
+      <p:par>
+        <p:cTn id="1" dur="indefinite" restart="never" nodeType="tmRoot"/>
+      </p:par>
+    </p:tnLst>
+  </p:timing>
+</p:sld>
+</file>
+
+<file path=ppt/slides/slide9.xml><?xml version="1.0" encoding="utf-8"?>
+<p:sld xmlns:a="http://schemas.openxmlformats.org/drawingml/2006/main" xmlns:r="http://schemas.openxmlformats.org/officeDocument/2006/relationships" xmlns:p="http://schemas.openxmlformats.org/presentationml/2006/main">
+  <p:cSld>
+    <p:spTree>
+      <p:nvGrpSpPr>
+        <p:cNvPr id="1" name=""/>
+        <p:cNvGrpSpPr/>
+        <p:nvPr/>
+      </p:nvGrpSpPr>
+      <p:grpSpPr>
+        <a:xfrm>
+          <a:off x="0" y="0"/>
+          <a:ext cx="0" cy="0"/>
+          <a:chOff x="0" y="0"/>
+          <a:chExt cx="0" cy="0"/>
+        </a:xfrm>
+      </p:grpSpPr>
+      <p:sp>
+        <p:nvSpPr>
+          <p:cNvPr id="4" name="Slide Number Placeholder 3"/>
+          <p:cNvSpPr>
+            <a:spLocks noGrp="1"/>
+          </p:cNvSpPr>
+          <p:nvPr>
+            <p:ph type="sldNum" sz="quarter" idx="12"/>
+          </p:nvPr>
+        </p:nvSpPr>
+        <p:spPr>
+          <a:xfrm>
+            <a:off x="9306059" y="6438513"/>
+            <a:ext cx="2743200" cy="365125"/>
+          </a:xfrm>
+        </p:spPr>
+        <p:txBody>
+          <a:bodyPr/>
+          <a:lstStyle/>
+          <a:p>
+            <a:fld id="{27225834-A5F4-4780-A9FC-586FB30F9BB0}" type="slidenum">
+              <a:rPr lang="en-US" smtClean="0">
+                <a:latin typeface="Garamond" panose="02020404030301010803" pitchFamily="18" charset="0"/>
+              </a:rPr>
+              <a:t>9</a:t>
+            </a:fld>
+            <a:endParaRPr lang="en-US" dirty="0">
+              <a:latin typeface="Garamond" panose="02020404030301010803" pitchFamily="18" charset="0"/>
+            </a:endParaRPr>
+          </a:p>
+        </p:txBody>
+      </p:sp>
+      <p:sp>
+        <p:nvSpPr>
+          <p:cNvPr id="19" name="TextBox 18"/>
+          <p:cNvSpPr txBox="1"/>
+          <p:nvPr/>
+        </p:nvSpPr>
+        <p:spPr>
+          <a:xfrm>
+            <a:off x="128788" y="6482577"/>
+            <a:ext cx="4201920" cy="276999"/>
+          </a:xfrm>
+          <a:prstGeom prst="rect">
+            <a:avLst/>
+          </a:prstGeom>
+          <a:noFill/>
+        </p:spPr>
+        <p:txBody>
+          <a:bodyPr wrap="none" rtlCol="0">
+            <a:spAutoFit/>
+          </a:bodyPr>
+          <a:lstStyle/>
+          <a:p>
+            <a:r>
+              <a:rPr lang="en-US" sz="1200" dirty="0" smtClean="0">
+                <a:latin typeface="Garamond" panose="02020404030301010803" pitchFamily="18" charset="0"/>
+                <a:cs typeface="Times New Roman" panose="02020603050405020304" pitchFamily="18" charset="0"/>
+              </a:rPr>
+              <a:t>Portland State Aerospace Society | Electric Propellant Feed System</a:t>
+            </a:r>
+            <a:endParaRPr lang="en-US" sz="1200" dirty="0">
+              <a:latin typeface="Garamond" panose="02020404030301010803" pitchFamily="18" charset="0"/>
+              <a:cs typeface="Times New Roman" panose="02020603050405020304" pitchFamily="18" charset="0"/>
+            </a:endParaRPr>
+          </a:p>
+        </p:txBody>
+      </p:sp>
+      <p:sp>
+        <p:nvSpPr>
+          <p:cNvPr id="5" name="TextBox 4"/>
+          <p:cNvSpPr txBox="1"/>
+          <p:nvPr/>
+        </p:nvSpPr>
+        <p:spPr>
+          <a:xfrm>
+            <a:off x="128788" y="0"/>
+            <a:ext cx="1685077" cy="276999"/>
+          </a:xfrm>
+          <a:prstGeom prst="rect">
+            <a:avLst/>
+          </a:prstGeom>
+          <a:noFill/>
+        </p:spPr>
+        <p:txBody>
+          <a:bodyPr wrap="none" rtlCol="0">
+            <a:spAutoFit/>
+          </a:bodyPr>
+          <a:lstStyle/>
+          <a:p>
+            <a:r>
+              <a:rPr lang="en-US" sz="1200" dirty="0" smtClean="0">
+                <a:latin typeface="Garamond" panose="02020404030301010803" pitchFamily="18" charset="0"/>
+                <a:cs typeface="Times New Roman" panose="02020603050405020304" pitchFamily="18" charset="0"/>
+              </a:rPr>
+              <a:t>Final Design: Subsystem </a:t>
+            </a:r>
+            <a:endParaRPr lang="en-US" sz="1200" dirty="0">
+              <a:latin typeface="Garamond" panose="02020404030301010803" pitchFamily="18" charset="0"/>
+              <a:cs typeface="Times New Roman" panose="02020603050405020304" pitchFamily="18" charset="0"/>
+            </a:endParaRPr>
+          </a:p>
+        </p:txBody>
+      </p:sp>
+      <p:sp>
+        <p:nvSpPr>
+          <p:cNvPr id="13" name="TextBox 12"/>
+          <p:cNvSpPr txBox="1"/>
+          <p:nvPr/>
+        </p:nvSpPr>
+        <p:spPr>
+          <a:xfrm>
+            <a:off x="7603250" y="138499"/>
+            <a:ext cx="6490448" cy="1200329"/>
+          </a:xfrm>
+          <a:prstGeom prst="rect">
+            <a:avLst/>
+          </a:prstGeom>
+          <a:noFill/>
+        </p:spPr>
+        <p:txBody>
+          <a:bodyPr wrap="square" rtlCol="0">
+            <a:spAutoFit/>
+          </a:bodyPr>
+          <a:lstStyle/>
+          <a:p>
+            <a:r>
+              <a:rPr lang="en-US" dirty="0" smtClean="0"/>
+              <a:t>To insert: </a:t>
+            </a:r>
+          </a:p>
+          <a:p>
+            <a:r>
+              <a:rPr lang="en-US" dirty="0" smtClean="0"/>
+              <a:t>Flow diagram of testing apparatus – Diagram</a:t>
+            </a:r>
+          </a:p>
+          <a:p>
+            <a:r>
+              <a:rPr lang="en-US" dirty="0" smtClean="0"/>
+              <a:t>Photo of the testing apparatus – high res photo</a:t>
+            </a:r>
+          </a:p>
+          <a:p>
+            <a:r>
+              <a:rPr lang="en-US" dirty="0" smtClean="0"/>
+              <a:t>Photo of DAQ / measurement / harness</a:t>
+            </a:r>
+          </a:p>
+        </p:txBody>
+      </p:sp>
+      <p:sp>
+        <p:nvSpPr>
+          <p:cNvPr id="15" name="TextBox 14"/>
+          <p:cNvSpPr txBox="1"/>
+          <p:nvPr/>
+        </p:nvSpPr>
+        <p:spPr>
+          <a:xfrm>
+            <a:off x="0" y="553998"/>
+            <a:ext cx="7339263" cy="2308324"/>
+          </a:xfrm>
+          <a:prstGeom prst="rect">
+            <a:avLst/>
+          </a:prstGeom>
+          <a:noFill/>
+        </p:spPr>
+        <p:txBody>
+          <a:bodyPr wrap="square" rtlCol="0">
+            <a:spAutoFit/>
+          </a:bodyPr>
+          <a:lstStyle/>
+          <a:p>
+            <a:r>
+              <a:rPr lang="en-US" dirty="0" smtClean="0"/>
+              <a:t>Notes:</a:t>
+            </a:r>
+          </a:p>
+          <a:p>
+            <a:r>
+              <a:rPr lang="en-US" dirty="0" smtClean="0"/>
+              <a:t>Subsystem breakdown:</a:t>
+            </a:r>
+          </a:p>
+          <a:p>
+            <a:r>
+              <a:rPr lang="en-US" dirty="0" smtClean="0"/>
+              <a:t>Testing Apparatus:</a:t>
+            </a:r>
+          </a:p>
+          <a:p>
+            <a:pPr lvl="1"/>
+            <a:r>
+              <a:rPr lang="en-US" dirty="0" smtClean="0"/>
+              <a:t>Tank, suction line, discharge, experimental procedure, cooling </a:t>
+            </a:r>
+          </a:p>
+          <a:p>
+            <a:pPr lvl="1"/>
+            <a:r>
+              <a:rPr lang="en-US" dirty="0" smtClean="0"/>
+              <a:t>Sensing </a:t>
+            </a:r>
+          </a:p>
+          <a:p>
+            <a:pPr lvl="1"/>
+            <a:r>
+              <a:rPr lang="en-US" dirty="0"/>
+              <a:t>	</a:t>
+            </a:r>
+            <a:r>
+              <a:rPr lang="en-US" dirty="0" smtClean="0"/>
+              <a:t>Pressure, flow, RPM, Torque</a:t>
+            </a:r>
+          </a:p>
+          <a:p>
+            <a:pPr lvl="1"/>
+            <a:r>
+              <a:rPr lang="en-US" dirty="0" smtClean="0"/>
+              <a:t>Data Acquisition</a:t>
+            </a:r>
+          </a:p>
+          <a:p>
+            <a:pPr lvl="1"/>
+            <a:r>
+              <a:rPr lang="en-US" dirty="0"/>
+              <a:t>	</a:t>
+            </a:r>
+            <a:r>
+              <a:rPr lang="en-US" dirty="0" smtClean="0"/>
+              <a:t>Arduino to excel </a:t>
+            </a:r>
+          </a:p>
+        </p:txBody>
+      </p:sp>
+      <p:cxnSp>
+        <p:nvCxnSpPr>
+          <p:cNvPr id="16" name="Straight Connector 15"/>
+          <p:cNvCxnSpPr/>
+          <p:nvPr/>
+        </p:nvCxnSpPr>
+        <p:spPr>
+          <a:xfrm>
+            <a:off x="235677" y="276999"/>
+            <a:ext cx="307199" cy="0"/>
+          </a:xfrm>
+          <a:prstGeom prst="line">
+            <a:avLst/>
+          </a:prstGeom>
+        </p:spPr>
+        <p:style>
+          <a:lnRef idx="1">
+            <a:schemeClr val="dk1"/>
+          </a:lnRef>
+          <a:fillRef idx="0">
+            <a:schemeClr val="dk1"/>
+          </a:fillRef>
+          <a:effectRef idx="0">
+            <a:schemeClr val="dk1"/>
+          </a:effectRef>
+          <a:fontRef idx="minor">
+            <a:schemeClr val="tx1"/>
+          </a:fontRef>
+        </p:style>
+      </p:cxnSp>
+      <p:sp>
+        <p:nvSpPr>
+          <p:cNvPr id="8" name="TextBox 7"/>
+          <p:cNvSpPr txBox="1"/>
+          <p:nvPr/>
+        </p:nvSpPr>
+        <p:spPr>
+          <a:xfrm>
+            <a:off x="2127504" y="4130189"/>
+            <a:ext cx="7339263" cy="369332"/>
+          </a:xfrm>
+          <a:prstGeom prst="rect">
+            <a:avLst/>
+          </a:prstGeom>
+          <a:noFill/>
+        </p:spPr>
+        <p:txBody>
+          <a:bodyPr wrap="square" rtlCol="0">
+            <a:spAutoFit/>
+          </a:bodyPr>
+          <a:lstStyle/>
+          <a:p>
+            <a:r>
+              <a:rPr lang="en-US" dirty="0" smtClean="0"/>
+              <a:t>Currently not in use….</a:t>
+            </a:r>
+            <a:endParaRPr lang="en-US" dirty="0" smtClean="0"/>
+          </a:p>
+        </p:txBody>
+      </p:sp>
+    </p:spTree>
+    <p:extLst>
+      <p:ext uri="{BB962C8B-B14F-4D97-AF65-F5344CB8AC3E}">
+        <p14:creationId xmlns:p14="http://schemas.microsoft.com/office/powerpoint/2010/main" val="1989979975"/>
       </p:ext>
     </p:extLst>
   </p:cSld>

--- a/Docs/Presentations/Slides/#5 design and subsystems.pptx
+++ b/Docs/Presentations/Slides/#5 design and subsystems.pptx
@@ -5,17 +5,18 @@
     <p:sldMasterId id="2147483660" r:id="rId1"/>
   </p:sldMasterIdLst>
   <p:notesMasterIdLst>
-    <p:notesMasterId r:id="rId7"/>
+    <p:notesMasterId r:id="rId8"/>
   </p:notesMasterIdLst>
   <p:handoutMasterIdLst>
-    <p:handoutMasterId r:id="rId8"/>
+    <p:handoutMasterId r:id="rId9"/>
   </p:handoutMasterIdLst>
   <p:sldIdLst>
     <p:sldId id="258" r:id="rId2"/>
     <p:sldId id="269" r:id="rId3"/>
     <p:sldId id="277" r:id="rId4"/>
-    <p:sldId id="275" r:id="rId5"/>
-    <p:sldId id="274" r:id="rId6"/>
+    <p:sldId id="274" r:id="rId5"/>
+    <p:sldId id="275" r:id="rId6"/>
+    <p:sldId id="278" r:id="rId7"/>
   </p:sldIdLst>
   <p:sldSz cx="12192000" cy="6858000"/>
   <p:notesSz cx="6858000" cy="9144000"/>
@@ -204,7 +205,7 @@
           <a:p>
             <a:fld id="{44E562D0-84FD-411E-8C3F-A36A948BC859}" type="datetimeFigureOut">
               <a:rPr lang="en-US" smtClean="0"/>
-              <a:t>6/7/2017</a:t>
+              <a:t>6/8/2017</a:t>
             </a:fld>
             <a:endParaRPr lang="en-US"/>
           </a:p>
@@ -369,7 +370,7 @@
           <a:p>
             <a:fld id="{66175D2C-1B39-43F9-A837-A8832EDEE424}" type="datetimeFigureOut">
               <a:rPr lang="en-US" smtClean="0"/>
-              <a:t>6/7/2017</a:t>
+              <a:t>6/8/2017</a:t>
             </a:fld>
             <a:endParaRPr lang="en-US"/>
           </a:p>
@@ -768,7 +769,7 @@
           <a:p>
             <a:fld id="{A3262095-DDFB-454B-A6DA-90DBA20ABDC0}" type="datetime1">
               <a:rPr lang="en-US" smtClean="0"/>
-              <a:t>6/7/2017</a:t>
+              <a:t>6/8/2017</a:t>
             </a:fld>
             <a:endParaRPr lang="en-US"/>
           </a:p>
@@ -938,7 +939,7 @@
           <a:p>
             <a:fld id="{B5E7B701-CC3D-4513-A491-644406E6E0F3}" type="datetime1">
               <a:rPr lang="en-US" smtClean="0"/>
-              <a:t>6/7/2017</a:t>
+              <a:t>6/8/2017</a:t>
             </a:fld>
             <a:endParaRPr lang="en-US"/>
           </a:p>
@@ -1118,7 +1119,7 @@
           <a:p>
             <a:fld id="{06394014-7AF7-469C-99A4-D8404E64CDA7}" type="datetime1">
               <a:rPr lang="en-US" smtClean="0"/>
-              <a:t>6/7/2017</a:t>
+              <a:t>6/8/2017</a:t>
             </a:fld>
             <a:endParaRPr lang="en-US"/>
           </a:p>
@@ -1288,7 +1289,7 @@
           <a:p>
             <a:fld id="{F0E725F3-5DDC-43C9-9B04-B0DA72289B5F}" type="datetime1">
               <a:rPr lang="en-US" smtClean="0"/>
-              <a:t>6/7/2017</a:t>
+              <a:t>6/8/2017</a:t>
             </a:fld>
             <a:endParaRPr lang="en-US"/>
           </a:p>
@@ -1534,7 +1535,7 @@
           <a:p>
             <a:fld id="{EC13F56B-DA0B-4D08-9588-D2C5E58A8A05}" type="datetime1">
               <a:rPr lang="en-US" smtClean="0"/>
-              <a:t>6/7/2017</a:t>
+              <a:t>6/8/2017</a:t>
             </a:fld>
             <a:endParaRPr lang="en-US"/>
           </a:p>
@@ -1766,7 +1767,7 @@
           <a:p>
             <a:fld id="{299C329F-D0C2-462C-B78C-73BED02F6B3A}" type="datetime1">
               <a:rPr lang="en-US" smtClean="0"/>
-              <a:t>6/7/2017</a:t>
+              <a:t>6/8/2017</a:t>
             </a:fld>
             <a:endParaRPr lang="en-US"/>
           </a:p>
@@ -2133,7 +2134,7 @@
           <a:p>
             <a:fld id="{D9794D81-9A86-4611-8F90-73F29CC9E4B5}" type="datetime1">
               <a:rPr lang="en-US" smtClean="0"/>
-              <a:t>6/7/2017</a:t>
+              <a:t>6/8/2017</a:t>
             </a:fld>
             <a:endParaRPr lang="en-US"/>
           </a:p>
@@ -2251,7 +2252,7 @@
           <a:p>
             <a:fld id="{D68F34C9-1C3C-47F7-B45B-284099DAC214}" type="datetime1">
               <a:rPr lang="en-US" smtClean="0"/>
-              <a:t>6/7/2017</a:t>
+              <a:t>6/8/2017</a:t>
             </a:fld>
             <a:endParaRPr lang="en-US"/>
           </a:p>
@@ -2346,7 +2347,7 @@
           <a:p>
             <a:fld id="{1967B72D-8EFB-4381-8B1D-B7106AB7E466}" type="datetime1">
               <a:rPr lang="en-US" smtClean="0"/>
-              <a:t>6/7/2017</a:t>
+              <a:t>6/8/2017</a:t>
             </a:fld>
             <a:endParaRPr lang="en-US"/>
           </a:p>
@@ -2623,7 +2624,7 @@
           <a:p>
             <a:fld id="{5EDFAFED-D5AA-4784-B428-C75142A947D6}" type="datetime1">
               <a:rPr lang="en-US" smtClean="0"/>
-              <a:t>6/7/2017</a:t>
+              <a:t>6/8/2017</a:t>
             </a:fld>
             <a:endParaRPr lang="en-US"/>
           </a:p>
@@ -2876,7 +2877,7 @@
           <a:p>
             <a:fld id="{43BCD765-5746-4CF0-A4A3-8D605663D487}" type="datetime1">
               <a:rPr lang="en-US" smtClean="0"/>
-              <a:t>6/7/2017</a:t>
+              <a:t>6/8/2017</a:t>
             </a:fld>
             <a:endParaRPr lang="en-US"/>
           </a:p>
@@ -3089,7 +3090,7 @@
           <a:p>
             <a:fld id="{9CCE6136-CE43-4DBF-98E4-9D97BE59DE46}" type="datetime1">
               <a:rPr lang="en-US" smtClean="0"/>
-              <a:t>6/7/2017</a:t>
+              <a:t>6/8/2017</a:t>
             </a:fld>
             <a:endParaRPr lang="en-US"/>
           </a:p>
@@ -3519,15 +3520,7 @@
           <a:p>
             <a:r>
               <a:rPr lang="en-US" sz="8000" dirty="0" smtClean="0"/>
-              <a:t>#5 </a:t>
-            </a:r>
-            <a:r>
-              <a:rPr lang="en-US" sz="8000" dirty="0" smtClean="0"/>
-              <a:t>Final System and  </a:t>
-            </a:r>
-            <a:r>
-              <a:rPr lang="en-US" sz="8000" dirty="0" smtClean="0"/>
-              <a:t>Subsystem breakdown </a:t>
+              <a:t>#5 Final System and  Subsystem breakdown </a:t>
             </a:r>
             <a:endParaRPr lang="en-US" sz="8000" dirty="0"/>
           </a:p>
@@ -3752,40 +3745,52 @@
       </p:sp>
       <p:sp>
         <p:nvSpPr>
-          <p:cNvPr id="14" name="Title 1"/>
-          <p:cNvSpPr>
-            <a:spLocks noGrp="1"/>
-          </p:cNvSpPr>
-          <p:nvPr>
-            <p:ph type="title"/>
-          </p:nvPr>
-        </p:nvSpPr>
-        <p:spPr>
-          <a:xfrm>
-            <a:off x="758772" y="365304"/>
-            <a:ext cx="10515600" cy="1325563"/>
-          </a:xfrm>
-        </p:spPr>
-        <p:txBody>
-          <a:bodyPr>
+          <p:cNvPr id="9" name="Title 1"/>
+          <p:cNvSpPr txBox="1">
+            <a:spLocks/>
+          </p:cNvSpPr>
+          <p:nvPr/>
+        </p:nvSpPr>
+        <p:spPr>
+          <a:xfrm>
+            <a:off x="775854" y="0"/>
+            <a:ext cx="10515600" cy="602673"/>
+          </a:xfrm>
+          <a:prstGeom prst="rect">
+            <a:avLst/>
+          </a:prstGeom>
+        </p:spPr>
+        <p:txBody>
+          <a:bodyPr vert="horz" lIns="91440" tIns="45720" rIns="91440" bIns="45720" rtlCol="0" anchor="b">
             <a:noAutofit/>
           </a:bodyPr>
-          <a:lstStyle/>
-          <a:p>
-            <a:pPr algn="ctr"/>
-            <a:r>
-              <a:rPr lang="en-US" sz="5400" dirty="0" smtClean="0">
+          <a:lstStyle>
+            <a:lvl1pPr algn="ctr" defTabSz="914400" rtl="0" eaLnBrk="1" latinLnBrk="0" hangingPunct="1">
+              <a:lnSpc>
+                <a:spcPct val="90000"/>
+              </a:lnSpc>
+              <a:spcBef>
+                <a:spcPct val="0"/>
+              </a:spcBef>
+              <a:buNone/>
+              <a:defRPr sz="6000" kern="1200">
+                <a:solidFill>
+                  <a:schemeClr val="tx1"/>
+                </a:solidFill>
+                <a:latin typeface="+mj-lt"/>
+                <a:ea typeface="+mj-ea"/>
+                <a:cs typeface="+mj-cs"/>
+              </a:defRPr>
+            </a:lvl1pPr>
+          </a:lstStyle>
+          <a:p>
+            <a:r>
+              <a:rPr lang="en-US" sz="3200" dirty="0" smtClean="0">
                 <a:latin typeface="Garamond" panose="02020404030301010803" pitchFamily="18" charset="0"/>
               </a:rPr>
-              <a:t>Fina</a:t>
-            </a:r>
-            <a:r>
-              <a:rPr lang="en-US" sz="5400" dirty="0" smtClean="0">
-                <a:latin typeface="Garamond" panose="02020404030301010803" pitchFamily="18" charset="0"/>
-              </a:rPr>
-              <a:t>l System</a:t>
-            </a:r>
-            <a:endParaRPr lang="en-US" sz="5400" dirty="0">
+              <a:t>Electric Feed System: Final Design and Subsystems</a:t>
+            </a:r>
+            <a:endParaRPr lang="en-US" sz="3200" dirty="0">
               <a:latin typeface="Garamond" panose="02020404030301010803" pitchFamily="18" charset="0"/>
             </a:endParaRPr>
           </a:p>
@@ -3793,27 +3798,27 @@
       </p:sp>
       <p:cxnSp>
         <p:nvCxnSpPr>
-          <p:cNvPr id="15" name="Straight Connector 14"/>
+          <p:cNvPr id="13" name="Straight Connector 12"/>
           <p:cNvCxnSpPr/>
           <p:nvPr/>
         </p:nvCxnSpPr>
         <p:spPr>
-          <a:xfrm flipV="1">
-            <a:off x="329184" y="1353312"/>
-            <a:ext cx="11119104" cy="18288"/>
+          <a:xfrm>
+            <a:off x="519545" y="644238"/>
+            <a:ext cx="11055928" cy="0"/>
           </a:xfrm>
           <a:prstGeom prst="line">
             <a:avLst/>
           </a:prstGeom>
         </p:spPr>
         <p:style>
-          <a:lnRef idx="3">
+          <a:lnRef idx="1">
             <a:schemeClr val="dk1"/>
           </a:lnRef>
           <a:fillRef idx="0">
             <a:schemeClr val="dk1"/>
           </a:fillRef>
-          <a:effectRef idx="2">
+          <a:effectRef idx="0">
             <a:schemeClr val="dk1"/>
           </a:effectRef>
           <a:fontRef idx="minor">
@@ -3821,6 +3826,69 @@
           </a:fontRef>
         </p:style>
       </p:cxnSp>
+      <p:sp>
+        <p:nvSpPr>
+          <p:cNvPr id="16" name="Title 1"/>
+          <p:cNvSpPr txBox="1">
+            <a:spLocks/>
+          </p:cNvSpPr>
+          <p:nvPr/>
+        </p:nvSpPr>
+        <p:spPr>
+          <a:xfrm>
+            <a:off x="789709" y="885371"/>
+            <a:ext cx="10515600" cy="5067560"/>
+          </a:xfrm>
+          <a:prstGeom prst="rect">
+            <a:avLst/>
+          </a:prstGeom>
+        </p:spPr>
+        <p:txBody>
+          <a:bodyPr vert="horz" lIns="91440" tIns="45720" rIns="91440" bIns="45720" rtlCol="0" anchor="t">
+            <a:noAutofit/>
+          </a:bodyPr>
+          <a:lstStyle>
+            <a:lvl1pPr algn="ctr" defTabSz="914400" rtl="0" eaLnBrk="1" latinLnBrk="0" hangingPunct="1">
+              <a:lnSpc>
+                <a:spcPct val="90000"/>
+              </a:lnSpc>
+              <a:spcBef>
+                <a:spcPct val="0"/>
+              </a:spcBef>
+              <a:buNone/>
+              <a:defRPr sz="6000" kern="1200">
+                <a:solidFill>
+                  <a:schemeClr val="tx1"/>
+                </a:solidFill>
+                <a:latin typeface="+mj-lt"/>
+                <a:ea typeface="+mj-ea"/>
+                <a:cs typeface="+mj-cs"/>
+              </a:defRPr>
+            </a:lvl1pPr>
+          </a:lstStyle>
+          <a:p>
+            <a:pPr algn="l"/>
+            <a:r>
+              <a:rPr lang="en-US" sz="3200" dirty="0" smtClean="0">
+                <a:latin typeface="Garamond" panose="02020404030301010803" pitchFamily="18" charset="0"/>
+              </a:rPr>
+              <a:t>High speeds and loads with low tolerances meant fabrication had to be precise.</a:t>
+            </a:r>
+          </a:p>
+          <a:p>
+            <a:pPr algn="l"/>
+            <a:endParaRPr lang="en-US" sz="3200" dirty="0" smtClean="0">
+              <a:latin typeface="Garamond" panose="02020404030301010803" pitchFamily="18" charset="0"/>
+            </a:endParaRPr>
+          </a:p>
+          <a:p>
+            <a:pPr algn="l"/>
+            <a:endParaRPr lang="en-US" sz="3200" dirty="0">
+              <a:latin typeface="Garamond" panose="02020404030301010803" pitchFamily="18" charset="0"/>
+            </a:endParaRPr>
+          </a:p>
+        </p:txBody>
+      </p:sp>
     </p:spTree>
     <p:extLst>
       <p:ext uri="{BB962C8B-B14F-4D97-AF65-F5344CB8AC3E}">
@@ -3915,9 +3983,6 @@
               </a:rPr>
               <a:t>EFS Subsystems</a:t>
             </a:r>
-            <a:endParaRPr lang="en-US" sz="4400" dirty="0" smtClean="0">
-              <a:latin typeface="Garamond" panose="02020404030301010803" pitchFamily="18" charset="0"/>
-            </a:endParaRPr>
           </a:p>
         </p:txBody>
       </p:sp>
@@ -3972,7 +4037,7 @@
         </p:nvSpPr>
         <p:spPr>
           <a:xfrm>
-            <a:off x="4998049" y="4043403"/>
+            <a:off x="5005574" y="4040800"/>
             <a:ext cx="1661160" cy="369332"/>
           </a:xfrm>
           <a:prstGeom prst="rect">
@@ -3998,9 +4063,6 @@
               </a:rPr>
               <a:t>Power  </a:t>
             </a:r>
-            <a:endParaRPr lang="en-US" b="1" dirty="0" smtClean="0">
-              <a:latin typeface="Garamond" panose="02020404030301010803" pitchFamily="18" charset="0"/>
-            </a:endParaRPr>
           </a:p>
         </p:txBody>
       </p:sp>
@@ -4075,9 +4137,6 @@
               </a:rPr>
               <a:t>Measurement  </a:t>
             </a:r>
-            <a:endParaRPr lang="en-US" b="1" dirty="0" smtClean="0">
-              <a:latin typeface="Garamond" panose="02020404030301010803" pitchFamily="18" charset="0"/>
-            </a:endParaRPr>
           </a:p>
         </p:txBody>
       </p:sp>
@@ -4121,9 +4180,6 @@
               </a:rPr>
               <a:t> </a:t>
             </a:r>
-            <a:endParaRPr lang="en-US" dirty="0" smtClean="0">
-              <a:latin typeface="Garamond" panose="02020404030301010803" pitchFamily="18" charset="0"/>
-            </a:endParaRPr>
           </a:p>
         </p:txBody>
       </p:sp>
@@ -4410,17 +4466,16 @@
         <p:nvCxnSpPr>
           <p:cNvPr id="124" name="Elbow Connector 123"/>
           <p:cNvCxnSpPr>
-            <a:stCxn id="7" idx="2"/>
             <a:endCxn id="48" idx="0"/>
           </p:cNvCxnSpPr>
           <p:nvPr/>
         </p:nvCxnSpPr>
         <p:spPr>
-          <a:xfrm rot="5400000">
-            <a:off x="2752746" y="957713"/>
-            <a:ext cx="2299507" cy="3866666"/>
-          </a:xfrm>
-          <a:prstGeom prst="bentConnector3">
+          <a:xfrm rot="10800000" flipV="1">
+            <a:off x="1969166" y="2889748"/>
+            <a:ext cx="1985728" cy="1151052"/>
+          </a:xfrm>
+          <a:prstGeom prst="bentConnector2">
             <a:avLst/>
           </a:prstGeom>
         </p:spPr>
@@ -4443,50 +4498,16 @@
         <p:nvCxnSpPr>
           <p:cNvPr id="127" name="Elbow Connector 126"/>
           <p:cNvCxnSpPr>
-            <a:stCxn id="7" idx="2"/>
             <a:endCxn id="11" idx="0"/>
           </p:cNvCxnSpPr>
           <p:nvPr/>
         </p:nvCxnSpPr>
         <p:spPr>
-          <a:xfrm rot="5400000">
-            <a:off x="3745610" y="1950577"/>
-            <a:ext cx="2299507" cy="1880938"/>
-          </a:xfrm>
-          <a:prstGeom prst="bentConnector3">
-            <a:avLst/>
-          </a:prstGeom>
-        </p:spPr>
-        <p:style>
-          <a:lnRef idx="3">
-            <a:schemeClr val="dk1"/>
-          </a:lnRef>
-          <a:fillRef idx="0">
-            <a:schemeClr val="dk1"/>
-          </a:fillRef>
-          <a:effectRef idx="2">
-            <a:schemeClr val="dk1"/>
-          </a:effectRef>
-          <a:fontRef idx="minor">
-            <a:schemeClr val="tx1"/>
-          </a:fontRef>
-        </p:style>
-      </p:cxnSp>
-      <p:cxnSp>
-        <p:nvCxnSpPr>
-          <p:cNvPr id="130" name="Elbow Connector 129"/>
-          <p:cNvCxnSpPr>
-            <a:stCxn id="7" idx="2"/>
-            <a:endCxn id="14" idx="0"/>
-          </p:cNvCxnSpPr>
-          <p:nvPr/>
-        </p:nvCxnSpPr>
-        <p:spPr>
-          <a:xfrm rot="5400000">
-            <a:off x="4681176" y="2888747"/>
-            <a:ext cx="2302110" cy="7203"/>
-          </a:xfrm>
-          <a:prstGeom prst="bentConnector3">
+          <a:xfrm rot="10800000" flipV="1">
+            <a:off x="3954894" y="2887148"/>
+            <a:ext cx="1888140" cy="1153651"/>
+          </a:xfrm>
+          <a:prstGeom prst="bentConnector2">
             <a:avLst/>
           </a:prstGeom>
         </p:spPr>
@@ -4509,17 +4530,16 @@
         <p:nvCxnSpPr>
           <p:cNvPr id="132" name="Elbow Connector 131"/>
           <p:cNvCxnSpPr>
-            <a:stCxn id="7" idx="2"/>
             <a:endCxn id="20" idx="0"/>
           </p:cNvCxnSpPr>
           <p:nvPr/>
         </p:nvCxnSpPr>
         <p:spPr>
-          <a:xfrm rot="16200000" flipH="1">
-            <a:off x="5763739" y="1813386"/>
-            <a:ext cx="2299507" cy="2155320"/>
-          </a:xfrm>
-          <a:prstGeom prst="bentConnector3">
+          <a:xfrm>
+            <a:off x="5843034" y="2887148"/>
+            <a:ext cx="2148118" cy="1153652"/>
+          </a:xfrm>
+          <a:prstGeom prst="bentConnector2">
             <a:avLst/>
           </a:prstGeom>
         </p:spPr>
@@ -4542,15 +4562,47 @@
         <p:nvCxnSpPr>
           <p:cNvPr id="134" name="Elbow Connector 133"/>
           <p:cNvCxnSpPr>
-            <a:stCxn id="7" idx="2"/>
             <a:endCxn id="25" idx="0"/>
           </p:cNvCxnSpPr>
           <p:nvPr/>
         </p:nvCxnSpPr>
         <p:spPr>
+          <a:xfrm>
+            <a:off x="7991152" y="2887148"/>
+            <a:ext cx="2532068" cy="1153652"/>
+          </a:xfrm>
+          <a:prstGeom prst="bentConnector2">
+            <a:avLst/>
+          </a:prstGeom>
+        </p:spPr>
+        <p:style>
+          <a:lnRef idx="3">
+            <a:schemeClr val="dk1"/>
+          </a:lnRef>
+          <a:fillRef idx="0">
+            <a:schemeClr val="dk1"/>
+          </a:fillRef>
+          <a:effectRef idx="2">
+            <a:schemeClr val="dk1"/>
+          </a:effectRef>
+          <a:fontRef idx="minor">
+            <a:schemeClr val="tx1"/>
+          </a:fontRef>
+        </p:style>
+      </p:cxnSp>
+      <p:cxnSp>
+        <p:nvCxnSpPr>
+          <p:cNvPr id="12" name="Elbow Connector 11"/>
+          <p:cNvCxnSpPr>
+            <a:stCxn id="7" idx="2"/>
+            <a:endCxn id="14" idx="0"/>
+          </p:cNvCxnSpPr>
+          <p:nvPr/>
+        </p:nvCxnSpPr>
+        <p:spPr>
           <a:xfrm rot="16200000" flipH="1">
-            <a:off x="7029773" y="547352"/>
-            <a:ext cx="2299507" cy="4687388"/>
+            <a:off x="4686240" y="2890885"/>
+            <a:ext cx="2299507" cy="322"/>
           </a:xfrm>
           <a:prstGeom prst="bentConnector3">
             <a:avLst/>
@@ -4633,182 +4685,43 @@
       </p:sp>
       <p:pic>
         <p:nvPicPr>
-          <p:cNvPr id="9" name="Picture 8"/>
+          <p:cNvPr id="7" name="Picture 6"/>
           <p:cNvPicPr>
             <a:picLocks noChangeAspect="1"/>
           </p:cNvPicPr>
           <p:nvPr/>
         </p:nvPicPr>
-        <p:blipFill>
-          <a:blip r:embed="rId2" cstate="print">
+        <p:blipFill rotWithShape="1">
+          <a:blip r:embed="rId2">
             <a:extLst>
               <a:ext uri="{28A0092B-C50C-407E-A947-70E740481C1C}">
                 <a14:useLocalDpi xmlns:a14="http://schemas.microsoft.com/office/drawing/2010/main" val="0"/>
               </a:ext>
             </a:extLst>
           </a:blip>
-          <a:stretch>
-            <a:fillRect/>
-          </a:stretch>
+          <a:srcRect l="22800" t="19028" r="10510" b="16647"/>
+          <a:stretch/>
         </p:blipFill>
         <p:spPr>
           <a:xfrm>
-            <a:off x="2647711" y="1787525"/>
-            <a:ext cx="5962889" cy="4472167"/>
+            <a:off x="1006141" y="2110347"/>
+            <a:ext cx="9176084" cy="4611128"/>
           </a:xfrm>
           <a:prstGeom prst="rect">
             <a:avLst/>
           </a:prstGeom>
         </p:spPr>
       </p:pic>
-      <p:cxnSp>
-        <p:nvCxnSpPr>
-          <p:cNvPr id="10" name="Straight Arrow Connector 9"/>
-          <p:cNvCxnSpPr>
-            <a:stCxn id="19" idx="3"/>
-          </p:cNvCxnSpPr>
-          <p:nvPr/>
-        </p:nvCxnSpPr>
-        <p:spPr>
-          <a:xfrm flipV="1">
-            <a:off x="1809562" y="4887737"/>
-            <a:ext cx="695513" cy="184666"/>
-          </a:xfrm>
-          <a:prstGeom prst="straightConnector1">
-            <a:avLst/>
-          </a:prstGeom>
-          <a:ln>
-            <a:tailEnd type="triangle"/>
-          </a:ln>
-        </p:spPr>
-        <p:style>
-          <a:lnRef idx="1">
-            <a:schemeClr val="accent1"/>
-          </a:lnRef>
-          <a:fillRef idx="0">
-            <a:schemeClr val="accent1"/>
-          </a:fillRef>
-          <a:effectRef idx="0">
-            <a:schemeClr val="accent1"/>
-          </a:effectRef>
-          <a:fontRef idx="minor">
-            <a:schemeClr val="tx1"/>
-          </a:fontRef>
-        </p:style>
-      </p:cxnSp>
-      <p:cxnSp>
-        <p:nvCxnSpPr>
-          <p:cNvPr id="11" name="Straight Arrow Connector 10"/>
-          <p:cNvCxnSpPr>
-            <a:stCxn id="18" idx="3"/>
-          </p:cNvCxnSpPr>
-          <p:nvPr/>
-        </p:nvCxnSpPr>
-        <p:spPr>
-          <a:xfrm>
-            <a:off x="2247900" y="2249269"/>
-            <a:ext cx="323850" cy="110340"/>
-          </a:xfrm>
-          <a:prstGeom prst="straightConnector1">
-            <a:avLst/>
-          </a:prstGeom>
-          <a:ln>
-            <a:tailEnd type="triangle"/>
-          </a:ln>
-        </p:spPr>
-        <p:style>
-          <a:lnRef idx="1">
-            <a:schemeClr val="accent1"/>
-          </a:lnRef>
-          <a:fillRef idx="0">
-            <a:schemeClr val="accent1"/>
-          </a:fillRef>
-          <a:effectRef idx="0">
-            <a:schemeClr val="accent1"/>
-          </a:effectRef>
-          <a:fontRef idx="minor">
-            <a:schemeClr val="tx1"/>
-          </a:fontRef>
-        </p:style>
-      </p:cxnSp>
-      <p:cxnSp>
-        <p:nvCxnSpPr>
-          <p:cNvPr id="13" name="Straight Arrow Connector 12"/>
-          <p:cNvCxnSpPr>
-            <a:stCxn id="20" idx="1"/>
-          </p:cNvCxnSpPr>
-          <p:nvPr/>
-        </p:nvCxnSpPr>
-        <p:spPr>
-          <a:xfrm flipH="1">
-            <a:off x="6462714" y="1898869"/>
-            <a:ext cx="3531368" cy="460740"/>
-          </a:xfrm>
-          <a:prstGeom prst="straightConnector1">
-            <a:avLst/>
-          </a:prstGeom>
-          <a:ln>
-            <a:tailEnd type="triangle"/>
-          </a:ln>
-        </p:spPr>
-        <p:style>
-          <a:lnRef idx="1">
-            <a:schemeClr val="accent1"/>
-          </a:lnRef>
-          <a:fillRef idx="0">
-            <a:schemeClr val="accent1"/>
-          </a:fillRef>
-          <a:effectRef idx="0">
-            <a:schemeClr val="accent1"/>
-          </a:effectRef>
-          <a:fontRef idx="minor">
-            <a:schemeClr val="tx1"/>
-          </a:fontRef>
-        </p:style>
-      </p:cxnSp>
-      <p:cxnSp>
-        <p:nvCxnSpPr>
-          <p:cNvPr id="16" name="Straight Arrow Connector 15"/>
-          <p:cNvCxnSpPr/>
-          <p:nvPr/>
-        </p:nvCxnSpPr>
-        <p:spPr>
-          <a:xfrm flipH="1">
-            <a:off x="7605714" y="3763962"/>
-            <a:ext cx="2271472" cy="336372"/>
-          </a:xfrm>
-          <a:prstGeom prst="straightConnector1">
-            <a:avLst/>
-          </a:prstGeom>
-          <a:ln>
-            <a:tailEnd type="triangle"/>
-          </a:ln>
-        </p:spPr>
-        <p:style>
-          <a:lnRef idx="1">
-            <a:schemeClr val="accent1"/>
-          </a:lnRef>
-          <a:fillRef idx="0">
-            <a:schemeClr val="accent1"/>
-          </a:fillRef>
-          <a:effectRef idx="0">
-            <a:schemeClr val="accent1"/>
-          </a:effectRef>
-          <a:fontRef idx="minor">
-            <a:schemeClr val="tx1"/>
-          </a:fontRef>
-        </p:style>
-      </p:cxnSp>
-      <p:sp>
-        <p:nvSpPr>
-          <p:cNvPr id="18" name="TextBox 17"/>
+      <p:sp>
+        <p:nvSpPr>
+          <p:cNvPr id="9" name="TextBox 8"/>
           <p:cNvSpPr txBox="1"/>
           <p:nvPr/>
         </p:nvSpPr>
         <p:spPr>
           <a:xfrm>
-            <a:off x="329184" y="1787604"/>
-            <a:ext cx="1918716" cy="923330"/>
+            <a:off x="861261" y="1987056"/>
+            <a:ext cx="1414272" cy="369332"/>
           </a:xfrm>
           <a:prstGeom prst="rect">
             <a:avLst/>
@@ -4831,31 +4744,7 @@
               <a:rPr lang="en-US" b="1" dirty="0" smtClean="0">
                 <a:latin typeface="Garamond" panose="02020404030301010803" pitchFamily="18" charset="0"/>
               </a:rPr>
-              <a:t>Hydraulic</a:t>
-            </a:r>
-          </a:p>
-          <a:p>
-            <a:pPr algn="ctr"/>
-            <a:r>
-              <a:rPr lang="en-US" b="1" dirty="0" smtClean="0">
-                <a:latin typeface="Garamond" panose="02020404030301010803" pitchFamily="18" charset="0"/>
-              </a:rPr>
-              <a:t>&amp;</a:t>
-            </a:r>
-          </a:p>
-          <a:p>
-            <a:pPr algn="ctr"/>
-            <a:r>
-              <a:rPr lang="en-US" b="1" dirty="0" smtClean="0">
-                <a:latin typeface="Garamond" panose="02020404030301010803" pitchFamily="18" charset="0"/>
-              </a:rPr>
-              <a:t>Mechanical</a:t>
-            </a:r>
-            <a:r>
-              <a:rPr lang="en-US" dirty="0" smtClean="0">
-                <a:latin typeface="Garamond" panose="02020404030301010803" pitchFamily="18" charset="0"/>
-              </a:rPr>
-              <a:t> </a:t>
+              <a:t>Power</a:t>
             </a:r>
             <a:endParaRPr lang="en-US" dirty="0" smtClean="0">
               <a:latin typeface="Garamond" panose="02020404030301010803" pitchFamily="18" charset="0"/>
@@ -4865,13 +4754,13 @@
       </p:sp>
       <p:sp>
         <p:nvSpPr>
-          <p:cNvPr id="19" name="TextBox 18"/>
+          <p:cNvPr id="10" name="TextBox 9"/>
           <p:cNvSpPr txBox="1"/>
           <p:nvPr/>
         </p:nvSpPr>
         <p:spPr>
           <a:xfrm>
-            <a:off x="395290" y="4887737"/>
+            <a:off x="4925902" y="931594"/>
             <a:ext cx="1414272" cy="369332"/>
           </a:xfrm>
           <a:prstGeom prst="rect">
@@ -4895,7 +4784,7 @@
               <a:rPr lang="en-US" b="1" dirty="0" smtClean="0">
                 <a:latin typeface="Garamond" panose="02020404030301010803" pitchFamily="18" charset="0"/>
               </a:rPr>
-              <a:t>Power</a:t>
+              <a:t>Mechanical</a:t>
             </a:r>
             <a:endParaRPr lang="en-US" dirty="0" smtClean="0">
               <a:latin typeface="Garamond" panose="02020404030301010803" pitchFamily="18" charset="0"/>
@@ -4905,13 +4794,13 @@
       </p:sp>
       <p:sp>
         <p:nvSpPr>
-          <p:cNvPr id="20" name="TextBox 19"/>
+          <p:cNvPr id="11" name="TextBox 10"/>
           <p:cNvSpPr txBox="1"/>
           <p:nvPr/>
         </p:nvSpPr>
         <p:spPr>
           <a:xfrm>
-            <a:off x="9994082" y="1714203"/>
+            <a:off x="9982200" y="4705576"/>
             <a:ext cx="1414272" cy="369332"/>
           </a:xfrm>
           <a:prstGeom prst="rect">
@@ -4935,7 +4824,7 @@
               <a:rPr lang="en-US" b="1" dirty="0" smtClean="0">
                 <a:latin typeface="Garamond" panose="02020404030301010803" pitchFamily="18" charset="0"/>
               </a:rPr>
-              <a:t>Flow Loop</a:t>
+              <a:t>Hydraulic</a:t>
             </a:r>
             <a:endParaRPr lang="en-US" dirty="0" smtClean="0">
               <a:latin typeface="Garamond" panose="02020404030301010803" pitchFamily="18" charset="0"/>
@@ -4945,24 +4834,102 @@
       </p:sp>
       <p:sp>
         <p:nvSpPr>
-          <p:cNvPr id="21" name="TextBox 20"/>
+          <p:cNvPr id="14" name="Title 1"/>
+          <p:cNvSpPr txBox="1">
+            <a:spLocks/>
+          </p:cNvSpPr>
+          <p:nvPr/>
+        </p:nvSpPr>
+        <p:spPr>
+          <a:xfrm>
+            <a:off x="775854" y="0"/>
+            <a:ext cx="10515600" cy="602673"/>
+          </a:xfrm>
+          <a:prstGeom prst="rect">
+            <a:avLst/>
+          </a:prstGeom>
+        </p:spPr>
+        <p:txBody>
+          <a:bodyPr vert="horz" lIns="91440" tIns="45720" rIns="91440" bIns="45720" rtlCol="0" anchor="b">
+            <a:noAutofit/>
+          </a:bodyPr>
+          <a:lstStyle>
+            <a:lvl1pPr algn="ctr" defTabSz="914400" rtl="0" eaLnBrk="1" latinLnBrk="0" hangingPunct="1">
+              <a:lnSpc>
+                <a:spcPct val="90000"/>
+              </a:lnSpc>
+              <a:spcBef>
+                <a:spcPct val="0"/>
+              </a:spcBef>
+              <a:buNone/>
+              <a:defRPr sz="6000" kern="1200">
+                <a:solidFill>
+                  <a:schemeClr val="tx1"/>
+                </a:solidFill>
+                <a:latin typeface="+mj-lt"/>
+                <a:ea typeface="+mj-ea"/>
+                <a:cs typeface="+mj-cs"/>
+              </a:defRPr>
+            </a:lvl1pPr>
+          </a:lstStyle>
+          <a:p>
+            <a:r>
+              <a:rPr lang="en-US" sz="3200" dirty="0" smtClean="0">
+                <a:latin typeface="Garamond" panose="02020404030301010803" pitchFamily="18" charset="0"/>
+              </a:rPr>
+              <a:t>EFS Subsystems</a:t>
+            </a:r>
+            <a:endParaRPr lang="en-US" sz="3200" dirty="0">
+              <a:latin typeface="Garamond" panose="02020404030301010803" pitchFamily="18" charset="0"/>
+            </a:endParaRPr>
+          </a:p>
+        </p:txBody>
+      </p:sp>
+      <p:cxnSp>
+        <p:nvCxnSpPr>
+          <p:cNvPr id="16" name="Straight Connector 15"/>
+          <p:cNvCxnSpPr/>
+          <p:nvPr/>
+        </p:nvCxnSpPr>
+        <p:spPr>
+          <a:xfrm>
+            <a:off x="519545" y="644238"/>
+            <a:ext cx="11055928" cy="0"/>
+          </a:xfrm>
+          <a:prstGeom prst="line">
+            <a:avLst/>
+          </a:prstGeom>
+        </p:spPr>
+        <p:style>
+          <a:lnRef idx="1">
+            <a:schemeClr val="dk1"/>
+          </a:lnRef>
+          <a:fillRef idx="0">
+            <a:schemeClr val="dk1"/>
+          </a:fillRef>
+          <a:effectRef idx="0">
+            <a:schemeClr val="dk1"/>
+          </a:effectRef>
+          <a:fontRef idx="minor">
+            <a:schemeClr val="tx1"/>
+          </a:fontRef>
+        </p:style>
+      </p:cxnSp>
+      <p:sp>
+        <p:nvSpPr>
+          <p:cNvPr id="17" name="TextBox 16"/>
           <p:cNvSpPr txBox="1"/>
           <p:nvPr/>
         </p:nvSpPr>
         <p:spPr>
           <a:xfrm>
-            <a:off x="9877186" y="3562816"/>
-            <a:ext cx="1648064" cy="369332"/>
+            <a:off x="960105" y="2353145"/>
+            <a:ext cx="1216584" cy="369332"/>
           </a:xfrm>
           <a:prstGeom prst="rect">
             <a:avLst/>
           </a:prstGeom>
           <a:noFill/>
-          <a:ln>
-            <a:solidFill>
-              <a:schemeClr val="tx1"/>
-            </a:solidFill>
-          </a:ln>
         </p:spPr>
         <p:txBody>
           <a:bodyPr wrap="square" rtlCol="0">
@@ -4970,14 +4937,13 @@
           </a:bodyPr>
           <a:lstStyle/>
           <a:p>
-            <a:pPr algn="ctr"/>
-            <a:r>
-              <a:rPr lang="en-US" b="1" dirty="0" smtClean="0">
+            <a:r>
+              <a:rPr lang="en-US" i="1" dirty="0" smtClean="0">
                 <a:latin typeface="Garamond" panose="02020404030301010803" pitchFamily="18" charset="0"/>
               </a:rPr>
-              <a:t>Measurement</a:t>
-            </a:r>
-            <a:endParaRPr lang="en-US" dirty="0" smtClean="0">
+              <a:t>Motor</a:t>
+            </a:r>
+            <a:endParaRPr lang="en-US" i="1" dirty="0" smtClean="0">
               <a:latin typeface="Garamond" panose="02020404030301010803" pitchFamily="18" charset="0"/>
             </a:endParaRPr>
           </a:p>
@@ -4985,14 +4951,14 @@
       </p:sp>
       <p:sp>
         <p:nvSpPr>
-          <p:cNvPr id="22" name="TextBox 21"/>
+          <p:cNvPr id="18" name="TextBox 17"/>
           <p:cNvSpPr txBox="1"/>
           <p:nvPr/>
         </p:nvSpPr>
         <p:spPr>
           <a:xfrm>
-            <a:off x="366714" y="5257069"/>
-            <a:ext cx="1216584" cy="1200329"/>
+            <a:off x="4894057" y="1294559"/>
+            <a:ext cx="1234440" cy="1754326"/>
           </a:xfrm>
           <a:prstGeom prst="rect">
             <a:avLst/>
@@ -5009,7 +4975,7 @@
               <a:rPr lang="en-US" i="1" dirty="0" smtClean="0">
                 <a:latin typeface="Garamond" panose="02020404030301010803" pitchFamily="18" charset="0"/>
               </a:rPr>
-              <a:t>Motor</a:t>
+              <a:t>Bearings</a:t>
             </a:r>
           </a:p>
           <a:p>
@@ -5017,7 +4983,7 @@
               <a:rPr lang="en-US" i="1" dirty="0" smtClean="0">
                 <a:latin typeface="Garamond" panose="02020404030301010803" pitchFamily="18" charset="0"/>
               </a:rPr>
-              <a:t>Batteries</a:t>
+              <a:t>Seals</a:t>
             </a:r>
           </a:p>
           <a:p>
@@ -5025,7 +4991,7 @@
               <a:rPr lang="en-US" i="1" dirty="0" smtClean="0">
                 <a:latin typeface="Garamond" panose="02020404030301010803" pitchFamily="18" charset="0"/>
               </a:rPr>
-              <a:t>ESC</a:t>
+              <a:t>Shaft</a:t>
             </a:r>
           </a:p>
           <a:p>
@@ -5033,67 +4999,34 @@
               <a:rPr lang="en-US" i="1" dirty="0" smtClean="0">
                 <a:latin typeface="Garamond" panose="02020404030301010803" pitchFamily="18" charset="0"/>
               </a:rPr>
-              <a:t>Control</a:t>
-            </a:r>
-          </a:p>
-        </p:txBody>
-      </p:sp>
-      <p:sp>
-        <p:nvSpPr>
-          <p:cNvPr id="26" name="Rectangle 25"/>
-          <p:cNvSpPr/>
-          <p:nvPr/>
-        </p:nvSpPr>
-        <p:spPr>
-          <a:xfrm>
-            <a:off x="366714" y="2700343"/>
-            <a:ext cx="1014410" cy="923330"/>
-          </a:xfrm>
-          <a:prstGeom prst="rect">
-            <a:avLst/>
-          </a:prstGeom>
-        </p:spPr>
-        <p:txBody>
-          <a:bodyPr wrap="square">
-            <a:spAutoFit/>
-          </a:bodyPr>
-          <a:lstStyle/>
-          <a:p>
-            <a:r>
-              <a:rPr lang="en-US" i="1" dirty="0">
+              <a:t>Coupling</a:t>
+            </a:r>
+          </a:p>
+          <a:p>
+            <a:r>
+              <a:rPr lang="en-US" i="1" dirty="0" smtClean="0">
                 <a:latin typeface="Garamond" panose="02020404030301010803" pitchFamily="18" charset="0"/>
               </a:rPr>
-              <a:t>Impeller</a:t>
-            </a:r>
-          </a:p>
-          <a:p>
-            <a:r>
-              <a:rPr lang="en-US" i="1" dirty="0">
-                <a:latin typeface="Garamond" panose="02020404030301010803" pitchFamily="18" charset="0"/>
-              </a:rPr>
-              <a:t>Diffuser</a:t>
-            </a:r>
-          </a:p>
-          <a:p>
-            <a:r>
-              <a:rPr lang="en-US" i="1" dirty="0">
-                <a:latin typeface="Garamond" panose="02020404030301010803" pitchFamily="18" charset="0"/>
-              </a:rPr>
-              <a:t>Volute</a:t>
-            </a:r>
-          </a:p>
-        </p:txBody>
-      </p:sp>
-      <p:sp>
-        <p:nvSpPr>
-          <p:cNvPr id="28" name="TextBox 27"/>
+              <a:t>Alignment</a:t>
+            </a:r>
+          </a:p>
+          <a:p>
+            <a:endParaRPr lang="en-US" dirty="0">
+              <a:latin typeface="Garamond" panose="02020404030301010803" pitchFamily="18" charset="0"/>
+            </a:endParaRPr>
+          </a:p>
+        </p:txBody>
+      </p:sp>
+      <p:sp>
+        <p:nvSpPr>
+          <p:cNvPr id="19" name="TextBox 18"/>
           <p:cNvSpPr txBox="1"/>
           <p:nvPr/>
         </p:nvSpPr>
         <p:spPr>
           <a:xfrm>
-            <a:off x="9965542" y="2106871"/>
-            <a:ext cx="1471353" cy="1200329"/>
+            <a:off x="9982200" y="5069298"/>
+            <a:ext cx="1234440" cy="923330"/>
           </a:xfrm>
           <a:prstGeom prst="rect">
             <a:avLst/>
@@ -5110,7 +5043,7 @@
               <a:rPr lang="en-US" i="1" dirty="0" smtClean="0">
                 <a:latin typeface="Garamond" panose="02020404030301010803" pitchFamily="18" charset="0"/>
               </a:rPr>
-              <a:t>Supply Tank</a:t>
+              <a:t>Impeller</a:t>
             </a:r>
           </a:p>
           <a:p>
@@ -5118,7 +5051,7 @@
               <a:rPr lang="en-US" i="1" dirty="0" smtClean="0">
                 <a:latin typeface="Garamond" panose="02020404030301010803" pitchFamily="18" charset="0"/>
               </a:rPr>
-              <a:t>Valves</a:t>
+              <a:t>Diffuser</a:t>
             </a:r>
           </a:p>
           <a:p>
@@ -5126,139 +5059,109 @@
               <a:rPr lang="en-US" i="1" dirty="0" smtClean="0">
                 <a:latin typeface="Garamond" panose="02020404030301010803" pitchFamily="18" charset="0"/>
               </a:rPr>
-              <a:t>Tubing</a:t>
-            </a:r>
-          </a:p>
-          <a:p>
-            <a:endParaRPr lang="en-US" dirty="0">
-              <a:latin typeface="Garamond" panose="02020404030301010803" pitchFamily="18" charset="0"/>
-            </a:endParaRPr>
-          </a:p>
-        </p:txBody>
-      </p:sp>
-      <p:sp>
-        <p:nvSpPr>
-          <p:cNvPr id="29" name="Rectangle 28"/>
-          <p:cNvSpPr/>
+              <a:t>Volute</a:t>
+            </a:r>
+          </a:p>
+        </p:txBody>
+      </p:sp>
+      <p:cxnSp>
+        <p:nvCxnSpPr>
+          <p:cNvPr id="8" name="Straight Connector 7"/>
+          <p:cNvCxnSpPr>
+            <a:stCxn id="11" idx="1"/>
+          </p:cNvCxnSpPr>
           <p:nvPr/>
-        </p:nvSpPr>
-        <p:spPr>
-          <a:xfrm>
-            <a:off x="1197554" y="2707035"/>
-            <a:ext cx="6096000" cy="1754326"/>
-          </a:xfrm>
-          <a:prstGeom prst="rect">
+        </p:nvCxnSpPr>
+        <p:spPr>
+          <a:xfrm flipH="1" flipV="1">
+            <a:off x="9029700" y="4229100"/>
+            <a:ext cx="952500" cy="661142"/>
+          </a:xfrm>
+          <a:prstGeom prst="line">
             <a:avLst/>
           </a:prstGeom>
         </p:spPr>
-        <p:txBody>
-          <a:bodyPr>
-            <a:spAutoFit/>
-          </a:bodyPr>
-          <a:lstStyle/>
-          <a:p>
-            <a:r>
-              <a:rPr lang="en-US" i="1" dirty="0">
-                <a:latin typeface="Garamond" panose="02020404030301010803" pitchFamily="18" charset="0"/>
-              </a:rPr>
-              <a:t>Bearings</a:t>
-            </a:r>
-          </a:p>
-          <a:p>
-            <a:r>
-              <a:rPr lang="en-US" i="1" dirty="0">
-                <a:latin typeface="Garamond" panose="02020404030301010803" pitchFamily="18" charset="0"/>
-              </a:rPr>
-              <a:t>Seals</a:t>
-            </a:r>
-          </a:p>
-          <a:p>
-            <a:r>
-              <a:rPr lang="en-US" i="1" dirty="0">
-                <a:latin typeface="Garamond" panose="02020404030301010803" pitchFamily="18" charset="0"/>
-              </a:rPr>
-              <a:t>Shaft</a:t>
-            </a:r>
-          </a:p>
-          <a:p>
-            <a:r>
-              <a:rPr lang="en-US" i="1" dirty="0">
-                <a:latin typeface="Garamond" panose="02020404030301010803" pitchFamily="18" charset="0"/>
-              </a:rPr>
-              <a:t>Coupling</a:t>
-            </a:r>
-          </a:p>
-          <a:p>
-            <a:r>
-              <a:rPr lang="en-US" i="1" dirty="0">
-                <a:latin typeface="Garamond" panose="02020404030301010803" pitchFamily="18" charset="0"/>
-              </a:rPr>
-              <a:t>Alignment</a:t>
-            </a:r>
-          </a:p>
-          <a:p>
-            <a:endParaRPr lang="en-US" dirty="0">
-              <a:latin typeface="Garamond" panose="02020404030301010803" pitchFamily="18" charset="0"/>
-            </a:endParaRPr>
-          </a:p>
-        </p:txBody>
-      </p:sp>
-      <p:sp>
-        <p:nvSpPr>
-          <p:cNvPr id="34" name="TextBox 33"/>
-          <p:cNvSpPr txBox="1"/>
+        <p:style>
+          <a:lnRef idx="3">
+            <a:schemeClr val="dk1"/>
+          </a:lnRef>
+          <a:fillRef idx="0">
+            <a:schemeClr val="dk1"/>
+          </a:fillRef>
+          <a:effectRef idx="2">
+            <a:schemeClr val="dk1"/>
+          </a:effectRef>
+          <a:fontRef idx="minor">
+            <a:schemeClr val="tx1"/>
+          </a:fontRef>
+        </p:style>
+      </p:cxnSp>
+      <p:cxnSp>
+        <p:nvCxnSpPr>
+          <p:cNvPr id="21" name="Straight Connector 20"/>
+          <p:cNvCxnSpPr>
+            <a:stCxn id="10" idx="3"/>
+          </p:cNvCxnSpPr>
           <p:nvPr/>
-        </p:nvSpPr>
-        <p:spPr>
-          <a:xfrm>
-            <a:off x="9866135" y="3951467"/>
-            <a:ext cx="1542219" cy="1200329"/>
-          </a:xfrm>
-          <a:prstGeom prst="rect">
+        </p:nvCxnSpPr>
+        <p:spPr>
+          <a:xfrm>
+            <a:off x="6340174" y="1116260"/>
+            <a:ext cx="736901" cy="2407990"/>
+          </a:xfrm>
+          <a:prstGeom prst="line">
             <a:avLst/>
           </a:prstGeom>
-          <a:noFill/>
-        </p:spPr>
-        <p:txBody>
-          <a:bodyPr wrap="square" rtlCol="0">
-            <a:spAutoFit/>
-          </a:bodyPr>
-          <a:lstStyle/>
-          <a:p>
-            <a:r>
-              <a:rPr lang="en-US" i="1" dirty="0" smtClean="0">
-                <a:latin typeface="Garamond" panose="02020404030301010803" pitchFamily="18" charset="0"/>
-              </a:rPr>
-              <a:t>Arduino </a:t>
-            </a:r>
-          </a:p>
-          <a:p>
-            <a:r>
-              <a:rPr lang="en-US" i="1" dirty="0" smtClean="0">
-                <a:latin typeface="Garamond" panose="02020404030301010803" pitchFamily="18" charset="0"/>
-              </a:rPr>
-              <a:t>Excel DAQ</a:t>
-            </a:r>
-          </a:p>
-          <a:p>
-            <a:r>
-              <a:rPr lang="en-US" i="1" dirty="0" smtClean="0">
-                <a:latin typeface="Garamond" panose="02020404030301010803" pitchFamily="18" charset="0"/>
-              </a:rPr>
-              <a:t>Sensors</a:t>
-            </a:r>
-          </a:p>
-          <a:p>
-            <a:endParaRPr lang="en-US" i="1" dirty="0" smtClean="0">
-              <a:latin typeface="Garamond" panose="02020404030301010803" pitchFamily="18" charset="0"/>
-            </a:endParaRPr>
-          </a:p>
-        </p:txBody>
-      </p:sp>
+        </p:spPr>
+        <p:style>
+          <a:lnRef idx="3">
+            <a:schemeClr val="dk1"/>
+          </a:lnRef>
+          <a:fillRef idx="0">
+            <a:schemeClr val="dk1"/>
+          </a:fillRef>
+          <a:effectRef idx="2">
+            <a:schemeClr val="dk1"/>
+          </a:effectRef>
+          <a:fontRef idx="minor">
+            <a:schemeClr val="tx1"/>
+          </a:fontRef>
+        </p:style>
+      </p:cxnSp>
+      <p:cxnSp>
+        <p:nvCxnSpPr>
+          <p:cNvPr id="22" name="Straight Connector 21"/>
+          <p:cNvCxnSpPr/>
+          <p:nvPr/>
+        </p:nvCxnSpPr>
+        <p:spPr>
+          <a:xfrm>
+            <a:off x="2275533" y="2171722"/>
+            <a:ext cx="610542" cy="1257278"/>
+          </a:xfrm>
+          <a:prstGeom prst="line">
+            <a:avLst/>
+          </a:prstGeom>
+        </p:spPr>
+        <p:style>
+          <a:lnRef idx="3">
+            <a:schemeClr val="dk1"/>
+          </a:lnRef>
+          <a:fillRef idx="0">
+            <a:schemeClr val="dk1"/>
+          </a:fillRef>
+          <a:effectRef idx="2">
+            <a:schemeClr val="dk1"/>
+          </a:effectRef>
+          <a:fontRef idx="minor">
+            <a:schemeClr val="tx1"/>
+          </a:fontRef>
+        </p:style>
+      </p:cxnSp>
     </p:spTree>
     <p:extLst>
       <p:ext uri="{BB962C8B-B14F-4D97-AF65-F5344CB8AC3E}">
-        <p14:creationId xmlns:p14="http://schemas.microsoft.com/office/powerpoint/2010/main" val="2348597559"/>
+        <p14:creationId xmlns:p14="http://schemas.microsoft.com/office/powerpoint/2010/main" val="2774210763"/>
       </p:ext>
     </p:extLst>
   </p:cSld>
@@ -5317,43 +5220,82 @@
       </p:sp>
       <p:pic>
         <p:nvPicPr>
-          <p:cNvPr id="7" name="Picture 6"/>
+          <p:cNvPr id="9" name="Picture 8"/>
           <p:cNvPicPr>
             <a:picLocks noChangeAspect="1"/>
           </p:cNvPicPr>
           <p:nvPr/>
         </p:nvPicPr>
-        <p:blipFill rotWithShape="1">
-          <a:blip r:embed="rId2">
+        <p:blipFill>
+          <a:blip r:embed="rId2" cstate="print">
             <a:extLst>
               <a:ext uri="{28A0092B-C50C-407E-A947-70E740481C1C}">
                 <a14:useLocalDpi xmlns:a14="http://schemas.microsoft.com/office/drawing/2010/main" val="0"/>
               </a:ext>
             </a:extLst>
           </a:blip>
-          <a:srcRect l="22800" t="19028" r="10510" b="16647"/>
-          <a:stretch/>
+          <a:stretch>
+            <a:fillRect/>
+          </a:stretch>
         </p:blipFill>
         <p:spPr>
           <a:xfrm>
-            <a:off x="1006141" y="2110347"/>
-            <a:ext cx="9176084" cy="4611128"/>
+            <a:off x="2647711" y="1787525"/>
+            <a:ext cx="5962889" cy="4472167"/>
           </a:xfrm>
           <a:prstGeom prst="rect">
             <a:avLst/>
           </a:prstGeom>
         </p:spPr>
       </p:pic>
-      <p:sp>
-        <p:nvSpPr>
-          <p:cNvPr id="9" name="TextBox 8"/>
+      <p:cxnSp>
+        <p:nvCxnSpPr>
+          <p:cNvPr id="11" name="Straight Arrow Connector 10"/>
+          <p:cNvCxnSpPr>
+            <a:stCxn id="18" idx="3"/>
+          </p:cNvCxnSpPr>
+          <p:nvPr/>
+        </p:nvCxnSpPr>
+        <p:spPr>
+          <a:xfrm>
+            <a:off x="2247900" y="2249269"/>
+            <a:ext cx="2181225" cy="1313547"/>
+          </a:xfrm>
+          <a:prstGeom prst="straightConnector1">
+            <a:avLst/>
+          </a:prstGeom>
+          <a:ln w="57150">
+            <a:solidFill>
+              <a:schemeClr val="tx1"/>
+            </a:solidFill>
+            <a:tailEnd type="triangle"/>
+          </a:ln>
+        </p:spPr>
+        <p:style>
+          <a:lnRef idx="1">
+            <a:schemeClr val="accent1"/>
+          </a:lnRef>
+          <a:fillRef idx="0">
+            <a:schemeClr val="accent1"/>
+          </a:fillRef>
+          <a:effectRef idx="0">
+            <a:schemeClr val="accent1"/>
+          </a:effectRef>
+          <a:fontRef idx="minor">
+            <a:schemeClr val="tx1"/>
+          </a:fontRef>
+        </p:style>
+      </p:cxnSp>
+      <p:sp>
+        <p:nvSpPr>
+          <p:cNvPr id="18" name="TextBox 17"/>
           <p:cNvSpPr txBox="1"/>
           <p:nvPr/>
         </p:nvSpPr>
         <p:spPr>
           <a:xfrm>
-            <a:off x="861261" y="1987056"/>
-            <a:ext cx="1414272" cy="369332"/>
+            <a:off x="329184" y="1787604"/>
+            <a:ext cx="1918716" cy="923330"/>
           </a:xfrm>
           <a:prstGeom prst="rect">
             <a:avLst/>
@@ -5376,23 +5318,44 @@
               <a:rPr lang="en-US" b="1" dirty="0" smtClean="0">
                 <a:latin typeface="Garamond" panose="02020404030301010803" pitchFamily="18" charset="0"/>
               </a:rPr>
-              <a:t>Power</a:t>
-            </a:r>
-            <a:endParaRPr lang="en-US" dirty="0" smtClean="0">
-              <a:latin typeface="Garamond" panose="02020404030301010803" pitchFamily="18" charset="0"/>
-            </a:endParaRPr>
-          </a:p>
-        </p:txBody>
-      </p:sp>
-      <p:sp>
-        <p:nvSpPr>
-          <p:cNvPr id="10" name="TextBox 9"/>
+              <a:t>Hydraulic</a:t>
+            </a:r>
+          </a:p>
+          <a:p>
+            <a:pPr algn="ctr"/>
+            <a:r>
+              <a:rPr lang="en-US" b="1" dirty="0" smtClean="0">
+                <a:latin typeface="Garamond" panose="02020404030301010803" pitchFamily="18" charset="0"/>
+              </a:rPr>
+              <a:t>&amp;</a:t>
+            </a:r>
+          </a:p>
+          <a:p>
+            <a:pPr algn="ctr"/>
+            <a:r>
+              <a:rPr lang="en-US" b="1" dirty="0" smtClean="0">
+                <a:latin typeface="Garamond" panose="02020404030301010803" pitchFamily="18" charset="0"/>
+              </a:rPr>
+              <a:t>Mechanical</a:t>
+            </a:r>
+            <a:r>
+              <a:rPr lang="en-US" dirty="0" smtClean="0">
+                <a:latin typeface="Garamond" panose="02020404030301010803" pitchFamily="18" charset="0"/>
+              </a:rPr>
+              <a:t> </a:t>
+            </a:r>
+          </a:p>
+        </p:txBody>
+      </p:sp>
+      <p:sp>
+        <p:nvSpPr>
+          <p:cNvPr id="19" name="TextBox 18"/>
           <p:cNvSpPr txBox="1"/>
           <p:nvPr/>
         </p:nvSpPr>
         <p:spPr>
           <a:xfrm>
-            <a:off x="5395161" y="1741015"/>
+            <a:off x="395290" y="4887737"/>
             <a:ext cx="1414272" cy="369332"/>
           </a:xfrm>
           <a:prstGeom prst="rect">
@@ -5416,7 +5379,7 @@
               <a:rPr lang="en-US" b="1" dirty="0" smtClean="0">
                 <a:latin typeface="Garamond" panose="02020404030301010803" pitchFamily="18" charset="0"/>
               </a:rPr>
-              <a:t>Mechanical</a:t>
+              <a:t>Power</a:t>
             </a:r>
             <a:endParaRPr lang="en-US" dirty="0" smtClean="0">
               <a:latin typeface="Garamond" panose="02020404030301010803" pitchFamily="18" charset="0"/>
@@ -5426,13 +5389,13 @@
       </p:sp>
       <p:sp>
         <p:nvSpPr>
-          <p:cNvPr id="11" name="TextBox 10"/>
+          <p:cNvPr id="20" name="TextBox 19"/>
           <p:cNvSpPr txBox="1"/>
           <p:nvPr/>
         </p:nvSpPr>
         <p:spPr>
           <a:xfrm>
-            <a:off x="10182225" y="5103340"/>
+            <a:off x="9994082" y="1714203"/>
             <a:ext cx="1414272" cy="369332"/>
           </a:xfrm>
           <a:prstGeom prst="rect">
@@ -5456,7 +5419,7 @@
               <a:rPr lang="en-US" b="1" dirty="0" smtClean="0">
                 <a:latin typeface="Garamond" panose="02020404030301010803" pitchFamily="18" charset="0"/>
               </a:rPr>
-              <a:t>Hydraulic</a:t>
+              <a:t>Flow Loop</a:t>
             </a:r>
             <a:endParaRPr lang="en-US" dirty="0" smtClean="0">
               <a:latin typeface="Garamond" panose="02020404030301010803" pitchFamily="18" charset="0"/>
@@ -5464,21 +5427,347 @@
           </a:p>
         </p:txBody>
       </p:sp>
+      <p:sp>
+        <p:nvSpPr>
+          <p:cNvPr id="21" name="TextBox 20"/>
+          <p:cNvSpPr txBox="1"/>
+          <p:nvPr/>
+        </p:nvSpPr>
+        <p:spPr>
+          <a:xfrm>
+            <a:off x="9877186" y="3562816"/>
+            <a:ext cx="1648064" cy="369332"/>
+          </a:xfrm>
+          <a:prstGeom prst="rect">
+            <a:avLst/>
+          </a:prstGeom>
+          <a:noFill/>
+          <a:ln>
+            <a:solidFill>
+              <a:schemeClr val="tx1"/>
+            </a:solidFill>
+          </a:ln>
+        </p:spPr>
+        <p:txBody>
+          <a:bodyPr wrap="square" rtlCol="0">
+            <a:spAutoFit/>
+          </a:bodyPr>
+          <a:lstStyle/>
+          <a:p>
+            <a:pPr algn="ctr"/>
+            <a:r>
+              <a:rPr lang="en-US" b="1" dirty="0" smtClean="0">
+                <a:latin typeface="Garamond" panose="02020404030301010803" pitchFamily="18" charset="0"/>
+              </a:rPr>
+              <a:t>Measurement</a:t>
+            </a:r>
+            <a:endParaRPr lang="en-US" dirty="0" smtClean="0">
+              <a:latin typeface="Garamond" panose="02020404030301010803" pitchFamily="18" charset="0"/>
+            </a:endParaRPr>
+          </a:p>
+        </p:txBody>
+      </p:sp>
+      <p:sp>
+        <p:nvSpPr>
+          <p:cNvPr id="22" name="TextBox 21"/>
+          <p:cNvSpPr txBox="1"/>
+          <p:nvPr/>
+        </p:nvSpPr>
+        <p:spPr>
+          <a:xfrm>
+            <a:off x="366714" y="5257069"/>
+            <a:ext cx="1216584" cy="1477328"/>
+          </a:xfrm>
+          <a:prstGeom prst="rect">
+            <a:avLst/>
+          </a:prstGeom>
+          <a:noFill/>
+        </p:spPr>
+        <p:txBody>
+          <a:bodyPr wrap="square" rtlCol="0">
+            <a:spAutoFit/>
+          </a:bodyPr>
+          <a:lstStyle/>
+          <a:p>
+            <a:r>
+              <a:rPr lang="en-US" i="1" dirty="0" smtClean="0">
+                <a:latin typeface="Garamond" panose="02020404030301010803" pitchFamily="18" charset="0"/>
+              </a:rPr>
+              <a:t>Motor</a:t>
+            </a:r>
+          </a:p>
+          <a:p>
+            <a:r>
+              <a:rPr lang="en-US" i="1" dirty="0" smtClean="0">
+                <a:latin typeface="Garamond" panose="02020404030301010803" pitchFamily="18" charset="0"/>
+              </a:rPr>
+              <a:t>Batteries</a:t>
+            </a:r>
+          </a:p>
+          <a:p>
+            <a:r>
+              <a:rPr lang="en-US" i="1" dirty="0" smtClean="0">
+                <a:latin typeface="Garamond" panose="02020404030301010803" pitchFamily="18" charset="0"/>
+              </a:rPr>
+              <a:t>ESC</a:t>
+            </a:r>
+          </a:p>
+          <a:p>
+            <a:r>
+              <a:rPr lang="en-US" i="1" dirty="0" smtClean="0">
+                <a:latin typeface="Garamond" panose="02020404030301010803" pitchFamily="18" charset="0"/>
+              </a:rPr>
+              <a:t>Control</a:t>
+            </a:r>
+          </a:p>
+          <a:p>
+            <a:r>
+              <a:rPr lang="en-US" i="1" dirty="0" smtClean="0">
+                <a:latin typeface="Garamond" panose="02020404030301010803" pitchFamily="18" charset="0"/>
+              </a:rPr>
+              <a:t>Cooling</a:t>
+            </a:r>
+            <a:endParaRPr lang="en-US" i="1" dirty="0" smtClean="0">
+              <a:latin typeface="Garamond" panose="02020404030301010803" pitchFamily="18" charset="0"/>
+            </a:endParaRPr>
+          </a:p>
+        </p:txBody>
+      </p:sp>
+      <p:sp>
+        <p:nvSpPr>
+          <p:cNvPr id="26" name="Rectangle 25"/>
+          <p:cNvSpPr/>
+          <p:nvPr/>
+        </p:nvSpPr>
+        <p:spPr>
+          <a:xfrm>
+            <a:off x="366714" y="2700343"/>
+            <a:ext cx="1014410" cy="923330"/>
+          </a:xfrm>
+          <a:prstGeom prst="rect">
+            <a:avLst/>
+          </a:prstGeom>
+        </p:spPr>
+        <p:txBody>
+          <a:bodyPr wrap="square">
+            <a:spAutoFit/>
+          </a:bodyPr>
+          <a:lstStyle/>
+          <a:p>
+            <a:r>
+              <a:rPr lang="en-US" i="1" dirty="0">
+                <a:latin typeface="Garamond" panose="02020404030301010803" pitchFamily="18" charset="0"/>
+              </a:rPr>
+              <a:t>Impeller</a:t>
+            </a:r>
+          </a:p>
+          <a:p>
+            <a:r>
+              <a:rPr lang="en-US" i="1" dirty="0">
+                <a:latin typeface="Garamond" panose="02020404030301010803" pitchFamily="18" charset="0"/>
+              </a:rPr>
+              <a:t>Diffuser</a:t>
+            </a:r>
+          </a:p>
+          <a:p>
+            <a:r>
+              <a:rPr lang="en-US" i="1" dirty="0">
+                <a:latin typeface="Garamond" panose="02020404030301010803" pitchFamily="18" charset="0"/>
+              </a:rPr>
+              <a:t>Volute</a:t>
+            </a:r>
+          </a:p>
+        </p:txBody>
+      </p:sp>
+      <p:sp>
+        <p:nvSpPr>
+          <p:cNvPr id="28" name="TextBox 27"/>
+          <p:cNvSpPr txBox="1"/>
+          <p:nvPr/>
+        </p:nvSpPr>
+        <p:spPr>
+          <a:xfrm>
+            <a:off x="9965542" y="2106871"/>
+            <a:ext cx="1471353" cy="1200329"/>
+          </a:xfrm>
+          <a:prstGeom prst="rect">
+            <a:avLst/>
+          </a:prstGeom>
+          <a:noFill/>
+        </p:spPr>
+        <p:txBody>
+          <a:bodyPr wrap="square" rtlCol="0">
+            <a:spAutoFit/>
+          </a:bodyPr>
+          <a:lstStyle/>
+          <a:p>
+            <a:r>
+              <a:rPr lang="en-US" i="1" dirty="0" smtClean="0">
+                <a:latin typeface="Garamond" panose="02020404030301010803" pitchFamily="18" charset="0"/>
+              </a:rPr>
+              <a:t>Supply Tank</a:t>
+            </a:r>
+          </a:p>
+          <a:p>
+            <a:r>
+              <a:rPr lang="en-US" i="1" dirty="0" smtClean="0">
+                <a:latin typeface="Garamond" panose="02020404030301010803" pitchFamily="18" charset="0"/>
+              </a:rPr>
+              <a:t>Valves</a:t>
+            </a:r>
+          </a:p>
+          <a:p>
+            <a:r>
+              <a:rPr lang="en-US" i="1" dirty="0" smtClean="0">
+                <a:latin typeface="Garamond" panose="02020404030301010803" pitchFamily="18" charset="0"/>
+              </a:rPr>
+              <a:t>Tubing</a:t>
+            </a:r>
+          </a:p>
+          <a:p>
+            <a:endParaRPr lang="en-US" dirty="0">
+              <a:latin typeface="Garamond" panose="02020404030301010803" pitchFamily="18" charset="0"/>
+            </a:endParaRPr>
+          </a:p>
+        </p:txBody>
+      </p:sp>
+      <p:sp>
+        <p:nvSpPr>
+          <p:cNvPr id="29" name="Rectangle 28"/>
+          <p:cNvSpPr/>
+          <p:nvPr/>
+        </p:nvSpPr>
+        <p:spPr>
+          <a:xfrm>
+            <a:off x="1197554" y="2707035"/>
+            <a:ext cx="6096000" cy="1754326"/>
+          </a:xfrm>
+          <a:prstGeom prst="rect">
+            <a:avLst/>
+          </a:prstGeom>
+        </p:spPr>
+        <p:txBody>
+          <a:bodyPr>
+            <a:spAutoFit/>
+          </a:bodyPr>
+          <a:lstStyle/>
+          <a:p>
+            <a:r>
+              <a:rPr lang="en-US" i="1" dirty="0">
+                <a:latin typeface="Garamond" panose="02020404030301010803" pitchFamily="18" charset="0"/>
+              </a:rPr>
+              <a:t>Bearings</a:t>
+            </a:r>
+          </a:p>
+          <a:p>
+            <a:r>
+              <a:rPr lang="en-US" i="1" dirty="0">
+                <a:latin typeface="Garamond" panose="02020404030301010803" pitchFamily="18" charset="0"/>
+              </a:rPr>
+              <a:t>Seals</a:t>
+            </a:r>
+          </a:p>
+          <a:p>
+            <a:r>
+              <a:rPr lang="en-US" i="1" dirty="0">
+                <a:latin typeface="Garamond" panose="02020404030301010803" pitchFamily="18" charset="0"/>
+              </a:rPr>
+              <a:t>Shaft</a:t>
+            </a:r>
+          </a:p>
+          <a:p>
+            <a:r>
+              <a:rPr lang="en-US" i="1" dirty="0">
+                <a:latin typeface="Garamond" panose="02020404030301010803" pitchFamily="18" charset="0"/>
+              </a:rPr>
+              <a:t>Coupling</a:t>
+            </a:r>
+          </a:p>
+          <a:p>
+            <a:r>
+              <a:rPr lang="en-US" i="1" dirty="0">
+                <a:latin typeface="Garamond" panose="02020404030301010803" pitchFamily="18" charset="0"/>
+              </a:rPr>
+              <a:t>Alignment</a:t>
+            </a:r>
+          </a:p>
+          <a:p>
+            <a:endParaRPr lang="en-US" dirty="0">
+              <a:latin typeface="Garamond" panose="02020404030301010803" pitchFamily="18" charset="0"/>
+            </a:endParaRPr>
+          </a:p>
+        </p:txBody>
+      </p:sp>
+      <p:sp>
+        <p:nvSpPr>
+          <p:cNvPr id="34" name="TextBox 33"/>
+          <p:cNvSpPr txBox="1"/>
+          <p:nvPr/>
+        </p:nvSpPr>
+        <p:spPr>
+          <a:xfrm>
+            <a:off x="9866135" y="3951467"/>
+            <a:ext cx="1542219" cy="1200329"/>
+          </a:xfrm>
+          <a:prstGeom prst="rect">
+            <a:avLst/>
+          </a:prstGeom>
+          <a:noFill/>
+        </p:spPr>
+        <p:txBody>
+          <a:bodyPr wrap="square" rtlCol="0">
+            <a:spAutoFit/>
+          </a:bodyPr>
+          <a:lstStyle/>
+          <a:p>
+            <a:r>
+              <a:rPr lang="en-US" i="1" dirty="0" smtClean="0">
+                <a:latin typeface="Garamond" panose="02020404030301010803" pitchFamily="18" charset="0"/>
+              </a:rPr>
+              <a:t>Arduino </a:t>
+            </a:r>
+          </a:p>
+          <a:p>
+            <a:r>
+              <a:rPr lang="en-US" i="1" dirty="0" smtClean="0">
+                <a:latin typeface="Garamond" panose="02020404030301010803" pitchFamily="18" charset="0"/>
+              </a:rPr>
+              <a:t>Excel DAQ</a:t>
+            </a:r>
+          </a:p>
+          <a:p>
+            <a:r>
+              <a:rPr lang="en-US" i="1" dirty="0" smtClean="0">
+                <a:latin typeface="Garamond" panose="02020404030301010803" pitchFamily="18" charset="0"/>
+              </a:rPr>
+              <a:t>Sensors</a:t>
+            </a:r>
+          </a:p>
+          <a:p>
+            <a:endParaRPr lang="en-US" i="1" dirty="0" smtClean="0">
+              <a:latin typeface="Garamond" panose="02020404030301010803" pitchFamily="18" charset="0"/>
+            </a:endParaRPr>
+          </a:p>
+        </p:txBody>
+      </p:sp>
       <p:cxnSp>
         <p:nvCxnSpPr>
-          <p:cNvPr id="12" name="Straight Arrow Connector 11"/>
+          <p:cNvPr id="23" name="Straight Arrow Connector 22"/>
           <p:cNvCxnSpPr/>
           <p:nvPr/>
         </p:nvCxnSpPr>
         <p:spPr>
-          <a:xfrm flipH="1" flipV="1">
-            <a:off x="9082328" y="4219662"/>
-            <a:ext cx="1099897" cy="1068344"/>
+          <a:xfrm flipV="1">
+            <a:off x="1767961" y="4808787"/>
+            <a:ext cx="965714" cy="263616"/>
           </a:xfrm>
           <a:prstGeom prst="straightConnector1">
             <a:avLst/>
           </a:prstGeom>
-          <a:ln>
+          <a:ln w="57150">
+            <a:solidFill>
+              <a:schemeClr val="tx1"/>
+            </a:solidFill>
             <a:tailEnd type="triangle"/>
           </a:ln>
         </p:spPr>
@@ -5499,19 +5788,22 @@
       </p:cxnSp>
       <p:cxnSp>
         <p:nvCxnSpPr>
-          <p:cNvPr id="13" name="Straight Arrow Connector 12"/>
+          <p:cNvPr id="24" name="Straight Arrow Connector 23"/>
           <p:cNvCxnSpPr/>
           <p:nvPr/>
         </p:nvCxnSpPr>
         <p:spPr>
-          <a:xfrm>
-            <a:off x="6172200" y="2171722"/>
-            <a:ext cx="945908" cy="1710017"/>
+          <a:xfrm flipH="1">
+            <a:off x="7915275" y="3786528"/>
+            <a:ext cx="1961911" cy="528297"/>
           </a:xfrm>
           <a:prstGeom prst="straightConnector1">
             <a:avLst/>
           </a:prstGeom>
-          <a:ln>
+          <a:ln w="57150">
+            <a:solidFill>
+              <a:schemeClr val="tx1"/>
+            </a:solidFill>
             <a:tailEnd type="triangle"/>
           </a:ln>
         </p:spPr>
@@ -5532,19 +5824,22 @@
       </p:cxnSp>
       <p:cxnSp>
         <p:nvCxnSpPr>
-          <p:cNvPr id="15" name="Straight Arrow Connector 14"/>
+          <p:cNvPr id="25" name="Straight Arrow Connector 24"/>
           <p:cNvCxnSpPr/>
           <p:nvPr/>
         </p:nvCxnSpPr>
         <p:spPr>
-          <a:xfrm>
-            <a:off x="1568397" y="2356388"/>
-            <a:ext cx="819969" cy="901162"/>
+          <a:xfrm flipH="1">
+            <a:off x="7124700" y="1868451"/>
+            <a:ext cx="2878857" cy="215084"/>
           </a:xfrm>
           <a:prstGeom prst="straightConnector1">
             <a:avLst/>
           </a:prstGeom>
-          <a:ln>
+          <a:ln w="57150">
+            <a:solidFill>
+              <a:schemeClr val="tx1"/>
+            </a:solidFill>
             <a:tailEnd type="triangle"/>
           </a:ln>
         </p:spPr>
@@ -5563,10 +5858,93 @@
           </a:fontRef>
         </p:style>
       </p:cxnSp>
+      <p:sp>
+        <p:nvSpPr>
+          <p:cNvPr id="27" name="Title 1"/>
+          <p:cNvSpPr txBox="1">
+            <a:spLocks/>
+          </p:cNvSpPr>
+          <p:nvPr/>
+        </p:nvSpPr>
+        <p:spPr>
+          <a:xfrm>
+            <a:off x="775854" y="0"/>
+            <a:ext cx="10515600" cy="602673"/>
+          </a:xfrm>
+          <a:prstGeom prst="rect">
+            <a:avLst/>
+          </a:prstGeom>
+        </p:spPr>
+        <p:txBody>
+          <a:bodyPr vert="horz" lIns="91440" tIns="45720" rIns="91440" bIns="45720" rtlCol="0" anchor="b">
+            <a:noAutofit/>
+          </a:bodyPr>
+          <a:lstStyle>
+            <a:lvl1pPr algn="ctr" defTabSz="914400" rtl="0" eaLnBrk="1" latinLnBrk="0" hangingPunct="1">
+              <a:lnSpc>
+                <a:spcPct val="90000"/>
+              </a:lnSpc>
+              <a:spcBef>
+                <a:spcPct val="0"/>
+              </a:spcBef>
+              <a:buNone/>
+              <a:defRPr sz="6000" kern="1200">
+                <a:solidFill>
+                  <a:schemeClr val="tx1"/>
+                </a:solidFill>
+                <a:latin typeface="+mj-lt"/>
+                <a:ea typeface="+mj-ea"/>
+                <a:cs typeface="+mj-cs"/>
+              </a:defRPr>
+            </a:lvl1pPr>
+          </a:lstStyle>
+          <a:p>
+            <a:r>
+              <a:rPr lang="en-US" sz="3200" dirty="0" smtClean="0">
+                <a:latin typeface="Garamond" panose="02020404030301010803" pitchFamily="18" charset="0"/>
+              </a:rPr>
+              <a:t>EFS Subsystems</a:t>
+            </a:r>
+            <a:endParaRPr lang="en-US" sz="3200" dirty="0">
+              <a:latin typeface="Garamond" panose="02020404030301010803" pitchFamily="18" charset="0"/>
+            </a:endParaRPr>
+          </a:p>
+        </p:txBody>
+      </p:sp>
+      <p:cxnSp>
+        <p:nvCxnSpPr>
+          <p:cNvPr id="30" name="Straight Connector 29"/>
+          <p:cNvCxnSpPr/>
+          <p:nvPr/>
+        </p:nvCxnSpPr>
+        <p:spPr>
+          <a:xfrm>
+            <a:off x="519545" y="644238"/>
+            <a:ext cx="11055928" cy="0"/>
+          </a:xfrm>
+          <a:prstGeom prst="line">
+            <a:avLst/>
+          </a:prstGeom>
+        </p:spPr>
+        <p:style>
+          <a:lnRef idx="1">
+            <a:schemeClr val="dk1"/>
+          </a:lnRef>
+          <a:fillRef idx="0">
+            <a:schemeClr val="dk1"/>
+          </a:fillRef>
+          <a:effectRef idx="0">
+            <a:schemeClr val="dk1"/>
+          </a:effectRef>
+          <a:fontRef idx="minor">
+            <a:schemeClr val="tx1"/>
+          </a:fontRef>
+        </p:style>
+      </p:cxnSp>
     </p:spTree>
     <p:extLst>
       <p:ext uri="{BB962C8B-B14F-4D97-AF65-F5344CB8AC3E}">
-        <p14:creationId xmlns:p14="http://schemas.microsoft.com/office/powerpoint/2010/main" val="2774210763"/>
+        <p14:creationId xmlns:p14="http://schemas.microsoft.com/office/powerpoint/2010/main" val="2348597559"/>
       </p:ext>
     </p:extLst>
   </p:cSld>
@@ -5580,6 +5958,220 @@
       </p:par>
     </p:tnLst>
   </p:timing>
+</p:sld>
+</file>
+
+<file path=ppt/slides/slide6.xml><?xml version="1.0" encoding="utf-8"?>
+<p:sld xmlns:a="http://schemas.openxmlformats.org/drawingml/2006/main" xmlns:r="http://schemas.openxmlformats.org/officeDocument/2006/relationships" xmlns:p="http://schemas.openxmlformats.org/presentationml/2006/main">
+  <p:cSld>
+    <p:spTree>
+      <p:nvGrpSpPr>
+        <p:cNvPr id="1" name=""/>
+        <p:cNvGrpSpPr/>
+        <p:nvPr/>
+      </p:nvGrpSpPr>
+      <p:grpSpPr>
+        <a:xfrm>
+          <a:off x="0" y="0"/>
+          <a:ext cx="0" cy="0"/>
+          <a:chOff x="0" y="0"/>
+          <a:chExt cx="0" cy="0"/>
+        </a:xfrm>
+      </p:grpSpPr>
+      <p:sp>
+        <p:nvSpPr>
+          <p:cNvPr id="4" name="Slide Number Placeholder 3"/>
+          <p:cNvSpPr>
+            <a:spLocks noGrp="1"/>
+          </p:cNvSpPr>
+          <p:nvPr>
+            <p:ph type="sldNum" sz="quarter" idx="12"/>
+          </p:nvPr>
+        </p:nvSpPr>
+        <p:spPr/>
+        <p:txBody>
+          <a:bodyPr/>
+          <a:lstStyle/>
+          <a:p>
+            <a:fld id="{27225834-A5F4-4780-A9FC-586FB30F9BB0}" type="slidenum">
+              <a:rPr lang="en-US" smtClean="0"/>
+              <a:t>6</a:t>
+            </a:fld>
+            <a:endParaRPr lang="en-US"/>
+          </a:p>
+        </p:txBody>
+      </p:sp>
+      <p:pic>
+        <p:nvPicPr>
+          <p:cNvPr id="5" name="Picture 4"/>
+          <p:cNvPicPr>
+            <a:picLocks noChangeAspect="1"/>
+          </p:cNvPicPr>
+          <p:nvPr/>
+        </p:nvPicPr>
+        <p:blipFill>
+          <a:blip r:embed="rId2"/>
+          <a:stretch>
+            <a:fillRect/>
+          </a:stretch>
+        </p:blipFill>
+        <p:spPr>
+          <a:xfrm>
+            <a:off x="1832462" y="1438495"/>
+            <a:ext cx="8402384" cy="4305079"/>
+          </a:xfrm>
+          <a:prstGeom prst="rect">
+            <a:avLst/>
+          </a:prstGeom>
+        </p:spPr>
+      </p:pic>
+      <p:sp>
+        <p:nvSpPr>
+          <p:cNvPr id="6" name="Title 1"/>
+          <p:cNvSpPr txBox="1">
+            <a:spLocks/>
+          </p:cNvSpPr>
+          <p:nvPr/>
+        </p:nvSpPr>
+        <p:spPr>
+          <a:xfrm>
+            <a:off x="775854" y="0"/>
+            <a:ext cx="10515600" cy="602673"/>
+          </a:xfrm>
+          <a:prstGeom prst="rect">
+            <a:avLst/>
+          </a:prstGeom>
+        </p:spPr>
+        <p:txBody>
+          <a:bodyPr vert="horz" lIns="91440" tIns="45720" rIns="91440" bIns="45720" rtlCol="0" anchor="b">
+            <a:noAutofit/>
+          </a:bodyPr>
+          <a:lstStyle>
+            <a:lvl1pPr algn="ctr" defTabSz="914400" rtl="0" eaLnBrk="1" latinLnBrk="0" hangingPunct="1">
+              <a:lnSpc>
+                <a:spcPct val="90000"/>
+              </a:lnSpc>
+              <a:spcBef>
+                <a:spcPct val="0"/>
+              </a:spcBef>
+              <a:buNone/>
+              <a:defRPr sz="6000" kern="1200">
+                <a:solidFill>
+                  <a:schemeClr val="tx1"/>
+                </a:solidFill>
+                <a:latin typeface="+mj-lt"/>
+                <a:ea typeface="+mj-ea"/>
+                <a:cs typeface="+mj-cs"/>
+              </a:defRPr>
+            </a:lvl1pPr>
+          </a:lstStyle>
+          <a:p>
+            <a:r>
+              <a:rPr lang="en-US" sz="3200" dirty="0" smtClean="0">
+                <a:latin typeface="Garamond" panose="02020404030301010803" pitchFamily="18" charset="0"/>
+              </a:rPr>
+              <a:t>Punch card</a:t>
+            </a:r>
+            <a:endParaRPr lang="en-US" sz="3200" dirty="0">
+              <a:latin typeface="Garamond" panose="02020404030301010803" pitchFamily="18" charset="0"/>
+            </a:endParaRPr>
+          </a:p>
+        </p:txBody>
+      </p:sp>
+      <p:cxnSp>
+        <p:nvCxnSpPr>
+          <p:cNvPr id="7" name="Straight Connector 6"/>
+          <p:cNvCxnSpPr/>
+          <p:nvPr/>
+        </p:nvCxnSpPr>
+        <p:spPr>
+          <a:xfrm>
+            <a:off x="519545" y="644238"/>
+            <a:ext cx="11055928" cy="0"/>
+          </a:xfrm>
+          <a:prstGeom prst="line">
+            <a:avLst/>
+          </a:prstGeom>
+        </p:spPr>
+        <p:style>
+          <a:lnRef idx="1">
+            <a:schemeClr val="dk1"/>
+          </a:lnRef>
+          <a:fillRef idx="0">
+            <a:schemeClr val="dk1"/>
+          </a:fillRef>
+          <a:effectRef idx="0">
+            <a:schemeClr val="dk1"/>
+          </a:effectRef>
+          <a:fontRef idx="minor">
+            <a:schemeClr val="tx1"/>
+          </a:fontRef>
+        </p:style>
+      </p:cxnSp>
+      <p:sp>
+        <p:nvSpPr>
+          <p:cNvPr id="8" name="Title 1"/>
+          <p:cNvSpPr txBox="1">
+            <a:spLocks/>
+          </p:cNvSpPr>
+          <p:nvPr/>
+        </p:nvSpPr>
+        <p:spPr>
+          <a:xfrm>
+            <a:off x="789709" y="885371"/>
+            <a:ext cx="10515600" cy="5067560"/>
+          </a:xfrm>
+          <a:prstGeom prst="rect">
+            <a:avLst/>
+          </a:prstGeom>
+        </p:spPr>
+        <p:txBody>
+          <a:bodyPr vert="horz" lIns="91440" tIns="45720" rIns="91440" bIns="45720" rtlCol="0" anchor="t">
+            <a:noAutofit/>
+          </a:bodyPr>
+          <a:lstStyle>
+            <a:lvl1pPr algn="ctr" defTabSz="914400" rtl="0" eaLnBrk="1" latinLnBrk="0" hangingPunct="1">
+              <a:lnSpc>
+                <a:spcPct val="90000"/>
+              </a:lnSpc>
+              <a:spcBef>
+                <a:spcPct val="0"/>
+              </a:spcBef>
+              <a:buNone/>
+              <a:defRPr sz="6000" kern="1200">
+                <a:solidFill>
+                  <a:schemeClr val="tx1"/>
+                </a:solidFill>
+                <a:latin typeface="+mj-lt"/>
+                <a:ea typeface="+mj-ea"/>
+                <a:cs typeface="+mj-cs"/>
+              </a:defRPr>
+            </a:lvl1pPr>
+          </a:lstStyle>
+          <a:p>
+            <a:pPr algn="l"/>
+            <a:endParaRPr lang="en-US" sz="3200" dirty="0" smtClean="0">
+              <a:latin typeface="Garamond" panose="02020404030301010803" pitchFamily="18" charset="0"/>
+            </a:endParaRPr>
+          </a:p>
+          <a:p>
+            <a:pPr algn="l"/>
+            <a:endParaRPr lang="en-US" sz="3200" dirty="0">
+              <a:latin typeface="Garamond" panose="02020404030301010803" pitchFamily="18" charset="0"/>
+            </a:endParaRPr>
+          </a:p>
+        </p:txBody>
+      </p:sp>
+    </p:spTree>
+    <p:extLst>
+      <p:ext uri="{BB962C8B-B14F-4D97-AF65-F5344CB8AC3E}">
+        <p14:creationId xmlns:p14="http://schemas.microsoft.com/office/powerpoint/2010/main" val="3285692221"/>
+      </p:ext>
+    </p:extLst>
+  </p:cSld>
+  <p:clrMapOvr>
+    <a:masterClrMapping/>
+  </p:clrMapOvr>
 </p:sld>
 </file>
 

--- a/Docs/Presentations/Slides/#5 design and subsystems.pptx
+++ b/Docs/Presentations/Slides/#5 design and subsystems.pptx
@@ -4943,9 +4943,6 @@
               </a:rPr>
               <a:t>Motor</a:t>
             </a:r>
-            <a:endParaRPr lang="en-US" i="1" dirty="0" smtClean="0">
-              <a:latin typeface="Garamond" panose="02020404030301010803" pitchFamily="18" charset="0"/>
-            </a:endParaRPr>
           </a:p>
         </p:txBody>
       </p:sp>
@@ -5527,9 +5524,6 @@
               </a:rPr>
               <a:t>Cooling</a:t>
             </a:r>
-            <a:endParaRPr lang="en-US" i="1" dirty="0" smtClean="0">
-              <a:latin typeface="Garamond" panose="02020404030301010803" pitchFamily="18" charset="0"/>
-            </a:endParaRPr>
           </a:p>
         </p:txBody>
       </p:sp>
